--- a/documentacion/vehiculos/Vehiculos_AC.pptx
+++ b/documentacion/vehiculos/Vehiculos_AC.pptx
@@ -1,42 +1,42 @@
 
 <file path=ppt/presentation.xml><?xml version="1.0" encoding="utf-8"?>
-<p:presentation xmlns:a="http://schemas.openxmlformats.org/drawingml/2006/main" xmlns:r="http://schemas.openxmlformats.org/officeDocument/2006/relationships" xmlns:mc="http://schemas.openxmlformats.org/markup-compatibility/2006" xmlns:mv="urn:schemas-microsoft-com:mac:vml" xmlns:p="http://schemas.openxmlformats.org/presentationml/2006/main" xmlns:c="http://schemas.openxmlformats.org/drawingml/2006/chart" xmlns:dgm="http://schemas.openxmlformats.org/drawingml/2006/diagram" xmlns:o="urn:schemas-microsoft-com:office:office" xmlns:v="urn:schemas-microsoft-com:vml" xmlns:pvml="urn:schemas-microsoft-com:office:powerpoint" xmlns:com="http://schemas.openxmlformats.org/drawingml/2006/compatibility" xmlns:p14="http://schemas.microsoft.com/office/powerpoint/2010/main" xmlns:p15="http://schemas.microsoft.com/office/powerpoint/2012/main" xmlns:ahyp="http://schemas.microsoft.com/office/drawing/2018/hyperlinkcolor" autoCompressPictures="0" embedTrueTypeFonts="1" strictFirstAndLastChars="0" saveSubsetFonts="1">
+<p:presentation xmlns:a="http://schemas.openxmlformats.org/drawingml/2006/main" xmlns:r="http://schemas.openxmlformats.org/officeDocument/2006/relationships" xmlns:p="http://schemas.openxmlformats.org/presentationml/2006/main" strictFirstAndLastChars="0" embedTrueTypeFonts="1" saveSubsetFonts="1" autoCompressPictures="0">
   <p:sldMasterIdLst>
-    <p:sldMasterId id="2147483659" r:id="rId5"/>
+    <p:sldMasterId id="2147483659" r:id="rId1"/>
   </p:sldMasterIdLst>
   <p:notesMasterIdLst>
-    <p:notesMasterId r:id="rId6"/>
+    <p:notesMasterId r:id="rId3"/>
   </p:notesMasterIdLst>
   <p:sldIdLst>
-    <p:sldId id="256" r:id="rId7"/>
+    <p:sldId id="256" r:id="rId2"/>
   </p:sldIdLst>
-  <p:sldSz cy="5143500" cx="9144000"/>
+  <p:sldSz cx="9144000" cy="5143500" type="screen16x9"/>
   <p:notesSz cx="6858000" cy="9144000"/>
   <p:embeddedFontLst>
     <p:embeddedFont>
-      <p:font typeface="Montserrat SemiBold"/>
+      <p:font typeface="Montserrat" panose="00000500000000000000" pitchFamily="2" charset="0"/>
+      <p:regular r:id="rId4"/>
+      <p:bold r:id="rId5"/>
+      <p:italic r:id="rId6"/>
+      <p:boldItalic r:id="rId7"/>
+    </p:embeddedFont>
+    <p:embeddedFont>
+      <p:font typeface="Montserrat SemiBold" panose="00000700000000000000" pitchFamily="2" charset="0"/>
       <p:regular r:id="rId8"/>
       <p:bold r:id="rId9"/>
       <p:italic r:id="rId10"/>
       <p:boldItalic r:id="rId11"/>
     </p:embeddedFont>
     <p:embeddedFont>
-      <p:font typeface="Montserrat"/>
+      <p:font typeface="Noto Sans" panose="020B0502040504020204" pitchFamily="34" charset="0"/>
       <p:regular r:id="rId12"/>
       <p:bold r:id="rId13"/>
       <p:italic r:id="rId14"/>
       <p:boldItalic r:id="rId15"/>
     </p:embeddedFont>
-    <p:embeddedFont>
-      <p:font typeface="Noto Sans"/>
-      <p:regular r:id="rId16"/>
-      <p:bold r:id="rId17"/>
-      <p:italic r:id="rId18"/>
-      <p:boldItalic r:id="rId19"/>
-    </p:embeddedFont>
   </p:embeddedFontLst>
   <p:defaultTextStyle>
-    <a:defPPr lvl="0" marR="0" rtl="0" algn="l">
+    <a:defPPr marR="0" lvl="0" algn="l" rtl="0">
       <a:lnSpc>
         <a:spcPct val="100000"/>
       </a:lnSpc>
@@ -47,7 +47,7 @@
         <a:spcPts val="0"/>
       </a:spcAft>
     </a:defPPr>
-    <a:lvl1pPr lvl="0" marR="0" rtl="0" algn="l">
+    <a:lvl1pPr marR="0" lvl="0" algn="l" rtl="0">
       <a:lnSpc>
         <a:spcPct val="100000"/>
       </a:lnSpc>
@@ -61,7 +61,7 @@
         <a:srgbClr val="000000"/>
       </a:buClr>
       <a:buFont typeface="Arial"/>
-      <a:defRPr b="0" i="0" sz="1400" u="none" cap="none" strike="noStrike">
+      <a:defRPr sz="1400" b="0" i="0" u="none" strike="noStrike" cap="none">
         <a:solidFill>
           <a:srgbClr val="000000"/>
         </a:solidFill>
@@ -71,7 +71,7 @@
         <a:sym typeface="Arial"/>
       </a:defRPr>
     </a:lvl1pPr>
-    <a:lvl2pPr lvl="1" marR="0" rtl="0" algn="l">
+    <a:lvl2pPr marR="0" lvl="1" algn="l" rtl="0">
       <a:lnSpc>
         <a:spcPct val="100000"/>
       </a:lnSpc>
@@ -85,7 +85,7 @@
         <a:srgbClr val="000000"/>
       </a:buClr>
       <a:buFont typeface="Arial"/>
-      <a:defRPr b="0" i="0" sz="1400" u="none" cap="none" strike="noStrike">
+      <a:defRPr sz="1400" b="0" i="0" u="none" strike="noStrike" cap="none">
         <a:solidFill>
           <a:srgbClr val="000000"/>
         </a:solidFill>
@@ -95,7 +95,7 @@
         <a:sym typeface="Arial"/>
       </a:defRPr>
     </a:lvl2pPr>
-    <a:lvl3pPr lvl="2" marR="0" rtl="0" algn="l">
+    <a:lvl3pPr marR="0" lvl="2" algn="l" rtl="0">
       <a:lnSpc>
         <a:spcPct val="100000"/>
       </a:lnSpc>
@@ -109,7 +109,7 @@
         <a:srgbClr val="000000"/>
       </a:buClr>
       <a:buFont typeface="Arial"/>
-      <a:defRPr b="0" i="0" sz="1400" u="none" cap="none" strike="noStrike">
+      <a:defRPr sz="1400" b="0" i="0" u="none" strike="noStrike" cap="none">
         <a:solidFill>
           <a:srgbClr val="000000"/>
         </a:solidFill>
@@ -119,7 +119,7 @@
         <a:sym typeface="Arial"/>
       </a:defRPr>
     </a:lvl3pPr>
-    <a:lvl4pPr lvl="3" marR="0" rtl="0" algn="l">
+    <a:lvl4pPr marR="0" lvl="3" algn="l" rtl="0">
       <a:lnSpc>
         <a:spcPct val="100000"/>
       </a:lnSpc>
@@ -133,7 +133,7 @@
         <a:srgbClr val="000000"/>
       </a:buClr>
       <a:buFont typeface="Arial"/>
-      <a:defRPr b="0" i="0" sz="1400" u="none" cap="none" strike="noStrike">
+      <a:defRPr sz="1400" b="0" i="0" u="none" strike="noStrike" cap="none">
         <a:solidFill>
           <a:srgbClr val="000000"/>
         </a:solidFill>
@@ -143,7 +143,7 @@
         <a:sym typeface="Arial"/>
       </a:defRPr>
     </a:lvl4pPr>
-    <a:lvl5pPr lvl="4" marR="0" rtl="0" algn="l">
+    <a:lvl5pPr marR="0" lvl="4" algn="l" rtl="0">
       <a:lnSpc>
         <a:spcPct val="100000"/>
       </a:lnSpc>
@@ -157,7 +157,7 @@
         <a:srgbClr val="000000"/>
       </a:buClr>
       <a:buFont typeface="Arial"/>
-      <a:defRPr b="0" i="0" sz="1400" u="none" cap="none" strike="noStrike">
+      <a:defRPr sz="1400" b="0" i="0" u="none" strike="noStrike" cap="none">
         <a:solidFill>
           <a:srgbClr val="000000"/>
         </a:solidFill>
@@ -167,7 +167,7 @@
         <a:sym typeface="Arial"/>
       </a:defRPr>
     </a:lvl5pPr>
-    <a:lvl6pPr lvl="5" marR="0" rtl="0" algn="l">
+    <a:lvl6pPr marR="0" lvl="5" algn="l" rtl="0">
       <a:lnSpc>
         <a:spcPct val="100000"/>
       </a:lnSpc>
@@ -181,7 +181,7 @@
         <a:srgbClr val="000000"/>
       </a:buClr>
       <a:buFont typeface="Arial"/>
-      <a:defRPr b="0" i="0" sz="1400" u="none" cap="none" strike="noStrike">
+      <a:defRPr sz="1400" b="0" i="0" u="none" strike="noStrike" cap="none">
         <a:solidFill>
           <a:srgbClr val="000000"/>
         </a:solidFill>
@@ -191,7 +191,7 @@
         <a:sym typeface="Arial"/>
       </a:defRPr>
     </a:lvl6pPr>
-    <a:lvl7pPr lvl="6" marR="0" rtl="0" algn="l">
+    <a:lvl7pPr marR="0" lvl="6" algn="l" rtl="0">
       <a:lnSpc>
         <a:spcPct val="100000"/>
       </a:lnSpc>
@@ -205,7 +205,7 @@
         <a:srgbClr val="000000"/>
       </a:buClr>
       <a:buFont typeface="Arial"/>
-      <a:defRPr b="0" i="0" sz="1400" u="none" cap="none" strike="noStrike">
+      <a:defRPr sz="1400" b="0" i="0" u="none" strike="noStrike" cap="none">
         <a:solidFill>
           <a:srgbClr val="000000"/>
         </a:solidFill>
@@ -215,7 +215,7 @@
         <a:sym typeface="Arial"/>
       </a:defRPr>
     </a:lvl7pPr>
-    <a:lvl8pPr lvl="7" marR="0" rtl="0" algn="l">
+    <a:lvl8pPr marR="0" lvl="7" algn="l" rtl="0">
       <a:lnSpc>
         <a:spcPct val="100000"/>
       </a:lnSpc>
@@ -229,7 +229,7 @@
         <a:srgbClr val="000000"/>
       </a:buClr>
       <a:buFont typeface="Arial"/>
-      <a:defRPr b="0" i="0" sz="1400" u="none" cap="none" strike="noStrike">
+      <a:defRPr sz="1400" b="0" i="0" u="none" strike="noStrike" cap="none">
         <a:solidFill>
           <a:srgbClr val="000000"/>
         </a:solidFill>
@@ -239,7 +239,7 @@
         <a:sym typeface="Arial"/>
       </a:defRPr>
     </a:lvl8pPr>
-    <a:lvl9pPr lvl="8" marR="0" rtl="0" algn="l">
+    <a:lvl9pPr marR="0" lvl="8" algn="l" rtl="0">
       <a:lnSpc>
         <a:spcPct val="100000"/>
       </a:lnSpc>
@@ -253,7 +253,7 @@
         <a:srgbClr val="000000"/>
       </a:buClr>
       <a:buFont typeface="Arial"/>
-      <a:defRPr b="0" i="0" sz="1400" u="none" cap="none" strike="noStrike">
+      <a:defRPr sz="1400" b="0" i="0" u="none" strike="noStrike" cap="none">
         <a:solidFill>
           <a:srgbClr val="000000"/>
         </a:solidFill>
@@ -266,7 +266,7 @@
   </p:defaultTextStyle>
   <p:extLst>
     <p:ext uri="{EFAFB233-063F-42B5-8137-9DF3F51BA10A}">
-      <p15:sldGuideLst>
+      <p15:sldGuideLst xmlns:p15="http://schemas.microsoft.com/office/powerpoint/2012/main">
         <p15:guide id="1" orient="horz" pos="1620">
           <p15:clr>
             <a:srgbClr val="747775"/>
@@ -283,12 +283,46 @@
 </p:presentation>
 </file>
 
+<file path=ppt/changesInfos/changesInfo1.xml><?xml version="1.0" encoding="utf-8"?>
+<pc:chgInfo xmlns:a="http://schemas.openxmlformats.org/drawingml/2006/main" xmlns:r="http://schemas.openxmlformats.org/officeDocument/2006/relationships" xmlns:ac="http://schemas.microsoft.com/office/drawing/2013/main/command" xmlns:pc="http://schemas.microsoft.com/office/powerpoint/2013/main/command">
+  <pc:docChgLst>
+    <pc:chgData name="Guillermo Jiménez Gómez" userId="e8e1a3bb2d1e013b" providerId="LiveId" clId="{87BC0084-D877-4DEF-9209-203EEB2FC597}"/>
+    <pc:docChg chg="modSld">
+      <pc:chgData name="Guillermo Jiménez Gómez" userId="e8e1a3bb2d1e013b" providerId="LiveId" clId="{87BC0084-D877-4DEF-9209-203EEB2FC597}" dt="2025-03-26T18:04:18.056" v="0" actId="14734"/>
+      <pc:docMkLst>
+        <pc:docMk/>
+      </pc:docMkLst>
+      <pc:sldChg chg="modSp mod">
+        <pc:chgData name="Guillermo Jiménez Gómez" userId="e8e1a3bb2d1e013b" providerId="LiveId" clId="{87BC0084-D877-4DEF-9209-203EEB2FC597}" dt="2025-03-26T18:04:18.056" v="0" actId="14734"/>
+        <pc:sldMkLst>
+          <pc:docMk/>
+          <pc:sldMk cId="0" sldId="256"/>
+        </pc:sldMkLst>
+        <pc:graphicFrameChg chg="modGraphic">
+          <ac:chgData name="Guillermo Jiménez Gómez" userId="e8e1a3bb2d1e013b" providerId="LiveId" clId="{87BC0084-D877-4DEF-9209-203EEB2FC597}" dt="2025-03-26T18:04:18.056" v="0" actId="14734"/>
+          <ac:graphicFrameMkLst>
+            <pc:docMk/>
+            <pc:sldMk cId="0" sldId="256"/>
+            <ac:graphicFrameMk id="55" creationId="{00000000-0000-0000-0000-000000000000}"/>
+          </ac:graphicFrameMkLst>
+        </pc:graphicFrameChg>
+      </pc:sldChg>
+    </pc:docChg>
+  </pc:docChgLst>
+</pc:chgInfo>
+</file>
+
 <file path=ppt/notesMasters/notesMaster1.xml><?xml version="1.0" encoding="utf-8"?>
-<p:notesMaster xmlns:a="http://schemas.openxmlformats.org/drawingml/2006/main" xmlns:r="http://schemas.openxmlformats.org/officeDocument/2006/relationships" xmlns:mc="http://schemas.openxmlformats.org/markup-compatibility/2006" xmlns:mv="urn:schemas-microsoft-com:mac:vml" xmlns:p="http://schemas.openxmlformats.org/presentationml/2006/main" xmlns:c="http://schemas.openxmlformats.org/drawingml/2006/chart" xmlns:dgm="http://schemas.openxmlformats.org/drawingml/2006/diagram" xmlns:o="urn:schemas-microsoft-com:office:office" xmlns:v="urn:schemas-microsoft-com:vml" xmlns:pvml="urn:schemas-microsoft-com:office:powerpoint" xmlns:com="http://schemas.openxmlformats.org/drawingml/2006/compatibility" xmlns:p14="http://schemas.microsoft.com/office/powerpoint/2010/main" xmlns:p15="http://schemas.microsoft.com/office/powerpoint/2012/main" xmlns:ahyp="http://schemas.microsoft.com/office/drawing/2018/hyperlinkcolor">
+<p:notesMaster xmlns:a="http://schemas.openxmlformats.org/drawingml/2006/main" xmlns:r="http://schemas.openxmlformats.org/officeDocument/2006/relationships" xmlns:p="http://schemas.openxmlformats.org/presentationml/2006/main">
   <p:cSld>
+    <p:bg>
+      <p:bgRef idx="1001">
+        <a:schemeClr val="bg1"/>
+      </p:bgRef>
+    </p:bg>
     <p:spTree>
       <p:nvGrpSpPr>
-        <p:cNvPr id="2" name="Shape 2"/>
+        <p:cNvPr id="1" name="Shape 2"/>
         <p:cNvGrpSpPr/>
         <p:nvPr/>
       </p:nvGrpSpPr>
@@ -303,9 +337,11 @@
       <p:sp>
         <p:nvSpPr>
           <p:cNvPr id="3" name="Google Shape;3;n"/>
-          <p:cNvSpPr/>
+          <p:cNvSpPr>
+            <a:spLocks noGrp="1" noRot="1" noChangeAspect="1"/>
+          </p:cNvSpPr>
           <p:nvPr>
-            <p:ph idx="2" type="sldImg"/>
+            <p:ph type="sldImg" idx="2"/>
           </p:nvPr>
         </p:nvSpPr>
         <p:spPr>
@@ -314,9 +350,13 @@
             <a:ext cx="6096075" cy="3429000"/>
           </a:xfrm>
           <a:custGeom>
-            <a:rect b="b" l="l" r="r" t="t"/>
+            <a:avLst/>
+            <a:gdLst/>
+            <a:ahLst/>
+            <a:cxnLst/>
+            <a:rect l="l" t="t" r="r" b="b"/>
             <a:pathLst>
-              <a:path extrusionOk="0" h="120000" w="120000">
+              <a:path w="120000" h="120000" extrusionOk="0">
                 <a:moveTo>
                   <a:pt x="0" y="0"/>
                 </a:moveTo>
@@ -334,23 +374,25 @@
             </a:pathLst>
           </a:custGeom>
           <a:noFill/>
-          <a:ln cap="flat" cmpd="sng" w="9525">
+          <a:ln w="9525" cap="flat" cmpd="sng">
             <a:solidFill>
               <a:srgbClr val="000000"/>
             </a:solidFill>
             <a:prstDash val="solid"/>
             <a:round/>
-            <a:headEnd len="sm" w="sm" type="none"/>
-            <a:tailEnd len="sm" w="sm" type="none"/>
+            <a:headEnd type="none" w="sm" len="sm"/>
+            <a:tailEnd type="none" w="sm" len="sm"/>
           </a:ln>
         </p:spPr>
       </p:sp>
       <p:sp>
         <p:nvSpPr>
           <p:cNvPr id="4" name="Google Shape;4;n"/>
-          <p:cNvSpPr txBox="1"/>
+          <p:cNvSpPr txBox="1">
+            <a:spLocks noGrp="1"/>
+          </p:cNvSpPr>
           <p:nvPr>
-            <p:ph idx="1" type="body"/>
+            <p:ph type="body" idx="1"/>
           </p:nvPr>
         </p:nvSpPr>
         <p:spPr>
@@ -367,11 +409,11 @@
           </a:ln>
         </p:spPr>
         <p:txBody>
-          <a:bodyPr anchorCtr="0" anchor="t" bIns="91425" lIns="91425" spcFirstLastPara="1" rIns="91425" wrap="square" tIns="91425">
+          <a:bodyPr spcFirstLastPara="1" wrap="square" lIns="91425" tIns="91425" rIns="91425" bIns="91425" anchor="t" anchorCtr="0">
             <a:noAutofit/>
           </a:bodyPr>
           <a:lstStyle>
-            <a:lvl1pPr indent="-298450" lvl="0" marL="457200">
+            <a:lvl1pPr marL="457200" lvl="0" indent="-298450">
               <a:spcBef>
                 <a:spcPts val="0"/>
               </a:spcBef>
@@ -382,7 +424,7 @@
               <a:buChar char="●"/>
               <a:defRPr sz="1100"/>
             </a:lvl1pPr>
-            <a:lvl2pPr indent="-298450" lvl="1" marL="914400">
+            <a:lvl2pPr marL="914400" lvl="1" indent="-298450">
               <a:spcBef>
                 <a:spcPts val="0"/>
               </a:spcBef>
@@ -393,7 +435,7 @@
               <a:buChar char="○"/>
               <a:defRPr sz="1100"/>
             </a:lvl2pPr>
-            <a:lvl3pPr indent="-298450" lvl="2" marL="1371600">
+            <a:lvl3pPr marL="1371600" lvl="2" indent="-298450">
               <a:spcBef>
                 <a:spcPts val="0"/>
               </a:spcBef>
@@ -404,7 +446,7 @@
               <a:buChar char="■"/>
               <a:defRPr sz="1100"/>
             </a:lvl3pPr>
-            <a:lvl4pPr indent="-298450" lvl="3" marL="1828800">
+            <a:lvl4pPr marL="1828800" lvl="3" indent="-298450">
               <a:spcBef>
                 <a:spcPts val="0"/>
               </a:spcBef>
@@ -415,7 +457,7 @@
               <a:buChar char="●"/>
               <a:defRPr sz="1100"/>
             </a:lvl4pPr>
-            <a:lvl5pPr indent="-298450" lvl="4" marL="2286000">
+            <a:lvl5pPr marL="2286000" lvl="4" indent="-298450">
               <a:spcBef>
                 <a:spcPts val="0"/>
               </a:spcBef>
@@ -426,7 +468,7 @@
               <a:buChar char="○"/>
               <a:defRPr sz="1100"/>
             </a:lvl5pPr>
-            <a:lvl6pPr indent="-298450" lvl="5" marL="2743200">
+            <a:lvl6pPr marL="2743200" lvl="5" indent="-298450">
               <a:spcBef>
                 <a:spcPts val="0"/>
               </a:spcBef>
@@ -437,7 +479,7 @@
               <a:buChar char="■"/>
               <a:defRPr sz="1100"/>
             </a:lvl6pPr>
-            <a:lvl7pPr indent="-298450" lvl="6" marL="3200400">
+            <a:lvl7pPr marL="3200400" lvl="6" indent="-298450">
               <a:spcBef>
                 <a:spcPts val="0"/>
               </a:spcBef>
@@ -448,7 +490,7 @@
               <a:buChar char="●"/>
               <a:defRPr sz="1100"/>
             </a:lvl7pPr>
-            <a:lvl8pPr indent="-298450" lvl="7" marL="3657600">
+            <a:lvl8pPr marL="3657600" lvl="7" indent="-298450">
               <a:spcBef>
                 <a:spcPts val="0"/>
               </a:spcBef>
@@ -459,7 +501,7 @@
               <a:buChar char="○"/>
               <a:defRPr sz="1100"/>
             </a:lvl8pPr>
-            <a:lvl9pPr indent="-298450" lvl="8" marL="4114800">
+            <a:lvl9pPr marL="4114800" lvl="8" indent="-298450">
               <a:spcBef>
                 <a:spcPts val="0"/>
               </a:spcBef>
@@ -471,14 +513,16 @@
               <a:defRPr sz="1100"/>
             </a:lvl9pPr>
           </a:lstStyle>
-          <a:p/>
+          <a:p>
+            <a:endParaRPr/>
+          </a:p>
         </p:txBody>
       </p:sp>
     </p:spTree>
   </p:cSld>
-  <p:clrMap accent1="accent1" accent2="accent2" accent3="accent3" accent4="accent4" accent5="accent5" accent6="accent6" bg1="lt1" bg2="dk2" tx1="dk1" tx2="lt2" folHlink="folHlink" hlink="hlink"/>
+  <p:clrMap bg1="lt1" tx1="dk1" bg2="dk2" tx2="lt2" accent1="accent1" accent2="accent2" accent3="accent3" accent4="accent4" accent5="accent5" accent6="accent6" hlink="hlink" folHlink="folHlink"/>
   <p:notesStyle>
-    <a:defPPr lvl="0" marR="0" rtl="0" algn="l">
+    <a:defPPr marR="0" lvl="0" algn="l" rtl="0">
       <a:lnSpc>
         <a:spcPct val="100000"/>
       </a:lnSpc>
@@ -489,7 +533,7 @@
         <a:spcPts val="0"/>
       </a:spcAft>
     </a:defPPr>
-    <a:lvl1pPr lvl="0" marR="0" rtl="0" algn="l">
+    <a:lvl1pPr marR="0" lvl="0" algn="l" rtl="0">
       <a:lnSpc>
         <a:spcPct val="100000"/>
       </a:lnSpc>
@@ -503,7 +547,7 @@
         <a:srgbClr val="000000"/>
       </a:buClr>
       <a:buFont typeface="Arial"/>
-      <a:defRPr b="0" i="0" sz="1400" u="none" cap="none" strike="noStrike">
+      <a:defRPr sz="1400" b="0" i="0" u="none" strike="noStrike" cap="none">
         <a:solidFill>
           <a:srgbClr val="000000"/>
         </a:solidFill>
@@ -513,7 +557,7 @@
         <a:sym typeface="Arial"/>
       </a:defRPr>
     </a:lvl1pPr>
-    <a:lvl2pPr lvl="1" marR="0" rtl="0" algn="l">
+    <a:lvl2pPr marR="0" lvl="1" algn="l" rtl="0">
       <a:lnSpc>
         <a:spcPct val="100000"/>
       </a:lnSpc>
@@ -527,7 +571,7 @@
         <a:srgbClr val="000000"/>
       </a:buClr>
       <a:buFont typeface="Arial"/>
-      <a:defRPr b="0" i="0" sz="1400" u="none" cap="none" strike="noStrike">
+      <a:defRPr sz="1400" b="0" i="0" u="none" strike="noStrike" cap="none">
         <a:solidFill>
           <a:srgbClr val="000000"/>
         </a:solidFill>
@@ -537,7 +581,7 @@
         <a:sym typeface="Arial"/>
       </a:defRPr>
     </a:lvl2pPr>
-    <a:lvl3pPr lvl="2" marR="0" rtl="0" algn="l">
+    <a:lvl3pPr marR="0" lvl="2" algn="l" rtl="0">
       <a:lnSpc>
         <a:spcPct val="100000"/>
       </a:lnSpc>
@@ -551,7 +595,7 @@
         <a:srgbClr val="000000"/>
       </a:buClr>
       <a:buFont typeface="Arial"/>
-      <a:defRPr b="0" i="0" sz="1400" u="none" cap="none" strike="noStrike">
+      <a:defRPr sz="1400" b="0" i="0" u="none" strike="noStrike" cap="none">
         <a:solidFill>
           <a:srgbClr val="000000"/>
         </a:solidFill>
@@ -561,7 +605,7 @@
         <a:sym typeface="Arial"/>
       </a:defRPr>
     </a:lvl3pPr>
-    <a:lvl4pPr lvl="3" marR="0" rtl="0" algn="l">
+    <a:lvl4pPr marR="0" lvl="3" algn="l" rtl="0">
       <a:lnSpc>
         <a:spcPct val="100000"/>
       </a:lnSpc>
@@ -575,7 +619,7 @@
         <a:srgbClr val="000000"/>
       </a:buClr>
       <a:buFont typeface="Arial"/>
-      <a:defRPr b="0" i="0" sz="1400" u="none" cap="none" strike="noStrike">
+      <a:defRPr sz="1400" b="0" i="0" u="none" strike="noStrike" cap="none">
         <a:solidFill>
           <a:srgbClr val="000000"/>
         </a:solidFill>
@@ -585,7 +629,7 @@
         <a:sym typeface="Arial"/>
       </a:defRPr>
     </a:lvl4pPr>
-    <a:lvl5pPr lvl="4" marR="0" rtl="0" algn="l">
+    <a:lvl5pPr marR="0" lvl="4" algn="l" rtl="0">
       <a:lnSpc>
         <a:spcPct val="100000"/>
       </a:lnSpc>
@@ -599,7 +643,7 @@
         <a:srgbClr val="000000"/>
       </a:buClr>
       <a:buFont typeface="Arial"/>
-      <a:defRPr b="0" i="0" sz="1400" u="none" cap="none" strike="noStrike">
+      <a:defRPr sz="1400" b="0" i="0" u="none" strike="noStrike" cap="none">
         <a:solidFill>
           <a:srgbClr val="000000"/>
         </a:solidFill>
@@ -609,7 +653,7 @@
         <a:sym typeface="Arial"/>
       </a:defRPr>
     </a:lvl5pPr>
-    <a:lvl6pPr lvl="5" marR="0" rtl="0" algn="l">
+    <a:lvl6pPr marR="0" lvl="5" algn="l" rtl="0">
       <a:lnSpc>
         <a:spcPct val="100000"/>
       </a:lnSpc>
@@ -623,7 +667,7 @@
         <a:srgbClr val="000000"/>
       </a:buClr>
       <a:buFont typeface="Arial"/>
-      <a:defRPr b="0" i="0" sz="1400" u="none" cap="none" strike="noStrike">
+      <a:defRPr sz="1400" b="0" i="0" u="none" strike="noStrike" cap="none">
         <a:solidFill>
           <a:srgbClr val="000000"/>
         </a:solidFill>
@@ -633,7 +677,7 @@
         <a:sym typeface="Arial"/>
       </a:defRPr>
     </a:lvl6pPr>
-    <a:lvl7pPr lvl="6" marR="0" rtl="0" algn="l">
+    <a:lvl7pPr marR="0" lvl="6" algn="l" rtl="0">
       <a:lnSpc>
         <a:spcPct val="100000"/>
       </a:lnSpc>
@@ -647,7 +691,7 @@
         <a:srgbClr val="000000"/>
       </a:buClr>
       <a:buFont typeface="Arial"/>
-      <a:defRPr b="0" i="0" sz="1400" u="none" cap="none" strike="noStrike">
+      <a:defRPr sz="1400" b="0" i="0" u="none" strike="noStrike" cap="none">
         <a:solidFill>
           <a:srgbClr val="000000"/>
         </a:solidFill>
@@ -657,7 +701,7 @@
         <a:sym typeface="Arial"/>
       </a:defRPr>
     </a:lvl7pPr>
-    <a:lvl8pPr lvl="7" marR="0" rtl="0" algn="l">
+    <a:lvl8pPr marR="0" lvl="7" algn="l" rtl="0">
       <a:lnSpc>
         <a:spcPct val="100000"/>
       </a:lnSpc>
@@ -671,7 +715,7 @@
         <a:srgbClr val="000000"/>
       </a:buClr>
       <a:buFont typeface="Arial"/>
-      <a:defRPr b="0" i="0" sz="1400" u="none" cap="none" strike="noStrike">
+      <a:defRPr sz="1400" b="0" i="0" u="none" strike="noStrike" cap="none">
         <a:solidFill>
           <a:srgbClr val="000000"/>
         </a:solidFill>
@@ -681,7 +725,7 @@
         <a:sym typeface="Arial"/>
       </a:defRPr>
     </a:lvl8pPr>
-    <a:lvl9pPr lvl="8" marR="0" rtl="0" algn="l">
+    <a:lvl9pPr marR="0" lvl="8" algn="l" rtl="0">
       <a:lnSpc>
         <a:spcPct val="100000"/>
       </a:lnSpc>
@@ -695,7 +739,7 @@
         <a:srgbClr val="000000"/>
       </a:buClr>
       <a:buFont typeface="Arial"/>
-      <a:defRPr b="0" i="0" sz="1400" u="none" cap="none" strike="noStrike">
+      <a:defRPr sz="1400" b="0" i="0" u="none" strike="noStrike" cap="none">
         <a:solidFill>
           <a:srgbClr val="000000"/>
         </a:solidFill>
@@ -710,11 +754,11 @@
 </file>
 
 <file path=ppt/notesSlides/notesSlide1.xml><?xml version="1.0" encoding="utf-8"?>
-<p:notes xmlns:a="http://schemas.openxmlformats.org/drawingml/2006/main" xmlns:r="http://schemas.openxmlformats.org/officeDocument/2006/relationships" xmlns:mc="http://schemas.openxmlformats.org/markup-compatibility/2006" xmlns:mv="urn:schemas-microsoft-com:mac:vml" xmlns:p="http://schemas.openxmlformats.org/presentationml/2006/main" xmlns:c="http://schemas.openxmlformats.org/drawingml/2006/chart" xmlns:dgm="http://schemas.openxmlformats.org/drawingml/2006/diagram" xmlns:o="urn:schemas-microsoft-com:office:office" xmlns:v="urn:schemas-microsoft-com:vml" xmlns:pvml="urn:schemas-microsoft-com:office:powerpoint" xmlns:com="http://schemas.openxmlformats.org/drawingml/2006/compatibility" xmlns:p14="http://schemas.microsoft.com/office/powerpoint/2010/main" xmlns:p15="http://schemas.microsoft.com/office/powerpoint/2012/main" xmlns:ahyp="http://schemas.microsoft.com/office/drawing/2018/hyperlinkcolor" showMasterPhAnim="0" showMasterSp="0">
+<p:notes xmlns:a="http://schemas.openxmlformats.org/drawingml/2006/main" xmlns:r="http://schemas.openxmlformats.org/officeDocument/2006/relationships" xmlns:p="http://schemas.openxmlformats.org/presentationml/2006/main" showMasterSp="0" showMasterPhAnim="0">
   <p:cSld>
     <p:spTree>
       <p:nvGrpSpPr>
-        <p:cNvPr id="50" name="Shape 50"/>
+        <p:cNvPr id="1" name="Shape 50"/>
         <p:cNvGrpSpPr/>
         <p:nvPr/>
       </p:nvGrpSpPr>
@@ -729,20 +773,26 @@
       <p:sp>
         <p:nvSpPr>
           <p:cNvPr id="51" name="Google Shape;51;p:notes"/>
-          <p:cNvSpPr/>
+          <p:cNvSpPr>
+            <a:spLocks noGrp="1" noRot="1" noChangeAspect="1"/>
+          </p:cNvSpPr>
           <p:nvPr>
-            <p:ph idx="2" type="sldImg"/>
+            <p:ph type="sldImg" idx="2"/>
           </p:nvPr>
         </p:nvSpPr>
         <p:spPr>
           <a:xfrm>
-            <a:off x="381300" y="685800"/>
-            <a:ext cx="6096075" cy="3429000"/>
+            <a:off x="381000" y="685800"/>
+            <a:ext cx="6096000" cy="3429000"/>
           </a:xfrm>
           <a:custGeom>
-            <a:rect b="b" l="l" r="r" t="t"/>
+            <a:avLst/>
+            <a:gdLst/>
+            <a:ahLst/>
+            <a:cxnLst/>
+            <a:rect l="l" t="t" r="r" b="b"/>
             <a:pathLst>
-              <a:path extrusionOk="0" h="120000" w="120000">
+              <a:path w="120000" h="120000" extrusionOk="0">
                 <a:moveTo>
                   <a:pt x="0" y="0"/>
                 </a:moveTo>
@@ -764,9 +814,11 @@
       <p:sp>
         <p:nvSpPr>
           <p:cNvPr id="52" name="Google Shape;52;p:notes"/>
-          <p:cNvSpPr txBox="1"/>
+          <p:cNvSpPr txBox="1">
+            <a:spLocks noGrp="1"/>
+          </p:cNvSpPr>
           <p:nvPr>
-            <p:ph idx="1" type="body"/>
+            <p:ph type="body" idx="1"/>
           </p:nvPr>
         </p:nvSpPr>
         <p:spPr>
@@ -779,12 +831,12 @@
           </a:prstGeom>
         </p:spPr>
         <p:txBody>
-          <a:bodyPr anchorCtr="0" anchor="t" bIns="91425" lIns="91425" spcFirstLastPara="1" rIns="91425" wrap="square" tIns="91425">
+          <a:bodyPr spcFirstLastPara="1" wrap="square" lIns="91425" tIns="91425" rIns="91425" bIns="91425" anchor="t" anchorCtr="0">
             <a:noAutofit/>
           </a:bodyPr>
           <a:lstStyle/>
           <a:p>
-            <a:pPr indent="0" lvl="0" marL="0" rtl="0" algn="l">
+            <a:pPr marL="0" lvl="0" indent="0" algn="l" rtl="0">
               <a:spcBef>
                 <a:spcPts val="0"/>
               </a:spcBef>
@@ -793,9 +845,6 @@
               </a:spcAft>
               <a:buNone/>
             </a:pPr>
-            <a:r>
-              <a:t/>
-            </a:r>
             <a:endParaRPr/>
           </a:p>
         </p:txBody>
@@ -809,11 +858,11 @@
 </file>
 
 <file path=ppt/slideLayouts/slideLayout1.xml><?xml version="1.0" encoding="utf-8"?>
-<p:sldLayout xmlns:a="http://schemas.openxmlformats.org/drawingml/2006/main" xmlns:r="http://schemas.openxmlformats.org/officeDocument/2006/relationships" xmlns:mc="http://schemas.openxmlformats.org/markup-compatibility/2006" xmlns:mv="urn:schemas-microsoft-com:mac:vml" xmlns:p="http://schemas.openxmlformats.org/presentationml/2006/main" xmlns:c="http://schemas.openxmlformats.org/drawingml/2006/chart" xmlns:dgm="http://schemas.openxmlformats.org/drawingml/2006/diagram" xmlns:o="urn:schemas-microsoft-com:office:office" xmlns:v="urn:schemas-microsoft-com:vml" xmlns:pvml="urn:schemas-microsoft-com:office:powerpoint" xmlns:com="http://schemas.openxmlformats.org/drawingml/2006/compatibility" xmlns:p14="http://schemas.microsoft.com/office/powerpoint/2010/main" xmlns:p15="http://schemas.microsoft.com/office/powerpoint/2012/main" xmlns:ahyp="http://schemas.microsoft.com/office/drawing/2018/hyperlinkcolor" matchingName="Title slide" type="title">
+<p:sldLayout xmlns:a="http://schemas.openxmlformats.org/drawingml/2006/main" xmlns:r="http://schemas.openxmlformats.org/officeDocument/2006/relationships" xmlns:p="http://schemas.openxmlformats.org/presentationml/2006/main" matchingName="Title slide" type="title">
   <p:cSld name="TITLE">
     <p:spTree>
       <p:nvGrpSpPr>
-        <p:cNvPr id="9" name="Shape 9"/>
+        <p:cNvPr id="1" name="Shape 9"/>
         <p:cNvGrpSpPr/>
         <p:nvPr/>
       </p:nvGrpSpPr>
@@ -828,7 +877,9 @@
       <p:sp>
         <p:nvSpPr>
           <p:cNvPr id="10" name="Google Shape;10;p2"/>
-          <p:cNvSpPr txBox="1"/>
+          <p:cNvSpPr txBox="1">
+            <a:spLocks noGrp="1"/>
+          </p:cNvSpPr>
           <p:nvPr>
             <p:ph type="ctrTitle"/>
           </p:nvPr>
@@ -843,7 +894,7 @@
           </a:prstGeom>
         </p:spPr>
         <p:txBody>
-          <a:bodyPr anchorCtr="0" anchor="b" bIns="91425" lIns="91425" spcFirstLastPara="1" rIns="91425" wrap="square" tIns="91425">
+          <a:bodyPr spcFirstLastPara="1" wrap="square" lIns="91425" tIns="91425" rIns="91425" bIns="91425" anchor="b" anchorCtr="0">
             <a:normAutofit/>
           </a:bodyPr>
           <a:lstStyle>
@@ -947,15 +998,19 @@
               <a:defRPr sz="5200"/>
             </a:lvl9pPr>
           </a:lstStyle>
-          <a:p/>
+          <a:p>
+            <a:endParaRPr/>
+          </a:p>
         </p:txBody>
       </p:sp>
       <p:sp>
         <p:nvSpPr>
           <p:cNvPr id="11" name="Google Shape;11;p2"/>
-          <p:cNvSpPr txBox="1"/>
+          <p:cNvSpPr txBox="1">
+            <a:spLocks noGrp="1"/>
+          </p:cNvSpPr>
           <p:nvPr>
-            <p:ph idx="1" type="subTitle"/>
+            <p:ph type="subTitle" idx="1"/>
           </p:nvPr>
         </p:nvSpPr>
         <p:spPr>
@@ -968,7 +1023,7 @@
           </a:prstGeom>
         </p:spPr>
         <p:txBody>
-          <a:bodyPr anchorCtr="0" anchor="t" bIns="91425" lIns="91425" spcFirstLastPara="1" rIns="91425" wrap="square" tIns="91425">
+          <a:bodyPr spcFirstLastPara="1" wrap="square" lIns="91425" tIns="91425" rIns="91425" bIns="91425" anchor="t" anchorCtr="0">
             <a:normAutofit/>
           </a:bodyPr>
           <a:lstStyle>
@@ -1099,15 +1154,19 @@
               <a:defRPr sz="2800"/>
             </a:lvl9pPr>
           </a:lstStyle>
-          <a:p/>
+          <a:p>
+            <a:endParaRPr/>
+          </a:p>
         </p:txBody>
       </p:sp>
       <p:sp>
         <p:nvSpPr>
           <p:cNvPr id="12" name="Google Shape;12;p2"/>
-          <p:cNvSpPr txBox="1"/>
+          <p:cNvSpPr txBox="1">
+            <a:spLocks noGrp="1"/>
+          </p:cNvSpPr>
           <p:nvPr>
-            <p:ph idx="12" type="sldNum"/>
+            <p:ph type="sldNum" idx="12"/>
           </p:nvPr>
         </p:nvSpPr>
         <p:spPr>
@@ -1120,7 +1179,7 @@
           </a:prstGeom>
         </p:spPr>
         <p:txBody>
-          <a:bodyPr anchorCtr="0" anchor="ctr" bIns="91425" lIns="91425" spcFirstLastPara="1" rIns="91425" wrap="square" tIns="91425">
+          <a:bodyPr spcFirstLastPara="1" wrap="square" lIns="91425" tIns="91425" rIns="91425" bIns="91425" anchor="ctr" anchorCtr="0">
             <a:normAutofit/>
           </a:bodyPr>
           <a:lstStyle>
@@ -1162,7 +1221,7 @@
             </a:lvl9pPr>
           </a:lstStyle>
           <a:p>
-            <a:pPr indent="0" lvl="0" marL="0" rtl="0" algn="r">
+            <a:pPr marL="0" lvl="0" indent="0" algn="r" rtl="0">
               <a:spcBef>
                 <a:spcPts val="0"/>
               </a:spcBef>
@@ -1173,7 +1232,7 @@
             </a:pPr>
             <a:fld id="{00000000-1234-1234-1234-123412341234}" type="slidenum">
               <a:rPr lang="es-419"/>
-              <a:t>‹#›</a:t>
+              <a:t>‹Nº›</a:t>
             </a:fld>
             <a:endParaRPr/>
           </a:p>
@@ -1188,11 +1247,11 @@
 </file>
 
 <file path=ppt/slideLayouts/slideLayout10.xml><?xml version="1.0" encoding="utf-8"?>
-<p:sldLayout xmlns:a="http://schemas.openxmlformats.org/drawingml/2006/main" xmlns:r="http://schemas.openxmlformats.org/officeDocument/2006/relationships" xmlns:mc="http://schemas.openxmlformats.org/markup-compatibility/2006" xmlns:mv="urn:schemas-microsoft-com:mac:vml" xmlns:p="http://schemas.openxmlformats.org/presentationml/2006/main" xmlns:c="http://schemas.openxmlformats.org/drawingml/2006/chart" xmlns:dgm="http://schemas.openxmlformats.org/drawingml/2006/diagram" xmlns:o="urn:schemas-microsoft-com:office:office" xmlns:v="urn:schemas-microsoft-com:vml" xmlns:pvml="urn:schemas-microsoft-com:office:powerpoint" xmlns:com="http://schemas.openxmlformats.org/drawingml/2006/compatibility" xmlns:p14="http://schemas.microsoft.com/office/powerpoint/2010/main" xmlns:p15="http://schemas.microsoft.com/office/powerpoint/2012/main" xmlns:ahyp="http://schemas.microsoft.com/office/drawing/2018/hyperlinkcolor" matchingName="Big number">
+<p:sldLayout xmlns:a="http://schemas.openxmlformats.org/drawingml/2006/main" xmlns:r="http://schemas.openxmlformats.org/officeDocument/2006/relationships" xmlns:p="http://schemas.openxmlformats.org/presentationml/2006/main" matchingName="Big number">
   <p:cSld name="BIG_NUMBER">
     <p:spTree>
       <p:nvGrpSpPr>
-        <p:cNvPr id="44" name="Shape 44"/>
+        <p:cNvPr id="1" name="Shape 44"/>
         <p:cNvGrpSpPr/>
         <p:nvPr/>
       </p:nvGrpSpPr>
@@ -1207,9 +1266,11 @@
       <p:sp>
         <p:nvSpPr>
           <p:cNvPr id="45" name="Google Shape;45;p11"/>
-          <p:cNvSpPr txBox="1"/>
+          <p:cNvSpPr txBox="1">
+            <a:spLocks noGrp="1"/>
+          </p:cNvSpPr>
           <p:nvPr>
-            <p:ph hasCustomPrompt="1" type="title"/>
+            <p:ph type="title" hasCustomPrompt="1"/>
           </p:nvPr>
         </p:nvSpPr>
         <p:spPr>
@@ -1222,7 +1283,7 @@
           </a:prstGeom>
         </p:spPr>
         <p:txBody>
-          <a:bodyPr anchorCtr="0" anchor="b" bIns="91425" lIns="91425" spcFirstLastPara="1" rIns="91425" wrap="square" tIns="91425">
+          <a:bodyPr spcFirstLastPara="1" wrap="square" lIns="91425" tIns="91425" rIns="91425" bIns="91425" anchor="b" anchorCtr="0">
             <a:normAutofit/>
           </a:bodyPr>
           <a:lstStyle>
@@ -1336,9 +1397,11 @@
       <p:sp>
         <p:nvSpPr>
           <p:cNvPr id="46" name="Google Shape;46;p11"/>
-          <p:cNvSpPr txBox="1"/>
+          <p:cNvSpPr txBox="1">
+            <a:spLocks noGrp="1"/>
+          </p:cNvSpPr>
           <p:nvPr>
-            <p:ph idx="1" type="body"/>
+            <p:ph type="body" idx="1"/>
           </p:nvPr>
         </p:nvSpPr>
         <p:spPr>
@@ -1351,11 +1414,11 @@
           </a:prstGeom>
         </p:spPr>
         <p:txBody>
-          <a:bodyPr anchorCtr="0" anchor="t" bIns="91425" lIns="91425" spcFirstLastPara="1" rIns="91425" wrap="square" tIns="91425">
+          <a:bodyPr spcFirstLastPara="1" wrap="square" lIns="91425" tIns="91425" rIns="91425" bIns="91425" anchor="t" anchorCtr="0">
             <a:normAutofit/>
           </a:bodyPr>
           <a:lstStyle>
-            <a:lvl1pPr indent="-342900" lvl="0" marL="457200" algn="ctr">
+            <a:lvl1pPr marL="457200" lvl="0" indent="-342900" algn="ctr">
               <a:spcBef>
                 <a:spcPts val="0"/>
               </a:spcBef>
@@ -1366,7 +1429,7 @@
               <a:buChar char="●"/>
               <a:defRPr/>
             </a:lvl1pPr>
-            <a:lvl2pPr indent="-317500" lvl="1" marL="914400" algn="ctr">
+            <a:lvl2pPr marL="914400" lvl="1" indent="-317500" algn="ctr">
               <a:spcBef>
                 <a:spcPts val="0"/>
               </a:spcBef>
@@ -1377,7 +1440,7 @@
               <a:buChar char="○"/>
               <a:defRPr/>
             </a:lvl2pPr>
-            <a:lvl3pPr indent="-317500" lvl="2" marL="1371600" algn="ctr">
+            <a:lvl3pPr marL="1371600" lvl="2" indent="-317500" algn="ctr">
               <a:spcBef>
                 <a:spcPts val="0"/>
               </a:spcBef>
@@ -1388,7 +1451,7 @@
               <a:buChar char="■"/>
               <a:defRPr/>
             </a:lvl3pPr>
-            <a:lvl4pPr indent="-317500" lvl="3" marL="1828800" algn="ctr">
+            <a:lvl4pPr marL="1828800" lvl="3" indent="-317500" algn="ctr">
               <a:spcBef>
                 <a:spcPts val="0"/>
               </a:spcBef>
@@ -1399,7 +1462,7 @@
               <a:buChar char="●"/>
               <a:defRPr/>
             </a:lvl4pPr>
-            <a:lvl5pPr indent="-317500" lvl="4" marL="2286000" algn="ctr">
+            <a:lvl5pPr marL="2286000" lvl="4" indent="-317500" algn="ctr">
               <a:spcBef>
                 <a:spcPts val="0"/>
               </a:spcBef>
@@ -1410,7 +1473,7 @@
               <a:buChar char="○"/>
               <a:defRPr/>
             </a:lvl5pPr>
-            <a:lvl6pPr indent="-317500" lvl="5" marL="2743200" algn="ctr">
+            <a:lvl6pPr marL="2743200" lvl="5" indent="-317500" algn="ctr">
               <a:spcBef>
                 <a:spcPts val="0"/>
               </a:spcBef>
@@ -1421,7 +1484,7 @@
               <a:buChar char="■"/>
               <a:defRPr/>
             </a:lvl6pPr>
-            <a:lvl7pPr indent="-317500" lvl="6" marL="3200400" algn="ctr">
+            <a:lvl7pPr marL="3200400" lvl="6" indent="-317500" algn="ctr">
               <a:spcBef>
                 <a:spcPts val="0"/>
               </a:spcBef>
@@ -1432,7 +1495,7 @@
               <a:buChar char="●"/>
               <a:defRPr/>
             </a:lvl7pPr>
-            <a:lvl8pPr indent="-317500" lvl="7" marL="3657600" algn="ctr">
+            <a:lvl8pPr marL="3657600" lvl="7" indent="-317500" algn="ctr">
               <a:spcBef>
                 <a:spcPts val="0"/>
               </a:spcBef>
@@ -1443,7 +1506,7 @@
               <a:buChar char="○"/>
               <a:defRPr/>
             </a:lvl8pPr>
-            <a:lvl9pPr indent="-317500" lvl="8" marL="4114800" algn="ctr">
+            <a:lvl9pPr marL="4114800" lvl="8" indent="-317500" algn="ctr">
               <a:spcBef>
                 <a:spcPts val="0"/>
               </a:spcBef>
@@ -1455,15 +1518,19 @@
               <a:defRPr/>
             </a:lvl9pPr>
           </a:lstStyle>
-          <a:p/>
+          <a:p>
+            <a:endParaRPr/>
+          </a:p>
         </p:txBody>
       </p:sp>
       <p:sp>
         <p:nvSpPr>
           <p:cNvPr id="47" name="Google Shape;47;p11"/>
-          <p:cNvSpPr txBox="1"/>
+          <p:cNvSpPr txBox="1">
+            <a:spLocks noGrp="1"/>
+          </p:cNvSpPr>
           <p:nvPr>
-            <p:ph idx="12" type="sldNum"/>
+            <p:ph type="sldNum" idx="12"/>
           </p:nvPr>
         </p:nvSpPr>
         <p:spPr>
@@ -1476,7 +1543,7 @@
           </a:prstGeom>
         </p:spPr>
         <p:txBody>
-          <a:bodyPr anchorCtr="0" anchor="ctr" bIns="91425" lIns="91425" spcFirstLastPara="1" rIns="91425" wrap="square" tIns="91425">
+          <a:bodyPr spcFirstLastPara="1" wrap="square" lIns="91425" tIns="91425" rIns="91425" bIns="91425" anchor="ctr" anchorCtr="0">
             <a:normAutofit/>
           </a:bodyPr>
           <a:lstStyle>
@@ -1518,7 +1585,7 @@
             </a:lvl9pPr>
           </a:lstStyle>
           <a:p>
-            <a:pPr indent="0" lvl="0" marL="0" rtl="0" algn="r">
+            <a:pPr marL="0" lvl="0" indent="0" algn="r" rtl="0">
               <a:spcBef>
                 <a:spcPts val="0"/>
               </a:spcBef>
@@ -1529,7 +1596,7 @@
             </a:pPr>
             <a:fld id="{00000000-1234-1234-1234-123412341234}" type="slidenum">
               <a:rPr lang="es-419"/>
-              <a:t>‹#›</a:t>
+              <a:t>‹Nº›</a:t>
             </a:fld>
             <a:endParaRPr/>
           </a:p>
@@ -1544,11 +1611,11 @@
 </file>
 
 <file path=ppt/slideLayouts/slideLayout11.xml><?xml version="1.0" encoding="utf-8"?>
-<p:sldLayout xmlns:a="http://schemas.openxmlformats.org/drawingml/2006/main" xmlns:r="http://schemas.openxmlformats.org/officeDocument/2006/relationships" xmlns:mc="http://schemas.openxmlformats.org/markup-compatibility/2006" xmlns:mv="urn:schemas-microsoft-com:mac:vml" xmlns:p="http://schemas.openxmlformats.org/presentationml/2006/main" xmlns:c="http://schemas.openxmlformats.org/drawingml/2006/chart" xmlns:dgm="http://schemas.openxmlformats.org/drawingml/2006/diagram" xmlns:o="urn:schemas-microsoft-com:office:office" xmlns:v="urn:schemas-microsoft-com:vml" xmlns:pvml="urn:schemas-microsoft-com:office:powerpoint" xmlns:com="http://schemas.openxmlformats.org/drawingml/2006/compatibility" xmlns:p14="http://schemas.microsoft.com/office/powerpoint/2010/main" xmlns:p15="http://schemas.microsoft.com/office/powerpoint/2012/main" xmlns:ahyp="http://schemas.microsoft.com/office/drawing/2018/hyperlinkcolor" matchingName="Blank" type="blank">
+<p:sldLayout xmlns:a="http://schemas.openxmlformats.org/drawingml/2006/main" xmlns:r="http://schemas.openxmlformats.org/officeDocument/2006/relationships" xmlns:p="http://schemas.openxmlformats.org/presentationml/2006/main" matchingName="Blank" type="blank">
   <p:cSld name="BLANK">
     <p:spTree>
       <p:nvGrpSpPr>
-        <p:cNvPr id="48" name="Shape 48"/>
+        <p:cNvPr id="1" name="Shape 48"/>
         <p:cNvGrpSpPr/>
         <p:nvPr/>
       </p:nvGrpSpPr>
@@ -1563,9 +1630,11 @@
       <p:sp>
         <p:nvSpPr>
           <p:cNvPr id="49" name="Google Shape;49;p12"/>
-          <p:cNvSpPr txBox="1"/>
+          <p:cNvSpPr txBox="1">
+            <a:spLocks noGrp="1"/>
+          </p:cNvSpPr>
           <p:nvPr>
-            <p:ph idx="12" type="sldNum"/>
+            <p:ph type="sldNum" idx="12"/>
           </p:nvPr>
         </p:nvSpPr>
         <p:spPr>
@@ -1578,7 +1647,7 @@
           </a:prstGeom>
         </p:spPr>
         <p:txBody>
-          <a:bodyPr anchorCtr="0" anchor="ctr" bIns="91425" lIns="91425" spcFirstLastPara="1" rIns="91425" wrap="square" tIns="91425">
+          <a:bodyPr spcFirstLastPara="1" wrap="square" lIns="91425" tIns="91425" rIns="91425" bIns="91425" anchor="ctr" anchorCtr="0">
             <a:normAutofit/>
           </a:bodyPr>
           <a:lstStyle>
@@ -1620,7 +1689,7 @@
             </a:lvl9pPr>
           </a:lstStyle>
           <a:p>
-            <a:pPr indent="0" lvl="0" marL="0" rtl="0" algn="r">
+            <a:pPr marL="0" lvl="0" indent="0" algn="r" rtl="0">
               <a:spcBef>
                 <a:spcPts val="0"/>
               </a:spcBef>
@@ -1631,7 +1700,7 @@
             </a:pPr>
             <a:fld id="{00000000-1234-1234-1234-123412341234}" type="slidenum">
               <a:rPr lang="es-419"/>
-              <a:t>‹#›</a:t>
+              <a:t>‹Nº›</a:t>
             </a:fld>
             <a:endParaRPr/>
           </a:p>
@@ -1646,11 +1715,11 @@
 </file>
 
 <file path=ppt/slideLayouts/slideLayout2.xml><?xml version="1.0" encoding="utf-8"?>
-<p:sldLayout xmlns:a="http://schemas.openxmlformats.org/drawingml/2006/main" xmlns:r="http://schemas.openxmlformats.org/officeDocument/2006/relationships" xmlns:mc="http://schemas.openxmlformats.org/markup-compatibility/2006" xmlns:mv="urn:schemas-microsoft-com:mac:vml" xmlns:p="http://schemas.openxmlformats.org/presentationml/2006/main" xmlns:c="http://schemas.openxmlformats.org/drawingml/2006/chart" xmlns:dgm="http://schemas.openxmlformats.org/drawingml/2006/diagram" xmlns:o="urn:schemas-microsoft-com:office:office" xmlns:v="urn:schemas-microsoft-com:vml" xmlns:pvml="urn:schemas-microsoft-com:office:powerpoint" xmlns:com="http://schemas.openxmlformats.org/drawingml/2006/compatibility" xmlns:p14="http://schemas.microsoft.com/office/powerpoint/2010/main" xmlns:p15="http://schemas.microsoft.com/office/powerpoint/2012/main" xmlns:ahyp="http://schemas.microsoft.com/office/drawing/2018/hyperlinkcolor" matchingName="Section header" type="secHead">
+<p:sldLayout xmlns:a="http://schemas.openxmlformats.org/drawingml/2006/main" xmlns:r="http://schemas.openxmlformats.org/officeDocument/2006/relationships" xmlns:p="http://schemas.openxmlformats.org/presentationml/2006/main" matchingName="Section header" type="secHead">
   <p:cSld name="SECTION_HEADER">
     <p:spTree>
       <p:nvGrpSpPr>
-        <p:cNvPr id="13" name="Shape 13"/>
+        <p:cNvPr id="1" name="Shape 13"/>
         <p:cNvGrpSpPr/>
         <p:nvPr/>
       </p:nvGrpSpPr>
@@ -1665,7 +1734,9 @@
       <p:sp>
         <p:nvSpPr>
           <p:cNvPr id="14" name="Google Shape;14;p3"/>
-          <p:cNvSpPr txBox="1"/>
+          <p:cNvSpPr txBox="1">
+            <a:spLocks noGrp="1"/>
+          </p:cNvSpPr>
           <p:nvPr>
             <p:ph type="title"/>
           </p:nvPr>
@@ -1680,7 +1751,7 @@
           </a:prstGeom>
         </p:spPr>
         <p:txBody>
-          <a:bodyPr anchorCtr="0" anchor="ctr" bIns="91425" lIns="91425" spcFirstLastPara="1" rIns="91425" wrap="square" tIns="91425">
+          <a:bodyPr spcFirstLastPara="1" wrap="square" lIns="91425" tIns="91425" rIns="91425" bIns="91425" anchor="ctr" anchorCtr="0">
             <a:normAutofit/>
           </a:bodyPr>
           <a:lstStyle>
@@ -1784,15 +1855,19 @@
               <a:defRPr sz="3600"/>
             </a:lvl9pPr>
           </a:lstStyle>
-          <a:p/>
+          <a:p>
+            <a:endParaRPr/>
+          </a:p>
         </p:txBody>
       </p:sp>
       <p:sp>
         <p:nvSpPr>
           <p:cNvPr id="15" name="Google Shape;15;p3"/>
-          <p:cNvSpPr txBox="1"/>
+          <p:cNvSpPr txBox="1">
+            <a:spLocks noGrp="1"/>
+          </p:cNvSpPr>
           <p:nvPr>
-            <p:ph idx="12" type="sldNum"/>
+            <p:ph type="sldNum" idx="12"/>
           </p:nvPr>
         </p:nvSpPr>
         <p:spPr>
@@ -1805,7 +1880,7 @@
           </a:prstGeom>
         </p:spPr>
         <p:txBody>
-          <a:bodyPr anchorCtr="0" anchor="ctr" bIns="91425" lIns="91425" spcFirstLastPara="1" rIns="91425" wrap="square" tIns="91425">
+          <a:bodyPr spcFirstLastPara="1" wrap="square" lIns="91425" tIns="91425" rIns="91425" bIns="91425" anchor="ctr" anchorCtr="0">
             <a:normAutofit/>
           </a:bodyPr>
           <a:lstStyle>
@@ -1847,7 +1922,7 @@
             </a:lvl9pPr>
           </a:lstStyle>
           <a:p>
-            <a:pPr indent="0" lvl="0" marL="0" rtl="0" algn="r">
+            <a:pPr marL="0" lvl="0" indent="0" algn="r" rtl="0">
               <a:spcBef>
                 <a:spcPts val="0"/>
               </a:spcBef>
@@ -1858,7 +1933,7 @@
             </a:pPr>
             <a:fld id="{00000000-1234-1234-1234-123412341234}" type="slidenum">
               <a:rPr lang="es-419"/>
-              <a:t>‹#›</a:t>
+              <a:t>‹Nº›</a:t>
             </a:fld>
             <a:endParaRPr/>
           </a:p>
@@ -1873,11 +1948,11 @@
 </file>
 
 <file path=ppt/slideLayouts/slideLayout3.xml><?xml version="1.0" encoding="utf-8"?>
-<p:sldLayout xmlns:a="http://schemas.openxmlformats.org/drawingml/2006/main" xmlns:r="http://schemas.openxmlformats.org/officeDocument/2006/relationships" xmlns:mc="http://schemas.openxmlformats.org/markup-compatibility/2006" xmlns:mv="urn:schemas-microsoft-com:mac:vml" xmlns:p="http://schemas.openxmlformats.org/presentationml/2006/main" xmlns:c="http://schemas.openxmlformats.org/drawingml/2006/chart" xmlns:dgm="http://schemas.openxmlformats.org/drawingml/2006/diagram" xmlns:o="urn:schemas-microsoft-com:office:office" xmlns:v="urn:schemas-microsoft-com:vml" xmlns:pvml="urn:schemas-microsoft-com:office:powerpoint" xmlns:com="http://schemas.openxmlformats.org/drawingml/2006/compatibility" xmlns:p14="http://schemas.microsoft.com/office/powerpoint/2010/main" xmlns:p15="http://schemas.microsoft.com/office/powerpoint/2012/main" xmlns:ahyp="http://schemas.microsoft.com/office/drawing/2018/hyperlinkcolor" matchingName="Title and body" type="tx">
+<p:sldLayout xmlns:a="http://schemas.openxmlformats.org/drawingml/2006/main" xmlns:r="http://schemas.openxmlformats.org/officeDocument/2006/relationships" xmlns:p="http://schemas.openxmlformats.org/presentationml/2006/main" matchingName="Title and body" type="tx">
   <p:cSld name="TITLE_AND_BODY">
     <p:spTree>
       <p:nvGrpSpPr>
-        <p:cNvPr id="16" name="Shape 16"/>
+        <p:cNvPr id="1" name="Shape 16"/>
         <p:cNvGrpSpPr/>
         <p:nvPr/>
       </p:nvGrpSpPr>
@@ -1892,7 +1967,9 @@
       <p:sp>
         <p:nvSpPr>
           <p:cNvPr id="17" name="Google Shape;17;p4"/>
-          <p:cNvSpPr txBox="1"/>
+          <p:cNvSpPr txBox="1">
+            <a:spLocks noGrp="1"/>
+          </p:cNvSpPr>
           <p:nvPr>
             <p:ph type="title"/>
           </p:nvPr>
@@ -1907,7 +1984,7 @@
           </a:prstGeom>
         </p:spPr>
         <p:txBody>
-          <a:bodyPr anchorCtr="0" anchor="t" bIns="91425" lIns="91425" spcFirstLastPara="1" rIns="91425" wrap="square" tIns="91425">
+          <a:bodyPr spcFirstLastPara="1" wrap="square" lIns="91425" tIns="91425" rIns="91425" bIns="91425" anchor="t" anchorCtr="0">
             <a:normAutofit/>
           </a:bodyPr>
           <a:lstStyle>
@@ -2011,15 +2088,19 @@
               <a:defRPr/>
             </a:lvl9pPr>
           </a:lstStyle>
-          <a:p/>
+          <a:p>
+            <a:endParaRPr/>
+          </a:p>
         </p:txBody>
       </p:sp>
       <p:sp>
         <p:nvSpPr>
           <p:cNvPr id="18" name="Google Shape;18;p4"/>
-          <p:cNvSpPr txBox="1"/>
+          <p:cNvSpPr txBox="1">
+            <a:spLocks noGrp="1"/>
+          </p:cNvSpPr>
           <p:nvPr>
-            <p:ph idx="1" type="body"/>
+            <p:ph type="body" idx="1"/>
           </p:nvPr>
         </p:nvSpPr>
         <p:spPr>
@@ -2032,11 +2113,11 @@
           </a:prstGeom>
         </p:spPr>
         <p:txBody>
-          <a:bodyPr anchorCtr="0" anchor="t" bIns="91425" lIns="91425" spcFirstLastPara="1" rIns="91425" wrap="square" tIns="91425">
+          <a:bodyPr spcFirstLastPara="1" wrap="square" lIns="91425" tIns="91425" rIns="91425" bIns="91425" anchor="t" anchorCtr="0">
             <a:normAutofit/>
           </a:bodyPr>
           <a:lstStyle>
-            <a:lvl1pPr indent="-342900" lvl="0" marL="457200">
+            <a:lvl1pPr marL="457200" lvl="0" indent="-342900">
               <a:spcBef>
                 <a:spcPts val="0"/>
               </a:spcBef>
@@ -2047,7 +2128,7 @@
               <a:buChar char="●"/>
               <a:defRPr/>
             </a:lvl1pPr>
-            <a:lvl2pPr indent="-317500" lvl="1" marL="914400">
+            <a:lvl2pPr marL="914400" lvl="1" indent="-317500">
               <a:spcBef>
                 <a:spcPts val="0"/>
               </a:spcBef>
@@ -2058,7 +2139,7 @@
               <a:buChar char="○"/>
               <a:defRPr/>
             </a:lvl2pPr>
-            <a:lvl3pPr indent="-317500" lvl="2" marL="1371600">
+            <a:lvl3pPr marL="1371600" lvl="2" indent="-317500">
               <a:spcBef>
                 <a:spcPts val="0"/>
               </a:spcBef>
@@ -2069,7 +2150,7 @@
               <a:buChar char="■"/>
               <a:defRPr/>
             </a:lvl3pPr>
-            <a:lvl4pPr indent="-317500" lvl="3" marL="1828800">
+            <a:lvl4pPr marL="1828800" lvl="3" indent="-317500">
               <a:spcBef>
                 <a:spcPts val="0"/>
               </a:spcBef>
@@ -2080,7 +2161,7 @@
               <a:buChar char="●"/>
               <a:defRPr/>
             </a:lvl4pPr>
-            <a:lvl5pPr indent="-317500" lvl="4" marL="2286000">
+            <a:lvl5pPr marL="2286000" lvl="4" indent="-317500">
               <a:spcBef>
                 <a:spcPts val="0"/>
               </a:spcBef>
@@ -2091,7 +2172,7 @@
               <a:buChar char="○"/>
               <a:defRPr/>
             </a:lvl5pPr>
-            <a:lvl6pPr indent="-317500" lvl="5" marL="2743200">
+            <a:lvl6pPr marL="2743200" lvl="5" indent="-317500">
               <a:spcBef>
                 <a:spcPts val="0"/>
               </a:spcBef>
@@ -2102,7 +2183,7 @@
               <a:buChar char="■"/>
               <a:defRPr/>
             </a:lvl6pPr>
-            <a:lvl7pPr indent="-317500" lvl="6" marL="3200400">
+            <a:lvl7pPr marL="3200400" lvl="6" indent="-317500">
               <a:spcBef>
                 <a:spcPts val="0"/>
               </a:spcBef>
@@ -2113,7 +2194,7 @@
               <a:buChar char="●"/>
               <a:defRPr/>
             </a:lvl7pPr>
-            <a:lvl8pPr indent="-317500" lvl="7" marL="3657600">
+            <a:lvl8pPr marL="3657600" lvl="7" indent="-317500">
               <a:spcBef>
                 <a:spcPts val="0"/>
               </a:spcBef>
@@ -2124,7 +2205,7 @@
               <a:buChar char="○"/>
               <a:defRPr/>
             </a:lvl8pPr>
-            <a:lvl9pPr indent="-317500" lvl="8" marL="4114800">
+            <a:lvl9pPr marL="4114800" lvl="8" indent="-317500">
               <a:spcBef>
                 <a:spcPts val="0"/>
               </a:spcBef>
@@ -2136,15 +2217,19 @@
               <a:defRPr/>
             </a:lvl9pPr>
           </a:lstStyle>
-          <a:p/>
+          <a:p>
+            <a:endParaRPr/>
+          </a:p>
         </p:txBody>
       </p:sp>
       <p:sp>
         <p:nvSpPr>
           <p:cNvPr id="19" name="Google Shape;19;p4"/>
-          <p:cNvSpPr txBox="1"/>
+          <p:cNvSpPr txBox="1">
+            <a:spLocks noGrp="1"/>
+          </p:cNvSpPr>
           <p:nvPr>
-            <p:ph idx="12" type="sldNum"/>
+            <p:ph type="sldNum" idx="12"/>
           </p:nvPr>
         </p:nvSpPr>
         <p:spPr>
@@ -2157,7 +2242,7 @@
           </a:prstGeom>
         </p:spPr>
         <p:txBody>
-          <a:bodyPr anchorCtr="0" anchor="ctr" bIns="91425" lIns="91425" spcFirstLastPara="1" rIns="91425" wrap="square" tIns="91425">
+          <a:bodyPr spcFirstLastPara="1" wrap="square" lIns="91425" tIns="91425" rIns="91425" bIns="91425" anchor="ctr" anchorCtr="0">
             <a:normAutofit/>
           </a:bodyPr>
           <a:lstStyle>
@@ -2199,7 +2284,7 @@
             </a:lvl9pPr>
           </a:lstStyle>
           <a:p>
-            <a:pPr indent="0" lvl="0" marL="0" rtl="0" algn="r">
+            <a:pPr marL="0" lvl="0" indent="0" algn="r" rtl="0">
               <a:spcBef>
                 <a:spcPts val="0"/>
               </a:spcBef>
@@ -2210,7 +2295,7 @@
             </a:pPr>
             <a:fld id="{00000000-1234-1234-1234-123412341234}" type="slidenum">
               <a:rPr lang="es-419"/>
-              <a:t>‹#›</a:t>
+              <a:t>‹Nº›</a:t>
             </a:fld>
             <a:endParaRPr/>
           </a:p>
@@ -2225,11 +2310,11 @@
 </file>
 
 <file path=ppt/slideLayouts/slideLayout4.xml><?xml version="1.0" encoding="utf-8"?>
-<p:sldLayout xmlns:a="http://schemas.openxmlformats.org/drawingml/2006/main" xmlns:r="http://schemas.openxmlformats.org/officeDocument/2006/relationships" xmlns:mc="http://schemas.openxmlformats.org/markup-compatibility/2006" xmlns:mv="urn:schemas-microsoft-com:mac:vml" xmlns:p="http://schemas.openxmlformats.org/presentationml/2006/main" xmlns:c="http://schemas.openxmlformats.org/drawingml/2006/chart" xmlns:dgm="http://schemas.openxmlformats.org/drawingml/2006/diagram" xmlns:o="urn:schemas-microsoft-com:office:office" xmlns:v="urn:schemas-microsoft-com:vml" xmlns:pvml="urn:schemas-microsoft-com:office:powerpoint" xmlns:com="http://schemas.openxmlformats.org/drawingml/2006/compatibility" xmlns:p14="http://schemas.microsoft.com/office/powerpoint/2010/main" xmlns:p15="http://schemas.microsoft.com/office/powerpoint/2012/main" xmlns:ahyp="http://schemas.microsoft.com/office/drawing/2018/hyperlinkcolor" matchingName="Title and two columns" type="twoColTx">
+<p:sldLayout xmlns:a="http://schemas.openxmlformats.org/drawingml/2006/main" xmlns:r="http://schemas.openxmlformats.org/officeDocument/2006/relationships" xmlns:p="http://schemas.openxmlformats.org/presentationml/2006/main" matchingName="Title and two columns" type="twoColTx">
   <p:cSld name="TITLE_AND_TWO_COLUMNS">
     <p:spTree>
       <p:nvGrpSpPr>
-        <p:cNvPr id="20" name="Shape 20"/>
+        <p:cNvPr id="1" name="Shape 20"/>
         <p:cNvGrpSpPr/>
         <p:nvPr/>
       </p:nvGrpSpPr>
@@ -2244,7 +2329,9 @@
       <p:sp>
         <p:nvSpPr>
           <p:cNvPr id="21" name="Google Shape;21;p5"/>
-          <p:cNvSpPr txBox="1"/>
+          <p:cNvSpPr txBox="1">
+            <a:spLocks noGrp="1"/>
+          </p:cNvSpPr>
           <p:nvPr>
             <p:ph type="title"/>
           </p:nvPr>
@@ -2259,7 +2346,7 @@
           </a:prstGeom>
         </p:spPr>
         <p:txBody>
-          <a:bodyPr anchorCtr="0" anchor="t" bIns="91425" lIns="91425" spcFirstLastPara="1" rIns="91425" wrap="square" tIns="91425">
+          <a:bodyPr spcFirstLastPara="1" wrap="square" lIns="91425" tIns="91425" rIns="91425" bIns="91425" anchor="t" anchorCtr="0">
             <a:normAutofit/>
           </a:bodyPr>
           <a:lstStyle>
@@ -2363,15 +2450,19 @@
               <a:defRPr/>
             </a:lvl9pPr>
           </a:lstStyle>
-          <a:p/>
+          <a:p>
+            <a:endParaRPr/>
+          </a:p>
         </p:txBody>
       </p:sp>
       <p:sp>
         <p:nvSpPr>
           <p:cNvPr id="22" name="Google Shape;22;p5"/>
-          <p:cNvSpPr txBox="1"/>
+          <p:cNvSpPr txBox="1">
+            <a:spLocks noGrp="1"/>
+          </p:cNvSpPr>
           <p:nvPr>
-            <p:ph idx="1" type="body"/>
+            <p:ph type="body" idx="1"/>
           </p:nvPr>
         </p:nvSpPr>
         <p:spPr>
@@ -2384,11 +2475,11 @@
           </a:prstGeom>
         </p:spPr>
         <p:txBody>
-          <a:bodyPr anchorCtr="0" anchor="t" bIns="91425" lIns="91425" spcFirstLastPara="1" rIns="91425" wrap="square" tIns="91425">
+          <a:bodyPr spcFirstLastPara="1" wrap="square" lIns="91425" tIns="91425" rIns="91425" bIns="91425" anchor="t" anchorCtr="0">
             <a:normAutofit/>
           </a:bodyPr>
           <a:lstStyle>
-            <a:lvl1pPr indent="-317500" lvl="0" marL="457200">
+            <a:lvl1pPr marL="457200" lvl="0" indent="-317500">
               <a:spcBef>
                 <a:spcPts val="0"/>
               </a:spcBef>
@@ -2399,7 +2490,7 @@
               <a:buChar char="●"/>
               <a:defRPr sz="1400"/>
             </a:lvl1pPr>
-            <a:lvl2pPr indent="-304800" lvl="1" marL="914400">
+            <a:lvl2pPr marL="914400" lvl="1" indent="-304800">
               <a:spcBef>
                 <a:spcPts val="0"/>
               </a:spcBef>
@@ -2410,7 +2501,7 @@
               <a:buChar char="○"/>
               <a:defRPr sz="1200"/>
             </a:lvl2pPr>
-            <a:lvl3pPr indent="-304800" lvl="2" marL="1371600">
+            <a:lvl3pPr marL="1371600" lvl="2" indent="-304800">
               <a:spcBef>
                 <a:spcPts val="0"/>
               </a:spcBef>
@@ -2421,7 +2512,7 @@
               <a:buChar char="■"/>
               <a:defRPr sz="1200"/>
             </a:lvl3pPr>
-            <a:lvl4pPr indent="-304800" lvl="3" marL="1828800">
+            <a:lvl4pPr marL="1828800" lvl="3" indent="-304800">
               <a:spcBef>
                 <a:spcPts val="0"/>
               </a:spcBef>
@@ -2432,7 +2523,7 @@
               <a:buChar char="●"/>
               <a:defRPr sz="1200"/>
             </a:lvl4pPr>
-            <a:lvl5pPr indent="-304800" lvl="4" marL="2286000">
+            <a:lvl5pPr marL="2286000" lvl="4" indent="-304800">
               <a:spcBef>
                 <a:spcPts val="0"/>
               </a:spcBef>
@@ -2443,7 +2534,7 @@
               <a:buChar char="○"/>
               <a:defRPr sz="1200"/>
             </a:lvl5pPr>
-            <a:lvl6pPr indent="-304800" lvl="5" marL="2743200">
+            <a:lvl6pPr marL="2743200" lvl="5" indent="-304800">
               <a:spcBef>
                 <a:spcPts val="0"/>
               </a:spcBef>
@@ -2454,7 +2545,7 @@
               <a:buChar char="■"/>
               <a:defRPr sz="1200"/>
             </a:lvl6pPr>
-            <a:lvl7pPr indent="-304800" lvl="6" marL="3200400">
+            <a:lvl7pPr marL="3200400" lvl="6" indent="-304800">
               <a:spcBef>
                 <a:spcPts val="0"/>
               </a:spcBef>
@@ -2465,7 +2556,7 @@
               <a:buChar char="●"/>
               <a:defRPr sz="1200"/>
             </a:lvl7pPr>
-            <a:lvl8pPr indent="-304800" lvl="7" marL="3657600">
+            <a:lvl8pPr marL="3657600" lvl="7" indent="-304800">
               <a:spcBef>
                 <a:spcPts val="0"/>
               </a:spcBef>
@@ -2476,7 +2567,7 @@
               <a:buChar char="○"/>
               <a:defRPr sz="1200"/>
             </a:lvl8pPr>
-            <a:lvl9pPr indent="-304800" lvl="8" marL="4114800">
+            <a:lvl9pPr marL="4114800" lvl="8" indent="-304800">
               <a:spcBef>
                 <a:spcPts val="0"/>
               </a:spcBef>
@@ -2488,15 +2579,19 @@
               <a:defRPr sz="1200"/>
             </a:lvl9pPr>
           </a:lstStyle>
-          <a:p/>
+          <a:p>
+            <a:endParaRPr/>
+          </a:p>
         </p:txBody>
       </p:sp>
       <p:sp>
         <p:nvSpPr>
           <p:cNvPr id="23" name="Google Shape;23;p5"/>
-          <p:cNvSpPr txBox="1"/>
+          <p:cNvSpPr txBox="1">
+            <a:spLocks noGrp="1"/>
+          </p:cNvSpPr>
           <p:nvPr>
-            <p:ph idx="2" type="body"/>
+            <p:ph type="body" idx="2"/>
           </p:nvPr>
         </p:nvSpPr>
         <p:spPr>
@@ -2509,11 +2604,11 @@
           </a:prstGeom>
         </p:spPr>
         <p:txBody>
-          <a:bodyPr anchorCtr="0" anchor="t" bIns="91425" lIns="91425" spcFirstLastPara="1" rIns="91425" wrap="square" tIns="91425">
+          <a:bodyPr spcFirstLastPara="1" wrap="square" lIns="91425" tIns="91425" rIns="91425" bIns="91425" anchor="t" anchorCtr="0">
             <a:normAutofit/>
           </a:bodyPr>
           <a:lstStyle>
-            <a:lvl1pPr indent="-317500" lvl="0" marL="457200">
+            <a:lvl1pPr marL="457200" lvl="0" indent="-317500">
               <a:spcBef>
                 <a:spcPts val="0"/>
               </a:spcBef>
@@ -2524,7 +2619,7 @@
               <a:buChar char="●"/>
               <a:defRPr sz="1400"/>
             </a:lvl1pPr>
-            <a:lvl2pPr indent="-304800" lvl="1" marL="914400">
+            <a:lvl2pPr marL="914400" lvl="1" indent="-304800">
               <a:spcBef>
                 <a:spcPts val="0"/>
               </a:spcBef>
@@ -2535,7 +2630,7 @@
               <a:buChar char="○"/>
               <a:defRPr sz="1200"/>
             </a:lvl2pPr>
-            <a:lvl3pPr indent="-304800" lvl="2" marL="1371600">
+            <a:lvl3pPr marL="1371600" lvl="2" indent="-304800">
               <a:spcBef>
                 <a:spcPts val="0"/>
               </a:spcBef>
@@ -2546,7 +2641,7 @@
               <a:buChar char="■"/>
               <a:defRPr sz="1200"/>
             </a:lvl3pPr>
-            <a:lvl4pPr indent="-304800" lvl="3" marL="1828800">
+            <a:lvl4pPr marL="1828800" lvl="3" indent="-304800">
               <a:spcBef>
                 <a:spcPts val="0"/>
               </a:spcBef>
@@ -2557,7 +2652,7 @@
               <a:buChar char="●"/>
               <a:defRPr sz="1200"/>
             </a:lvl4pPr>
-            <a:lvl5pPr indent="-304800" lvl="4" marL="2286000">
+            <a:lvl5pPr marL="2286000" lvl="4" indent="-304800">
               <a:spcBef>
                 <a:spcPts val="0"/>
               </a:spcBef>
@@ -2568,7 +2663,7 @@
               <a:buChar char="○"/>
               <a:defRPr sz="1200"/>
             </a:lvl5pPr>
-            <a:lvl6pPr indent="-304800" lvl="5" marL="2743200">
+            <a:lvl6pPr marL="2743200" lvl="5" indent="-304800">
               <a:spcBef>
                 <a:spcPts val="0"/>
               </a:spcBef>
@@ -2579,7 +2674,7 @@
               <a:buChar char="■"/>
               <a:defRPr sz="1200"/>
             </a:lvl6pPr>
-            <a:lvl7pPr indent="-304800" lvl="6" marL="3200400">
+            <a:lvl7pPr marL="3200400" lvl="6" indent="-304800">
               <a:spcBef>
                 <a:spcPts val="0"/>
               </a:spcBef>
@@ -2590,7 +2685,7 @@
               <a:buChar char="●"/>
               <a:defRPr sz="1200"/>
             </a:lvl7pPr>
-            <a:lvl8pPr indent="-304800" lvl="7" marL="3657600">
+            <a:lvl8pPr marL="3657600" lvl="7" indent="-304800">
               <a:spcBef>
                 <a:spcPts val="0"/>
               </a:spcBef>
@@ -2601,7 +2696,7 @@
               <a:buChar char="○"/>
               <a:defRPr sz="1200"/>
             </a:lvl8pPr>
-            <a:lvl9pPr indent="-304800" lvl="8" marL="4114800">
+            <a:lvl9pPr marL="4114800" lvl="8" indent="-304800">
               <a:spcBef>
                 <a:spcPts val="0"/>
               </a:spcBef>
@@ -2613,15 +2708,19 @@
               <a:defRPr sz="1200"/>
             </a:lvl9pPr>
           </a:lstStyle>
-          <a:p/>
+          <a:p>
+            <a:endParaRPr/>
+          </a:p>
         </p:txBody>
       </p:sp>
       <p:sp>
         <p:nvSpPr>
           <p:cNvPr id="24" name="Google Shape;24;p5"/>
-          <p:cNvSpPr txBox="1"/>
+          <p:cNvSpPr txBox="1">
+            <a:spLocks noGrp="1"/>
+          </p:cNvSpPr>
           <p:nvPr>
-            <p:ph idx="12" type="sldNum"/>
+            <p:ph type="sldNum" idx="12"/>
           </p:nvPr>
         </p:nvSpPr>
         <p:spPr>
@@ -2634,7 +2733,7 @@
           </a:prstGeom>
         </p:spPr>
         <p:txBody>
-          <a:bodyPr anchorCtr="0" anchor="ctr" bIns="91425" lIns="91425" spcFirstLastPara="1" rIns="91425" wrap="square" tIns="91425">
+          <a:bodyPr spcFirstLastPara="1" wrap="square" lIns="91425" tIns="91425" rIns="91425" bIns="91425" anchor="ctr" anchorCtr="0">
             <a:normAutofit/>
           </a:bodyPr>
           <a:lstStyle>
@@ -2676,7 +2775,7 @@
             </a:lvl9pPr>
           </a:lstStyle>
           <a:p>
-            <a:pPr indent="0" lvl="0" marL="0" rtl="0" algn="r">
+            <a:pPr marL="0" lvl="0" indent="0" algn="r" rtl="0">
               <a:spcBef>
                 <a:spcPts val="0"/>
               </a:spcBef>
@@ -2687,7 +2786,7 @@
             </a:pPr>
             <a:fld id="{00000000-1234-1234-1234-123412341234}" type="slidenum">
               <a:rPr lang="es-419"/>
-              <a:t>‹#›</a:t>
+              <a:t>‹Nº›</a:t>
             </a:fld>
             <a:endParaRPr/>
           </a:p>
@@ -2702,11 +2801,11 @@
 </file>
 
 <file path=ppt/slideLayouts/slideLayout5.xml><?xml version="1.0" encoding="utf-8"?>
-<p:sldLayout xmlns:a="http://schemas.openxmlformats.org/drawingml/2006/main" xmlns:r="http://schemas.openxmlformats.org/officeDocument/2006/relationships" xmlns:mc="http://schemas.openxmlformats.org/markup-compatibility/2006" xmlns:mv="urn:schemas-microsoft-com:mac:vml" xmlns:p="http://schemas.openxmlformats.org/presentationml/2006/main" xmlns:c="http://schemas.openxmlformats.org/drawingml/2006/chart" xmlns:dgm="http://schemas.openxmlformats.org/drawingml/2006/diagram" xmlns:o="urn:schemas-microsoft-com:office:office" xmlns:v="urn:schemas-microsoft-com:vml" xmlns:pvml="urn:schemas-microsoft-com:office:powerpoint" xmlns:com="http://schemas.openxmlformats.org/drawingml/2006/compatibility" xmlns:p14="http://schemas.microsoft.com/office/powerpoint/2010/main" xmlns:p15="http://schemas.microsoft.com/office/powerpoint/2012/main" xmlns:ahyp="http://schemas.microsoft.com/office/drawing/2018/hyperlinkcolor" matchingName="Title only" type="titleOnly">
+<p:sldLayout xmlns:a="http://schemas.openxmlformats.org/drawingml/2006/main" xmlns:r="http://schemas.openxmlformats.org/officeDocument/2006/relationships" xmlns:p="http://schemas.openxmlformats.org/presentationml/2006/main" matchingName="Title only" type="titleOnly">
   <p:cSld name="TITLE_ONLY">
     <p:spTree>
       <p:nvGrpSpPr>
-        <p:cNvPr id="25" name="Shape 25"/>
+        <p:cNvPr id="1" name="Shape 25"/>
         <p:cNvGrpSpPr/>
         <p:nvPr/>
       </p:nvGrpSpPr>
@@ -2721,7 +2820,9 @@
       <p:sp>
         <p:nvSpPr>
           <p:cNvPr id="26" name="Google Shape;26;p6"/>
-          <p:cNvSpPr txBox="1"/>
+          <p:cNvSpPr txBox="1">
+            <a:spLocks noGrp="1"/>
+          </p:cNvSpPr>
           <p:nvPr>
             <p:ph type="title"/>
           </p:nvPr>
@@ -2736,7 +2837,7 @@
           </a:prstGeom>
         </p:spPr>
         <p:txBody>
-          <a:bodyPr anchorCtr="0" anchor="t" bIns="91425" lIns="91425" spcFirstLastPara="1" rIns="91425" wrap="square" tIns="91425">
+          <a:bodyPr spcFirstLastPara="1" wrap="square" lIns="91425" tIns="91425" rIns="91425" bIns="91425" anchor="t" anchorCtr="0">
             <a:normAutofit/>
           </a:bodyPr>
           <a:lstStyle>
@@ -2840,15 +2941,19 @@
               <a:defRPr/>
             </a:lvl9pPr>
           </a:lstStyle>
-          <a:p/>
+          <a:p>
+            <a:endParaRPr/>
+          </a:p>
         </p:txBody>
       </p:sp>
       <p:sp>
         <p:nvSpPr>
           <p:cNvPr id="27" name="Google Shape;27;p6"/>
-          <p:cNvSpPr txBox="1"/>
+          <p:cNvSpPr txBox="1">
+            <a:spLocks noGrp="1"/>
+          </p:cNvSpPr>
           <p:nvPr>
-            <p:ph idx="12" type="sldNum"/>
+            <p:ph type="sldNum" idx="12"/>
           </p:nvPr>
         </p:nvSpPr>
         <p:spPr>
@@ -2861,7 +2966,7 @@
           </a:prstGeom>
         </p:spPr>
         <p:txBody>
-          <a:bodyPr anchorCtr="0" anchor="ctr" bIns="91425" lIns="91425" spcFirstLastPara="1" rIns="91425" wrap="square" tIns="91425">
+          <a:bodyPr spcFirstLastPara="1" wrap="square" lIns="91425" tIns="91425" rIns="91425" bIns="91425" anchor="ctr" anchorCtr="0">
             <a:normAutofit/>
           </a:bodyPr>
           <a:lstStyle>
@@ -2903,7 +3008,7 @@
             </a:lvl9pPr>
           </a:lstStyle>
           <a:p>
-            <a:pPr indent="0" lvl="0" marL="0" rtl="0" algn="r">
+            <a:pPr marL="0" lvl="0" indent="0" algn="r" rtl="0">
               <a:spcBef>
                 <a:spcPts val="0"/>
               </a:spcBef>
@@ -2914,7 +3019,7 @@
             </a:pPr>
             <a:fld id="{00000000-1234-1234-1234-123412341234}" type="slidenum">
               <a:rPr lang="es-419"/>
-              <a:t>‹#›</a:t>
+              <a:t>‹Nº›</a:t>
             </a:fld>
             <a:endParaRPr/>
           </a:p>
@@ -2929,11 +3034,11 @@
 </file>
 
 <file path=ppt/slideLayouts/slideLayout6.xml><?xml version="1.0" encoding="utf-8"?>
-<p:sldLayout xmlns:a="http://schemas.openxmlformats.org/drawingml/2006/main" xmlns:r="http://schemas.openxmlformats.org/officeDocument/2006/relationships" xmlns:mc="http://schemas.openxmlformats.org/markup-compatibility/2006" xmlns:mv="urn:schemas-microsoft-com:mac:vml" xmlns:p="http://schemas.openxmlformats.org/presentationml/2006/main" xmlns:c="http://schemas.openxmlformats.org/drawingml/2006/chart" xmlns:dgm="http://schemas.openxmlformats.org/drawingml/2006/diagram" xmlns:o="urn:schemas-microsoft-com:office:office" xmlns:v="urn:schemas-microsoft-com:vml" xmlns:pvml="urn:schemas-microsoft-com:office:powerpoint" xmlns:com="http://schemas.openxmlformats.org/drawingml/2006/compatibility" xmlns:p14="http://schemas.microsoft.com/office/powerpoint/2010/main" xmlns:p15="http://schemas.microsoft.com/office/powerpoint/2012/main" xmlns:ahyp="http://schemas.microsoft.com/office/drawing/2018/hyperlinkcolor" matchingName="One column text">
+<p:sldLayout xmlns:a="http://schemas.openxmlformats.org/drawingml/2006/main" xmlns:r="http://schemas.openxmlformats.org/officeDocument/2006/relationships" xmlns:p="http://schemas.openxmlformats.org/presentationml/2006/main" matchingName="One column text">
   <p:cSld name="ONE_COLUMN_TEXT">
     <p:spTree>
       <p:nvGrpSpPr>
-        <p:cNvPr id="28" name="Shape 28"/>
+        <p:cNvPr id="1" name="Shape 28"/>
         <p:cNvGrpSpPr/>
         <p:nvPr/>
       </p:nvGrpSpPr>
@@ -2948,7 +3053,9 @@
       <p:sp>
         <p:nvSpPr>
           <p:cNvPr id="29" name="Google Shape;29;p7"/>
-          <p:cNvSpPr txBox="1"/>
+          <p:cNvSpPr txBox="1">
+            <a:spLocks noGrp="1"/>
+          </p:cNvSpPr>
           <p:nvPr>
             <p:ph type="title"/>
           </p:nvPr>
@@ -2963,7 +3070,7 @@
           </a:prstGeom>
         </p:spPr>
         <p:txBody>
-          <a:bodyPr anchorCtr="0" anchor="b" bIns="91425" lIns="91425" spcFirstLastPara="1" rIns="91425" wrap="square" tIns="91425">
+          <a:bodyPr spcFirstLastPara="1" wrap="square" lIns="91425" tIns="91425" rIns="91425" bIns="91425" anchor="b" anchorCtr="0">
             <a:normAutofit/>
           </a:bodyPr>
           <a:lstStyle>
@@ -3067,15 +3174,19 @@
               <a:defRPr sz="2400"/>
             </a:lvl9pPr>
           </a:lstStyle>
-          <a:p/>
+          <a:p>
+            <a:endParaRPr/>
+          </a:p>
         </p:txBody>
       </p:sp>
       <p:sp>
         <p:nvSpPr>
           <p:cNvPr id="30" name="Google Shape;30;p7"/>
-          <p:cNvSpPr txBox="1"/>
+          <p:cNvSpPr txBox="1">
+            <a:spLocks noGrp="1"/>
+          </p:cNvSpPr>
           <p:nvPr>
-            <p:ph idx="1" type="body"/>
+            <p:ph type="body" idx="1"/>
           </p:nvPr>
         </p:nvSpPr>
         <p:spPr>
@@ -3088,11 +3199,11 @@
           </a:prstGeom>
         </p:spPr>
         <p:txBody>
-          <a:bodyPr anchorCtr="0" anchor="t" bIns="91425" lIns="91425" spcFirstLastPara="1" rIns="91425" wrap="square" tIns="91425">
+          <a:bodyPr spcFirstLastPara="1" wrap="square" lIns="91425" tIns="91425" rIns="91425" bIns="91425" anchor="t" anchorCtr="0">
             <a:normAutofit/>
           </a:bodyPr>
           <a:lstStyle>
-            <a:lvl1pPr indent="-304800" lvl="0" marL="457200">
+            <a:lvl1pPr marL="457200" lvl="0" indent="-304800">
               <a:spcBef>
                 <a:spcPts val="0"/>
               </a:spcBef>
@@ -3103,7 +3214,7 @@
               <a:buChar char="●"/>
               <a:defRPr sz="1200"/>
             </a:lvl1pPr>
-            <a:lvl2pPr indent="-304800" lvl="1" marL="914400">
+            <a:lvl2pPr marL="914400" lvl="1" indent="-304800">
               <a:spcBef>
                 <a:spcPts val="0"/>
               </a:spcBef>
@@ -3114,7 +3225,7 @@
               <a:buChar char="○"/>
               <a:defRPr sz="1200"/>
             </a:lvl2pPr>
-            <a:lvl3pPr indent="-304800" lvl="2" marL="1371600">
+            <a:lvl3pPr marL="1371600" lvl="2" indent="-304800">
               <a:spcBef>
                 <a:spcPts val="0"/>
               </a:spcBef>
@@ -3125,7 +3236,7 @@
               <a:buChar char="■"/>
               <a:defRPr sz="1200"/>
             </a:lvl3pPr>
-            <a:lvl4pPr indent="-304800" lvl="3" marL="1828800">
+            <a:lvl4pPr marL="1828800" lvl="3" indent="-304800">
               <a:spcBef>
                 <a:spcPts val="0"/>
               </a:spcBef>
@@ -3136,7 +3247,7 @@
               <a:buChar char="●"/>
               <a:defRPr sz="1200"/>
             </a:lvl4pPr>
-            <a:lvl5pPr indent="-304800" lvl="4" marL="2286000">
+            <a:lvl5pPr marL="2286000" lvl="4" indent="-304800">
               <a:spcBef>
                 <a:spcPts val="0"/>
               </a:spcBef>
@@ -3147,7 +3258,7 @@
               <a:buChar char="○"/>
               <a:defRPr sz="1200"/>
             </a:lvl5pPr>
-            <a:lvl6pPr indent="-304800" lvl="5" marL="2743200">
+            <a:lvl6pPr marL="2743200" lvl="5" indent="-304800">
               <a:spcBef>
                 <a:spcPts val="0"/>
               </a:spcBef>
@@ -3158,7 +3269,7 @@
               <a:buChar char="■"/>
               <a:defRPr sz="1200"/>
             </a:lvl6pPr>
-            <a:lvl7pPr indent="-304800" lvl="6" marL="3200400">
+            <a:lvl7pPr marL="3200400" lvl="6" indent="-304800">
               <a:spcBef>
                 <a:spcPts val="0"/>
               </a:spcBef>
@@ -3169,7 +3280,7 @@
               <a:buChar char="●"/>
               <a:defRPr sz="1200"/>
             </a:lvl7pPr>
-            <a:lvl8pPr indent="-304800" lvl="7" marL="3657600">
+            <a:lvl8pPr marL="3657600" lvl="7" indent="-304800">
               <a:spcBef>
                 <a:spcPts val="0"/>
               </a:spcBef>
@@ -3180,7 +3291,7 @@
               <a:buChar char="○"/>
               <a:defRPr sz="1200"/>
             </a:lvl8pPr>
-            <a:lvl9pPr indent="-304800" lvl="8" marL="4114800">
+            <a:lvl9pPr marL="4114800" lvl="8" indent="-304800">
               <a:spcBef>
                 <a:spcPts val="0"/>
               </a:spcBef>
@@ -3192,15 +3303,19 @@
               <a:defRPr sz="1200"/>
             </a:lvl9pPr>
           </a:lstStyle>
-          <a:p/>
+          <a:p>
+            <a:endParaRPr/>
+          </a:p>
         </p:txBody>
       </p:sp>
       <p:sp>
         <p:nvSpPr>
           <p:cNvPr id="31" name="Google Shape;31;p7"/>
-          <p:cNvSpPr txBox="1"/>
+          <p:cNvSpPr txBox="1">
+            <a:spLocks noGrp="1"/>
+          </p:cNvSpPr>
           <p:nvPr>
-            <p:ph idx="12" type="sldNum"/>
+            <p:ph type="sldNum" idx="12"/>
           </p:nvPr>
         </p:nvSpPr>
         <p:spPr>
@@ -3213,7 +3328,7 @@
           </a:prstGeom>
         </p:spPr>
         <p:txBody>
-          <a:bodyPr anchorCtr="0" anchor="ctr" bIns="91425" lIns="91425" spcFirstLastPara="1" rIns="91425" wrap="square" tIns="91425">
+          <a:bodyPr spcFirstLastPara="1" wrap="square" lIns="91425" tIns="91425" rIns="91425" bIns="91425" anchor="ctr" anchorCtr="0">
             <a:normAutofit/>
           </a:bodyPr>
           <a:lstStyle>
@@ -3255,7 +3370,7 @@
             </a:lvl9pPr>
           </a:lstStyle>
           <a:p>
-            <a:pPr indent="0" lvl="0" marL="0" rtl="0" algn="r">
+            <a:pPr marL="0" lvl="0" indent="0" algn="r" rtl="0">
               <a:spcBef>
                 <a:spcPts val="0"/>
               </a:spcBef>
@@ -3266,7 +3381,7 @@
             </a:pPr>
             <a:fld id="{00000000-1234-1234-1234-123412341234}" type="slidenum">
               <a:rPr lang="es-419"/>
-              <a:t>‹#›</a:t>
+              <a:t>‹Nº›</a:t>
             </a:fld>
             <a:endParaRPr/>
           </a:p>
@@ -3281,11 +3396,11 @@
 </file>
 
 <file path=ppt/slideLayouts/slideLayout7.xml><?xml version="1.0" encoding="utf-8"?>
-<p:sldLayout xmlns:a="http://schemas.openxmlformats.org/drawingml/2006/main" xmlns:r="http://schemas.openxmlformats.org/officeDocument/2006/relationships" xmlns:mc="http://schemas.openxmlformats.org/markup-compatibility/2006" xmlns:mv="urn:schemas-microsoft-com:mac:vml" xmlns:p="http://schemas.openxmlformats.org/presentationml/2006/main" xmlns:c="http://schemas.openxmlformats.org/drawingml/2006/chart" xmlns:dgm="http://schemas.openxmlformats.org/drawingml/2006/diagram" xmlns:o="urn:schemas-microsoft-com:office:office" xmlns:v="urn:schemas-microsoft-com:vml" xmlns:pvml="urn:schemas-microsoft-com:office:powerpoint" xmlns:com="http://schemas.openxmlformats.org/drawingml/2006/compatibility" xmlns:p14="http://schemas.microsoft.com/office/powerpoint/2010/main" xmlns:p15="http://schemas.microsoft.com/office/powerpoint/2012/main" xmlns:ahyp="http://schemas.microsoft.com/office/drawing/2018/hyperlinkcolor" matchingName="Main point">
+<p:sldLayout xmlns:a="http://schemas.openxmlformats.org/drawingml/2006/main" xmlns:r="http://schemas.openxmlformats.org/officeDocument/2006/relationships" xmlns:p="http://schemas.openxmlformats.org/presentationml/2006/main" matchingName="Main point">
   <p:cSld name="MAIN_POINT">
     <p:spTree>
       <p:nvGrpSpPr>
-        <p:cNvPr id="32" name="Shape 32"/>
+        <p:cNvPr id="1" name="Shape 32"/>
         <p:cNvGrpSpPr/>
         <p:nvPr/>
       </p:nvGrpSpPr>
@@ -3300,7 +3415,9 @@
       <p:sp>
         <p:nvSpPr>
           <p:cNvPr id="33" name="Google Shape;33;p8"/>
-          <p:cNvSpPr txBox="1"/>
+          <p:cNvSpPr txBox="1">
+            <a:spLocks noGrp="1"/>
+          </p:cNvSpPr>
           <p:nvPr>
             <p:ph type="title"/>
           </p:nvPr>
@@ -3315,7 +3432,7 @@
           </a:prstGeom>
         </p:spPr>
         <p:txBody>
-          <a:bodyPr anchorCtr="0" anchor="ctr" bIns="91425" lIns="91425" spcFirstLastPara="1" rIns="91425" wrap="square" tIns="91425">
+          <a:bodyPr spcFirstLastPara="1" wrap="square" lIns="91425" tIns="91425" rIns="91425" bIns="91425" anchor="ctr" anchorCtr="0">
             <a:normAutofit/>
           </a:bodyPr>
           <a:lstStyle>
@@ -3419,15 +3536,19 @@
               <a:defRPr sz="4800"/>
             </a:lvl9pPr>
           </a:lstStyle>
-          <a:p/>
+          <a:p>
+            <a:endParaRPr/>
+          </a:p>
         </p:txBody>
       </p:sp>
       <p:sp>
         <p:nvSpPr>
           <p:cNvPr id="34" name="Google Shape;34;p8"/>
-          <p:cNvSpPr txBox="1"/>
+          <p:cNvSpPr txBox="1">
+            <a:spLocks noGrp="1"/>
+          </p:cNvSpPr>
           <p:nvPr>
-            <p:ph idx="12" type="sldNum"/>
+            <p:ph type="sldNum" idx="12"/>
           </p:nvPr>
         </p:nvSpPr>
         <p:spPr>
@@ -3440,7 +3561,7 @@
           </a:prstGeom>
         </p:spPr>
         <p:txBody>
-          <a:bodyPr anchorCtr="0" anchor="ctr" bIns="91425" lIns="91425" spcFirstLastPara="1" rIns="91425" wrap="square" tIns="91425">
+          <a:bodyPr spcFirstLastPara="1" wrap="square" lIns="91425" tIns="91425" rIns="91425" bIns="91425" anchor="ctr" anchorCtr="0">
             <a:normAutofit/>
           </a:bodyPr>
           <a:lstStyle>
@@ -3482,7 +3603,7 @@
             </a:lvl9pPr>
           </a:lstStyle>
           <a:p>
-            <a:pPr indent="0" lvl="0" marL="0" rtl="0" algn="r">
+            <a:pPr marL="0" lvl="0" indent="0" algn="r" rtl="0">
               <a:spcBef>
                 <a:spcPts val="0"/>
               </a:spcBef>
@@ -3493,7 +3614,7 @@
             </a:pPr>
             <a:fld id="{00000000-1234-1234-1234-123412341234}" type="slidenum">
               <a:rPr lang="es-419"/>
-              <a:t>‹#›</a:t>
+              <a:t>‹Nº›</a:t>
             </a:fld>
             <a:endParaRPr/>
           </a:p>
@@ -3508,11 +3629,11 @@
 </file>
 
 <file path=ppt/slideLayouts/slideLayout8.xml><?xml version="1.0" encoding="utf-8"?>
-<p:sldLayout xmlns:a="http://schemas.openxmlformats.org/drawingml/2006/main" xmlns:r="http://schemas.openxmlformats.org/officeDocument/2006/relationships" xmlns:mc="http://schemas.openxmlformats.org/markup-compatibility/2006" xmlns:mv="urn:schemas-microsoft-com:mac:vml" xmlns:p="http://schemas.openxmlformats.org/presentationml/2006/main" xmlns:c="http://schemas.openxmlformats.org/drawingml/2006/chart" xmlns:dgm="http://schemas.openxmlformats.org/drawingml/2006/diagram" xmlns:o="urn:schemas-microsoft-com:office:office" xmlns:v="urn:schemas-microsoft-com:vml" xmlns:pvml="urn:schemas-microsoft-com:office:powerpoint" xmlns:com="http://schemas.openxmlformats.org/drawingml/2006/compatibility" xmlns:p14="http://schemas.microsoft.com/office/powerpoint/2010/main" xmlns:p15="http://schemas.microsoft.com/office/powerpoint/2012/main" xmlns:ahyp="http://schemas.microsoft.com/office/drawing/2018/hyperlinkcolor" matchingName="Section title and description">
+<p:sldLayout xmlns:a="http://schemas.openxmlformats.org/drawingml/2006/main" xmlns:r="http://schemas.openxmlformats.org/officeDocument/2006/relationships" xmlns:p="http://schemas.openxmlformats.org/presentationml/2006/main" matchingName="Section title and description">
   <p:cSld name="SECTION_TITLE_AND_DESCRIPTION">
     <p:spTree>
       <p:nvGrpSpPr>
-        <p:cNvPr id="35" name="Shape 35"/>
+        <p:cNvPr id="1" name="Shape 35"/>
         <p:cNvGrpSpPr/>
         <p:nvPr/>
       </p:nvGrpSpPr>
@@ -3546,12 +3667,12 @@
           </a:ln>
         </p:spPr>
         <p:txBody>
-          <a:bodyPr anchorCtr="0" anchor="ctr" bIns="91425" lIns="91425" spcFirstLastPara="1" rIns="91425" wrap="square" tIns="91425">
+          <a:bodyPr spcFirstLastPara="1" wrap="square" lIns="91425" tIns="91425" rIns="91425" bIns="91425" anchor="ctr" anchorCtr="0">
             <a:noAutofit/>
           </a:bodyPr>
           <a:lstStyle/>
           <a:p>
-            <a:pPr indent="0" lvl="0" marL="0" rtl="0" algn="l">
+            <a:pPr marL="0" lvl="0" indent="0" algn="l" rtl="0">
               <a:spcBef>
                 <a:spcPts val="0"/>
               </a:spcBef>
@@ -3560,9 +3681,6 @@
               </a:spcAft>
               <a:buNone/>
             </a:pPr>
-            <a:r>
-              <a:t/>
-            </a:r>
             <a:endParaRPr/>
           </a:p>
         </p:txBody>
@@ -3570,7 +3688,9 @@
       <p:sp>
         <p:nvSpPr>
           <p:cNvPr id="37" name="Google Shape;37;p9"/>
-          <p:cNvSpPr txBox="1"/>
+          <p:cNvSpPr txBox="1">
+            <a:spLocks noGrp="1"/>
+          </p:cNvSpPr>
           <p:nvPr>
             <p:ph type="title"/>
           </p:nvPr>
@@ -3585,7 +3705,7 @@
           </a:prstGeom>
         </p:spPr>
         <p:txBody>
-          <a:bodyPr anchorCtr="0" anchor="b" bIns="91425" lIns="91425" spcFirstLastPara="1" rIns="91425" wrap="square" tIns="91425">
+          <a:bodyPr spcFirstLastPara="1" wrap="square" lIns="91425" tIns="91425" rIns="91425" bIns="91425" anchor="b" anchorCtr="0">
             <a:normAutofit/>
           </a:bodyPr>
           <a:lstStyle>
@@ -3689,15 +3809,19 @@
               <a:defRPr sz="4200"/>
             </a:lvl9pPr>
           </a:lstStyle>
-          <a:p/>
+          <a:p>
+            <a:endParaRPr/>
+          </a:p>
         </p:txBody>
       </p:sp>
       <p:sp>
         <p:nvSpPr>
           <p:cNvPr id="38" name="Google Shape;38;p9"/>
-          <p:cNvSpPr txBox="1"/>
+          <p:cNvSpPr txBox="1">
+            <a:spLocks noGrp="1"/>
+          </p:cNvSpPr>
           <p:nvPr>
-            <p:ph idx="1" type="subTitle"/>
+            <p:ph type="subTitle" idx="1"/>
           </p:nvPr>
         </p:nvSpPr>
         <p:spPr>
@@ -3710,7 +3834,7 @@
           </a:prstGeom>
         </p:spPr>
         <p:txBody>
-          <a:bodyPr anchorCtr="0" anchor="t" bIns="91425" lIns="91425" spcFirstLastPara="1" rIns="91425" wrap="square" tIns="91425">
+          <a:bodyPr spcFirstLastPara="1" wrap="square" lIns="91425" tIns="91425" rIns="91425" bIns="91425" anchor="t" anchorCtr="0">
             <a:normAutofit/>
           </a:bodyPr>
           <a:lstStyle>
@@ -3841,15 +3965,19 @@
               <a:defRPr sz="2100"/>
             </a:lvl9pPr>
           </a:lstStyle>
-          <a:p/>
+          <a:p>
+            <a:endParaRPr/>
+          </a:p>
         </p:txBody>
       </p:sp>
       <p:sp>
         <p:nvSpPr>
           <p:cNvPr id="39" name="Google Shape;39;p9"/>
-          <p:cNvSpPr txBox="1"/>
+          <p:cNvSpPr txBox="1">
+            <a:spLocks noGrp="1"/>
+          </p:cNvSpPr>
           <p:nvPr>
-            <p:ph idx="2" type="body"/>
+            <p:ph type="body" idx="2"/>
           </p:nvPr>
         </p:nvSpPr>
         <p:spPr>
@@ -3862,11 +3990,11 @@
           </a:prstGeom>
         </p:spPr>
         <p:txBody>
-          <a:bodyPr anchorCtr="0" anchor="ctr" bIns="91425" lIns="91425" spcFirstLastPara="1" rIns="91425" wrap="square" tIns="91425">
+          <a:bodyPr spcFirstLastPara="1" wrap="square" lIns="91425" tIns="91425" rIns="91425" bIns="91425" anchor="ctr" anchorCtr="0">
             <a:normAutofit/>
           </a:bodyPr>
           <a:lstStyle>
-            <a:lvl1pPr indent="-342900" lvl="0" marL="457200">
+            <a:lvl1pPr marL="457200" lvl="0" indent="-342900">
               <a:spcBef>
                 <a:spcPts val="0"/>
               </a:spcBef>
@@ -3877,7 +4005,7 @@
               <a:buChar char="●"/>
               <a:defRPr/>
             </a:lvl1pPr>
-            <a:lvl2pPr indent="-317500" lvl="1" marL="914400">
+            <a:lvl2pPr marL="914400" lvl="1" indent="-317500">
               <a:spcBef>
                 <a:spcPts val="0"/>
               </a:spcBef>
@@ -3888,7 +4016,7 @@
               <a:buChar char="○"/>
               <a:defRPr/>
             </a:lvl2pPr>
-            <a:lvl3pPr indent="-317500" lvl="2" marL="1371600">
+            <a:lvl3pPr marL="1371600" lvl="2" indent="-317500">
               <a:spcBef>
                 <a:spcPts val="0"/>
               </a:spcBef>
@@ -3899,7 +4027,7 @@
               <a:buChar char="■"/>
               <a:defRPr/>
             </a:lvl3pPr>
-            <a:lvl4pPr indent="-317500" lvl="3" marL="1828800">
+            <a:lvl4pPr marL="1828800" lvl="3" indent="-317500">
               <a:spcBef>
                 <a:spcPts val="0"/>
               </a:spcBef>
@@ -3910,7 +4038,7 @@
               <a:buChar char="●"/>
               <a:defRPr/>
             </a:lvl4pPr>
-            <a:lvl5pPr indent="-317500" lvl="4" marL="2286000">
+            <a:lvl5pPr marL="2286000" lvl="4" indent="-317500">
               <a:spcBef>
                 <a:spcPts val="0"/>
               </a:spcBef>
@@ -3921,7 +4049,7 @@
               <a:buChar char="○"/>
               <a:defRPr/>
             </a:lvl5pPr>
-            <a:lvl6pPr indent="-317500" lvl="5" marL="2743200">
+            <a:lvl6pPr marL="2743200" lvl="5" indent="-317500">
               <a:spcBef>
                 <a:spcPts val="0"/>
               </a:spcBef>
@@ -3932,7 +4060,7 @@
               <a:buChar char="■"/>
               <a:defRPr/>
             </a:lvl6pPr>
-            <a:lvl7pPr indent="-317500" lvl="6" marL="3200400">
+            <a:lvl7pPr marL="3200400" lvl="6" indent="-317500">
               <a:spcBef>
                 <a:spcPts val="0"/>
               </a:spcBef>
@@ -3943,7 +4071,7 @@
               <a:buChar char="●"/>
               <a:defRPr/>
             </a:lvl7pPr>
-            <a:lvl8pPr indent="-317500" lvl="7" marL="3657600">
+            <a:lvl8pPr marL="3657600" lvl="7" indent="-317500">
               <a:spcBef>
                 <a:spcPts val="0"/>
               </a:spcBef>
@@ -3954,7 +4082,7 @@
               <a:buChar char="○"/>
               <a:defRPr/>
             </a:lvl8pPr>
-            <a:lvl9pPr indent="-317500" lvl="8" marL="4114800">
+            <a:lvl9pPr marL="4114800" lvl="8" indent="-317500">
               <a:spcBef>
                 <a:spcPts val="0"/>
               </a:spcBef>
@@ -3966,15 +4094,19 @@
               <a:defRPr/>
             </a:lvl9pPr>
           </a:lstStyle>
-          <a:p/>
+          <a:p>
+            <a:endParaRPr/>
+          </a:p>
         </p:txBody>
       </p:sp>
       <p:sp>
         <p:nvSpPr>
           <p:cNvPr id="40" name="Google Shape;40;p9"/>
-          <p:cNvSpPr txBox="1"/>
+          <p:cNvSpPr txBox="1">
+            <a:spLocks noGrp="1"/>
+          </p:cNvSpPr>
           <p:nvPr>
-            <p:ph idx="12" type="sldNum"/>
+            <p:ph type="sldNum" idx="12"/>
           </p:nvPr>
         </p:nvSpPr>
         <p:spPr>
@@ -3987,7 +4119,7 @@
           </a:prstGeom>
         </p:spPr>
         <p:txBody>
-          <a:bodyPr anchorCtr="0" anchor="ctr" bIns="91425" lIns="91425" spcFirstLastPara="1" rIns="91425" wrap="square" tIns="91425">
+          <a:bodyPr spcFirstLastPara="1" wrap="square" lIns="91425" tIns="91425" rIns="91425" bIns="91425" anchor="ctr" anchorCtr="0">
             <a:normAutofit/>
           </a:bodyPr>
           <a:lstStyle>
@@ -4029,7 +4161,7 @@
             </a:lvl9pPr>
           </a:lstStyle>
           <a:p>
-            <a:pPr indent="0" lvl="0" marL="0" rtl="0" algn="r">
+            <a:pPr marL="0" lvl="0" indent="0" algn="r" rtl="0">
               <a:spcBef>
                 <a:spcPts val="0"/>
               </a:spcBef>
@@ -4040,7 +4172,7 @@
             </a:pPr>
             <a:fld id="{00000000-1234-1234-1234-123412341234}" type="slidenum">
               <a:rPr lang="es-419"/>
-              <a:t>‹#›</a:t>
+              <a:t>‹Nº›</a:t>
             </a:fld>
             <a:endParaRPr/>
           </a:p>
@@ -4055,11 +4187,11 @@
 </file>
 
 <file path=ppt/slideLayouts/slideLayout9.xml><?xml version="1.0" encoding="utf-8"?>
-<p:sldLayout xmlns:a="http://schemas.openxmlformats.org/drawingml/2006/main" xmlns:r="http://schemas.openxmlformats.org/officeDocument/2006/relationships" xmlns:mc="http://schemas.openxmlformats.org/markup-compatibility/2006" xmlns:mv="urn:schemas-microsoft-com:mac:vml" xmlns:p="http://schemas.openxmlformats.org/presentationml/2006/main" xmlns:c="http://schemas.openxmlformats.org/drawingml/2006/chart" xmlns:dgm="http://schemas.openxmlformats.org/drawingml/2006/diagram" xmlns:o="urn:schemas-microsoft-com:office:office" xmlns:v="urn:schemas-microsoft-com:vml" xmlns:pvml="urn:schemas-microsoft-com:office:powerpoint" xmlns:com="http://schemas.openxmlformats.org/drawingml/2006/compatibility" xmlns:p14="http://schemas.microsoft.com/office/powerpoint/2010/main" xmlns:p15="http://schemas.microsoft.com/office/powerpoint/2012/main" xmlns:ahyp="http://schemas.microsoft.com/office/drawing/2018/hyperlinkcolor" matchingName="Caption">
+<p:sldLayout xmlns:a="http://schemas.openxmlformats.org/drawingml/2006/main" xmlns:r="http://schemas.openxmlformats.org/officeDocument/2006/relationships" xmlns:p="http://schemas.openxmlformats.org/presentationml/2006/main" matchingName="Caption">
   <p:cSld name="CAPTION_ONLY">
     <p:spTree>
       <p:nvGrpSpPr>
-        <p:cNvPr id="41" name="Shape 41"/>
+        <p:cNvPr id="1" name="Shape 41"/>
         <p:cNvGrpSpPr/>
         <p:nvPr/>
       </p:nvGrpSpPr>
@@ -4074,9 +4206,11 @@
       <p:sp>
         <p:nvSpPr>
           <p:cNvPr id="42" name="Google Shape;42;p10"/>
-          <p:cNvSpPr txBox="1"/>
+          <p:cNvSpPr txBox="1">
+            <a:spLocks noGrp="1"/>
+          </p:cNvSpPr>
           <p:nvPr>
-            <p:ph idx="1" type="body"/>
+            <p:ph type="body" idx="1"/>
           </p:nvPr>
         </p:nvSpPr>
         <p:spPr>
@@ -4089,11 +4223,11 @@
           </a:prstGeom>
         </p:spPr>
         <p:txBody>
-          <a:bodyPr anchorCtr="0" anchor="ctr" bIns="91425" lIns="91425" spcFirstLastPara="1" rIns="91425" wrap="square" tIns="91425">
+          <a:bodyPr spcFirstLastPara="1" wrap="square" lIns="91425" tIns="91425" rIns="91425" bIns="91425" anchor="ctr" anchorCtr="0">
             <a:normAutofit/>
           </a:bodyPr>
           <a:lstStyle>
-            <a:lvl1pPr indent="-228600" lvl="0" marL="457200">
+            <a:lvl1pPr marL="457200" lvl="0" indent="-228600">
               <a:lnSpc>
                 <a:spcPct val="100000"/>
               </a:lnSpc>
@@ -4108,15 +4242,19 @@
               <a:defRPr/>
             </a:lvl1pPr>
           </a:lstStyle>
-          <a:p/>
+          <a:p>
+            <a:endParaRPr/>
+          </a:p>
         </p:txBody>
       </p:sp>
       <p:sp>
         <p:nvSpPr>
           <p:cNvPr id="43" name="Google Shape;43;p10"/>
-          <p:cNvSpPr txBox="1"/>
+          <p:cNvSpPr txBox="1">
+            <a:spLocks noGrp="1"/>
+          </p:cNvSpPr>
           <p:nvPr>
-            <p:ph idx="12" type="sldNum"/>
+            <p:ph type="sldNum" idx="12"/>
           </p:nvPr>
         </p:nvSpPr>
         <p:spPr>
@@ -4129,7 +4267,7 @@
           </a:prstGeom>
         </p:spPr>
         <p:txBody>
-          <a:bodyPr anchorCtr="0" anchor="ctr" bIns="91425" lIns="91425" spcFirstLastPara="1" rIns="91425" wrap="square" tIns="91425">
+          <a:bodyPr spcFirstLastPara="1" wrap="square" lIns="91425" tIns="91425" rIns="91425" bIns="91425" anchor="ctr" anchorCtr="0">
             <a:normAutofit/>
           </a:bodyPr>
           <a:lstStyle>
@@ -4171,7 +4309,7 @@
             </a:lvl9pPr>
           </a:lstStyle>
           <a:p>
-            <a:pPr indent="0" lvl="0" marL="0" rtl="0" algn="r">
+            <a:pPr marL="0" lvl="0" indent="0" algn="r" rtl="0">
               <a:spcBef>
                 <a:spcPts val="0"/>
               </a:spcBef>
@@ -4182,7 +4320,7 @@
             </a:pPr>
             <a:fld id="{00000000-1234-1234-1234-123412341234}" type="slidenum">
               <a:rPr lang="es-419"/>
-              <a:t>‹#›</a:t>
+              <a:t>‹Nº›</a:t>
             </a:fld>
             <a:endParaRPr/>
           </a:p>
@@ -4197,18 +4335,19 @@
 </file>
 
 <file path=ppt/slideMasters/slideMaster1.xml><?xml version="1.0" encoding="utf-8"?>
-<p:sldMaster xmlns:a="http://schemas.openxmlformats.org/drawingml/2006/main" xmlns:r="http://schemas.openxmlformats.org/officeDocument/2006/relationships" xmlns:mc="http://schemas.openxmlformats.org/markup-compatibility/2006" xmlns:mv="urn:schemas-microsoft-com:mac:vml" xmlns:p="http://schemas.openxmlformats.org/presentationml/2006/main" xmlns:c="http://schemas.openxmlformats.org/drawingml/2006/chart" xmlns:dgm="http://schemas.openxmlformats.org/drawingml/2006/diagram" xmlns:o="urn:schemas-microsoft-com:office:office" xmlns:v="urn:schemas-microsoft-com:vml" xmlns:pvml="urn:schemas-microsoft-com:office:powerpoint" xmlns:com="http://schemas.openxmlformats.org/drawingml/2006/compatibility" xmlns:p14="http://schemas.microsoft.com/office/powerpoint/2010/main" xmlns:p15="http://schemas.microsoft.com/office/powerpoint/2012/main" xmlns:ahyp="http://schemas.microsoft.com/office/drawing/2018/hyperlinkcolor">
+<p:sldMaster xmlns:a="http://schemas.openxmlformats.org/drawingml/2006/main" xmlns:r="http://schemas.openxmlformats.org/officeDocument/2006/relationships" xmlns:p="http://schemas.openxmlformats.org/presentationml/2006/main">
   <p:cSld name="simple-light-2">
     <p:bg>
       <p:bgPr>
         <a:solidFill>
           <a:schemeClr val="lt1"/>
         </a:solidFill>
+        <a:effectLst/>
       </p:bgPr>
     </p:bg>
     <p:spTree>
       <p:nvGrpSpPr>
-        <p:cNvPr id="5" name="Shape 5"/>
+        <p:cNvPr id="1" name="Shape 5"/>
         <p:cNvGrpSpPr/>
         <p:nvPr/>
       </p:nvGrpSpPr>
@@ -4223,7 +4362,9 @@
       <p:sp>
         <p:nvSpPr>
           <p:cNvPr id="6" name="Google Shape;6;p1"/>
-          <p:cNvSpPr txBox="1"/>
+          <p:cNvSpPr txBox="1">
+            <a:spLocks noGrp="1"/>
+          </p:cNvSpPr>
           <p:nvPr>
             <p:ph type="title"/>
           </p:nvPr>
@@ -4242,7 +4383,7 @@
           </a:ln>
         </p:spPr>
         <p:txBody>
-          <a:bodyPr anchorCtr="0" anchor="t" bIns="91425" lIns="91425" spcFirstLastPara="1" rIns="91425" wrap="square" tIns="91425">
+          <a:bodyPr spcFirstLastPara="1" wrap="square" lIns="91425" tIns="91425" rIns="91425" bIns="91425" anchor="t" anchorCtr="0">
             <a:normAutofit/>
           </a:bodyPr>
           <a:lstStyle>
@@ -4409,15 +4550,19 @@
               </a:defRPr>
             </a:lvl9pPr>
           </a:lstStyle>
-          <a:p/>
+          <a:p>
+            <a:endParaRPr/>
+          </a:p>
         </p:txBody>
       </p:sp>
       <p:sp>
         <p:nvSpPr>
           <p:cNvPr id="7" name="Google Shape;7;p1"/>
-          <p:cNvSpPr txBox="1"/>
+          <p:cNvSpPr txBox="1">
+            <a:spLocks noGrp="1"/>
+          </p:cNvSpPr>
           <p:nvPr>
-            <p:ph idx="1" type="body"/>
+            <p:ph type="body" idx="1"/>
           </p:nvPr>
         </p:nvSpPr>
         <p:spPr>
@@ -4434,11 +4579,11 @@
           </a:ln>
         </p:spPr>
         <p:txBody>
-          <a:bodyPr anchorCtr="0" anchor="t" bIns="91425" lIns="91425" spcFirstLastPara="1" rIns="91425" wrap="square" tIns="91425">
+          <a:bodyPr spcFirstLastPara="1" wrap="square" lIns="91425" tIns="91425" rIns="91425" bIns="91425" anchor="t" anchorCtr="0">
             <a:normAutofit/>
           </a:bodyPr>
           <a:lstStyle>
-            <a:lvl1pPr indent="-342900" lvl="0" marL="457200">
+            <a:lvl1pPr marL="457200" lvl="0" indent="-342900">
               <a:lnSpc>
                 <a:spcPct val="115000"/>
               </a:lnSpc>
@@ -4459,7 +4604,7 @@
                 </a:solidFill>
               </a:defRPr>
             </a:lvl1pPr>
-            <a:lvl2pPr indent="-317500" lvl="1" marL="914400">
+            <a:lvl2pPr marL="914400" lvl="1" indent="-317500">
               <a:lnSpc>
                 <a:spcPct val="115000"/>
               </a:lnSpc>
@@ -4480,7 +4625,7 @@
                 </a:solidFill>
               </a:defRPr>
             </a:lvl2pPr>
-            <a:lvl3pPr indent="-317500" lvl="2" marL="1371600">
+            <a:lvl3pPr marL="1371600" lvl="2" indent="-317500">
               <a:lnSpc>
                 <a:spcPct val="115000"/>
               </a:lnSpc>
@@ -4501,7 +4646,7 @@
                 </a:solidFill>
               </a:defRPr>
             </a:lvl3pPr>
-            <a:lvl4pPr indent="-317500" lvl="3" marL="1828800">
+            <a:lvl4pPr marL="1828800" lvl="3" indent="-317500">
               <a:lnSpc>
                 <a:spcPct val="115000"/>
               </a:lnSpc>
@@ -4522,7 +4667,7 @@
                 </a:solidFill>
               </a:defRPr>
             </a:lvl4pPr>
-            <a:lvl5pPr indent="-317500" lvl="4" marL="2286000">
+            <a:lvl5pPr marL="2286000" lvl="4" indent="-317500">
               <a:lnSpc>
                 <a:spcPct val="115000"/>
               </a:lnSpc>
@@ -4543,7 +4688,7 @@
                 </a:solidFill>
               </a:defRPr>
             </a:lvl5pPr>
-            <a:lvl6pPr indent="-317500" lvl="5" marL="2743200">
+            <a:lvl6pPr marL="2743200" lvl="5" indent="-317500">
               <a:lnSpc>
                 <a:spcPct val="115000"/>
               </a:lnSpc>
@@ -4564,7 +4709,7 @@
                 </a:solidFill>
               </a:defRPr>
             </a:lvl6pPr>
-            <a:lvl7pPr indent="-317500" lvl="6" marL="3200400">
+            <a:lvl7pPr marL="3200400" lvl="6" indent="-317500">
               <a:lnSpc>
                 <a:spcPct val="115000"/>
               </a:lnSpc>
@@ -4585,7 +4730,7 @@
                 </a:solidFill>
               </a:defRPr>
             </a:lvl7pPr>
-            <a:lvl8pPr indent="-317500" lvl="7" marL="3657600">
+            <a:lvl8pPr marL="3657600" lvl="7" indent="-317500">
               <a:lnSpc>
                 <a:spcPct val="115000"/>
               </a:lnSpc>
@@ -4606,7 +4751,7 @@
                 </a:solidFill>
               </a:defRPr>
             </a:lvl8pPr>
-            <a:lvl9pPr indent="-317500" lvl="8" marL="4114800">
+            <a:lvl9pPr marL="4114800" lvl="8" indent="-317500">
               <a:lnSpc>
                 <a:spcPct val="115000"/>
               </a:lnSpc>
@@ -4628,15 +4773,19 @@
               </a:defRPr>
             </a:lvl9pPr>
           </a:lstStyle>
-          <a:p/>
+          <a:p>
+            <a:endParaRPr/>
+          </a:p>
         </p:txBody>
       </p:sp>
       <p:sp>
         <p:nvSpPr>
           <p:cNvPr id="8" name="Google Shape;8;p1"/>
-          <p:cNvSpPr txBox="1"/>
+          <p:cNvSpPr txBox="1">
+            <a:spLocks noGrp="1"/>
+          </p:cNvSpPr>
           <p:nvPr>
-            <p:ph idx="12" type="sldNum"/>
+            <p:ph type="sldNum" idx="12"/>
           </p:nvPr>
         </p:nvSpPr>
         <p:spPr>
@@ -4653,7 +4802,7 @@
           </a:ln>
         </p:spPr>
         <p:txBody>
-          <a:bodyPr anchorCtr="0" anchor="ctr" bIns="91425" lIns="91425" spcFirstLastPara="1" rIns="91425" wrap="square" tIns="91425">
+          <a:bodyPr spcFirstLastPara="1" wrap="square" lIns="91425" tIns="91425" rIns="91425" bIns="91425" anchor="ctr" anchorCtr="0">
             <a:normAutofit/>
           </a:bodyPr>
           <a:lstStyle>
@@ -4731,7 +4880,7 @@
             </a:lvl9pPr>
           </a:lstStyle>
           <a:p>
-            <a:pPr indent="0" lvl="0" marL="0" rtl="0" algn="r">
+            <a:pPr marL="0" lvl="0" indent="0" algn="r" rtl="0">
               <a:spcBef>
                 <a:spcPts val="0"/>
               </a:spcBef>
@@ -4742,7 +4891,7 @@
             </a:pPr>
             <a:fld id="{00000000-1234-1234-1234-123412341234}" type="slidenum">
               <a:rPr lang="es-419"/>
-              <a:t>‹#›</a:t>
+              <a:t>‹Nº›</a:t>
             </a:fld>
             <a:endParaRPr/>
           </a:p>
@@ -4750,7 +4899,7 @@
       </p:sp>
     </p:spTree>
   </p:cSld>
-  <p:clrMap accent1="accent1" accent2="accent2" accent3="accent3" accent4="accent4" accent5="accent5" accent6="accent6" bg1="lt1" bg2="dk2" tx1="dk1" tx2="lt2" folHlink="folHlink" hlink="hlink"/>
+  <p:clrMap bg1="lt1" tx1="dk1" bg2="dk2" tx2="lt2" accent1="accent1" accent2="accent2" accent3="accent3" accent4="accent4" accent5="accent5" accent6="accent6" hlink="hlink" folHlink="folHlink"/>
   <p:sldLayoutIdLst>
     <p:sldLayoutId id="2147483648" r:id="rId1"/>
     <p:sldLayoutId id="2147483649" r:id="rId2"/>
@@ -4764,10 +4913,10 @@
     <p:sldLayoutId id="2147483657" r:id="rId10"/>
     <p:sldLayoutId id="2147483658" r:id="rId11"/>
   </p:sldLayoutIdLst>
-  <p:hf dt="0" ftr="0" hdr="0" sldNum="0"/>
+  <p:hf sldNum="0" hdr="0" ftr="0" dt="0"/>
   <p:txStyles>
     <p:titleStyle>
-      <a:defPPr lvl="0" marR="0" rtl="0" algn="l">
+      <a:defPPr marR="0" lvl="0" algn="l" rtl="0">
         <a:lnSpc>
           <a:spcPct val="100000"/>
         </a:lnSpc>
@@ -4778,7 +4927,7 @@
           <a:spcPts val="0"/>
         </a:spcAft>
       </a:defPPr>
-      <a:lvl1pPr lvl="0" marR="0" rtl="0" algn="l">
+      <a:lvl1pPr marR="0" lvl="0" algn="l" rtl="0">
         <a:lnSpc>
           <a:spcPct val="100000"/>
         </a:lnSpc>
@@ -4792,7 +4941,7 @@
           <a:srgbClr val="000000"/>
         </a:buClr>
         <a:buFont typeface="Arial"/>
-        <a:defRPr b="0" i="0" sz="1400" u="none" cap="none" strike="noStrike">
+        <a:defRPr sz="1400" b="0" i="0" u="none" strike="noStrike" cap="none">
           <a:solidFill>
             <a:srgbClr val="000000"/>
           </a:solidFill>
@@ -4802,7 +4951,7 @@
           <a:sym typeface="Arial"/>
         </a:defRPr>
       </a:lvl1pPr>
-      <a:lvl2pPr lvl="1" marR="0" rtl="0" algn="l">
+      <a:lvl2pPr marR="0" lvl="1" algn="l" rtl="0">
         <a:lnSpc>
           <a:spcPct val="100000"/>
         </a:lnSpc>
@@ -4816,7 +4965,7 @@
           <a:srgbClr val="000000"/>
         </a:buClr>
         <a:buFont typeface="Arial"/>
-        <a:defRPr b="0" i="0" sz="1400" u="none" cap="none" strike="noStrike">
+        <a:defRPr sz="1400" b="0" i="0" u="none" strike="noStrike" cap="none">
           <a:solidFill>
             <a:srgbClr val="000000"/>
           </a:solidFill>
@@ -4826,7 +4975,7 @@
           <a:sym typeface="Arial"/>
         </a:defRPr>
       </a:lvl2pPr>
-      <a:lvl3pPr lvl="2" marR="0" rtl="0" algn="l">
+      <a:lvl3pPr marR="0" lvl="2" algn="l" rtl="0">
         <a:lnSpc>
           <a:spcPct val="100000"/>
         </a:lnSpc>
@@ -4840,7 +4989,7 @@
           <a:srgbClr val="000000"/>
         </a:buClr>
         <a:buFont typeface="Arial"/>
-        <a:defRPr b="0" i="0" sz="1400" u="none" cap="none" strike="noStrike">
+        <a:defRPr sz="1400" b="0" i="0" u="none" strike="noStrike" cap="none">
           <a:solidFill>
             <a:srgbClr val="000000"/>
           </a:solidFill>
@@ -4850,7 +4999,7 @@
           <a:sym typeface="Arial"/>
         </a:defRPr>
       </a:lvl3pPr>
-      <a:lvl4pPr lvl="3" marR="0" rtl="0" algn="l">
+      <a:lvl4pPr marR="0" lvl="3" algn="l" rtl="0">
         <a:lnSpc>
           <a:spcPct val="100000"/>
         </a:lnSpc>
@@ -4864,7 +5013,7 @@
           <a:srgbClr val="000000"/>
         </a:buClr>
         <a:buFont typeface="Arial"/>
-        <a:defRPr b="0" i="0" sz="1400" u="none" cap="none" strike="noStrike">
+        <a:defRPr sz="1400" b="0" i="0" u="none" strike="noStrike" cap="none">
           <a:solidFill>
             <a:srgbClr val="000000"/>
           </a:solidFill>
@@ -4874,7 +5023,7 @@
           <a:sym typeface="Arial"/>
         </a:defRPr>
       </a:lvl4pPr>
-      <a:lvl5pPr lvl="4" marR="0" rtl="0" algn="l">
+      <a:lvl5pPr marR="0" lvl="4" algn="l" rtl="0">
         <a:lnSpc>
           <a:spcPct val="100000"/>
         </a:lnSpc>
@@ -4888,7 +5037,7 @@
           <a:srgbClr val="000000"/>
         </a:buClr>
         <a:buFont typeface="Arial"/>
-        <a:defRPr b="0" i="0" sz="1400" u="none" cap="none" strike="noStrike">
+        <a:defRPr sz="1400" b="0" i="0" u="none" strike="noStrike" cap="none">
           <a:solidFill>
             <a:srgbClr val="000000"/>
           </a:solidFill>
@@ -4898,7 +5047,7 @@
           <a:sym typeface="Arial"/>
         </a:defRPr>
       </a:lvl5pPr>
-      <a:lvl6pPr lvl="5" marR="0" rtl="0" algn="l">
+      <a:lvl6pPr marR="0" lvl="5" algn="l" rtl="0">
         <a:lnSpc>
           <a:spcPct val="100000"/>
         </a:lnSpc>
@@ -4912,7 +5061,7 @@
           <a:srgbClr val="000000"/>
         </a:buClr>
         <a:buFont typeface="Arial"/>
-        <a:defRPr b="0" i="0" sz="1400" u="none" cap="none" strike="noStrike">
+        <a:defRPr sz="1400" b="0" i="0" u="none" strike="noStrike" cap="none">
           <a:solidFill>
             <a:srgbClr val="000000"/>
           </a:solidFill>
@@ -4922,7 +5071,7 @@
           <a:sym typeface="Arial"/>
         </a:defRPr>
       </a:lvl6pPr>
-      <a:lvl7pPr lvl="6" marR="0" rtl="0" algn="l">
+      <a:lvl7pPr marR="0" lvl="6" algn="l" rtl="0">
         <a:lnSpc>
           <a:spcPct val="100000"/>
         </a:lnSpc>
@@ -4936,7 +5085,7 @@
           <a:srgbClr val="000000"/>
         </a:buClr>
         <a:buFont typeface="Arial"/>
-        <a:defRPr b="0" i="0" sz="1400" u="none" cap="none" strike="noStrike">
+        <a:defRPr sz="1400" b="0" i="0" u="none" strike="noStrike" cap="none">
           <a:solidFill>
             <a:srgbClr val="000000"/>
           </a:solidFill>
@@ -4946,7 +5095,7 @@
           <a:sym typeface="Arial"/>
         </a:defRPr>
       </a:lvl7pPr>
-      <a:lvl8pPr lvl="7" marR="0" rtl="0" algn="l">
+      <a:lvl8pPr marR="0" lvl="7" algn="l" rtl="0">
         <a:lnSpc>
           <a:spcPct val="100000"/>
         </a:lnSpc>
@@ -4960,7 +5109,7 @@
           <a:srgbClr val="000000"/>
         </a:buClr>
         <a:buFont typeface="Arial"/>
-        <a:defRPr b="0" i="0" sz="1400" u="none" cap="none" strike="noStrike">
+        <a:defRPr sz="1400" b="0" i="0" u="none" strike="noStrike" cap="none">
           <a:solidFill>
             <a:srgbClr val="000000"/>
           </a:solidFill>
@@ -4970,7 +5119,7 @@
           <a:sym typeface="Arial"/>
         </a:defRPr>
       </a:lvl8pPr>
-      <a:lvl9pPr lvl="8" marR="0" rtl="0" algn="l">
+      <a:lvl9pPr marR="0" lvl="8" algn="l" rtl="0">
         <a:lnSpc>
           <a:spcPct val="100000"/>
         </a:lnSpc>
@@ -4984,7 +5133,7 @@
           <a:srgbClr val="000000"/>
         </a:buClr>
         <a:buFont typeface="Arial"/>
-        <a:defRPr b="0" i="0" sz="1400" u="none" cap="none" strike="noStrike">
+        <a:defRPr sz="1400" b="0" i="0" u="none" strike="noStrike" cap="none">
           <a:solidFill>
             <a:srgbClr val="000000"/>
           </a:solidFill>
@@ -4996,7 +5145,7 @@
       </a:lvl9pPr>
     </p:titleStyle>
     <p:bodyStyle>
-      <a:defPPr lvl="0" marR="0" rtl="0" algn="l">
+      <a:defPPr marR="0" lvl="0" algn="l" rtl="0">
         <a:lnSpc>
           <a:spcPct val="100000"/>
         </a:lnSpc>
@@ -5007,7 +5156,7 @@
           <a:spcPts val="0"/>
         </a:spcAft>
       </a:defPPr>
-      <a:lvl1pPr lvl="0" marR="0" rtl="0" algn="l">
+      <a:lvl1pPr marR="0" lvl="0" algn="l" rtl="0">
         <a:lnSpc>
           <a:spcPct val="100000"/>
         </a:lnSpc>
@@ -5021,7 +5170,7 @@
           <a:srgbClr val="000000"/>
         </a:buClr>
         <a:buFont typeface="Arial"/>
-        <a:defRPr b="0" i="0" sz="1400" u="none" cap="none" strike="noStrike">
+        <a:defRPr sz="1400" b="0" i="0" u="none" strike="noStrike" cap="none">
           <a:solidFill>
             <a:srgbClr val="000000"/>
           </a:solidFill>
@@ -5031,7 +5180,7 @@
           <a:sym typeface="Arial"/>
         </a:defRPr>
       </a:lvl1pPr>
-      <a:lvl2pPr lvl="1" marR="0" rtl="0" algn="l">
+      <a:lvl2pPr marR="0" lvl="1" algn="l" rtl="0">
         <a:lnSpc>
           <a:spcPct val="100000"/>
         </a:lnSpc>
@@ -5045,7 +5194,7 @@
           <a:srgbClr val="000000"/>
         </a:buClr>
         <a:buFont typeface="Arial"/>
-        <a:defRPr b="0" i="0" sz="1400" u="none" cap="none" strike="noStrike">
+        <a:defRPr sz="1400" b="0" i="0" u="none" strike="noStrike" cap="none">
           <a:solidFill>
             <a:srgbClr val="000000"/>
           </a:solidFill>
@@ -5055,7 +5204,7 @@
           <a:sym typeface="Arial"/>
         </a:defRPr>
       </a:lvl2pPr>
-      <a:lvl3pPr lvl="2" marR="0" rtl="0" algn="l">
+      <a:lvl3pPr marR="0" lvl="2" algn="l" rtl="0">
         <a:lnSpc>
           <a:spcPct val="100000"/>
         </a:lnSpc>
@@ -5069,7 +5218,7 @@
           <a:srgbClr val="000000"/>
         </a:buClr>
         <a:buFont typeface="Arial"/>
-        <a:defRPr b="0" i="0" sz="1400" u="none" cap="none" strike="noStrike">
+        <a:defRPr sz="1400" b="0" i="0" u="none" strike="noStrike" cap="none">
           <a:solidFill>
             <a:srgbClr val="000000"/>
           </a:solidFill>
@@ -5079,7 +5228,7 @@
           <a:sym typeface="Arial"/>
         </a:defRPr>
       </a:lvl3pPr>
-      <a:lvl4pPr lvl="3" marR="0" rtl="0" algn="l">
+      <a:lvl4pPr marR="0" lvl="3" algn="l" rtl="0">
         <a:lnSpc>
           <a:spcPct val="100000"/>
         </a:lnSpc>
@@ -5093,7 +5242,7 @@
           <a:srgbClr val="000000"/>
         </a:buClr>
         <a:buFont typeface="Arial"/>
-        <a:defRPr b="0" i="0" sz="1400" u="none" cap="none" strike="noStrike">
+        <a:defRPr sz="1400" b="0" i="0" u="none" strike="noStrike" cap="none">
           <a:solidFill>
             <a:srgbClr val="000000"/>
           </a:solidFill>
@@ -5103,7 +5252,7 @@
           <a:sym typeface="Arial"/>
         </a:defRPr>
       </a:lvl4pPr>
-      <a:lvl5pPr lvl="4" marR="0" rtl="0" algn="l">
+      <a:lvl5pPr marR="0" lvl="4" algn="l" rtl="0">
         <a:lnSpc>
           <a:spcPct val="100000"/>
         </a:lnSpc>
@@ -5117,7 +5266,7 @@
           <a:srgbClr val="000000"/>
         </a:buClr>
         <a:buFont typeface="Arial"/>
-        <a:defRPr b="0" i="0" sz="1400" u="none" cap="none" strike="noStrike">
+        <a:defRPr sz="1400" b="0" i="0" u="none" strike="noStrike" cap="none">
           <a:solidFill>
             <a:srgbClr val="000000"/>
           </a:solidFill>
@@ -5127,7 +5276,7 @@
           <a:sym typeface="Arial"/>
         </a:defRPr>
       </a:lvl5pPr>
-      <a:lvl6pPr lvl="5" marR="0" rtl="0" algn="l">
+      <a:lvl6pPr marR="0" lvl="5" algn="l" rtl="0">
         <a:lnSpc>
           <a:spcPct val="100000"/>
         </a:lnSpc>
@@ -5141,7 +5290,7 @@
           <a:srgbClr val="000000"/>
         </a:buClr>
         <a:buFont typeface="Arial"/>
-        <a:defRPr b="0" i="0" sz="1400" u="none" cap="none" strike="noStrike">
+        <a:defRPr sz="1400" b="0" i="0" u="none" strike="noStrike" cap="none">
           <a:solidFill>
             <a:srgbClr val="000000"/>
           </a:solidFill>
@@ -5151,7 +5300,7 @@
           <a:sym typeface="Arial"/>
         </a:defRPr>
       </a:lvl6pPr>
-      <a:lvl7pPr lvl="6" marR="0" rtl="0" algn="l">
+      <a:lvl7pPr marR="0" lvl="6" algn="l" rtl="0">
         <a:lnSpc>
           <a:spcPct val="100000"/>
         </a:lnSpc>
@@ -5165,7 +5314,7 @@
           <a:srgbClr val="000000"/>
         </a:buClr>
         <a:buFont typeface="Arial"/>
-        <a:defRPr b="0" i="0" sz="1400" u="none" cap="none" strike="noStrike">
+        <a:defRPr sz="1400" b="0" i="0" u="none" strike="noStrike" cap="none">
           <a:solidFill>
             <a:srgbClr val="000000"/>
           </a:solidFill>
@@ -5175,7 +5324,7 @@
           <a:sym typeface="Arial"/>
         </a:defRPr>
       </a:lvl7pPr>
-      <a:lvl8pPr lvl="7" marR="0" rtl="0" algn="l">
+      <a:lvl8pPr marR="0" lvl="7" algn="l" rtl="0">
         <a:lnSpc>
           <a:spcPct val="100000"/>
         </a:lnSpc>
@@ -5189,7 +5338,7 @@
           <a:srgbClr val="000000"/>
         </a:buClr>
         <a:buFont typeface="Arial"/>
-        <a:defRPr b="0" i="0" sz="1400" u="none" cap="none" strike="noStrike">
+        <a:defRPr sz="1400" b="0" i="0" u="none" strike="noStrike" cap="none">
           <a:solidFill>
             <a:srgbClr val="000000"/>
           </a:solidFill>
@@ -5199,7 +5348,7 @@
           <a:sym typeface="Arial"/>
         </a:defRPr>
       </a:lvl8pPr>
-      <a:lvl9pPr lvl="8" marR="0" rtl="0" algn="l">
+      <a:lvl9pPr marR="0" lvl="8" algn="l" rtl="0">
         <a:lnSpc>
           <a:spcPct val="100000"/>
         </a:lnSpc>
@@ -5213,7 +5362,7 @@
           <a:srgbClr val="000000"/>
         </a:buClr>
         <a:buFont typeface="Arial"/>
-        <a:defRPr b="0" i="0" sz="1400" u="none" cap="none" strike="noStrike">
+        <a:defRPr sz="1400" b="0" i="0" u="none" strike="noStrike" cap="none">
           <a:solidFill>
             <a:srgbClr val="000000"/>
           </a:solidFill>
@@ -5225,7 +5374,7 @@
       </a:lvl9pPr>
     </p:bodyStyle>
     <p:otherStyle>
-      <a:defPPr lvl="0" marR="0" rtl="0" algn="l">
+      <a:defPPr marR="0" lvl="0" algn="l" rtl="0">
         <a:lnSpc>
           <a:spcPct val="100000"/>
         </a:lnSpc>
@@ -5236,7 +5385,7 @@
           <a:spcPts val="0"/>
         </a:spcAft>
       </a:defPPr>
-      <a:lvl1pPr lvl="0" marR="0" rtl="0" algn="l">
+      <a:lvl1pPr marR="0" lvl="0" algn="l" rtl="0">
         <a:lnSpc>
           <a:spcPct val="100000"/>
         </a:lnSpc>
@@ -5250,7 +5399,7 @@
           <a:srgbClr val="000000"/>
         </a:buClr>
         <a:buFont typeface="Arial"/>
-        <a:defRPr b="0" i="0" sz="1400" u="none" cap="none" strike="noStrike">
+        <a:defRPr sz="1400" b="0" i="0" u="none" strike="noStrike" cap="none">
           <a:solidFill>
             <a:srgbClr val="000000"/>
           </a:solidFill>
@@ -5260,7 +5409,7 @@
           <a:sym typeface="Arial"/>
         </a:defRPr>
       </a:lvl1pPr>
-      <a:lvl2pPr lvl="1" marR="0" rtl="0" algn="l">
+      <a:lvl2pPr marR="0" lvl="1" algn="l" rtl="0">
         <a:lnSpc>
           <a:spcPct val="100000"/>
         </a:lnSpc>
@@ -5274,7 +5423,7 @@
           <a:srgbClr val="000000"/>
         </a:buClr>
         <a:buFont typeface="Arial"/>
-        <a:defRPr b="0" i="0" sz="1400" u="none" cap="none" strike="noStrike">
+        <a:defRPr sz="1400" b="0" i="0" u="none" strike="noStrike" cap="none">
           <a:solidFill>
             <a:srgbClr val="000000"/>
           </a:solidFill>
@@ -5284,7 +5433,7 @@
           <a:sym typeface="Arial"/>
         </a:defRPr>
       </a:lvl2pPr>
-      <a:lvl3pPr lvl="2" marR="0" rtl="0" algn="l">
+      <a:lvl3pPr marR="0" lvl="2" algn="l" rtl="0">
         <a:lnSpc>
           <a:spcPct val="100000"/>
         </a:lnSpc>
@@ -5298,7 +5447,7 @@
           <a:srgbClr val="000000"/>
         </a:buClr>
         <a:buFont typeface="Arial"/>
-        <a:defRPr b="0" i="0" sz="1400" u="none" cap="none" strike="noStrike">
+        <a:defRPr sz="1400" b="0" i="0" u="none" strike="noStrike" cap="none">
           <a:solidFill>
             <a:srgbClr val="000000"/>
           </a:solidFill>
@@ -5308,7 +5457,7 @@
           <a:sym typeface="Arial"/>
         </a:defRPr>
       </a:lvl3pPr>
-      <a:lvl4pPr lvl="3" marR="0" rtl="0" algn="l">
+      <a:lvl4pPr marR="0" lvl="3" algn="l" rtl="0">
         <a:lnSpc>
           <a:spcPct val="100000"/>
         </a:lnSpc>
@@ -5322,7 +5471,7 @@
           <a:srgbClr val="000000"/>
         </a:buClr>
         <a:buFont typeface="Arial"/>
-        <a:defRPr b="0" i="0" sz="1400" u="none" cap="none" strike="noStrike">
+        <a:defRPr sz="1400" b="0" i="0" u="none" strike="noStrike" cap="none">
           <a:solidFill>
             <a:srgbClr val="000000"/>
           </a:solidFill>
@@ -5332,7 +5481,7 @@
           <a:sym typeface="Arial"/>
         </a:defRPr>
       </a:lvl4pPr>
-      <a:lvl5pPr lvl="4" marR="0" rtl="0" algn="l">
+      <a:lvl5pPr marR="0" lvl="4" algn="l" rtl="0">
         <a:lnSpc>
           <a:spcPct val="100000"/>
         </a:lnSpc>
@@ -5346,7 +5495,7 @@
           <a:srgbClr val="000000"/>
         </a:buClr>
         <a:buFont typeface="Arial"/>
-        <a:defRPr b="0" i="0" sz="1400" u="none" cap="none" strike="noStrike">
+        <a:defRPr sz="1400" b="0" i="0" u="none" strike="noStrike" cap="none">
           <a:solidFill>
             <a:srgbClr val="000000"/>
           </a:solidFill>
@@ -5356,7 +5505,7 @@
           <a:sym typeface="Arial"/>
         </a:defRPr>
       </a:lvl5pPr>
-      <a:lvl6pPr lvl="5" marR="0" rtl="0" algn="l">
+      <a:lvl6pPr marR="0" lvl="5" algn="l" rtl="0">
         <a:lnSpc>
           <a:spcPct val="100000"/>
         </a:lnSpc>
@@ -5370,7 +5519,7 @@
           <a:srgbClr val="000000"/>
         </a:buClr>
         <a:buFont typeface="Arial"/>
-        <a:defRPr b="0" i="0" sz="1400" u="none" cap="none" strike="noStrike">
+        <a:defRPr sz="1400" b="0" i="0" u="none" strike="noStrike" cap="none">
           <a:solidFill>
             <a:srgbClr val="000000"/>
           </a:solidFill>
@@ -5380,7 +5529,7 @@
           <a:sym typeface="Arial"/>
         </a:defRPr>
       </a:lvl6pPr>
-      <a:lvl7pPr lvl="6" marR="0" rtl="0" algn="l">
+      <a:lvl7pPr marR="0" lvl="6" algn="l" rtl="0">
         <a:lnSpc>
           <a:spcPct val="100000"/>
         </a:lnSpc>
@@ -5394,7 +5543,7 @@
           <a:srgbClr val="000000"/>
         </a:buClr>
         <a:buFont typeface="Arial"/>
-        <a:defRPr b="0" i="0" sz="1400" u="none" cap="none" strike="noStrike">
+        <a:defRPr sz="1400" b="0" i="0" u="none" strike="noStrike" cap="none">
           <a:solidFill>
             <a:srgbClr val="000000"/>
           </a:solidFill>
@@ -5404,7 +5553,7 @@
           <a:sym typeface="Arial"/>
         </a:defRPr>
       </a:lvl7pPr>
-      <a:lvl8pPr lvl="7" marR="0" rtl="0" algn="l">
+      <a:lvl8pPr marR="0" lvl="7" algn="l" rtl="0">
         <a:lnSpc>
           <a:spcPct val="100000"/>
         </a:lnSpc>
@@ -5418,7 +5567,7 @@
           <a:srgbClr val="000000"/>
         </a:buClr>
         <a:buFont typeface="Arial"/>
-        <a:defRPr b="0" i="0" sz="1400" u="none" cap="none" strike="noStrike">
+        <a:defRPr sz="1400" b="0" i="0" u="none" strike="noStrike" cap="none">
           <a:solidFill>
             <a:srgbClr val="000000"/>
           </a:solidFill>
@@ -5428,7 +5577,7 @@
           <a:sym typeface="Arial"/>
         </a:defRPr>
       </a:lvl8pPr>
-      <a:lvl9pPr lvl="8" marR="0" rtl="0" algn="l">
+      <a:lvl9pPr marR="0" lvl="8" algn="l" rtl="0">
         <a:lnSpc>
           <a:spcPct val="100000"/>
         </a:lnSpc>
@@ -5442,7 +5591,7 @@
           <a:srgbClr val="000000"/>
         </a:buClr>
         <a:buFont typeface="Arial"/>
-        <a:defRPr b="0" i="0" sz="1400" u="none" cap="none" strike="noStrike">
+        <a:defRPr sz="1400" b="0" i="0" u="none" strike="noStrike" cap="none">
           <a:solidFill>
             <a:srgbClr val="000000"/>
           </a:solidFill>
@@ -5458,11 +5607,11 @@
 </file>
 
 <file path=ppt/slides/slide1.xml><?xml version="1.0" encoding="utf-8"?>
-<p:sld xmlns:a="http://schemas.openxmlformats.org/drawingml/2006/main" xmlns:r="http://schemas.openxmlformats.org/officeDocument/2006/relationships" xmlns:mc="http://schemas.openxmlformats.org/markup-compatibility/2006" xmlns:mv="urn:schemas-microsoft-com:mac:vml" xmlns:p="http://schemas.openxmlformats.org/presentationml/2006/main" xmlns:c="http://schemas.openxmlformats.org/drawingml/2006/chart" xmlns:dgm="http://schemas.openxmlformats.org/drawingml/2006/diagram" xmlns:o="urn:schemas-microsoft-com:office:office" xmlns:v="urn:schemas-microsoft-com:vml" xmlns:pvml="urn:schemas-microsoft-com:office:powerpoint" xmlns:com="http://schemas.openxmlformats.org/drawingml/2006/compatibility" xmlns:p14="http://schemas.microsoft.com/office/powerpoint/2010/main" xmlns:p15="http://schemas.microsoft.com/office/powerpoint/2012/main" xmlns:ahyp="http://schemas.microsoft.com/office/drawing/2018/hyperlinkcolor">
+<p:sld xmlns:a="http://schemas.openxmlformats.org/drawingml/2006/main" xmlns:r="http://schemas.openxmlformats.org/officeDocument/2006/relationships" xmlns:p="http://schemas.openxmlformats.org/presentationml/2006/main">
   <p:cSld>
     <p:spTree>
       <p:nvGrpSpPr>
-        <p:cNvPr id="53" name="Shape 53"/>
+        <p:cNvPr id="1" name="Shape 53"/>
         <p:cNvGrpSpPr/>
         <p:nvPr/>
       </p:nvGrpSpPr>
@@ -5484,7 +5633,7 @@
           <a:blip r:embed="rId3">
             <a:alphaModFix/>
           </a:blip>
-          <a:srcRect b="2095" l="4440" r="24405" t="0"/>
+          <a:srcRect l="4440" r="24405" b="2095"/>
           <a:stretch/>
         </p:blipFill>
         <p:spPr>
@@ -5505,11 +5654,17 @@
         <p:nvGraphicFramePr>
           <p:cNvPr id="55" name="Google Shape;55;p13"/>
           <p:cNvGraphicFramePr/>
-          <p:nvPr/>
+          <p:nvPr>
+            <p:extLst>
+              <p:ext uri="{D42A27DB-BD31-4B8C-83A1-F6EECF244321}">
+                <p14:modId xmlns:p14="http://schemas.microsoft.com/office/powerpoint/2010/main" val="1865210350"/>
+              </p:ext>
+            </p:extLst>
+          </p:nvPr>
         </p:nvGraphicFramePr>
         <p:xfrm>
           <a:off x="3386000" y="124713"/>
-          <a:ext cx="3000000" cy="3000000"/>
+          <a:ext cx="5546375" cy="4878875"/>
         </p:xfrm>
         <a:graphic>
           <a:graphicData uri="http://schemas.openxmlformats.org/drawingml/2006/table">
@@ -5519,10 +5674,34 @@
                 <a:tableStyleId>{22024F48-0BC6-4E18-A022-0680153C62C3}</a:tableStyleId>
               </a:tblPr>
               <a:tblGrid>
-                <a:gridCol w="1207725"/>
-                <a:gridCol w="1455225"/>
-                <a:gridCol w="1455225"/>
-                <a:gridCol w="1428200"/>
+                <a:gridCol w="1207725">
+                  <a:extLst>
+                    <a:ext uri="{9D8B030D-6E8A-4147-A177-3AD203B41FA5}">
+                      <a16:colId xmlns:a16="http://schemas.microsoft.com/office/drawing/2014/main" val="20000"/>
+                    </a:ext>
+                  </a:extLst>
+                </a:gridCol>
+                <a:gridCol w="1455225">
+                  <a:extLst>
+                    <a:ext uri="{9D8B030D-6E8A-4147-A177-3AD203B41FA5}">
+                      <a16:colId xmlns:a16="http://schemas.microsoft.com/office/drawing/2014/main" val="20001"/>
+                    </a:ext>
+                  </a:extLst>
+                </a:gridCol>
+                <a:gridCol w="1455225">
+                  <a:extLst>
+                    <a:ext uri="{9D8B030D-6E8A-4147-A177-3AD203B41FA5}">
+                      <a16:colId xmlns:a16="http://schemas.microsoft.com/office/drawing/2014/main" val="20002"/>
+                    </a:ext>
+                  </a:extLst>
+                </a:gridCol>
+                <a:gridCol w="1428200">
+                  <a:extLst>
+                    <a:ext uri="{9D8B030D-6E8A-4147-A177-3AD203B41FA5}">
+                      <a16:colId xmlns:a16="http://schemas.microsoft.com/office/drawing/2014/main" val="20003"/>
+                    </a:ext>
+                  </a:extLst>
+                </a:gridCol>
               </a:tblGrid>
               <a:tr h="413975">
                 <a:tc>
@@ -5530,7 +5709,7 @@
                     <a:bodyPr/>
                     <a:lstStyle/>
                     <a:p>
-                      <a:pPr indent="0" lvl="0" marL="0" rtl="0" algn="l">
+                      <a:pPr marL="0" lvl="0" indent="0" algn="l" rtl="0">
                         <a:lnSpc>
                           <a:spcPct val="100000"/>
                         </a:lnSpc>
@@ -5559,42 +5738,42 @@
                       </a:endParaRPr>
                     </a:p>
                   </a:txBody>
-                  <a:tcPr marT="91425" marB="91425" marR="91425" marL="91425">
-                    <a:lnL cap="flat" cmpd="sng" w="19050">
-                      <a:solidFill>
-                        <a:srgbClr val="000000"/>
-                      </a:solidFill>
-                      <a:prstDash val="solid"/>
-                      <a:round/>
-                      <a:headEnd len="sm" w="sm" type="none"/>
-                      <a:tailEnd len="sm" w="sm" type="none"/>
+                  <a:tcPr marL="91425" marR="91425" marT="91425" marB="91425">
+                    <a:lnL w="19050" cap="flat" cmpd="sng">
+                      <a:solidFill>
+                        <a:srgbClr val="000000"/>
+                      </a:solidFill>
+                      <a:prstDash val="solid"/>
+                      <a:round/>
+                      <a:headEnd type="none" w="sm" len="sm"/>
+                      <a:tailEnd type="none" w="sm" len="sm"/>
                     </a:lnL>
-                    <a:lnR cap="flat" cmpd="sng" w="19050">
+                    <a:lnR w="19050" cap="flat" cmpd="sng">
                       <a:solidFill>
                         <a:schemeClr val="dk1"/>
                       </a:solidFill>
                       <a:prstDash val="solid"/>
                       <a:round/>
-                      <a:headEnd len="sm" w="sm" type="none"/>
-                      <a:tailEnd len="sm" w="sm" type="none"/>
+                      <a:headEnd type="none" w="sm" len="sm"/>
+                      <a:tailEnd type="none" w="sm" len="sm"/>
                     </a:lnR>
-                    <a:lnT cap="flat" cmpd="sng" w="19050">
-                      <a:solidFill>
-                        <a:srgbClr val="000000"/>
-                      </a:solidFill>
-                      <a:prstDash val="solid"/>
-                      <a:round/>
-                      <a:headEnd len="sm" w="sm" type="none"/>
-                      <a:tailEnd len="sm" w="sm" type="none"/>
+                    <a:lnT w="19050" cap="flat" cmpd="sng">
+                      <a:solidFill>
+                        <a:srgbClr val="000000"/>
+                      </a:solidFill>
+                      <a:prstDash val="solid"/>
+                      <a:round/>
+                      <a:headEnd type="none" w="sm" len="sm"/>
+                      <a:tailEnd type="none" w="sm" len="sm"/>
                     </a:lnT>
-                    <a:lnB cap="flat" cmpd="sng" w="19050">
-                      <a:solidFill>
-                        <a:srgbClr val="000000"/>
-                      </a:solidFill>
-                      <a:prstDash val="solid"/>
-                      <a:round/>
-                      <a:headEnd len="sm" w="sm" type="none"/>
-                      <a:tailEnd len="sm" w="sm" type="none"/>
+                    <a:lnB w="19050" cap="flat" cmpd="sng">
+                      <a:solidFill>
+                        <a:srgbClr val="000000"/>
+                      </a:solidFill>
+                      <a:prstDash val="solid"/>
+                      <a:round/>
+                      <a:headEnd type="none" w="sm" len="sm"/>
+                      <a:tailEnd type="none" w="sm" len="sm"/>
                     </a:lnB>
                     <a:solidFill>
                       <a:schemeClr val="lt1"/>
@@ -5606,7 +5785,7 @@
                     <a:bodyPr/>
                     <a:lstStyle/>
                     <a:p>
-                      <a:pPr indent="0" lvl="0" marL="0" rtl="0" algn="ctr">
+                      <a:pPr marL="0" lvl="0" indent="0" algn="ctr" rtl="0">
                         <a:lnSpc>
                           <a:spcPct val="100000"/>
                         </a:lnSpc>
@@ -5619,7 +5798,7 @@
                         <a:buNone/>
                       </a:pPr>
                       <a:r>
-                        <a:rPr b="1" lang="es-419" sz="1000">
+                        <a:rPr lang="es-419" sz="1000" b="1">
                           <a:solidFill>
                             <a:schemeClr val="dk1"/>
                           </a:solidFill>
@@ -5630,7 +5809,7 @@
                         </a:rPr>
                         <a:t>Arrendados</a:t>
                       </a:r>
-                      <a:endParaRPr b="1" sz="1000">
+                      <a:endParaRPr sz="1000" b="1">
                         <a:solidFill>
                           <a:schemeClr val="dk1"/>
                         </a:solidFill>
@@ -5641,42 +5820,42 @@
                       </a:endParaRPr>
                     </a:p>
                   </a:txBody>
-                  <a:tcPr marT="91425" marB="91425" marR="91425" marL="91425">
-                    <a:lnL cap="flat" cmpd="sng" w="19050">
+                  <a:tcPr marL="91425" marR="91425" marT="91425" marB="91425">
+                    <a:lnL w="19050" cap="flat" cmpd="sng">
                       <a:solidFill>
                         <a:schemeClr val="dk1"/>
                       </a:solidFill>
                       <a:prstDash val="solid"/>
                       <a:round/>
-                      <a:headEnd len="sm" w="sm" type="none"/>
-                      <a:tailEnd len="sm" w="sm" type="none"/>
+                      <a:headEnd type="none" w="sm" len="sm"/>
+                      <a:tailEnd type="none" w="sm" len="sm"/>
                     </a:lnL>
-                    <a:lnR cap="flat" cmpd="sng" w="19050">
+                    <a:lnR w="19050" cap="flat" cmpd="sng">
                       <a:solidFill>
                         <a:schemeClr val="dk1"/>
                       </a:solidFill>
                       <a:prstDash val="solid"/>
                       <a:round/>
-                      <a:headEnd len="sm" w="sm" type="none"/>
-                      <a:tailEnd len="sm" w="sm" type="none"/>
+                      <a:headEnd type="none" w="sm" len="sm"/>
+                      <a:tailEnd type="none" w="sm" len="sm"/>
                     </a:lnR>
-                    <a:lnT cap="flat" cmpd="sng" w="19050">
+                    <a:lnT w="19050" cap="flat" cmpd="sng">
                       <a:solidFill>
                         <a:schemeClr val="dk1"/>
                       </a:solidFill>
                       <a:prstDash val="solid"/>
                       <a:round/>
-                      <a:headEnd len="sm" w="sm" type="none"/>
-                      <a:tailEnd len="sm" w="sm" type="none"/>
+                      <a:headEnd type="none" w="sm" len="sm"/>
+                      <a:tailEnd type="none" w="sm" len="sm"/>
                     </a:lnT>
-                    <a:lnB cap="flat" cmpd="sng" w="19050">
+                    <a:lnB w="19050" cap="flat" cmpd="sng">
                       <a:solidFill>
                         <a:schemeClr val="dk1"/>
                       </a:solidFill>
                       <a:prstDash val="solid"/>
                       <a:round/>
-                      <a:headEnd len="sm" w="sm" type="none"/>
-                      <a:tailEnd len="sm" w="sm" type="none"/>
+                      <a:headEnd type="none" w="sm" len="sm"/>
+                      <a:tailEnd type="none" w="sm" len="sm"/>
                     </a:lnB>
                     <a:solidFill>
                       <a:srgbClr val="B7B7B7"/>
@@ -5688,7 +5867,7 @@
                     <a:bodyPr/>
                     <a:lstStyle/>
                     <a:p>
-                      <a:pPr indent="0" lvl="0" marL="0" rtl="0" algn="ctr">
+                      <a:pPr marL="0" lvl="0" indent="0" algn="ctr" rtl="0">
                         <a:lnSpc>
                           <a:spcPct val="100000"/>
                         </a:lnSpc>
@@ -5701,7 +5880,7 @@
                         <a:buNone/>
                       </a:pPr>
                       <a:r>
-                        <a:rPr b="1" lang="es-419" sz="1000">
+                        <a:rPr lang="es-419" sz="1000" b="1">
                           <a:solidFill>
                             <a:schemeClr val="dk1"/>
                           </a:solidFill>
@@ -5712,7 +5891,7 @@
                         </a:rPr>
                         <a:t>Propios</a:t>
                       </a:r>
-                      <a:endParaRPr b="1" sz="1000">
+                      <a:endParaRPr sz="1000" b="1">
                         <a:solidFill>
                           <a:schemeClr val="dk1"/>
                         </a:solidFill>
@@ -5723,42 +5902,42 @@
                       </a:endParaRPr>
                     </a:p>
                   </a:txBody>
-                  <a:tcPr marT="91425" marB="91425" marR="91425" marL="91425">
-                    <a:lnL cap="flat" cmpd="sng" w="19050">
+                  <a:tcPr marL="91425" marR="91425" marT="91425" marB="91425">
+                    <a:lnL w="19050" cap="flat" cmpd="sng">
                       <a:solidFill>
                         <a:schemeClr val="dk1"/>
                       </a:solidFill>
                       <a:prstDash val="solid"/>
                       <a:round/>
-                      <a:headEnd len="sm" w="sm" type="none"/>
-                      <a:tailEnd len="sm" w="sm" type="none"/>
+                      <a:headEnd type="none" w="sm" len="sm"/>
+                      <a:tailEnd type="none" w="sm" len="sm"/>
                     </a:lnL>
-                    <a:lnR cap="flat" cmpd="sng" w="19050">
+                    <a:lnR w="19050" cap="flat" cmpd="sng">
                       <a:solidFill>
                         <a:schemeClr val="dk1"/>
                       </a:solidFill>
                       <a:prstDash val="solid"/>
                       <a:round/>
-                      <a:headEnd len="sm" w="sm" type="none"/>
-                      <a:tailEnd len="sm" w="sm" type="none"/>
+                      <a:headEnd type="none" w="sm" len="sm"/>
+                      <a:tailEnd type="none" w="sm" len="sm"/>
                     </a:lnR>
-                    <a:lnT cap="flat" cmpd="sng" w="19050">
+                    <a:lnT w="19050" cap="flat" cmpd="sng">
                       <a:solidFill>
                         <a:schemeClr val="dk1"/>
                       </a:solidFill>
                       <a:prstDash val="solid"/>
                       <a:round/>
-                      <a:headEnd len="sm" w="sm" type="none"/>
-                      <a:tailEnd len="sm" w="sm" type="none"/>
+                      <a:headEnd type="none" w="sm" len="sm"/>
+                      <a:tailEnd type="none" w="sm" len="sm"/>
                     </a:lnT>
-                    <a:lnB cap="flat" cmpd="sng" w="19050">
+                    <a:lnB w="19050" cap="flat" cmpd="sng">
                       <a:solidFill>
                         <a:schemeClr val="dk1"/>
                       </a:solidFill>
                       <a:prstDash val="solid"/>
                       <a:round/>
-                      <a:headEnd len="sm" w="sm" type="none"/>
-                      <a:tailEnd len="sm" w="sm" type="none"/>
+                      <a:headEnd type="none" w="sm" len="sm"/>
+                      <a:tailEnd type="none" w="sm" len="sm"/>
                     </a:lnB>
                     <a:solidFill>
                       <a:srgbClr val="B7B7B7"/>
@@ -5770,7 +5949,7 @@
                     <a:bodyPr/>
                     <a:lstStyle/>
                     <a:p>
-                      <a:pPr indent="0" lvl="0" marL="0" rtl="0" algn="ctr">
+                      <a:pPr marL="0" lvl="0" indent="0" algn="ctr" rtl="0">
                         <a:lnSpc>
                           <a:spcPct val="100000"/>
                         </a:lnSpc>
@@ -5783,7 +5962,7 @@
                         <a:buNone/>
                       </a:pPr>
                       <a:r>
-                        <a:rPr b="1" lang="es-419" sz="1000">
+                        <a:rPr lang="es-419" sz="1000" b="1">
                           <a:solidFill>
                             <a:schemeClr val="dk1"/>
                           </a:solidFill>
@@ -5794,7 +5973,7 @@
                         </a:rPr>
                         <a:t>Subtotal</a:t>
                       </a:r>
-                      <a:endParaRPr b="1" sz="1000">
+                      <a:endParaRPr sz="1000" b="1">
                         <a:solidFill>
                           <a:schemeClr val="dk1"/>
                         </a:solidFill>
@@ -5805,48 +5984,53 @@
                       </a:endParaRPr>
                     </a:p>
                   </a:txBody>
-                  <a:tcPr marT="91425" marB="91425" marR="91425" marL="91425">
-                    <a:lnL cap="flat" cmpd="sng" w="19050">
+                  <a:tcPr marL="91425" marR="91425" marT="91425" marB="91425">
+                    <a:lnL w="19050" cap="flat" cmpd="sng">
                       <a:solidFill>
                         <a:schemeClr val="dk1"/>
                       </a:solidFill>
                       <a:prstDash val="solid"/>
                       <a:round/>
-                      <a:headEnd len="sm" w="sm" type="none"/>
-                      <a:tailEnd len="sm" w="sm" type="none"/>
+                      <a:headEnd type="none" w="sm" len="sm"/>
+                      <a:tailEnd type="none" w="sm" len="sm"/>
                     </a:lnL>
-                    <a:lnR cap="flat" cmpd="sng" w="19050">
+                    <a:lnR w="19050" cap="flat" cmpd="sng">
                       <a:solidFill>
                         <a:schemeClr val="dk1"/>
                       </a:solidFill>
                       <a:prstDash val="solid"/>
                       <a:round/>
-                      <a:headEnd len="sm" w="sm" type="none"/>
-                      <a:tailEnd len="sm" w="sm" type="none"/>
+                      <a:headEnd type="none" w="sm" len="sm"/>
+                      <a:tailEnd type="none" w="sm" len="sm"/>
                     </a:lnR>
-                    <a:lnT cap="flat" cmpd="sng" w="19050">
+                    <a:lnT w="19050" cap="flat" cmpd="sng">
                       <a:solidFill>
                         <a:schemeClr val="dk1"/>
                       </a:solidFill>
                       <a:prstDash val="solid"/>
                       <a:round/>
-                      <a:headEnd len="sm" w="sm" type="none"/>
-                      <a:tailEnd len="sm" w="sm" type="none"/>
+                      <a:headEnd type="none" w="sm" len="sm"/>
+                      <a:tailEnd type="none" w="sm" len="sm"/>
                     </a:lnT>
-                    <a:lnB cap="flat" cmpd="sng" w="19050">
+                    <a:lnB w="19050" cap="flat" cmpd="sng">
                       <a:solidFill>
                         <a:schemeClr val="dk1"/>
                       </a:solidFill>
                       <a:prstDash val="solid"/>
                       <a:round/>
-                      <a:headEnd len="sm" w="sm" type="none"/>
-                      <a:tailEnd len="sm" w="sm" type="none"/>
+                      <a:headEnd type="none" w="sm" len="sm"/>
+                      <a:tailEnd type="none" w="sm" len="sm"/>
                     </a:lnB>
                     <a:solidFill>
                       <a:srgbClr val="B7B7B7"/>
                     </a:solidFill>
                   </a:tcPr>
                 </a:tc>
+                <a:extLst>
+                  <a:ext uri="{0D108BD9-81ED-4DB2-BD59-A6C34878D82A}">
+                    <a16:rowId xmlns:a16="http://schemas.microsoft.com/office/drawing/2014/main" val="10000"/>
+                  </a:ext>
+                </a:extLst>
               </a:tr>
               <a:tr h="257175">
                 <a:tc>
@@ -5854,7 +6038,7 @@
                     <a:bodyPr/>
                     <a:lstStyle/>
                     <a:p>
-                      <a:pPr indent="0" lvl="0" marL="0" rtl="0" algn="l">
+                      <a:pPr marL="0" lvl="0" indent="0" algn="l" rtl="0">
                         <a:lnSpc>
                           <a:spcPct val="100000"/>
                         </a:lnSpc>
@@ -5867,7 +6051,7 @@
                         <a:buNone/>
                       </a:pPr>
                       <a:r>
-                        <a:rPr b="1" lang="es-419" sz="900">
+                        <a:rPr lang="es-419" sz="900" b="1">
                           <a:solidFill>
                             <a:schemeClr val="dk1"/>
                           </a:solidFill>
@@ -5878,7 +6062,7 @@
                         </a:rPr>
                         <a:t>Pickup</a:t>
                       </a:r>
-                      <a:endParaRPr b="1" sz="900">
+                      <a:endParaRPr sz="900" b="1">
                         <a:solidFill>
                           <a:schemeClr val="dk1"/>
                         </a:solidFill>
@@ -5889,42 +6073,42 @@
                       </a:endParaRPr>
                     </a:p>
                   </a:txBody>
-                  <a:tcPr marT="91425" marB="91425" marR="91425" marL="91425">
-                    <a:lnL cap="flat" cmpd="sng" w="19050">
-                      <a:solidFill>
-                        <a:srgbClr val="000000"/>
-                      </a:solidFill>
-                      <a:prstDash val="solid"/>
-                      <a:round/>
-                      <a:headEnd len="sm" w="sm" type="none"/>
-                      <a:tailEnd len="sm" w="sm" type="none"/>
+                  <a:tcPr marL="91425" marR="91425" marT="91425" marB="91425">
+                    <a:lnL w="19050" cap="flat" cmpd="sng">
+                      <a:solidFill>
+                        <a:srgbClr val="000000"/>
+                      </a:solidFill>
+                      <a:prstDash val="solid"/>
+                      <a:round/>
+                      <a:headEnd type="none" w="sm" len="sm"/>
+                      <a:tailEnd type="none" w="sm" len="sm"/>
                     </a:lnL>
-                    <a:lnR cap="flat" cmpd="sng" w="19050">
+                    <a:lnR w="19050" cap="flat" cmpd="sng">
                       <a:solidFill>
                         <a:schemeClr val="dk1"/>
                       </a:solidFill>
                       <a:prstDash val="solid"/>
                       <a:round/>
-                      <a:headEnd len="sm" w="sm" type="none"/>
-                      <a:tailEnd len="sm" w="sm" type="none"/>
+                      <a:headEnd type="none" w="sm" len="sm"/>
+                      <a:tailEnd type="none" w="sm" len="sm"/>
                     </a:lnR>
-                    <a:lnT cap="flat" cmpd="sng" w="19050">
-                      <a:solidFill>
-                        <a:srgbClr val="000000"/>
-                      </a:solidFill>
-                      <a:prstDash val="solid"/>
-                      <a:round/>
-                      <a:headEnd len="sm" w="sm" type="none"/>
-                      <a:tailEnd len="sm" w="sm" type="none"/>
+                    <a:lnT w="19050" cap="flat" cmpd="sng">
+                      <a:solidFill>
+                        <a:srgbClr val="000000"/>
+                      </a:solidFill>
+                      <a:prstDash val="solid"/>
+                      <a:round/>
+                      <a:headEnd type="none" w="sm" len="sm"/>
+                      <a:tailEnd type="none" w="sm" len="sm"/>
                     </a:lnT>
-                    <a:lnB cap="flat" cmpd="sng" w="19050">
-                      <a:solidFill>
-                        <a:srgbClr val="000000"/>
-                      </a:solidFill>
-                      <a:prstDash val="solid"/>
-                      <a:round/>
-                      <a:headEnd len="sm" w="sm" type="none"/>
-                      <a:tailEnd len="sm" w="sm" type="none"/>
+                    <a:lnB w="19050" cap="flat" cmpd="sng">
+                      <a:solidFill>
+                        <a:srgbClr val="000000"/>
+                      </a:solidFill>
+                      <a:prstDash val="solid"/>
+                      <a:round/>
+                      <a:headEnd type="none" w="sm" len="sm"/>
+                      <a:tailEnd type="none" w="sm" len="sm"/>
                     </a:lnB>
                     <a:solidFill>
                       <a:srgbClr val="D9D9D9"/>
@@ -5936,7 +6120,7 @@
                     <a:bodyPr/>
                     <a:lstStyle/>
                     <a:p>
-                      <a:pPr indent="0" lvl="0" marL="0" rtl="0" algn="ctr">
+                      <a:pPr marL="0" lvl="0" indent="0" algn="ctr" rtl="0">
                         <a:lnSpc>
                           <a:spcPct val="100000"/>
                         </a:lnSpc>
@@ -5971,42 +6155,42 @@
                       </a:endParaRPr>
                     </a:p>
                   </a:txBody>
-                  <a:tcPr marT="91425" marB="91425" marR="91425" marL="91425">
-                    <a:lnL cap="flat" cmpd="sng" w="19050">
+                  <a:tcPr marL="91425" marR="91425" marT="91425" marB="91425">
+                    <a:lnL w="19050" cap="flat" cmpd="sng">
                       <a:solidFill>
                         <a:schemeClr val="dk1"/>
                       </a:solidFill>
                       <a:prstDash val="solid"/>
                       <a:round/>
-                      <a:headEnd len="sm" w="sm" type="none"/>
-                      <a:tailEnd len="sm" w="sm" type="none"/>
+                      <a:headEnd type="none" w="sm" len="sm"/>
+                      <a:tailEnd type="none" w="sm" len="sm"/>
                     </a:lnL>
-                    <a:lnR cap="flat" cmpd="sng" w="19050">
+                    <a:lnR w="19050" cap="flat" cmpd="sng">
                       <a:solidFill>
                         <a:schemeClr val="dk1"/>
                       </a:solidFill>
                       <a:prstDash val="solid"/>
                       <a:round/>
-                      <a:headEnd len="sm" w="sm" type="none"/>
-                      <a:tailEnd len="sm" w="sm" type="none"/>
+                      <a:headEnd type="none" w="sm" len="sm"/>
+                      <a:tailEnd type="none" w="sm" len="sm"/>
                     </a:lnR>
-                    <a:lnT cap="flat" cmpd="sng" w="19050">
+                    <a:lnT w="19050" cap="flat" cmpd="sng">
                       <a:solidFill>
                         <a:schemeClr val="dk1"/>
                       </a:solidFill>
                       <a:prstDash val="solid"/>
                       <a:round/>
-                      <a:headEnd len="sm" w="sm" type="none"/>
-                      <a:tailEnd len="sm" w="sm" type="none"/>
+                      <a:headEnd type="none" w="sm" len="sm"/>
+                      <a:tailEnd type="none" w="sm" len="sm"/>
                     </a:lnT>
-                    <a:lnB cap="flat" cmpd="sng" w="19050">
+                    <a:lnB w="19050" cap="flat" cmpd="sng">
                       <a:solidFill>
                         <a:schemeClr val="dk1"/>
                       </a:solidFill>
                       <a:prstDash val="solid"/>
                       <a:round/>
-                      <a:headEnd len="sm" w="sm" type="none"/>
-                      <a:tailEnd len="sm" w="sm" type="none"/>
+                      <a:headEnd type="none" w="sm" len="sm"/>
+                      <a:tailEnd type="none" w="sm" len="sm"/>
                     </a:lnB>
                     <a:solidFill>
                       <a:srgbClr val="D9D9D9"/>
@@ -6018,7 +6202,7 @@
                     <a:bodyPr/>
                     <a:lstStyle/>
                     <a:p>
-                      <a:pPr indent="0" lvl="0" marL="0" rtl="0" algn="ctr">
+                      <a:pPr marL="0" lvl="0" indent="0" algn="ctr" rtl="0">
                         <a:spcBef>
                           <a:spcPts val="0"/>
                         </a:spcBef>
@@ -6027,9 +6211,6 @@
                         </a:spcAft>
                         <a:buNone/>
                       </a:pPr>
-                      <a:r>
-                        <a:t/>
-                      </a:r>
                       <a:endParaRPr sz="900">
                         <a:solidFill>
                           <a:srgbClr val="404040"/>
@@ -6041,42 +6222,42 @@
                       </a:endParaRPr>
                     </a:p>
                   </a:txBody>
-                  <a:tcPr marT="91425" marB="91425" marR="91425" marL="91425">
-                    <a:lnL cap="flat" cmpd="sng" w="19050">
+                  <a:tcPr marL="91425" marR="91425" marT="91425" marB="91425">
+                    <a:lnL w="19050" cap="flat" cmpd="sng">
                       <a:solidFill>
                         <a:schemeClr val="dk1"/>
                       </a:solidFill>
                       <a:prstDash val="solid"/>
                       <a:round/>
-                      <a:headEnd len="sm" w="sm" type="none"/>
-                      <a:tailEnd len="sm" w="sm" type="none"/>
+                      <a:headEnd type="none" w="sm" len="sm"/>
+                      <a:tailEnd type="none" w="sm" len="sm"/>
                     </a:lnL>
-                    <a:lnR cap="flat" cmpd="sng" w="19050">
+                    <a:lnR w="19050" cap="flat" cmpd="sng">
                       <a:solidFill>
                         <a:schemeClr val="dk1"/>
                       </a:solidFill>
                       <a:prstDash val="solid"/>
                       <a:round/>
-                      <a:headEnd len="sm" w="sm" type="none"/>
-                      <a:tailEnd len="sm" w="sm" type="none"/>
+                      <a:headEnd type="none" w="sm" len="sm"/>
+                      <a:tailEnd type="none" w="sm" len="sm"/>
                     </a:lnR>
-                    <a:lnT cap="flat" cmpd="sng" w="19050">
+                    <a:lnT w="19050" cap="flat" cmpd="sng">
                       <a:solidFill>
                         <a:schemeClr val="dk1"/>
                       </a:solidFill>
                       <a:prstDash val="solid"/>
                       <a:round/>
-                      <a:headEnd len="sm" w="sm" type="none"/>
-                      <a:tailEnd len="sm" w="sm" type="none"/>
+                      <a:headEnd type="none" w="sm" len="sm"/>
+                      <a:tailEnd type="none" w="sm" len="sm"/>
                     </a:lnT>
-                    <a:lnB cap="flat" cmpd="sng" w="19050">
+                    <a:lnB w="19050" cap="flat" cmpd="sng">
                       <a:solidFill>
                         <a:schemeClr val="dk1"/>
                       </a:solidFill>
                       <a:prstDash val="solid"/>
                       <a:round/>
-                      <a:headEnd len="sm" w="sm" type="none"/>
-                      <a:tailEnd len="sm" w="sm" type="none"/>
+                      <a:headEnd type="none" w="sm" len="sm"/>
+                      <a:tailEnd type="none" w="sm" len="sm"/>
                     </a:lnB>
                     <a:solidFill>
                       <a:srgbClr val="D9D9D9"/>
@@ -6088,7 +6269,7 @@
                     <a:bodyPr/>
                     <a:lstStyle/>
                     <a:p>
-                      <a:pPr indent="0" lvl="0" marL="0" rtl="0" algn="ctr">
+                      <a:pPr marL="0" lvl="0" indent="0" algn="ctr" rtl="0">
                         <a:lnSpc>
                           <a:spcPct val="100000"/>
                         </a:lnSpc>
@@ -6123,56 +6304,61 @@
                       </a:endParaRPr>
                     </a:p>
                   </a:txBody>
-                  <a:tcPr marT="91425" marB="91425" marR="91425" marL="91425">
-                    <a:lnL cap="flat" cmpd="sng" w="19050">
+                  <a:tcPr marL="91425" marR="91425" marT="91425" marB="91425">
+                    <a:lnL w="19050" cap="flat" cmpd="sng">
                       <a:solidFill>
                         <a:schemeClr val="dk1"/>
                       </a:solidFill>
                       <a:prstDash val="solid"/>
                       <a:round/>
-                      <a:headEnd len="sm" w="sm" type="none"/>
-                      <a:tailEnd len="sm" w="sm" type="none"/>
+                      <a:headEnd type="none" w="sm" len="sm"/>
+                      <a:tailEnd type="none" w="sm" len="sm"/>
                     </a:lnL>
-                    <a:lnR cap="flat" cmpd="sng" w="19050">
+                    <a:lnR w="19050" cap="flat" cmpd="sng">
                       <a:solidFill>
                         <a:schemeClr val="dk1"/>
                       </a:solidFill>
                       <a:prstDash val="solid"/>
                       <a:round/>
-                      <a:headEnd len="sm" w="sm" type="none"/>
-                      <a:tailEnd len="sm" w="sm" type="none"/>
+                      <a:headEnd type="none" w="sm" len="sm"/>
+                      <a:tailEnd type="none" w="sm" len="sm"/>
                     </a:lnR>
-                    <a:lnT cap="flat" cmpd="sng" w="19050">
+                    <a:lnT w="19050" cap="flat" cmpd="sng">
                       <a:solidFill>
                         <a:schemeClr val="dk1"/>
                       </a:solidFill>
                       <a:prstDash val="solid"/>
                       <a:round/>
-                      <a:headEnd len="sm" w="sm" type="none"/>
-                      <a:tailEnd len="sm" w="sm" type="none"/>
+                      <a:headEnd type="none" w="sm" len="sm"/>
+                      <a:tailEnd type="none" w="sm" len="sm"/>
                     </a:lnT>
-                    <a:lnB cap="flat" cmpd="sng" w="19050">
+                    <a:lnB w="19050" cap="flat" cmpd="sng">
                       <a:solidFill>
                         <a:schemeClr val="dk1"/>
                       </a:solidFill>
                       <a:prstDash val="solid"/>
                       <a:round/>
-                      <a:headEnd len="sm" w="sm" type="none"/>
-                      <a:tailEnd len="sm" w="sm" type="none"/>
+                      <a:headEnd type="none" w="sm" len="sm"/>
+                      <a:tailEnd type="none" w="sm" len="sm"/>
                     </a:lnB>
                     <a:solidFill>
                       <a:srgbClr val="D9D9D9"/>
                     </a:solidFill>
                   </a:tcPr>
                 </a:tc>
+                <a:extLst>
+                  <a:ext uri="{0D108BD9-81ED-4DB2-BD59-A6C34878D82A}">
+                    <a16:rowId xmlns:a16="http://schemas.microsoft.com/office/drawing/2014/main" val="10001"/>
+                  </a:ext>
+                </a:extLst>
               </a:tr>
-              <a:tr h="257175">
+              <a:tr h="290047">
                 <a:tc>
                   <a:txBody>
                     <a:bodyPr/>
                     <a:lstStyle/>
                     <a:p>
-                      <a:pPr indent="0" lvl="0" marL="0" rtl="0" algn="l">
+                      <a:pPr marL="0" lvl="0" indent="0" algn="l" rtl="0">
                         <a:lnSpc>
                           <a:spcPct val="100000"/>
                         </a:lnSpc>
@@ -6185,7 +6371,7 @@
                         <a:buNone/>
                       </a:pPr>
                       <a:r>
-                        <a:rPr b="1" lang="es-419" sz="900">
+                        <a:rPr lang="es-419" sz="900" b="1">
                           <a:solidFill>
                             <a:schemeClr val="dk1"/>
                           </a:solidFill>
@@ -6196,7 +6382,7 @@
                         </a:rPr>
                         <a:t>Sedán</a:t>
                       </a:r>
-                      <a:endParaRPr b="1" sz="900">
+                      <a:endParaRPr sz="900" b="1">
                         <a:solidFill>
                           <a:schemeClr val="dk1"/>
                         </a:solidFill>
@@ -6207,42 +6393,42 @@
                       </a:endParaRPr>
                     </a:p>
                   </a:txBody>
-                  <a:tcPr marT="91425" marB="91425" marR="91425" marL="91425">
-                    <a:lnL cap="flat" cmpd="sng" w="19050">
-                      <a:solidFill>
-                        <a:srgbClr val="000000"/>
-                      </a:solidFill>
-                      <a:prstDash val="solid"/>
-                      <a:round/>
-                      <a:headEnd len="sm" w="sm" type="none"/>
-                      <a:tailEnd len="sm" w="sm" type="none"/>
+                  <a:tcPr marL="91425" marR="91425" marT="91425" marB="91425">
+                    <a:lnL w="19050" cap="flat" cmpd="sng">
+                      <a:solidFill>
+                        <a:srgbClr val="000000"/>
+                      </a:solidFill>
+                      <a:prstDash val="solid"/>
+                      <a:round/>
+                      <a:headEnd type="none" w="sm" len="sm"/>
+                      <a:tailEnd type="none" w="sm" len="sm"/>
                     </a:lnL>
-                    <a:lnR cap="flat" cmpd="sng" w="19050">
+                    <a:lnR w="19050" cap="flat" cmpd="sng">
                       <a:solidFill>
                         <a:schemeClr val="dk1"/>
                       </a:solidFill>
                       <a:prstDash val="solid"/>
                       <a:round/>
-                      <a:headEnd len="sm" w="sm" type="none"/>
-                      <a:tailEnd len="sm" w="sm" type="none"/>
+                      <a:headEnd type="none" w="sm" len="sm"/>
+                      <a:tailEnd type="none" w="sm" len="sm"/>
                     </a:lnR>
-                    <a:lnT cap="flat" cmpd="sng" w="19050">
-                      <a:solidFill>
-                        <a:srgbClr val="000000"/>
-                      </a:solidFill>
-                      <a:prstDash val="solid"/>
-                      <a:round/>
-                      <a:headEnd len="sm" w="sm" type="none"/>
-                      <a:tailEnd len="sm" w="sm" type="none"/>
+                    <a:lnT w="19050" cap="flat" cmpd="sng">
+                      <a:solidFill>
+                        <a:srgbClr val="000000"/>
+                      </a:solidFill>
+                      <a:prstDash val="solid"/>
+                      <a:round/>
+                      <a:headEnd type="none" w="sm" len="sm"/>
+                      <a:tailEnd type="none" w="sm" len="sm"/>
                     </a:lnT>
-                    <a:lnB cap="flat" cmpd="sng" w="19050">
-                      <a:solidFill>
-                        <a:srgbClr val="000000"/>
-                      </a:solidFill>
-                      <a:prstDash val="solid"/>
-                      <a:round/>
-                      <a:headEnd len="sm" w="sm" type="none"/>
-                      <a:tailEnd len="sm" w="sm" type="none"/>
+                    <a:lnB w="19050" cap="flat" cmpd="sng">
+                      <a:solidFill>
+                        <a:srgbClr val="000000"/>
+                      </a:solidFill>
+                      <a:prstDash val="solid"/>
+                      <a:round/>
+                      <a:headEnd type="none" w="sm" len="sm"/>
+                      <a:tailEnd type="none" w="sm" len="sm"/>
                     </a:lnB>
                     <a:solidFill>
                       <a:schemeClr val="lt1"/>
@@ -6254,7 +6440,7 @@
                     <a:bodyPr/>
                     <a:lstStyle/>
                     <a:p>
-                      <a:pPr indent="0" lvl="0" marL="0" rtl="0" algn="ctr">
+                      <a:pPr marL="0" lvl="0" indent="0" algn="ctr" rtl="0">
                         <a:lnSpc>
                           <a:spcPct val="100000"/>
                         </a:lnSpc>
@@ -6289,42 +6475,42 @@
                       </a:endParaRPr>
                     </a:p>
                   </a:txBody>
-                  <a:tcPr marT="91425" marB="91425" marR="91425" marL="91425">
-                    <a:lnL cap="flat" cmpd="sng" w="19050">
+                  <a:tcPr marL="91425" marR="91425" marT="91425" marB="91425">
+                    <a:lnL w="19050" cap="flat" cmpd="sng">
                       <a:solidFill>
                         <a:schemeClr val="dk1"/>
                       </a:solidFill>
                       <a:prstDash val="solid"/>
                       <a:round/>
-                      <a:headEnd len="sm" w="sm" type="none"/>
-                      <a:tailEnd len="sm" w="sm" type="none"/>
+                      <a:headEnd type="none" w="sm" len="sm"/>
+                      <a:tailEnd type="none" w="sm" len="sm"/>
                     </a:lnL>
-                    <a:lnR cap="flat" cmpd="sng" w="19050">
+                    <a:lnR w="19050" cap="flat" cmpd="sng">
                       <a:solidFill>
                         <a:schemeClr val="dk1"/>
                       </a:solidFill>
                       <a:prstDash val="solid"/>
                       <a:round/>
-                      <a:headEnd len="sm" w="sm" type="none"/>
-                      <a:tailEnd len="sm" w="sm" type="none"/>
+                      <a:headEnd type="none" w="sm" len="sm"/>
+                      <a:tailEnd type="none" w="sm" len="sm"/>
                     </a:lnR>
-                    <a:lnT cap="flat" cmpd="sng" w="19050">
+                    <a:lnT w="19050" cap="flat" cmpd="sng">
                       <a:solidFill>
                         <a:schemeClr val="dk1"/>
                       </a:solidFill>
                       <a:prstDash val="solid"/>
                       <a:round/>
-                      <a:headEnd len="sm" w="sm" type="none"/>
-                      <a:tailEnd len="sm" w="sm" type="none"/>
+                      <a:headEnd type="none" w="sm" len="sm"/>
+                      <a:tailEnd type="none" w="sm" len="sm"/>
                     </a:lnT>
-                    <a:lnB cap="flat" cmpd="sng" w="19050">
+                    <a:lnB w="19050" cap="flat" cmpd="sng">
                       <a:solidFill>
                         <a:schemeClr val="dk1"/>
                       </a:solidFill>
                       <a:prstDash val="solid"/>
                       <a:round/>
-                      <a:headEnd len="sm" w="sm" type="none"/>
-                      <a:tailEnd len="sm" w="sm" type="none"/>
+                      <a:headEnd type="none" w="sm" len="sm"/>
+                      <a:tailEnd type="none" w="sm" len="sm"/>
                     </a:lnB>
                     <a:solidFill>
                       <a:schemeClr val="lt1"/>
@@ -6336,7 +6522,7 @@
                     <a:bodyPr/>
                     <a:lstStyle/>
                     <a:p>
-                      <a:pPr indent="0" lvl="0" marL="0" rtl="0" algn="ctr">
+                      <a:pPr marL="0" lvl="0" indent="0" algn="ctr" rtl="0">
                         <a:lnSpc>
                           <a:spcPct val="100000"/>
                         </a:lnSpc>
@@ -6348,9 +6534,6 @@
                         </a:spcAft>
                         <a:buNone/>
                       </a:pPr>
-                      <a:r>
-                        <a:t/>
-                      </a:r>
                       <a:endParaRPr sz="900">
                         <a:latin typeface="Montserrat SemiBold"/>
                         <a:ea typeface="Montserrat SemiBold"/>
@@ -6359,42 +6542,42 @@
                       </a:endParaRPr>
                     </a:p>
                   </a:txBody>
-                  <a:tcPr marT="91425" marB="91425" marR="91425" marL="91425">
-                    <a:lnL cap="flat" cmpd="sng" w="19050">
+                  <a:tcPr marL="91425" marR="91425" marT="91425" marB="91425">
+                    <a:lnL w="19050" cap="flat" cmpd="sng">
                       <a:solidFill>
                         <a:schemeClr val="dk1"/>
                       </a:solidFill>
                       <a:prstDash val="solid"/>
                       <a:round/>
-                      <a:headEnd len="sm" w="sm" type="none"/>
-                      <a:tailEnd len="sm" w="sm" type="none"/>
+                      <a:headEnd type="none" w="sm" len="sm"/>
+                      <a:tailEnd type="none" w="sm" len="sm"/>
                     </a:lnL>
-                    <a:lnR cap="flat" cmpd="sng" w="19050">
+                    <a:lnR w="19050" cap="flat" cmpd="sng">
                       <a:solidFill>
                         <a:schemeClr val="dk1"/>
                       </a:solidFill>
                       <a:prstDash val="solid"/>
                       <a:round/>
-                      <a:headEnd len="sm" w="sm" type="none"/>
-                      <a:tailEnd len="sm" w="sm" type="none"/>
+                      <a:headEnd type="none" w="sm" len="sm"/>
+                      <a:tailEnd type="none" w="sm" len="sm"/>
                     </a:lnR>
-                    <a:lnT cap="flat" cmpd="sng" w="19050">
+                    <a:lnT w="19050" cap="flat" cmpd="sng">
                       <a:solidFill>
                         <a:schemeClr val="dk1"/>
                       </a:solidFill>
                       <a:prstDash val="solid"/>
                       <a:round/>
-                      <a:headEnd len="sm" w="sm" type="none"/>
-                      <a:tailEnd len="sm" w="sm" type="none"/>
+                      <a:headEnd type="none" w="sm" len="sm"/>
+                      <a:tailEnd type="none" w="sm" len="sm"/>
                     </a:lnT>
-                    <a:lnB cap="flat" cmpd="sng" w="19050">
+                    <a:lnB w="19050" cap="flat" cmpd="sng">
                       <a:solidFill>
                         <a:schemeClr val="dk1"/>
                       </a:solidFill>
                       <a:prstDash val="solid"/>
                       <a:round/>
-                      <a:headEnd len="sm" w="sm" type="none"/>
-                      <a:tailEnd len="sm" w="sm" type="none"/>
+                      <a:headEnd type="none" w="sm" len="sm"/>
+                      <a:tailEnd type="none" w="sm" len="sm"/>
                     </a:lnB>
                     <a:solidFill>
                       <a:schemeClr val="lt1"/>
@@ -6406,7 +6589,7 @@
                     <a:bodyPr/>
                     <a:lstStyle/>
                     <a:p>
-                      <a:pPr indent="0" lvl="0" marL="0" rtl="0" algn="ctr">
+                      <a:pPr marL="0" lvl="0" indent="0" algn="ctr" rtl="0">
                         <a:lnSpc>
                           <a:spcPct val="100000"/>
                         </a:lnSpc>
@@ -6441,48 +6624,53 @@
                       </a:endParaRPr>
                     </a:p>
                   </a:txBody>
-                  <a:tcPr marT="91425" marB="91425" marR="91425" marL="91425">
-                    <a:lnL cap="flat" cmpd="sng" w="19050">
+                  <a:tcPr marL="91425" marR="91425" marT="91425" marB="91425">
+                    <a:lnL w="19050" cap="flat" cmpd="sng">
                       <a:solidFill>
                         <a:schemeClr val="dk1"/>
                       </a:solidFill>
                       <a:prstDash val="solid"/>
                       <a:round/>
-                      <a:headEnd len="sm" w="sm" type="none"/>
-                      <a:tailEnd len="sm" w="sm" type="none"/>
+                      <a:headEnd type="none" w="sm" len="sm"/>
+                      <a:tailEnd type="none" w="sm" len="sm"/>
                     </a:lnL>
-                    <a:lnR cap="flat" cmpd="sng" w="19050">
+                    <a:lnR w="19050" cap="flat" cmpd="sng">
                       <a:solidFill>
                         <a:schemeClr val="dk1"/>
                       </a:solidFill>
                       <a:prstDash val="solid"/>
                       <a:round/>
-                      <a:headEnd len="sm" w="sm" type="none"/>
-                      <a:tailEnd len="sm" w="sm" type="none"/>
+                      <a:headEnd type="none" w="sm" len="sm"/>
+                      <a:tailEnd type="none" w="sm" len="sm"/>
                     </a:lnR>
-                    <a:lnT cap="flat" cmpd="sng" w="19050">
+                    <a:lnT w="19050" cap="flat" cmpd="sng">
                       <a:solidFill>
                         <a:schemeClr val="dk1"/>
                       </a:solidFill>
                       <a:prstDash val="solid"/>
                       <a:round/>
-                      <a:headEnd len="sm" w="sm" type="none"/>
-                      <a:tailEnd len="sm" w="sm" type="none"/>
+                      <a:headEnd type="none" w="sm" len="sm"/>
+                      <a:tailEnd type="none" w="sm" len="sm"/>
                     </a:lnT>
-                    <a:lnB cap="flat" cmpd="sng" w="19050">
+                    <a:lnB w="19050" cap="flat" cmpd="sng">
                       <a:solidFill>
                         <a:schemeClr val="dk1"/>
                       </a:solidFill>
                       <a:prstDash val="solid"/>
                       <a:round/>
-                      <a:headEnd len="sm" w="sm" type="none"/>
-                      <a:tailEnd len="sm" w="sm" type="none"/>
+                      <a:headEnd type="none" w="sm" len="sm"/>
+                      <a:tailEnd type="none" w="sm" len="sm"/>
                     </a:lnB>
                     <a:solidFill>
                       <a:schemeClr val="lt1"/>
                     </a:solidFill>
                   </a:tcPr>
                 </a:tc>
+                <a:extLst>
+                  <a:ext uri="{0D108BD9-81ED-4DB2-BD59-A6C34878D82A}">
+                    <a16:rowId xmlns:a16="http://schemas.microsoft.com/office/drawing/2014/main" val="10002"/>
+                  </a:ext>
+                </a:extLst>
               </a:tr>
               <a:tr h="257175">
                 <a:tc>
@@ -6490,7 +6678,7 @@
                     <a:bodyPr/>
                     <a:lstStyle/>
                     <a:p>
-                      <a:pPr indent="0" lvl="0" marL="0" rtl="0" algn="l">
+                      <a:pPr marL="0" lvl="0" indent="0" algn="l" rtl="0">
                         <a:lnSpc>
                           <a:spcPct val="100000"/>
                         </a:lnSpc>
@@ -6503,7 +6691,7 @@
                         <a:buNone/>
                       </a:pPr>
                       <a:r>
-                        <a:rPr b="1" lang="es-419" sz="900">
+                        <a:rPr lang="es-419" sz="900" b="1">
                           <a:solidFill>
                             <a:schemeClr val="dk1"/>
                           </a:solidFill>
@@ -6514,7 +6702,7 @@
                         </a:rPr>
                         <a:t>Van</a:t>
                       </a:r>
-                      <a:endParaRPr b="1" sz="900">
+                      <a:endParaRPr sz="900" b="1">
                         <a:solidFill>
                           <a:schemeClr val="dk1"/>
                         </a:solidFill>
@@ -6525,42 +6713,42 @@
                       </a:endParaRPr>
                     </a:p>
                   </a:txBody>
-                  <a:tcPr marT="91425" marB="91425" marR="91425" marL="91425">
-                    <a:lnL cap="flat" cmpd="sng" w="19050">
-                      <a:solidFill>
-                        <a:srgbClr val="000000"/>
-                      </a:solidFill>
-                      <a:prstDash val="solid"/>
-                      <a:round/>
-                      <a:headEnd len="sm" w="sm" type="none"/>
-                      <a:tailEnd len="sm" w="sm" type="none"/>
+                  <a:tcPr marL="91425" marR="91425" marT="91425" marB="91425">
+                    <a:lnL w="19050" cap="flat" cmpd="sng">
+                      <a:solidFill>
+                        <a:srgbClr val="000000"/>
+                      </a:solidFill>
+                      <a:prstDash val="solid"/>
+                      <a:round/>
+                      <a:headEnd type="none" w="sm" len="sm"/>
+                      <a:tailEnd type="none" w="sm" len="sm"/>
                     </a:lnL>
-                    <a:lnR cap="flat" cmpd="sng" w="19050">
+                    <a:lnR w="19050" cap="flat" cmpd="sng">
                       <a:solidFill>
                         <a:schemeClr val="dk1"/>
                       </a:solidFill>
                       <a:prstDash val="solid"/>
                       <a:round/>
-                      <a:headEnd len="sm" w="sm" type="none"/>
-                      <a:tailEnd len="sm" w="sm" type="none"/>
+                      <a:headEnd type="none" w="sm" len="sm"/>
+                      <a:tailEnd type="none" w="sm" len="sm"/>
                     </a:lnR>
-                    <a:lnT cap="flat" cmpd="sng" w="19050">
-                      <a:solidFill>
-                        <a:srgbClr val="000000"/>
-                      </a:solidFill>
-                      <a:prstDash val="solid"/>
-                      <a:round/>
-                      <a:headEnd len="sm" w="sm" type="none"/>
-                      <a:tailEnd len="sm" w="sm" type="none"/>
+                    <a:lnT w="19050" cap="flat" cmpd="sng">
+                      <a:solidFill>
+                        <a:srgbClr val="000000"/>
+                      </a:solidFill>
+                      <a:prstDash val="solid"/>
+                      <a:round/>
+                      <a:headEnd type="none" w="sm" len="sm"/>
+                      <a:tailEnd type="none" w="sm" len="sm"/>
                     </a:lnT>
-                    <a:lnB cap="flat" cmpd="sng" w="19050">
-                      <a:solidFill>
-                        <a:srgbClr val="000000"/>
-                      </a:solidFill>
-                      <a:prstDash val="solid"/>
-                      <a:round/>
-                      <a:headEnd len="sm" w="sm" type="none"/>
-                      <a:tailEnd len="sm" w="sm" type="none"/>
+                    <a:lnB w="19050" cap="flat" cmpd="sng">
+                      <a:solidFill>
+                        <a:srgbClr val="000000"/>
+                      </a:solidFill>
+                      <a:prstDash val="solid"/>
+                      <a:round/>
+                      <a:headEnd type="none" w="sm" len="sm"/>
+                      <a:tailEnd type="none" w="sm" len="sm"/>
                     </a:lnB>
                     <a:solidFill>
                       <a:srgbClr val="D9D9D9"/>
@@ -6572,7 +6760,7 @@
                     <a:bodyPr/>
                     <a:lstStyle/>
                     <a:p>
-                      <a:pPr indent="0" lvl="0" marL="0" rtl="0" algn="ctr">
+                      <a:pPr marL="0" lvl="0" indent="0" algn="ctr" rtl="0">
                         <a:lnSpc>
                           <a:spcPct val="100000"/>
                         </a:lnSpc>
@@ -6607,42 +6795,42 @@
                       </a:endParaRPr>
                     </a:p>
                   </a:txBody>
-                  <a:tcPr marT="91425" marB="91425" marR="91425" marL="91425">
-                    <a:lnL cap="flat" cmpd="sng" w="19050">
+                  <a:tcPr marL="91425" marR="91425" marT="91425" marB="91425">
+                    <a:lnL w="19050" cap="flat" cmpd="sng">
                       <a:solidFill>
                         <a:schemeClr val="dk1"/>
                       </a:solidFill>
                       <a:prstDash val="solid"/>
                       <a:round/>
-                      <a:headEnd len="sm" w="sm" type="none"/>
-                      <a:tailEnd len="sm" w="sm" type="none"/>
+                      <a:headEnd type="none" w="sm" len="sm"/>
+                      <a:tailEnd type="none" w="sm" len="sm"/>
                     </a:lnL>
-                    <a:lnR cap="flat" cmpd="sng" w="19050">
+                    <a:lnR w="19050" cap="flat" cmpd="sng">
                       <a:solidFill>
                         <a:schemeClr val="dk1"/>
                       </a:solidFill>
                       <a:prstDash val="solid"/>
                       <a:round/>
-                      <a:headEnd len="sm" w="sm" type="none"/>
-                      <a:tailEnd len="sm" w="sm" type="none"/>
+                      <a:headEnd type="none" w="sm" len="sm"/>
+                      <a:tailEnd type="none" w="sm" len="sm"/>
                     </a:lnR>
-                    <a:lnT cap="flat" cmpd="sng" w="19050">
+                    <a:lnT w="19050" cap="flat" cmpd="sng">
                       <a:solidFill>
                         <a:schemeClr val="dk1"/>
                       </a:solidFill>
                       <a:prstDash val="solid"/>
                       <a:round/>
-                      <a:headEnd len="sm" w="sm" type="none"/>
-                      <a:tailEnd len="sm" w="sm" type="none"/>
+                      <a:headEnd type="none" w="sm" len="sm"/>
+                      <a:tailEnd type="none" w="sm" len="sm"/>
                     </a:lnT>
-                    <a:lnB cap="flat" cmpd="sng" w="19050">
+                    <a:lnB w="19050" cap="flat" cmpd="sng">
                       <a:solidFill>
                         <a:schemeClr val="dk1"/>
                       </a:solidFill>
                       <a:prstDash val="solid"/>
                       <a:round/>
-                      <a:headEnd len="sm" w="sm" type="none"/>
-                      <a:tailEnd len="sm" w="sm" type="none"/>
+                      <a:headEnd type="none" w="sm" len="sm"/>
+                      <a:tailEnd type="none" w="sm" len="sm"/>
                     </a:lnB>
                     <a:solidFill>
                       <a:srgbClr val="D9D9D9"/>
@@ -6654,7 +6842,7 @@
                     <a:bodyPr/>
                     <a:lstStyle/>
                     <a:p>
-                      <a:pPr indent="0" lvl="0" marL="0" rtl="0" algn="ctr">
+                      <a:pPr marL="0" lvl="0" indent="0" algn="ctr" rtl="0">
                         <a:lnSpc>
                           <a:spcPct val="100000"/>
                         </a:lnSpc>
@@ -6666,9 +6854,6 @@
                         </a:spcAft>
                         <a:buNone/>
                       </a:pPr>
-                      <a:r>
-                        <a:t/>
-                      </a:r>
                       <a:endParaRPr sz="900">
                         <a:latin typeface="Montserrat SemiBold"/>
                         <a:ea typeface="Montserrat SemiBold"/>
@@ -6677,42 +6862,42 @@
                       </a:endParaRPr>
                     </a:p>
                   </a:txBody>
-                  <a:tcPr marT="91425" marB="91425" marR="91425" marL="91425">
-                    <a:lnL cap="flat" cmpd="sng" w="19050">
+                  <a:tcPr marL="91425" marR="91425" marT="91425" marB="91425">
+                    <a:lnL w="19050" cap="flat" cmpd="sng">
                       <a:solidFill>
                         <a:schemeClr val="dk1"/>
                       </a:solidFill>
                       <a:prstDash val="solid"/>
                       <a:round/>
-                      <a:headEnd len="sm" w="sm" type="none"/>
-                      <a:tailEnd len="sm" w="sm" type="none"/>
+                      <a:headEnd type="none" w="sm" len="sm"/>
+                      <a:tailEnd type="none" w="sm" len="sm"/>
                     </a:lnL>
-                    <a:lnR cap="flat" cmpd="sng" w="19050">
+                    <a:lnR w="19050" cap="flat" cmpd="sng">
                       <a:solidFill>
                         <a:schemeClr val="dk1"/>
                       </a:solidFill>
                       <a:prstDash val="solid"/>
                       <a:round/>
-                      <a:headEnd len="sm" w="sm" type="none"/>
-                      <a:tailEnd len="sm" w="sm" type="none"/>
+                      <a:headEnd type="none" w="sm" len="sm"/>
+                      <a:tailEnd type="none" w="sm" len="sm"/>
                     </a:lnR>
-                    <a:lnT cap="flat" cmpd="sng" w="19050">
+                    <a:lnT w="19050" cap="flat" cmpd="sng">
                       <a:solidFill>
                         <a:schemeClr val="dk1"/>
                       </a:solidFill>
                       <a:prstDash val="solid"/>
                       <a:round/>
-                      <a:headEnd len="sm" w="sm" type="none"/>
-                      <a:tailEnd len="sm" w="sm" type="none"/>
+                      <a:headEnd type="none" w="sm" len="sm"/>
+                      <a:tailEnd type="none" w="sm" len="sm"/>
                     </a:lnT>
-                    <a:lnB cap="flat" cmpd="sng" w="19050">
+                    <a:lnB w="19050" cap="flat" cmpd="sng">
                       <a:solidFill>
                         <a:schemeClr val="dk1"/>
                       </a:solidFill>
                       <a:prstDash val="solid"/>
                       <a:round/>
-                      <a:headEnd len="sm" w="sm" type="none"/>
-                      <a:tailEnd len="sm" w="sm" type="none"/>
+                      <a:headEnd type="none" w="sm" len="sm"/>
+                      <a:tailEnd type="none" w="sm" len="sm"/>
                     </a:lnB>
                     <a:solidFill>
                       <a:srgbClr val="D9D9D9"/>
@@ -6724,7 +6909,7 @@
                     <a:bodyPr/>
                     <a:lstStyle/>
                     <a:p>
-                      <a:pPr indent="0" lvl="0" marL="0" rtl="0" algn="ctr">
+                      <a:pPr marL="0" lvl="0" indent="0" algn="ctr" rtl="0">
                         <a:lnSpc>
                           <a:spcPct val="100000"/>
                         </a:lnSpc>
@@ -6759,48 +6944,53 @@
                       </a:endParaRPr>
                     </a:p>
                   </a:txBody>
-                  <a:tcPr marT="91425" marB="91425" marR="91425" marL="91425">
-                    <a:lnL cap="flat" cmpd="sng" w="19050">
+                  <a:tcPr marL="91425" marR="91425" marT="91425" marB="91425">
+                    <a:lnL w="19050" cap="flat" cmpd="sng">
                       <a:solidFill>
                         <a:schemeClr val="dk1"/>
                       </a:solidFill>
                       <a:prstDash val="solid"/>
                       <a:round/>
-                      <a:headEnd len="sm" w="sm" type="none"/>
-                      <a:tailEnd len="sm" w="sm" type="none"/>
+                      <a:headEnd type="none" w="sm" len="sm"/>
+                      <a:tailEnd type="none" w="sm" len="sm"/>
                     </a:lnL>
-                    <a:lnR cap="flat" cmpd="sng" w="19050">
+                    <a:lnR w="19050" cap="flat" cmpd="sng">
                       <a:solidFill>
                         <a:schemeClr val="dk1"/>
                       </a:solidFill>
                       <a:prstDash val="solid"/>
                       <a:round/>
-                      <a:headEnd len="sm" w="sm" type="none"/>
-                      <a:tailEnd len="sm" w="sm" type="none"/>
+                      <a:headEnd type="none" w="sm" len="sm"/>
+                      <a:tailEnd type="none" w="sm" len="sm"/>
                     </a:lnR>
-                    <a:lnT cap="flat" cmpd="sng" w="19050">
+                    <a:lnT w="19050" cap="flat" cmpd="sng">
                       <a:solidFill>
                         <a:schemeClr val="dk1"/>
                       </a:solidFill>
                       <a:prstDash val="solid"/>
                       <a:round/>
-                      <a:headEnd len="sm" w="sm" type="none"/>
-                      <a:tailEnd len="sm" w="sm" type="none"/>
+                      <a:headEnd type="none" w="sm" len="sm"/>
+                      <a:tailEnd type="none" w="sm" len="sm"/>
                     </a:lnT>
-                    <a:lnB cap="flat" cmpd="sng" w="19050">
+                    <a:lnB w="19050" cap="flat" cmpd="sng">
                       <a:solidFill>
                         <a:schemeClr val="dk1"/>
                       </a:solidFill>
                       <a:prstDash val="solid"/>
                       <a:round/>
-                      <a:headEnd len="sm" w="sm" type="none"/>
-                      <a:tailEnd len="sm" w="sm" type="none"/>
+                      <a:headEnd type="none" w="sm" len="sm"/>
+                      <a:tailEnd type="none" w="sm" len="sm"/>
                     </a:lnB>
                     <a:solidFill>
                       <a:srgbClr val="D9D9D9"/>
                     </a:solidFill>
                   </a:tcPr>
                 </a:tc>
+                <a:extLst>
+                  <a:ext uri="{0D108BD9-81ED-4DB2-BD59-A6C34878D82A}">
+                    <a16:rowId xmlns:a16="http://schemas.microsoft.com/office/drawing/2014/main" val="10003"/>
+                  </a:ext>
+                </a:extLst>
               </a:tr>
               <a:tr h="257175">
                 <a:tc>
@@ -6808,7 +6998,7 @@
                     <a:bodyPr/>
                     <a:lstStyle/>
                     <a:p>
-                      <a:pPr indent="0" lvl="0" marL="0" rtl="0" algn="l">
+                      <a:pPr marL="0" lvl="0" indent="0" algn="l" rtl="0">
                         <a:lnSpc>
                           <a:spcPct val="100000"/>
                         </a:lnSpc>
@@ -6821,7 +7011,7 @@
                         <a:buNone/>
                       </a:pPr>
                       <a:r>
-                        <a:rPr b="1" lang="es-419" sz="900">
+                        <a:rPr lang="es-419" sz="900" b="1">
                           <a:solidFill>
                             <a:schemeClr val="dk1"/>
                           </a:solidFill>
@@ -6832,7 +7022,7 @@
                         </a:rPr>
                         <a:t>Racer</a:t>
                       </a:r>
-                      <a:endParaRPr b="1" sz="900">
+                      <a:endParaRPr sz="900" b="1">
                         <a:solidFill>
                           <a:schemeClr val="dk1"/>
                         </a:solidFill>
@@ -6843,42 +7033,42 @@
                       </a:endParaRPr>
                     </a:p>
                   </a:txBody>
-                  <a:tcPr marT="91425" marB="91425" marR="91425" marL="91425">
-                    <a:lnL cap="flat" cmpd="sng" w="19050">
-                      <a:solidFill>
-                        <a:srgbClr val="000000"/>
-                      </a:solidFill>
-                      <a:prstDash val="solid"/>
-                      <a:round/>
-                      <a:headEnd len="sm" w="sm" type="none"/>
-                      <a:tailEnd len="sm" w="sm" type="none"/>
+                  <a:tcPr marL="91425" marR="91425" marT="91425" marB="91425">
+                    <a:lnL w="19050" cap="flat" cmpd="sng">
+                      <a:solidFill>
+                        <a:srgbClr val="000000"/>
+                      </a:solidFill>
+                      <a:prstDash val="solid"/>
+                      <a:round/>
+                      <a:headEnd type="none" w="sm" len="sm"/>
+                      <a:tailEnd type="none" w="sm" len="sm"/>
                     </a:lnL>
-                    <a:lnR cap="flat" cmpd="sng" w="19050">
+                    <a:lnR w="19050" cap="flat" cmpd="sng">
                       <a:solidFill>
                         <a:schemeClr val="dk1"/>
                       </a:solidFill>
                       <a:prstDash val="solid"/>
                       <a:round/>
-                      <a:headEnd len="sm" w="sm" type="none"/>
-                      <a:tailEnd len="sm" w="sm" type="none"/>
+                      <a:headEnd type="none" w="sm" len="sm"/>
+                      <a:tailEnd type="none" w="sm" len="sm"/>
                     </a:lnR>
-                    <a:lnT cap="flat" cmpd="sng" w="19050">
-                      <a:solidFill>
-                        <a:srgbClr val="000000"/>
-                      </a:solidFill>
-                      <a:prstDash val="solid"/>
-                      <a:round/>
-                      <a:headEnd len="sm" w="sm" type="none"/>
-                      <a:tailEnd len="sm" w="sm" type="none"/>
+                    <a:lnT w="19050" cap="flat" cmpd="sng">
+                      <a:solidFill>
+                        <a:srgbClr val="000000"/>
+                      </a:solidFill>
+                      <a:prstDash val="solid"/>
+                      <a:round/>
+                      <a:headEnd type="none" w="sm" len="sm"/>
+                      <a:tailEnd type="none" w="sm" len="sm"/>
                     </a:lnT>
-                    <a:lnB cap="flat" cmpd="sng" w="19050">
-                      <a:solidFill>
-                        <a:srgbClr val="000000"/>
-                      </a:solidFill>
-                      <a:prstDash val="solid"/>
-                      <a:round/>
-                      <a:headEnd len="sm" w="sm" type="none"/>
-                      <a:tailEnd len="sm" w="sm" type="none"/>
+                    <a:lnB w="19050" cap="flat" cmpd="sng">
+                      <a:solidFill>
+                        <a:srgbClr val="000000"/>
+                      </a:solidFill>
+                      <a:prstDash val="solid"/>
+                      <a:round/>
+                      <a:headEnd type="none" w="sm" len="sm"/>
+                      <a:tailEnd type="none" w="sm" len="sm"/>
                     </a:lnB>
                     <a:solidFill>
                       <a:schemeClr val="lt1"/>
@@ -6890,7 +7080,7 @@
                     <a:bodyPr/>
                     <a:lstStyle/>
                     <a:p>
-                      <a:pPr indent="0" lvl="0" marL="0" rtl="0" algn="ctr">
+                      <a:pPr marL="0" lvl="0" indent="0" algn="ctr" rtl="0">
                         <a:lnSpc>
                           <a:spcPct val="100000"/>
                         </a:lnSpc>
@@ -6922,42 +7112,42 @@
                       </a:endParaRPr>
                     </a:p>
                   </a:txBody>
-                  <a:tcPr marT="91425" marB="91425" marR="91425" marL="91425">
-                    <a:lnL cap="flat" cmpd="sng" w="19050">
+                  <a:tcPr marL="91425" marR="91425" marT="91425" marB="91425">
+                    <a:lnL w="19050" cap="flat" cmpd="sng">
                       <a:solidFill>
                         <a:schemeClr val="dk1"/>
                       </a:solidFill>
                       <a:prstDash val="solid"/>
                       <a:round/>
-                      <a:headEnd len="sm" w="sm" type="none"/>
-                      <a:tailEnd len="sm" w="sm" type="none"/>
+                      <a:headEnd type="none" w="sm" len="sm"/>
+                      <a:tailEnd type="none" w="sm" len="sm"/>
                     </a:lnL>
-                    <a:lnR cap="flat" cmpd="sng" w="19050">
+                    <a:lnR w="19050" cap="flat" cmpd="sng">
                       <a:solidFill>
                         <a:schemeClr val="dk1"/>
                       </a:solidFill>
                       <a:prstDash val="solid"/>
                       <a:round/>
-                      <a:headEnd len="sm" w="sm" type="none"/>
-                      <a:tailEnd len="sm" w="sm" type="none"/>
+                      <a:headEnd type="none" w="sm" len="sm"/>
+                      <a:tailEnd type="none" w="sm" len="sm"/>
                     </a:lnR>
-                    <a:lnT cap="flat" cmpd="sng" w="19050">
+                    <a:lnT w="19050" cap="flat" cmpd="sng">
                       <a:solidFill>
                         <a:schemeClr val="dk1"/>
                       </a:solidFill>
                       <a:prstDash val="solid"/>
                       <a:round/>
-                      <a:headEnd len="sm" w="sm" type="none"/>
-                      <a:tailEnd len="sm" w="sm" type="none"/>
+                      <a:headEnd type="none" w="sm" len="sm"/>
+                      <a:tailEnd type="none" w="sm" len="sm"/>
                     </a:lnT>
-                    <a:lnB cap="flat" cmpd="sng" w="19050">
+                    <a:lnB w="19050" cap="flat" cmpd="sng">
                       <a:solidFill>
                         <a:schemeClr val="dk1"/>
                       </a:solidFill>
                       <a:prstDash val="solid"/>
                       <a:round/>
-                      <a:headEnd len="sm" w="sm" type="none"/>
-                      <a:tailEnd len="sm" w="sm" type="none"/>
+                      <a:headEnd type="none" w="sm" len="sm"/>
+                      <a:tailEnd type="none" w="sm" len="sm"/>
                     </a:lnB>
                     <a:solidFill>
                       <a:schemeClr val="lt1"/>
@@ -6969,7 +7159,7 @@
                     <a:bodyPr/>
                     <a:lstStyle/>
                     <a:p>
-                      <a:pPr indent="0" lvl="0" marL="0" rtl="0" algn="ctr">
+                      <a:pPr marL="0" lvl="0" indent="0" algn="ctr" rtl="0">
                         <a:lnSpc>
                           <a:spcPct val="100000"/>
                         </a:lnSpc>
@@ -6981,9 +7171,6 @@
                         </a:spcAft>
                         <a:buNone/>
                       </a:pPr>
-                      <a:r>
-                        <a:t/>
-                      </a:r>
                       <a:endParaRPr sz="900">
                         <a:solidFill>
                           <a:srgbClr val="404040"/>
@@ -6995,42 +7182,42 @@
                       </a:endParaRPr>
                     </a:p>
                   </a:txBody>
-                  <a:tcPr marT="91425" marB="91425" marR="91425" marL="91425">
-                    <a:lnL cap="flat" cmpd="sng" w="19050">
+                  <a:tcPr marL="91425" marR="91425" marT="91425" marB="91425">
+                    <a:lnL w="19050" cap="flat" cmpd="sng">
                       <a:solidFill>
                         <a:schemeClr val="dk1"/>
                       </a:solidFill>
                       <a:prstDash val="solid"/>
                       <a:round/>
-                      <a:headEnd len="sm" w="sm" type="none"/>
-                      <a:tailEnd len="sm" w="sm" type="none"/>
+                      <a:headEnd type="none" w="sm" len="sm"/>
+                      <a:tailEnd type="none" w="sm" len="sm"/>
                     </a:lnL>
-                    <a:lnR cap="flat" cmpd="sng" w="19050">
+                    <a:lnR w="19050" cap="flat" cmpd="sng">
                       <a:solidFill>
                         <a:schemeClr val="dk1"/>
                       </a:solidFill>
                       <a:prstDash val="solid"/>
                       <a:round/>
-                      <a:headEnd len="sm" w="sm" type="none"/>
-                      <a:tailEnd len="sm" w="sm" type="none"/>
+                      <a:headEnd type="none" w="sm" len="sm"/>
+                      <a:tailEnd type="none" w="sm" len="sm"/>
                     </a:lnR>
-                    <a:lnT cap="flat" cmpd="sng" w="19050">
+                    <a:lnT w="19050" cap="flat" cmpd="sng">
                       <a:solidFill>
                         <a:schemeClr val="dk1"/>
                       </a:solidFill>
                       <a:prstDash val="solid"/>
                       <a:round/>
-                      <a:headEnd len="sm" w="sm" type="none"/>
-                      <a:tailEnd len="sm" w="sm" type="none"/>
+                      <a:headEnd type="none" w="sm" len="sm"/>
+                      <a:tailEnd type="none" w="sm" len="sm"/>
                     </a:lnT>
-                    <a:lnB cap="flat" cmpd="sng" w="19050">
+                    <a:lnB w="19050" cap="flat" cmpd="sng">
                       <a:solidFill>
                         <a:schemeClr val="dk1"/>
                       </a:solidFill>
                       <a:prstDash val="solid"/>
                       <a:round/>
-                      <a:headEnd len="sm" w="sm" type="none"/>
-                      <a:tailEnd len="sm" w="sm" type="none"/>
+                      <a:headEnd type="none" w="sm" len="sm"/>
+                      <a:tailEnd type="none" w="sm" len="sm"/>
                     </a:lnB>
                     <a:solidFill>
                       <a:schemeClr val="lt1"/>
@@ -7042,7 +7229,7 @@
                     <a:bodyPr/>
                     <a:lstStyle/>
                     <a:p>
-                      <a:pPr indent="0" lvl="0" marL="0" rtl="0" algn="ctr">
+                      <a:pPr marL="0" lvl="0" indent="0" algn="ctr" rtl="0">
                         <a:lnSpc>
                           <a:spcPct val="100000"/>
                         </a:lnSpc>
@@ -7077,48 +7264,53 @@
                       </a:endParaRPr>
                     </a:p>
                   </a:txBody>
-                  <a:tcPr marT="91425" marB="91425" marR="91425" marL="91425">
-                    <a:lnL cap="flat" cmpd="sng" w="19050">
+                  <a:tcPr marL="91425" marR="91425" marT="91425" marB="91425">
+                    <a:lnL w="19050" cap="flat" cmpd="sng">
                       <a:solidFill>
                         <a:schemeClr val="dk1"/>
                       </a:solidFill>
                       <a:prstDash val="solid"/>
                       <a:round/>
-                      <a:headEnd len="sm" w="sm" type="none"/>
-                      <a:tailEnd len="sm" w="sm" type="none"/>
+                      <a:headEnd type="none" w="sm" len="sm"/>
+                      <a:tailEnd type="none" w="sm" len="sm"/>
                     </a:lnL>
-                    <a:lnR cap="flat" cmpd="sng" w="19050">
+                    <a:lnR w="19050" cap="flat" cmpd="sng">
                       <a:solidFill>
                         <a:schemeClr val="dk1"/>
                       </a:solidFill>
                       <a:prstDash val="solid"/>
                       <a:round/>
-                      <a:headEnd len="sm" w="sm" type="none"/>
-                      <a:tailEnd len="sm" w="sm" type="none"/>
+                      <a:headEnd type="none" w="sm" len="sm"/>
+                      <a:tailEnd type="none" w="sm" len="sm"/>
                     </a:lnR>
-                    <a:lnT cap="flat" cmpd="sng" w="19050">
+                    <a:lnT w="19050" cap="flat" cmpd="sng">
                       <a:solidFill>
                         <a:schemeClr val="dk1"/>
                       </a:solidFill>
                       <a:prstDash val="solid"/>
                       <a:round/>
-                      <a:headEnd len="sm" w="sm" type="none"/>
-                      <a:tailEnd len="sm" w="sm" type="none"/>
+                      <a:headEnd type="none" w="sm" len="sm"/>
+                      <a:tailEnd type="none" w="sm" len="sm"/>
                     </a:lnT>
-                    <a:lnB cap="flat" cmpd="sng" w="19050">
+                    <a:lnB w="19050" cap="flat" cmpd="sng">
                       <a:solidFill>
                         <a:schemeClr val="dk1"/>
                       </a:solidFill>
                       <a:prstDash val="solid"/>
                       <a:round/>
-                      <a:headEnd len="sm" w="sm" type="none"/>
-                      <a:tailEnd len="sm" w="sm" type="none"/>
+                      <a:headEnd type="none" w="sm" len="sm"/>
+                      <a:tailEnd type="none" w="sm" len="sm"/>
                     </a:lnB>
                     <a:solidFill>
                       <a:schemeClr val="lt1"/>
                     </a:solidFill>
                   </a:tcPr>
                 </a:tc>
+                <a:extLst>
+                  <a:ext uri="{0D108BD9-81ED-4DB2-BD59-A6C34878D82A}">
+                    <a16:rowId xmlns:a16="http://schemas.microsoft.com/office/drawing/2014/main" val="10004"/>
+                  </a:ext>
+                </a:extLst>
               </a:tr>
               <a:tr h="257175">
                 <a:tc>
@@ -7126,7 +7318,7 @@
                     <a:bodyPr/>
                     <a:lstStyle/>
                     <a:p>
-                      <a:pPr indent="0" lvl="0" marL="0" rtl="0" algn="l">
+                      <a:pPr marL="0" lvl="0" indent="0" algn="l" rtl="0">
                         <a:lnSpc>
                           <a:spcPct val="100000"/>
                         </a:lnSpc>
@@ -7139,7 +7331,7 @@
                         <a:buNone/>
                       </a:pPr>
                       <a:r>
-                        <a:rPr b="1" lang="es-419" sz="900">
+                        <a:rPr lang="es-419" sz="900" b="1">
                           <a:solidFill>
                             <a:schemeClr val="dk1"/>
                           </a:solidFill>
@@ -7150,7 +7342,7 @@
                         </a:rPr>
                         <a:t>Motos</a:t>
                       </a:r>
-                      <a:endParaRPr b="1" sz="900">
+                      <a:endParaRPr sz="900" b="1">
                         <a:solidFill>
                           <a:schemeClr val="dk1"/>
                         </a:solidFill>
@@ -7161,42 +7353,42 @@
                       </a:endParaRPr>
                     </a:p>
                   </a:txBody>
-                  <a:tcPr marT="91425" marB="91425" marR="91425" marL="91425">
-                    <a:lnL cap="flat" cmpd="sng" w="19050">
-                      <a:solidFill>
-                        <a:srgbClr val="000000"/>
-                      </a:solidFill>
-                      <a:prstDash val="solid"/>
-                      <a:round/>
-                      <a:headEnd len="sm" w="sm" type="none"/>
-                      <a:tailEnd len="sm" w="sm" type="none"/>
+                  <a:tcPr marL="91425" marR="91425" marT="91425" marB="91425">
+                    <a:lnL w="19050" cap="flat" cmpd="sng">
+                      <a:solidFill>
+                        <a:srgbClr val="000000"/>
+                      </a:solidFill>
+                      <a:prstDash val="solid"/>
+                      <a:round/>
+                      <a:headEnd type="none" w="sm" len="sm"/>
+                      <a:tailEnd type="none" w="sm" len="sm"/>
                     </a:lnL>
-                    <a:lnR cap="flat" cmpd="sng" w="19050">
+                    <a:lnR w="19050" cap="flat" cmpd="sng">
                       <a:solidFill>
                         <a:schemeClr val="dk1"/>
                       </a:solidFill>
                       <a:prstDash val="solid"/>
                       <a:round/>
-                      <a:headEnd len="sm" w="sm" type="none"/>
-                      <a:tailEnd len="sm" w="sm" type="none"/>
+                      <a:headEnd type="none" w="sm" len="sm"/>
+                      <a:tailEnd type="none" w="sm" len="sm"/>
                     </a:lnR>
-                    <a:lnT cap="flat" cmpd="sng" w="19050">
-                      <a:solidFill>
-                        <a:srgbClr val="000000"/>
-                      </a:solidFill>
-                      <a:prstDash val="solid"/>
-                      <a:round/>
-                      <a:headEnd len="sm" w="sm" type="none"/>
-                      <a:tailEnd len="sm" w="sm" type="none"/>
+                    <a:lnT w="19050" cap="flat" cmpd="sng">
+                      <a:solidFill>
+                        <a:srgbClr val="000000"/>
+                      </a:solidFill>
+                      <a:prstDash val="solid"/>
+                      <a:round/>
+                      <a:headEnd type="none" w="sm" len="sm"/>
+                      <a:tailEnd type="none" w="sm" len="sm"/>
                     </a:lnT>
-                    <a:lnB cap="flat" cmpd="sng" w="19050">
-                      <a:solidFill>
-                        <a:srgbClr val="000000"/>
-                      </a:solidFill>
-                      <a:prstDash val="solid"/>
-                      <a:round/>
-                      <a:headEnd len="sm" w="sm" type="none"/>
-                      <a:tailEnd len="sm" w="sm" type="none"/>
+                    <a:lnB w="19050" cap="flat" cmpd="sng">
+                      <a:solidFill>
+                        <a:srgbClr val="000000"/>
+                      </a:solidFill>
+                      <a:prstDash val="solid"/>
+                      <a:round/>
+                      <a:headEnd type="none" w="sm" len="sm"/>
+                      <a:tailEnd type="none" w="sm" len="sm"/>
                     </a:lnB>
                     <a:solidFill>
                       <a:srgbClr val="D9D9D9"/>
@@ -7208,7 +7400,159 @@
                     <a:bodyPr/>
                     <a:lstStyle/>
                     <a:p>
-                      <a:pPr indent="0" lvl="0" marL="0" rtl="0" algn="ctr">
+                      <a:pPr marL="0" lvl="0" indent="0" algn="ctr" rtl="0">
+                        <a:lnSpc>
+                          <a:spcPct val="100000"/>
+                        </a:lnSpc>
+                        <a:spcBef>
+                          <a:spcPts val="0"/>
+                        </a:spcBef>
+                        <a:spcAft>
+                          <a:spcPts val="0"/>
+                        </a:spcAft>
+                        <a:buNone/>
+                      </a:pPr>
+                      <a:r>
+                        <a:rPr lang="es-419" sz="900" dirty="0">
+                          <a:solidFill>
+                            <a:srgbClr val="404040"/>
+                          </a:solidFill>
+                          <a:latin typeface="Montserrat SemiBold"/>
+                          <a:ea typeface="Montserrat SemiBold"/>
+                          <a:cs typeface="Montserrat SemiBold"/>
+                          <a:sym typeface="Montserrat SemiBold"/>
+                        </a:rPr>
+                        <a:t>2</a:t>
+                      </a:r>
+                      <a:endParaRPr sz="900" dirty="0">
+                        <a:solidFill>
+                          <a:srgbClr val="404040"/>
+                        </a:solidFill>
+                        <a:latin typeface="Montserrat SemiBold"/>
+                        <a:ea typeface="Montserrat SemiBold"/>
+                        <a:cs typeface="Montserrat SemiBold"/>
+                        <a:sym typeface="Montserrat SemiBold"/>
+                      </a:endParaRPr>
+                    </a:p>
+                  </a:txBody>
+                  <a:tcPr marL="91425" marR="91425" marT="91425" marB="91425">
+                    <a:lnL w="19050" cap="flat" cmpd="sng">
+                      <a:solidFill>
+                        <a:schemeClr val="dk1"/>
+                      </a:solidFill>
+                      <a:prstDash val="solid"/>
+                      <a:round/>
+                      <a:headEnd type="none" w="sm" len="sm"/>
+                      <a:tailEnd type="none" w="sm" len="sm"/>
+                    </a:lnL>
+                    <a:lnR w="19050" cap="flat" cmpd="sng">
+                      <a:solidFill>
+                        <a:schemeClr val="dk1"/>
+                      </a:solidFill>
+                      <a:prstDash val="solid"/>
+                      <a:round/>
+                      <a:headEnd type="none" w="sm" len="sm"/>
+                      <a:tailEnd type="none" w="sm" len="sm"/>
+                    </a:lnR>
+                    <a:lnT w="19050" cap="flat" cmpd="sng">
+                      <a:solidFill>
+                        <a:schemeClr val="dk1"/>
+                      </a:solidFill>
+                      <a:prstDash val="solid"/>
+                      <a:round/>
+                      <a:headEnd type="none" w="sm" len="sm"/>
+                      <a:tailEnd type="none" w="sm" len="sm"/>
+                    </a:lnT>
+                    <a:lnB w="19050" cap="flat" cmpd="sng">
+                      <a:solidFill>
+                        <a:schemeClr val="dk1"/>
+                      </a:solidFill>
+                      <a:prstDash val="solid"/>
+                      <a:round/>
+                      <a:headEnd type="none" w="sm" len="sm"/>
+                      <a:tailEnd type="none" w="sm" len="sm"/>
+                    </a:lnB>
+                    <a:solidFill>
+                      <a:srgbClr val="D9D9D9"/>
+                    </a:solidFill>
+                  </a:tcPr>
+                </a:tc>
+                <a:tc>
+                  <a:txBody>
+                    <a:bodyPr/>
+                    <a:lstStyle/>
+                    <a:p>
+                      <a:pPr marL="0" lvl="0" indent="0" algn="ctr" rtl="0">
+                        <a:lnSpc>
+                          <a:spcPct val="100000"/>
+                        </a:lnSpc>
+                        <a:spcBef>
+                          <a:spcPts val="0"/>
+                        </a:spcBef>
+                        <a:spcAft>
+                          <a:spcPts val="0"/>
+                        </a:spcAft>
+                        <a:buNone/>
+                      </a:pPr>
+                      <a:endParaRPr sz="900">
+                        <a:solidFill>
+                          <a:srgbClr val="404040"/>
+                        </a:solidFill>
+                        <a:latin typeface="Montserrat SemiBold"/>
+                        <a:ea typeface="Montserrat SemiBold"/>
+                        <a:cs typeface="Montserrat SemiBold"/>
+                        <a:sym typeface="Montserrat SemiBold"/>
+                      </a:endParaRPr>
+                    </a:p>
+                  </a:txBody>
+                  <a:tcPr marL="91425" marR="91425" marT="91425" marB="91425">
+                    <a:lnL w="19050" cap="flat" cmpd="sng">
+                      <a:solidFill>
+                        <a:schemeClr val="dk1"/>
+                      </a:solidFill>
+                      <a:prstDash val="solid"/>
+                      <a:round/>
+                      <a:headEnd type="none" w="sm" len="sm"/>
+                      <a:tailEnd type="none" w="sm" len="sm"/>
+                    </a:lnL>
+                    <a:lnR w="19050" cap="flat" cmpd="sng">
+                      <a:solidFill>
+                        <a:schemeClr val="dk1"/>
+                      </a:solidFill>
+                      <a:prstDash val="solid"/>
+                      <a:round/>
+                      <a:headEnd type="none" w="sm" len="sm"/>
+                      <a:tailEnd type="none" w="sm" len="sm"/>
+                    </a:lnR>
+                    <a:lnT w="19050" cap="flat" cmpd="sng">
+                      <a:solidFill>
+                        <a:schemeClr val="dk1"/>
+                      </a:solidFill>
+                      <a:prstDash val="solid"/>
+                      <a:round/>
+                      <a:headEnd type="none" w="sm" len="sm"/>
+                      <a:tailEnd type="none" w="sm" len="sm"/>
+                    </a:lnT>
+                    <a:lnB w="19050" cap="flat" cmpd="sng">
+                      <a:solidFill>
+                        <a:schemeClr val="dk1"/>
+                      </a:solidFill>
+                      <a:prstDash val="solid"/>
+                      <a:round/>
+                      <a:headEnd type="none" w="sm" len="sm"/>
+                      <a:tailEnd type="none" w="sm" len="sm"/>
+                    </a:lnB>
+                    <a:solidFill>
+                      <a:srgbClr val="D9D9D9"/>
+                    </a:solidFill>
+                  </a:tcPr>
+                </a:tc>
+                <a:tc>
+                  <a:txBody>
+                    <a:bodyPr/>
+                    <a:lstStyle/>
+                    <a:p>
+                      <a:pPr marL="0" lvl="0" indent="0" algn="ctr" rtl="0">
                         <a:lnSpc>
                           <a:spcPct val="100000"/>
                         </a:lnSpc>
@@ -7243,42 +7587,430 @@
                       </a:endParaRPr>
                     </a:p>
                   </a:txBody>
-                  <a:tcPr marT="91425" marB="91425" marR="91425" marL="91425">
-                    <a:lnL cap="flat" cmpd="sng" w="19050">
+                  <a:tcPr marL="91425" marR="91425" marT="91425" marB="91425">
+                    <a:lnL w="19050" cap="flat" cmpd="sng">
                       <a:solidFill>
                         <a:schemeClr val="dk1"/>
                       </a:solidFill>
                       <a:prstDash val="solid"/>
                       <a:round/>
-                      <a:headEnd len="sm" w="sm" type="none"/>
-                      <a:tailEnd len="sm" w="sm" type="none"/>
+                      <a:headEnd type="none" w="sm" len="sm"/>
+                      <a:tailEnd type="none" w="sm" len="sm"/>
                     </a:lnL>
-                    <a:lnR cap="flat" cmpd="sng" w="19050">
+                    <a:lnR w="19050" cap="flat" cmpd="sng">
                       <a:solidFill>
                         <a:schemeClr val="dk1"/>
                       </a:solidFill>
                       <a:prstDash val="solid"/>
                       <a:round/>
-                      <a:headEnd len="sm" w="sm" type="none"/>
-                      <a:tailEnd len="sm" w="sm" type="none"/>
+                      <a:headEnd type="none" w="sm" len="sm"/>
+                      <a:tailEnd type="none" w="sm" len="sm"/>
                     </a:lnR>
-                    <a:lnT cap="flat" cmpd="sng" w="19050">
+                    <a:lnT w="19050" cap="flat" cmpd="sng">
                       <a:solidFill>
                         <a:schemeClr val="dk1"/>
                       </a:solidFill>
                       <a:prstDash val="solid"/>
                       <a:round/>
-                      <a:headEnd len="sm" w="sm" type="none"/>
-                      <a:tailEnd len="sm" w="sm" type="none"/>
+                      <a:headEnd type="none" w="sm" len="sm"/>
+                      <a:tailEnd type="none" w="sm" len="sm"/>
                     </a:lnT>
-                    <a:lnB cap="flat" cmpd="sng" w="19050">
+                    <a:lnB w="19050" cap="flat" cmpd="sng">
                       <a:solidFill>
                         <a:schemeClr val="dk1"/>
                       </a:solidFill>
                       <a:prstDash val="solid"/>
                       <a:round/>
-                      <a:headEnd len="sm" w="sm" type="none"/>
-                      <a:tailEnd len="sm" w="sm" type="none"/>
+                      <a:headEnd type="none" w="sm" len="sm"/>
+                      <a:tailEnd type="none" w="sm" len="sm"/>
+                    </a:lnB>
+                    <a:solidFill>
+                      <a:srgbClr val="D9D9D9"/>
+                    </a:solidFill>
+                  </a:tcPr>
+                </a:tc>
+                <a:extLst>
+                  <a:ext uri="{0D108BD9-81ED-4DB2-BD59-A6C34878D82A}">
+                    <a16:rowId xmlns:a16="http://schemas.microsoft.com/office/drawing/2014/main" val="10005"/>
+                  </a:ext>
+                </a:extLst>
+              </a:tr>
+              <a:tr h="257175">
+                <a:tc>
+                  <a:txBody>
+                    <a:bodyPr/>
+                    <a:lstStyle/>
+                    <a:p>
+                      <a:pPr marL="0" lvl="0" indent="0" algn="l" rtl="0">
+                        <a:lnSpc>
+                          <a:spcPct val="100000"/>
+                        </a:lnSpc>
+                        <a:spcBef>
+                          <a:spcPts val="0"/>
+                        </a:spcBef>
+                        <a:spcAft>
+                          <a:spcPts val="0"/>
+                        </a:spcAft>
+                        <a:buNone/>
+                      </a:pPr>
+                      <a:r>
+                        <a:rPr lang="es-419" sz="900" b="1">
+                          <a:solidFill>
+                            <a:schemeClr val="dk1"/>
+                          </a:solidFill>
+                          <a:latin typeface="Montserrat"/>
+                          <a:ea typeface="Montserrat"/>
+                          <a:cs typeface="Montserrat"/>
+                          <a:sym typeface="Montserrat"/>
+                        </a:rPr>
+                        <a:t>Cuatri</a:t>
+                      </a:r>
+                      <a:endParaRPr sz="900" b="1">
+                        <a:solidFill>
+                          <a:schemeClr val="dk1"/>
+                        </a:solidFill>
+                        <a:latin typeface="Montserrat"/>
+                        <a:ea typeface="Montserrat"/>
+                        <a:cs typeface="Montserrat"/>
+                        <a:sym typeface="Montserrat"/>
+                      </a:endParaRPr>
+                    </a:p>
+                  </a:txBody>
+                  <a:tcPr marL="91425" marR="91425" marT="91425" marB="91425">
+                    <a:lnL w="19050" cap="flat" cmpd="sng">
+                      <a:solidFill>
+                        <a:srgbClr val="000000"/>
+                      </a:solidFill>
+                      <a:prstDash val="solid"/>
+                      <a:round/>
+                      <a:headEnd type="none" w="sm" len="sm"/>
+                      <a:tailEnd type="none" w="sm" len="sm"/>
+                    </a:lnL>
+                    <a:lnR w="19050" cap="flat" cmpd="sng">
+                      <a:solidFill>
+                        <a:srgbClr val="000000"/>
+                      </a:solidFill>
+                      <a:prstDash val="solid"/>
+                      <a:round/>
+                      <a:headEnd type="none" w="sm" len="sm"/>
+                      <a:tailEnd type="none" w="sm" len="sm"/>
+                    </a:lnR>
+                    <a:lnT w="19050" cap="flat" cmpd="sng">
+                      <a:solidFill>
+                        <a:srgbClr val="000000"/>
+                      </a:solidFill>
+                      <a:prstDash val="solid"/>
+                      <a:round/>
+                      <a:headEnd type="none" w="sm" len="sm"/>
+                      <a:tailEnd type="none" w="sm" len="sm"/>
+                    </a:lnT>
+                    <a:lnB w="19050" cap="flat" cmpd="sng">
+                      <a:solidFill>
+                        <a:srgbClr val="000000"/>
+                      </a:solidFill>
+                      <a:prstDash val="solid"/>
+                      <a:round/>
+                      <a:headEnd type="none" w="sm" len="sm"/>
+                      <a:tailEnd type="none" w="sm" len="sm"/>
+                    </a:lnB>
+                    <a:solidFill>
+                      <a:schemeClr val="lt1"/>
+                    </a:solidFill>
+                  </a:tcPr>
+                </a:tc>
+                <a:tc>
+                  <a:txBody>
+                    <a:bodyPr/>
+                    <a:lstStyle/>
+                    <a:p>
+                      <a:pPr marL="0" lvl="0" indent="0" algn="ctr" rtl="0">
+                        <a:lnSpc>
+                          <a:spcPct val="100000"/>
+                        </a:lnSpc>
+                        <a:spcBef>
+                          <a:spcPts val="0"/>
+                        </a:spcBef>
+                        <a:spcAft>
+                          <a:spcPts val="0"/>
+                        </a:spcAft>
+                        <a:buNone/>
+                      </a:pPr>
+                      <a:endParaRPr sz="900">
+                        <a:solidFill>
+                          <a:srgbClr val="404040"/>
+                        </a:solidFill>
+                        <a:latin typeface="Montserrat SemiBold"/>
+                        <a:ea typeface="Montserrat SemiBold"/>
+                        <a:cs typeface="Montserrat SemiBold"/>
+                        <a:sym typeface="Montserrat SemiBold"/>
+                      </a:endParaRPr>
+                    </a:p>
+                  </a:txBody>
+                  <a:tcPr marL="91425" marR="91425" marT="91425" marB="91425">
+                    <a:lnL w="19050" cap="flat" cmpd="sng">
+                      <a:solidFill>
+                        <a:srgbClr val="000000"/>
+                      </a:solidFill>
+                      <a:prstDash val="solid"/>
+                      <a:round/>
+                      <a:headEnd type="none" w="sm" len="sm"/>
+                      <a:tailEnd type="none" w="sm" len="sm"/>
+                    </a:lnL>
+                    <a:lnR w="19050" cap="flat" cmpd="sng">
+                      <a:solidFill>
+                        <a:srgbClr val="000000"/>
+                      </a:solidFill>
+                      <a:prstDash val="solid"/>
+                      <a:round/>
+                      <a:headEnd type="none" w="sm" len="sm"/>
+                      <a:tailEnd type="none" w="sm" len="sm"/>
+                    </a:lnR>
+                    <a:lnT w="19050" cap="flat" cmpd="sng">
+                      <a:solidFill>
+                        <a:schemeClr val="dk1"/>
+                      </a:solidFill>
+                      <a:prstDash val="solid"/>
+                      <a:round/>
+                      <a:headEnd type="none" w="sm" len="sm"/>
+                      <a:tailEnd type="none" w="sm" len="sm"/>
+                    </a:lnT>
+                    <a:lnB w="19050" cap="flat" cmpd="sng">
+                      <a:solidFill>
+                        <a:srgbClr val="000000"/>
+                      </a:solidFill>
+                      <a:prstDash val="solid"/>
+                      <a:round/>
+                      <a:headEnd type="none" w="sm" len="sm"/>
+                      <a:tailEnd type="none" w="sm" len="sm"/>
+                    </a:lnB>
+                    <a:solidFill>
+                      <a:schemeClr val="lt1"/>
+                    </a:solidFill>
+                  </a:tcPr>
+                </a:tc>
+                <a:tc>
+                  <a:txBody>
+                    <a:bodyPr/>
+                    <a:lstStyle/>
+                    <a:p>
+                      <a:pPr marL="0" lvl="0" indent="0" algn="ctr" rtl="0">
+                        <a:lnSpc>
+                          <a:spcPct val="100000"/>
+                        </a:lnSpc>
+                        <a:spcBef>
+                          <a:spcPts val="0"/>
+                        </a:spcBef>
+                        <a:spcAft>
+                          <a:spcPts val="0"/>
+                        </a:spcAft>
+                        <a:buNone/>
+                      </a:pPr>
+                      <a:endParaRPr sz="900">
+                        <a:solidFill>
+                          <a:srgbClr val="404040"/>
+                        </a:solidFill>
+                        <a:latin typeface="Montserrat SemiBold"/>
+                        <a:ea typeface="Montserrat SemiBold"/>
+                        <a:cs typeface="Montserrat SemiBold"/>
+                        <a:sym typeface="Montserrat SemiBold"/>
+                      </a:endParaRPr>
+                    </a:p>
+                  </a:txBody>
+                  <a:tcPr marL="91425" marR="91425" marT="91425" marB="91425">
+                    <a:lnL w="19050" cap="flat" cmpd="sng">
+                      <a:solidFill>
+                        <a:srgbClr val="000000"/>
+                      </a:solidFill>
+                      <a:prstDash val="solid"/>
+                      <a:round/>
+                      <a:headEnd type="none" w="sm" len="sm"/>
+                      <a:tailEnd type="none" w="sm" len="sm"/>
+                    </a:lnL>
+                    <a:lnR w="19050" cap="flat" cmpd="sng">
+                      <a:solidFill>
+                        <a:srgbClr val="000000"/>
+                      </a:solidFill>
+                      <a:prstDash val="solid"/>
+                      <a:round/>
+                      <a:headEnd type="none" w="sm" len="sm"/>
+                      <a:tailEnd type="none" w="sm" len="sm"/>
+                    </a:lnR>
+                    <a:lnT w="19050" cap="flat" cmpd="sng">
+                      <a:solidFill>
+                        <a:schemeClr val="dk1"/>
+                      </a:solidFill>
+                      <a:prstDash val="solid"/>
+                      <a:round/>
+                      <a:headEnd type="none" w="sm" len="sm"/>
+                      <a:tailEnd type="none" w="sm" len="sm"/>
+                    </a:lnT>
+                    <a:lnB w="19050" cap="flat" cmpd="sng">
+                      <a:solidFill>
+                        <a:srgbClr val="000000"/>
+                      </a:solidFill>
+                      <a:prstDash val="solid"/>
+                      <a:round/>
+                      <a:headEnd type="none" w="sm" len="sm"/>
+                      <a:tailEnd type="none" w="sm" len="sm"/>
+                    </a:lnB>
+                    <a:solidFill>
+                      <a:schemeClr val="lt1"/>
+                    </a:solidFill>
+                  </a:tcPr>
+                </a:tc>
+                <a:tc>
+                  <a:txBody>
+                    <a:bodyPr/>
+                    <a:lstStyle/>
+                    <a:p>
+                      <a:pPr marL="0" lvl="0" indent="0" algn="ctr" rtl="0">
+                        <a:lnSpc>
+                          <a:spcPct val="100000"/>
+                        </a:lnSpc>
+                        <a:spcBef>
+                          <a:spcPts val="0"/>
+                        </a:spcBef>
+                        <a:spcAft>
+                          <a:spcPts val="0"/>
+                        </a:spcAft>
+                        <a:buNone/>
+                      </a:pPr>
+                      <a:endParaRPr sz="900">
+                        <a:solidFill>
+                          <a:srgbClr val="404040"/>
+                        </a:solidFill>
+                        <a:latin typeface="Montserrat SemiBold"/>
+                        <a:ea typeface="Montserrat SemiBold"/>
+                        <a:cs typeface="Montserrat SemiBold"/>
+                        <a:sym typeface="Montserrat SemiBold"/>
+                      </a:endParaRPr>
+                    </a:p>
+                  </a:txBody>
+                  <a:tcPr marL="91425" marR="91425" marT="91425" marB="91425">
+                    <a:lnL w="19050" cap="flat" cmpd="sng">
+                      <a:solidFill>
+                        <a:srgbClr val="000000"/>
+                      </a:solidFill>
+                      <a:prstDash val="solid"/>
+                      <a:round/>
+                      <a:headEnd type="none" w="sm" len="sm"/>
+                      <a:tailEnd type="none" w="sm" len="sm"/>
+                    </a:lnL>
+                    <a:lnR w="19050" cap="flat" cmpd="sng">
+                      <a:solidFill>
+                        <a:srgbClr val="000000"/>
+                      </a:solidFill>
+                      <a:prstDash val="solid"/>
+                      <a:round/>
+                      <a:headEnd type="none" w="sm" len="sm"/>
+                      <a:tailEnd type="none" w="sm" len="sm"/>
+                    </a:lnR>
+                    <a:lnT w="19050" cap="flat" cmpd="sng">
+                      <a:solidFill>
+                        <a:schemeClr val="dk1"/>
+                      </a:solidFill>
+                      <a:prstDash val="solid"/>
+                      <a:round/>
+                      <a:headEnd type="none" w="sm" len="sm"/>
+                      <a:tailEnd type="none" w="sm" len="sm"/>
+                    </a:lnT>
+                    <a:lnB w="19050" cap="flat" cmpd="sng">
+                      <a:solidFill>
+                        <a:srgbClr val="000000"/>
+                      </a:solidFill>
+                      <a:prstDash val="solid"/>
+                      <a:round/>
+                      <a:headEnd type="none" w="sm" len="sm"/>
+                      <a:tailEnd type="none" w="sm" len="sm"/>
+                    </a:lnB>
+                    <a:solidFill>
+                      <a:schemeClr val="lt1"/>
+                    </a:solidFill>
+                  </a:tcPr>
+                </a:tc>
+                <a:extLst>
+                  <a:ext uri="{0D108BD9-81ED-4DB2-BD59-A6C34878D82A}">
+                    <a16:rowId xmlns:a16="http://schemas.microsoft.com/office/drawing/2014/main" val="10006"/>
+                  </a:ext>
+                </a:extLst>
+              </a:tr>
+              <a:tr h="257175">
+                <a:tc>
+                  <a:txBody>
+                    <a:bodyPr/>
+                    <a:lstStyle/>
+                    <a:p>
+                      <a:pPr marL="0" lvl="0" indent="0" algn="l" rtl="0">
+                        <a:lnSpc>
+                          <a:spcPct val="100000"/>
+                        </a:lnSpc>
+                        <a:spcBef>
+                          <a:spcPts val="0"/>
+                        </a:spcBef>
+                        <a:spcAft>
+                          <a:spcPts val="0"/>
+                        </a:spcAft>
+                        <a:buNone/>
+                      </a:pPr>
+                      <a:r>
+                        <a:rPr lang="es-419" sz="900" b="1">
+                          <a:solidFill>
+                            <a:schemeClr val="dk1"/>
+                          </a:solidFill>
+                          <a:latin typeface="Montserrat"/>
+                          <a:ea typeface="Montserrat"/>
+                          <a:cs typeface="Montserrat"/>
+                          <a:sym typeface="Montserrat"/>
+                        </a:rPr>
+                        <a:t>Van</a:t>
+                      </a:r>
+                      <a:endParaRPr sz="900" b="1">
+                        <a:solidFill>
+                          <a:schemeClr val="dk1"/>
+                        </a:solidFill>
+                        <a:latin typeface="Montserrat"/>
+                        <a:ea typeface="Montserrat"/>
+                        <a:cs typeface="Montserrat"/>
+                        <a:sym typeface="Montserrat"/>
+                      </a:endParaRPr>
+                    </a:p>
+                  </a:txBody>
+                  <a:tcPr marL="91425" marR="91425" marT="91425" marB="91425">
+                    <a:lnL w="19050" cap="flat" cmpd="sng">
+                      <a:solidFill>
+                        <a:srgbClr val="000000"/>
+                      </a:solidFill>
+                      <a:prstDash val="solid"/>
+                      <a:round/>
+                      <a:headEnd type="none" w="sm" len="sm"/>
+                      <a:tailEnd type="none" w="sm" len="sm"/>
+                    </a:lnL>
+                    <a:lnR w="19050" cap="flat" cmpd="sng">
+                      <a:solidFill>
+                        <a:srgbClr val="000000"/>
+                      </a:solidFill>
+                      <a:prstDash val="solid"/>
+                      <a:round/>
+                      <a:headEnd type="none" w="sm" len="sm"/>
+                      <a:tailEnd type="none" w="sm" len="sm"/>
+                    </a:lnR>
+                    <a:lnT w="19050" cap="flat" cmpd="sng">
+                      <a:solidFill>
+                        <a:srgbClr val="000000"/>
+                      </a:solidFill>
+                      <a:prstDash val="solid"/>
+                      <a:round/>
+                      <a:headEnd type="none" w="sm" len="sm"/>
+                      <a:tailEnd type="none" w="sm" len="sm"/>
+                    </a:lnT>
+                    <a:lnB w="19050" cap="flat" cmpd="sng">
+                      <a:solidFill>
+                        <a:srgbClr val="000000"/>
+                      </a:solidFill>
+                      <a:prstDash val="solid"/>
+                      <a:round/>
+                      <a:headEnd type="none" w="sm" len="sm"/>
+                      <a:tailEnd type="none" w="sm" len="sm"/>
                     </a:lnB>
                     <a:solidFill>
                       <a:srgbClr val="D9D9D9"/>
@@ -7290,7 +8022,7 @@
                     <a:bodyPr/>
                     <a:lstStyle/>
                     <a:p>
-                      <a:pPr indent="0" lvl="0" marL="0" rtl="0" algn="ctr">
+                      <a:pPr marL="0" lvl="0" indent="0" algn="ctr" rtl="0">
                         <a:lnSpc>
                           <a:spcPct val="100000"/>
                         </a:lnSpc>
@@ -7302,9 +8034,6 @@
                         </a:spcAft>
                         <a:buNone/>
                       </a:pPr>
-                      <a:r>
-                        <a:t/>
-                      </a:r>
                       <a:endParaRPr sz="900">
                         <a:solidFill>
                           <a:srgbClr val="404040"/>
@@ -7316,42 +8045,42 @@
                       </a:endParaRPr>
                     </a:p>
                   </a:txBody>
-                  <a:tcPr marT="91425" marB="91425" marR="91425" marL="91425">
-                    <a:lnL cap="flat" cmpd="sng" w="19050">
-                      <a:solidFill>
-                        <a:schemeClr val="dk1"/>
-                      </a:solidFill>
-                      <a:prstDash val="solid"/>
-                      <a:round/>
-                      <a:headEnd len="sm" w="sm" type="none"/>
-                      <a:tailEnd len="sm" w="sm" type="none"/>
+                  <a:tcPr marL="91425" marR="91425" marT="91425" marB="91425">
+                    <a:lnL w="19050" cap="flat" cmpd="sng">
+                      <a:solidFill>
+                        <a:srgbClr val="000000"/>
+                      </a:solidFill>
+                      <a:prstDash val="solid"/>
+                      <a:round/>
+                      <a:headEnd type="none" w="sm" len="sm"/>
+                      <a:tailEnd type="none" w="sm" len="sm"/>
                     </a:lnL>
-                    <a:lnR cap="flat" cmpd="sng" w="19050">
-                      <a:solidFill>
-                        <a:schemeClr val="dk1"/>
-                      </a:solidFill>
-                      <a:prstDash val="solid"/>
-                      <a:round/>
-                      <a:headEnd len="sm" w="sm" type="none"/>
-                      <a:tailEnd len="sm" w="sm" type="none"/>
+                    <a:lnR w="19050" cap="flat" cmpd="sng">
+                      <a:solidFill>
+                        <a:srgbClr val="000000"/>
+                      </a:solidFill>
+                      <a:prstDash val="solid"/>
+                      <a:round/>
+                      <a:headEnd type="none" w="sm" len="sm"/>
+                      <a:tailEnd type="none" w="sm" len="sm"/>
                     </a:lnR>
-                    <a:lnT cap="flat" cmpd="sng" w="19050">
-                      <a:solidFill>
-                        <a:schemeClr val="dk1"/>
-                      </a:solidFill>
-                      <a:prstDash val="solid"/>
-                      <a:round/>
-                      <a:headEnd len="sm" w="sm" type="none"/>
-                      <a:tailEnd len="sm" w="sm" type="none"/>
+                    <a:lnT w="19050" cap="flat" cmpd="sng">
+                      <a:solidFill>
+                        <a:srgbClr val="000000"/>
+                      </a:solidFill>
+                      <a:prstDash val="solid"/>
+                      <a:round/>
+                      <a:headEnd type="none" w="sm" len="sm"/>
+                      <a:tailEnd type="none" w="sm" len="sm"/>
                     </a:lnT>
-                    <a:lnB cap="flat" cmpd="sng" w="19050">
-                      <a:solidFill>
-                        <a:schemeClr val="dk1"/>
-                      </a:solidFill>
-                      <a:prstDash val="solid"/>
-                      <a:round/>
-                      <a:headEnd len="sm" w="sm" type="none"/>
-                      <a:tailEnd len="sm" w="sm" type="none"/>
+                    <a:lnB w="19050" cap="flat" cmpd="sng">
+                      <a:solidFill>
+                        <a:srgbClr val="000000"/>
+                      </a:solidFill>
+                      <a:prstDash val="solid"/>
+                      <a:round/>
+                      <a:headEnd type="none" w="sm" len="sm"/>
+                      <a:tailEnd type="none" w="sm" len="sm"/>
                     </a:lnB>
                     <a:solidFill>
                       <a:srgbClr val="D9D9D9"/>
@@ -7363,7 +8092,7 @@
                     <a:bodyPr/>
                     <a:lstStyle/>
                     <a:p>
-                      <a:pPr indent="0" lvl="0" marL="0" rtl="0" algn="ctr">
+                      <a:pPr marL="0" lvl="0" indent="0" algn="ctr" rtl="0">
                         <a:lnSpc>
                           <a:spcPct val="100000"/>
                         </a:lnSpc>
@@ -7375,18 +8104,6 @@
                         </a:spcAft>
                         <a:buNone/>
                       </a:pPr>
-                      <a:r>
-                        <a:rPr lang="es-419" sz="900">
-                          <a:solidFill>
-                            <a:srgbClr val="404040"/>
-                          </a:solidFill>
-                          <a:latin typeface="Montserrat SemiBold"/>
-                          <a:ea typeface="Montserrat SemiBold"/>
-                          <a:cs typeface="Montserrat SemiBold"/>
-                          <a:sym typeface="Montserrat SemiBold"/>
-                        </a:rPr>
-                        <a:t>2</a:t>
-                      </a:r>
                       <a:endParaRPr sz="900">
                         <a:solidFill>
                           <a:srgbClr val="404040"/>
@@ -7398,48 +8115,123 @@
                       </a:endParaRPr>
                     </a:p>
                   </a:txBody>
-                  <a:tcPr marT="91425" marB="91425" marR="91425" marL="91425">
-                    <a:lnL cap="flat" cmpd="sng" w="19050">
-                      <a:solidFill>
-                        <a:schemeClr val="dk1"/>
-                      </a:solidFill>
-                      <a:prstDash val="solid"/>
-                      <a:round/>
-                      <a:headEnd len="sm" w="sm" type="none"/>
-                      <a:tailEnd len="sm" w="sm" type="none"/>
+                  <a:tcPr marL="91425" marR="91425" marT="91425" marB="91425">
+                    <a:lnL w="19050" cap="flat" cmpd="sng">
+                      <a:solidFill>
+                        <a:srgbClr val="000000"/>
+                      </a:solidFill>
+                      <a:prstDash val="solid"/>
+                      <a:round/>
+                      <a:headEnd type="none" w="sm" len="sm"/>
+                      <a:tailEnd type="none" w="sm" len="sm"/>
                     </a:lnL>
-                    <a:lnR cap="flat" cmpd="sng" w="19050">
-                      <a:solidFill>
-                        <a:schemeClr val="dk1"/>
-                      </a:solidFill>
-                      <a:prstDash val="solid"/>
-                      <a:round/>
-                      <a:headEnd len="sm" w="sm" type="none"/>
-                      <a:tailEnd len="sm" w="sm" type="none"/>
+                    <a:lnR w="19050" cap="flat" cmpd="sng">
+                      <a:solidFill>
+                        <a:srgbClr val="000000"/>
+                      </a:solidFill>
+                      <a:prstDash val="solid"/>
+                      <a:round/>
+                      <a:headEnd type="none" w="sm" len="sm"/>
+                      <a:tailEnd type="none" w="sm" len="sm"/>
                     </a:lnR>
-                    <a:lnT cap="flat" cmpd="sng" w="19050">
-                      <a:solidFill>
-                        <a:schemeClr val="dk1"/>
-                      </a:solidFill>
-                      <a:prstDash val="solid"/>
-                      <a:round/>
-                      <a:headEnd len="sm" w="sm" type="none"/>
-                      <a:tailEnd len="sm" w="sm" type="none"/>
+                    <a:lnT w="19050" cap="flat" cmpd="sng">
+                      <a:solidFill>
+                        <a:srgbClr val="000000"/>
+                      </a:solidFill>
+                      <a:prstDash val="solid"/>
+                      <a:round/>
+                      <a:headEnd type="none" w="sm" len="sm"/>
+                      <a:tailEnd type="none" w="sm" len="sm"/>
                     </a:lnT>
-                    <a:lnB cap="flat" cmpd="sng" w="19050">
-                      <a:solidFill>
-                        <a:schemeClr val="dk1"/>
-                      </a:solidFill>
-                      <a:prstDash val="solid"/>
-                      <a:round/>
-                      <a:headEnd len="sm" w="sm" type="none"/>
-                      <a:tailEnd len="sm" w="sm" type="none"/>
+                    <a:lnB w="19050" cap="flat" cmpd="sng">
+                      <a:solidFill>
+                        <a:srgbClr val="000000"/>
+                      </a:solidFill>
+                      <a:prstDash val="solid"/>
+                      <a:round/>
+                      <a:headEnd type="none" w="sm" len="sm"/>
+                      <a:tailEnd type="none" w="sm" len="sm"/>
                     </a:lnB>
                     <a:solidFill>
                       <a:srgbClr val="D9D9D9"/>
                     </a:solidFill>
                   </a:tcPr>
                 </a:tc>
+                <a:tc>
+                  <a:txBody>
+                    <a:bodyPr/>
+                    <a:lstStyle/>
+                    <a:p>
+                      <a:pPr marL="0" lvl="0" indent="0" algn="ctr" rtl="0">
+                        <a:lnSpc>
+                          <a:spcPct val="100000"/>
+                        </a:lnSpc>
+                        <a:spcBef>
+                          <a:spcPts val="0"/>
+                        </a:spcBef>
+                        <a:spcAft>
+                          <a:spcPts val="0"/>
+                        </a:spcAft>
+                        <a:buNone/>
+                      </a:pPr>
+                      <a:endParaRPr sz="900">
+                        <a:solidFill>
+                          <a:srgbClr val="404040"/>
+                        </a:solidFill>
+                        <a:latin typeface="Montserrat SemiBold"/>
+                        <a:ea typeface="Montserrat SemiBold"/>
+                        <a:cs typeface="Montserrat SemiBold"/>
+                        <a:sym typeface="Montserrat SemiBold"/>
+                      </a:endParaRPr>
+                    </a:p>
+                  </a:txBody>
+                  <a:tcPr marL="91425" marR="91425" marT="91425" marB="91425">
+                    <a:lnL w="19050" cap="flat" cmpd="sng">
+                      <a:solidFill>
+                        <a:srgbClr val="000000"/>
+                      </a:solidFill>
+                      <a:prstDash val="solid"/>
+                      <a:round/>
+                      <a:headEnd type="none" w="sm" len="sm"/>
+                      <a:tailEnd type="none" w="sm" len="sm"/>
+                    </a:lnL>
+                    <a:lnR w="19050" cap="flat" cmpd="sng">
+                      <a:solidFill>
+                        <a:srgbClr val="000000"/>
+                      </a:solidFill>
+                      <a:prstDash val="solid"/>
+                      <a:round/>
+                      <a:headEnd type="none" w="sm" len="sm"/>
+                      <a:tailEnd type="none" w="sm" len="sm"/>
+                    </a:lnR>
+                    <a:lnT w="19050" cap="flat" cmpd="sng">
+                      <a:solidFill>
+                        <a:srgbClr val="000000"/>
+                      </a:solidFill>
+                      <a:prstDash val="solid"/>
+                      <a:round/>
+                      <a:headEnd type="none" w="sm" len="sm"/>
+                      <a:tailEnd type="none" w="sm" len="sm"/>
+                    </a:lnT>
+                    <a:lnB w="19050" cap="flat" cmpd="sng">
+                      <a:solidFill>
+                        <a:srgbClr val="000000"/>
+                      </a:solidFill>
+                      <a:prstDash val="solid"/>
+                      <a:round/>
+                      <a:headEnd type="none" w="sm" len="sm"/>
+                      <a:tailEnd type="none" w="sm" len="sm"/>
+                    </a:lnB>
+                    <a:solidFill>
+                      <a:srgbClr val="D9D9D9"/>
+                    </a:solidFill>
+                  </a:tcPr>
+                </a:tc>
+                <a:extLst>
+                  <a:ext uri="{0D108BD9-81ED-4DB2-BD59-A6C34878D82A}">
+                    <a16:rowId xmlns:a16="http://schemas.microsoft.com/office/drawing/2014/main" val="10007"/>
+                  </a:ext>
+                </a:extLst>
               </a:tr>
               <a:tr h="257175">
                 <a:tc>
@@ -7447,7 +8239,7 @@
                     <a:bodyPr/>
                     <a:lstStyle/>
                     <a:p>
-                      <a:pPr indent="0" lvl="0" marL="0" rtl="0" algn="l">
+                      <a:pPr marL="0" lvl="0" indent="0" algn="l" rtl="0">
                         <a:lnSpc>
                           <a:spcPct val="100000"/>
                         </a:lnSpc>
@@ -7460,7 +8252,7 @@
                         <a:buNone/>
                       </a:pPr>
                       <a:r>
-                        <a:rPr b="1" lang="es-419" sz="900">
+                        <a:rPr lang="es-419" sz="900" b="1">
                           <a:solidFill>
                             <a:schemeClr val="dk1"/>
                           </a:solidFill>
@@ -7469,9 +8261,9 @@
                           <a:cs typeface="Montserrat"/>
                           <a:sym typeface="Montserrat"/>
                         </a:rPr>
-                        <a:t>Cuatri</a:t>
+                        <a:t>Racer</a:t>
                       </a:r>
-                      <a:endParaRPr b="1" sz="900">
+                      <a:endParaRPr sz="900" b="1">
                         <a:solidFill>
                           <a:schemeClr val="dk1"/>
                         </a:solidFill>
@@ -7482,42 +8274,42 @@
                       </a:endParaRPr>
                     </a:p>
                   </a:txBody>
-                  <a:tcPr marT="91425" marB="91425" marR="91425" marL="91425">
-                    <a:lnL cap="flat" cmpd="sng" w="19050">
-                      <a:solidFill>
-                        <a:srgbClr val="000000"/>
-                      </a:solidFill>
-                      <a:prstDash val="solid"/>
-                      <a:round/>
-                      <a:headEnd len="sm" w="sm" type="none"/>
-                      <a:tailEnd len="sm" w="sm" type="none"/>
+                  <a:tcPr marL="91425" marR="91425" marT="91425" marB="91425">
+                    <a:lnL w="19050" cap="flat" cmpd="sng">
+                      <a:solidFill>
+                        <a:srgbClr val="000000"/>
+                      </a:solidFill>
+                      <a:prstDash val="solid"/>
+                      <a:round/>
+                      <a:headEnd type="none" w="sm" len="sm"/>
+                      <a:tailEnd type="none" w="sm" len="sm"/>
                     </a:lnL>
-                    <a:lnR cap="flat" cmpd="sng" w="19050">
-                      <a:solidFill>
-                        <a:srgbClr val="000000"/>
-                      </a:solidFill>
-                      <a:prstDash val="solid"/>
-                      <a:round/>
-                      <a:headEnd len="sm" w="sm" type="none"/>
-                      <a:tailEnd len="sm" w="sm" type="none"/>
+                    <a:lnR w="19050" cap="flat" cmpd="sng">
+                      <a:solidFill>
+                        <a:srgbClr val="000000"/>
+                      </a:solidFill>
+                      <a:prstDash val="solid"/>
+                      <a:round/>
+                      <a:headEnd type="none" w="sm" len="sm"/>
+                      <a:tailEnd type="none" w="sm" len="sm"/>
                     </a:lnR>
-                    <a:lnT cap="flat" cmpd="sng" w="19050">
-                      <a:solidFill>
-                        <a:srgbClr val="000000"/>
-                      </a:solidFill>
-                      <a:prstDash val="solid"/>
-                      <a:round/>
-                      <a:headEnd len="sm" w="sm" type="none"/>
-                      <a:tailEnd len="sm" w="sm" type="none"/>
+                    <a:lnT w="19050" cap="flat" cmpd="sng">
+                      <a:solidFill>
+                        <a:srgbClr val="000000"/>
+                      </a:solidFill>
+                      <a:prstDash val="solid"/>
+                      <a:round/>
+                      <a:headEnd type="none" w="sm" len="sm"/>
+                      <a:tailEnd type="none" w="sm" len="sm"/>
                     </a:lnT>
-                    <a:lnB cap="flat" cmpd="sng" w="19050">
-                      <a:solidFill>
-                        <a:srgbClr val="000000"/>
-                      </a:solidFill>
-                      <a:prstDash val="solid"/>
-                      <a:round/>
-                      <a:headEnd len="sm" w="sm" type="none"/>
-                      <a:tailEnd len="sm" w="sm" type="none"/>
+                    <a:lnB w="19050" cap="flat" cmpd="sng">
+                      <a:solidFill>
+                        <a:srgbClr val="000000"/>
+                      </a:solidFill>
+                      <a:prstDash val="solid"/>
+                      <a:round/>
+                      <a:headEnd type="none" w="sm" len="sm"/>
+                      <a:tailEnd type="none" w="sm" len="sm"/>
                     </a:lnB>
                     <a:solidFill>
                       <a:schemeClr val="lt1"/>
@@ -7529,7 +8321,7 @@
                     <a:bodyPr/>
                     <a:lstStyle/>
                     <a:p>
-                      <a:pPr indent="0" lvl="0" marL="0" rtl="0" algn="ctr">
+                      <a:pPr marL="0" lvl="0" indent="0" algn="ctr" rtl="0">
                         <a:lnSpc>
                           <a:spcPct val="100000"/>
                         </a:lnSpc>
@@ -7541,9 +8333,6 @@
                         </a:spcAft>
                         <a:buNone/>
                       </a:pPr>
-                      <a:r>
-                        <a:t/>
-                      </a:r>
                       <a:endParaRPr sz="900">
                         <a:solidFill>
                           <a:srgbClr val="404040"/>
@@ -7555,42 +8344,42 @@
                       </a:endParaRPr>
                     </a:p>
                   </a:txBody>
-                  <a:tcPr marT="91425" marB="91425" marR="91425" marL="91425">
-                    <a:lnL cap="flat" cmpd="sng" w="19050">
-                      <a:solidFill>
-                        <a:srgbClr val="000000"/>
-                      </a:solidFill>
-                      <a:prstDash val="solid"/>
-                      <a:round/>
-                      <a:headEnd len="sm" w="sm" type="none"/>
-                      <a:tailEnd len="sm" w="sm" type="none"/>
+                  <a:tcPr marL="91425" marR="91425" marT="91425" marB="91425">
+                    <a:lnL w="19050" cap="flat" cmpd="sng">
+                      <a:solidFill>
+                        <a:srgbClr val="000000"/>
+                      </a:solidFill>
+                      <a:prstDash val="solid"/>
+                      <a:round/>
+                      <a:headEnd type="none" w="sm" len="sm"/>
+                      <a:tailEnd type="none" w="sm" len="sm"/>
                     </a:lnL>
-                    <a:lnR cap="flat" cmpd="sng" w="19050">
-                      <a:solidFill>
-                        <a:srgbClr val="000000"/>
-                      </a:solidFill>
-                      <a:prstDash val="solid"/>
-                      <a:round/>
-                      <a:headEnd len="sm" w="sm" type="none"/>
-                      <a:tailEnd len="sm" w="sm" type="none"/>
+                    <a:lnR w="19050" cap="flat" cmpd="sng">
+                      <a:solidFill>
+                        <a:srgbClr val="000000"/>
+                      </a:solidFill>
+                      <a:prstDash val="solid"/>
+                      <a:round/>
+                      <a:headEnd type="none" w="sm" len="sm"/>
+                      <a:tailEnd type="none" w="sm" len="sm"/>
                     </a:lnR>
-                    <a:lnT cap="flat" cmpd="sng" w="19050">
-                      <a:solidFill>
-                        <a:schemeClr val="dk1"/>
-                      </a:solidFill>
-                      <a:prstDash val="solid"/>
-                      <a:round/>
-                      <a:headEnd len="sm" w="sm" type="none"/>
-                      <a:tailEnd len="sm" w="sm" type="none"/>
+                    <a:lnT w="19050" cap="flat" cmpd="sng">
+                      <a:solidFill>
+                        <a:srgbClr val="000000"/>
+                      </a:solidFill>
+                      <a:prstDash val="solid"/>
+                      <a:round/>
+                      <a:headEnd type="none" w="sm" len="sm"/>
+                      <a:tailEnd type="none" w="sm" len="sm"/>
                     </a:lnT>
-                    <a:lnB cap="flat" cmpd="sng" w="19050">
-                      <a:solidFill>
-                        <a:srgbClr val="000000"/>
-                      </a:solidFill>
-                      <a:prstDash val="solid"/>
-                      <a:round/>
-                      <a:headEnd len="sm" w="sm" type="none"/>
-                      <a:tailEnd len="sm" w="sm" type="none"/>
+                    <a:lnB w="19050" cap="flat" cmpd="sng">
+                      <a:solidFill>
+                        <a:srgbClr val="000000"/>
+                      </a:solidFill>
+                      <a:prstDash val="solid"/>
+                      <a:round/>
+                      <a:headEnd type="none" w="sm" len="sm"/>
+                      <a:tailEnd type="none" w="sm" len="sm"/>
                     </a:lnB>
                     <a:solidFill>
                       <a:schemeClr val="lt1"/>
@@ -7602,7 +8391,7 @@
                     <a:bodyPr/>
                     <a:lstStyle/>
                     <a:p>
-                      <a:pPr indent="0" lvl="0" marL="0" rtl="0" algn="ctr">
+                      <a:pPr marL="0" lvl="0" indent="0" algn="ctr" rtl="0">
                         <a:lnSpc>
                           <a:spcPct val="100000"/>
                         </a:lnSpc>
@@ -7614,9 +8403,6 @@
                         </a:spcAft>
                         <a:buNone/>
                       </a:pPr>
-                      <a:r>
-                        <a:t/>
-                      </a:r>
                       <a:endParaRPr sz="900">
                         <a:solidFill>
                           <a:srgbClr val="404040"/>
@@ -7628,42 +8414,42 @@
                       </a:endParaRPr>
                     </a:p>
                   </a:txBody>
-                  <a:tcPr marT="91425" marB="91425" marR="91425" marL="91425">
-                    <a:lnL cap="flat" cmpd="sng" w="19050">
-                      <a:solidFill>
-                        <a:srgbClr val="000000"/>
-                      </a:solidFill>
-                      <a:prstDash val="solid"/>
-                      <a:round/>
-                      <a:headEnd len="sm" w="sm" type="none"/>
-                      <a:tailEnd len="sm" w="sm" type="none"/>
+                  <a:tcPr marL="91425" marR="91425" marT="91425" marB="91425">
+                    <a:lnL w="19050" cap="flat" cmpd="sng">
+                      <a:solidFill>
+                        <a:srgbClr val="000000"/>
+                      </a:solidFill>
+                      <a:prstDash val="solid"/>
+                      <a:round/>
+                      <a:headEnd type="none" w="sm" len="sm"/>
+                      <a:tailEnd type="none" w="sm" len="sm"/>
                     </a:lnL>
-                    <a:lnR cap="flat" cmpd="sng" w="19050">
-                      <a:solidFill>
-                        <a:srgbClr val="000000"/>
-                      </a:solidFill>
-                      <a:prstDash val="solid"/>
-                      <a:round/>
-                      <a:headEnd len="sm" w="sm" type="none"/>
-                      <a:tailEnd len="sm" w="sm" type="none"/>
+                    <a:lnR w="19050" cap="flat" cmpd="sng">
+                      <a:solidFill>
+                        <a:srgbClr val="000000"/>
+                      </a:solidFill>
+                      <a:prstDash val="solid"/>
+                      <a:round/>
+                      <a:headEnd type="none" w="sm" len="sm"/>
+                      <a:tailEnd type="none" w="sm" len="sm"/>
                     </a:lnR>
-                    <a:lnT cap="flat" cmpd="sng" w="19050">
-                      <a:solidFill>
-                        <a:schemeClr val="dk1"/>
-                      </a:solidFill>
-                      <a:prstDash val="solid"/>
-                      <a:round/>
-                      <a:headEnd len="sm" w="sm" type="none"/>
-                      <a:tailEnd len="sm" w="sm" type="none"/>
+                    <a:lnT w="19050" cap="flat" cmpd="sng">
+                      <a:solidFill>
+                        <a:srgbClr val="000000"/>
+                      </a:solidFill>
+                      <a:prstDash val="solid"/>
+                      <a:round/>
+                      <a:headEnd type="none" w="sm" len="sm"/>
+                      <a:tailEnd type="none" w="sm" len="sm"/>
                     </a:lnT>
-                    <a:lnB cap="flat" cmpd="sng" w="19050">
-                      <a:solidFill>
-                        <a:srgbClr val="000000"/>
-                      </a:solidFill>
-                      <a:prstDash val="solid"/>
-                      <a:round/>
-                      <a:headEnd len="sm" w="sm" type="none"/>
-                      <a:tailEnd len="sm" w="sm" type="none"/>
+                    <a:lnB w="19050" cap="flat" cmpd="sng">
+                      <a:solidFill>
+                        <a:srgbClr val="000000"/>
+                      </a:solidFill>
+                      <a:prstDash val="solid"/>
+                      <a:round/>
+                      <a:headEnd type="none" w="sm" len="sm"/>
+                      <a:tailEnd type="none" w="sm" len="sm"/>
                     </a:lnB>
                     <a:solidFill>
                       <a:schemeClr val="lt1"/>
@@ -7675,7 +8461,7 @@
                     <a:bodyPr/>
                     <a:lstStyle/>
                     <a:p>
-                      <a:pPr indent="0" lvl="0" marL="0" rtl="0" algn="ctr">
+                      <a:pPr marL="0" lvl="0" indent="0" algn="ctr" rtl="0">
                         <a:lnSpc>
                           <a:spcPct val="100000"/>
                         </a:lnSpc>
@@ -7687,9 +8473,6 @@
                         </a:spcAft>
                         <a:buNone/>
                       </a:pPr>
-                      <a:r>
-                        <a:t/>
-                      </a:r>
                       <a:endParaRPr sz="900">
                         <a:solidFill>
                           <a:srgbClr val="404040"/>
@@ -7701,48 +8484,53 @@
                       </a:endParaRPr>
                     </a:p>
                   </a:txBody>
-                  <a:tcPr marT="91425" marB="91425" marR="91425" marL="91425">
-                    <a:lnL cap="flat" cmpd="sng" w="19050">
-                      <a:solidFill>
-                        <a:srgbClr val="000000"/>
-                      </a:solidFill>
-                      <a:prstDash val="solid"/>
-                      <a:round/>
-                      <a:headEnd len="sm" w="sm" type="none"/>
-                      <a:tailEnd len="sm" w="sm" type="none"/>
+                  <a:tcPr marL="91425" marR="91425" marT="91425" marB="91425">
+                    <a:lnL w="19050" cap="flat" cmpd="sng">
+                      <a:solidFill>
+                        <a:srgbClr val="000000"/>
+                      </a:solidFill>
+                      <a:prstDash val="solid"/>
+                      <a:round/>
+                      <a:headEnd type="none" w="sm" len="sm"/>
+                      <a:tailEnd type="none" w="sm" len="sm"/>
                     </a:lnL>
-                    <a:lnR cap="flat" cmpd="sng" w="19050">
-                      <a:solidFill>
-                        <a:srgbClr val="000000"/>
-                      </a:solidFill>
-                      <a:prstDash val="solid"/>
-                      <a:round/>
-                      <a:headEnd len="sm" w="sm" type="none"/>
-                      <a:tailEnd len="sm" w="sm" type="none"/>
+                    <a:lnR w="19050" cap="flat" cmpd="sng">
+                      <a:solidFill>
+                        <a:srgbClr val="000000"/>
+                      </a:solidFill>
+                      <a:prstDash val="solid"/>
+                      <a:round/>
+                      <a:headEnd type="none" w="sm" len="sm"/>
+                      <a:tailEnd type="none" w="sm" len="sm"/>
                     </a:lnR>
-                    <a:lnT cap="flat" cmpd="sng" w="19050">
-                      <a:solidFill>
-                        <a:schemeClr val="dk1"/>
-                      </a:solidFill>
-                      <a:prstDash val="solid"/>
-                      <a:round/>
-                      <a:headEnd len="sm" w="sm" type="none"/>
-                      <a:tailEnd len="sm" w="sm" type="none"/>
+                    <a:lnT w="19050" cap="flat" cmpd="sng">
+                      <a:solidFill>
+                        <a:srgbClr val="000000"/>
+                      </a:solidFill>
+                      <a:prstDash val="solid"/>
+                      <a:round/>
+                      <a:headEnd type="none" w="sm" len="sm"/>
+                      <a:tailEnd type="none" w="sm" len="sm"/>
                     </a:lnT>
-                    <a:lnB cap="flat" cmpd="sng" w="19050">
-                      <a:solidFill>
-                        <a:srgbClr val="000000"/>
-                      </a:solidFill>
-                      <a:prstDash val="solid"/>
-                      <a:round/>
-                      <a:headEnd len="sm" w="sm" type="none"/>
-                      <a:tailEnd len="sm" w="sm" type="none"/>
+                    <a:lnB w="19050" cap="flat" cmpd="sng">
+                      <a:solidFill>
+                        <a:srgbClr val="000000"/>
+                      </a:solidFill>
+                      <a:prstDash val="solid"/>
+                      <a:round/>
+                      <a:headEnd type="none" w="sm" len="sm"/>
+                      <a:tailEnd type="none" w="sm" len="sm"/>
                     </a:lnB>
                     <a:solidFill>
                       <a:schemeClr val="lt1"/>
                     </a:solidFill>
                   </a:tcPr>
                 </a:tc>
+                <a:extLst>
+                  <a:ext uri="{0D108BD9-81ED-4DB2-BD59-A6C34878D82A}">
+                    <a16:rowId xmlns:a16="http://schemas.microsoft.com/office/drawing/2014/main" val="10008"/>
+                  </a:ext>
+                </a:extLst>
               </a:tr>
               <a:tr h="257175">
                 <a:tc>
@@ -7750,7 +8538,7 @@
                     <a:bodyPr/>
                     <a:lstStyle/>
                     <a:p>
-                      <a:pPr indent="0" lvl="0" marL="0" rtl="0" algn="l">
+                      <a:pPr marL="0" lvl="0" indent="0" algn="l" rtl="0">
                         <a:lnSpc>
                           <a:spcPct val="100000"/>
                         </a:lnSpc>
@@ -7763,7 +8551,7 @@
                         <a:buNone/>
                       </a:pPr>
                       <a:r>
-                        <a:rPr b="1" lang="es-419" sz="900">
+                        <a:rPr lang="es-419" sz="900" b="1">
                           <a:solidFill>
                             <a:schemeClr val="dk1"/>
                           </a:solidFill>
@@ -7772,9 +8560,9 @@
                           <a:cs typeface="Montserrat"/>
                           <a:sym typeface="Montserrat"/>
                         </a:rPr>
-                        <a:t>Van</a:t>
+                        <a:t>Ambulancia</a:t>
                       </a:r>
-                      <a:endParaRPr b="1" sz="900">
+                      <a:endParaRPr sz="900" b="1">
                         <a:solidFill>
                           <a:schemeClr val="dk1"/>
                         </a:solidFill>
@@ -7785,42 +8573,42 @@
                       </a:endParaRPr>
                     </a:p>
                   </a:txBody>
-                  <a:tcPr marT="91425" marB="91425" marR="91425" marL="91425">
-                    <a:lnL cap="flat" cmpd="sng" w="19050">
-                      <a:solidFill>
-                        <a:srgbClr val="000000"/>
-                      </a:solidFill>
-                      <a:prstDash val="solid"/>
-                      <a:round/>
-                      <a:headEnd len="sm" w="sm" type="none"/>
-                      <a:tailEnd len="sm" w="sm" type="none"/>
+                  <a:tcPr marL="91425" marR="91425" marT="91425" marB="91425">
+                    <a:lnL w="19050" cap="flat" cmpd="sng">
+                      <a:solidFill>
+                        <a:srgbClr val="000000"/>
+                      </a:solidFill>
+                      <a:prstDash val="solid"/>
+                      <a:round/>
+                      <a:headEnd type="none" w="sm" len="sm"/>
+                      <a:tailEnd type="none" w="sm" len="sm"/>
                     </a:lnL>
-                    <a:lnR cap="flat" cmpd="sng" w="19050">
-                      <a:solidFill>
-                        <a:srgbClr val="000000"/>
-                      </a:solidFill>
-                      <a:prstDash val="solid"/>
-                      <a:round/>
-                      <a:headEnd len="sm" w="sm" type="none"/>
-                      <a:tailEnd len="sm" w="sm" type="none"/>
+                    <a:lnR w="19050" cap="flat" cmpd="sng">
+                      <a:solidFill>
+                        <a:srgbClr val="000000"/>
+                      </a:solidFill>
+                      <a:prstDash val="solid"/>
+                      <a:round/>
+                      <a:headEnd type="none" w="sm" len="sm"/>
+                      <a:tailEnd type="none" w="sm" len="sm"/>
                     </a:lnR>
-                    <a:lnT cap="flat" cmpd="sng" w="19050">
-                      <a:solidFill>
-                        <a:srgbClr val="000000"/>
-                      </a:solidFill>
-                      <a:prstDash val="solid"/>
-                      <a:round/>
-                      <a:headEnd len="sm" w="sm" type="none"/>
-                      <a:tailEnd len="sm" w="sm" type="none"/>
+                    <a:lnT w="19050" cap="flat" cmpd="sng">
+                      <a:solidFill>
+                        <a:srgbClr val="000000"/>
+                      </a:solidFill>
+                      <a:prstDash val="solid"/>
+                      <a:round/>
+                      <a:headEnd type="none" w="sm" len="sm"/>
+                      <a:tailEnd type="none" w="sm" len="sm"/>
                     </a:lnT>
-                    <a:lnB cap="flat" cmpd="sng" w="19050">
-                      <a:solidFill>
-                        <a:srgbClr val="000000"/>
-                      </a:solidFill>
-                      <a:prstDash val="solid"/>
-                      <a:round/>
-                      <a:headEnd len="sm" w="sm" type="none"/>
-                      <a:tailEnd len="sm" w="sm" type="none"/>
+                    <a:lnB w="19050" cap="flat" cmpd="sng">
+                      <a:solidFill>
+                        <a:srgbClr val="000000"/>
+                      </a:solidFill>
+                      <a:prstDash val="solid"/>
+                      <a:round/>
+                      <a:headEnd type="none" w="sm" len="sm"/>
+                      <a:tailEnd type="none" w="sm" len="sm"/>
                     </a:lnB>
                     <a:solidFill>
                       <a:srgbClr val="D9D9D9"/>
@@ -7832,7 +8620,7 @@
                     <a:bodyPr/>
                     <a:lstStyle/>
                     <a:p>
-                      <a:pPr indent="0" lvl="0" marL="0" rtl="0" algn="ctr">
+                      <a:pPr marL="0" lvl="0" indent="0" algn="ctr" rtl="0">
                         <a:lnSpc>
                           <a:spcPct val="100000"/>
                         </a:lnSpc>
@@ -7844,12 +8632,9 @@
                         </a:spcAft>
                         <a:buNone/>
                       </a:pPr>
-                      <a:r>
-                        <a:t/>
-                      </a:r>
-                      <a:endParaRPr sz="900">
+                      <a:endParaRPr sz="700">
                         <a:solidFill>
-                          <a:srgbClr val="404040"/>
+                          <a:schemeClr val="dk1"/>
                         </a:solidFill>
                         <a:latin typeface="Montserrat SemiBold"/>
                         <a:ea typeface="Montserrat SemiBold"/>
@@ -7858,42 +8643,42 @@
                       </a:endParaRPr>
                     </a:p>
                   </a:txBody>
-                  <a:tcPr marT="91425" marB="91425" marR="91425" marL="91425">
-                    <a:lnL cap="flat" cmpd="sng" w="19050">
-                      <a:solidFill>
-                        <a:srgbClr val="000000"/>
-                      </a:solidFill>
-                      <a:prstDash val="solid"/>
-                      <a:round/>
-                      <a:headEnd len="sm" w="sm" type="none"/>
-                      <a:tailEnd len="sm" w="sm" type="none"/>
+                  <a:tcPr marL="91425" marR="91425" marT="91425" marB="91425">
+                    <a:lnL w="19050" cap="flat" cmpd="sng">
+                      <a:solidFill>
+                        <a:srgbClr val="000000"/>
+                      </a:solidFill>
+                      <a:prstDash val="solid"/>
+                      <a:round/>
+                      <a:headEnd type="none" w="sm" len="sm"/>
+                      <a:tailEnd type="none" w="sm" len="sm"/>
                     </a:lnL>
-                    <a:lnR cap="flat" cmpd="sng" w="19050">
-                      <a:solidFill>
-                        <a:srgbClr val="000000"/>
-                      </a:solidFill>
-                      <a:prstDash val="solid"/>
-                      <a:round/>
-                      <a:headEnd len="sm" w="sm" type="none"/>
-                      <a:tailEnd len="sm" w="sm" type="none"/>
+                    <a:lnR w="19050" cap="flat" cmpd="sng">
+                      <a:solidFill>
+                        <a:srgbClr val="000000"/>
+                      </a:solidFill>
+                      <a:prstDash val="solid"/>
+                      <a:round/>
+                      <a:headEnd type="none" w="sm" len="sm"/>
+                      <a:tailEnd type="none" w="sm" len="sm"/>
                     </a:lnR>
-                    <a:lnT cap="flat" cmpd="sng" w="19050">
-                      <a:solidFill>
-                        <a:srgbClr val="000000"/>
-                      </a:solidFill>
-                      <a:prstDash val="solid"/>
-                      <a:round/>
-                      <a:headEnd len="sm" w="sm" type="none"/>
-                      <a:tailEnd len="sm" w="sm" type="none"/>
+                    <a:lnT w="19050" cap="flat" cmpd="sng">
+                      <a:solidFill>
+                        <a:srgbClr val="000000"/>
+                      </a:solidFill>
+                      <a:prstDash val="solid"/>
+                      <a:round/>
+                      <a:headEnd type="none" w="sm" len="sm"/>
+                      <a:tailEnd type="none" w="sm" len="sm"/>
                     </a:lnT>
-                    <a:lnB cap="flat" cmpd="sng" w="19050">
-                      <a:solidFill>
-                        <a:srgbClr val="000000"/>
-                      </a:solidFill>
-                      <a:prstDash val="solid"/>
-                      <a:round/>
-                      <a:headEnd len="sm" w="sm" type="none"/>
-                      <a:tailEnd len="sm" w="sm" type="none"/>
+                    <a:lnB w="19050" cap="flat" cmpd="sng">
+                      <a:solidFill>
+                        <a:srgbClr val="000000"/>
+                      </a:solidFill>
+                      <a:prstDash val="solid"/>
+                      <a:round/>
+                      <a:headEnd type="none" w="sm" len="sm"/>
+                      <a:tailEnd type="none" w="sm" len="sm"/>
                     </a:lnB>
                     <a:solidFill>
                       <a:srgbClr val="D9D9D9"/>
@@ -7905,7 +8690,7 @@
                     <a:bodyPr/>
                     <a:lstStyle/>
                     <a:p>
-                      <a:pPr indent="0" lvl="0" marL="0" rtl="0" algn="ctr">
+                      <a:pPr marL="0" lvl="0" indent="0" algn="ctr" rtl="0">
                         <a:lnSpc>
                           <a:spcPct val="100000"/>
                         </a:lnSpc>
@@ -7917,12 +8702,9 @@
                         </a:spcAft>
                         <a:buNone/>
                       </a:pPr>
-                      <a:r>
-                        <a:t/>
-                      </a:r>
-                      <a:endParaRPr sz="900">
+                      <a:endParaRPr sz="700">
                         <a:solidFill>
-                          <a:srgbClr val="404040"/>
+                          <a:schemeClr val="dk1"/>
                         </a:solidFill>
                         <a:latin typeface="Montserrat SemiBold"/>
                         <a:ea typeface="Montserrat SemiBold"/>
@@ -7931,42 +8713,42 @@
                       </a:endParaRPr>
                     </a:p>
                   </a:txBody>
-                  <a:tcPr marT="91425" marB="91425" marR="91425" marL="91425">
-                    <a:lnL cap="flat" cmpd="sng" w="19050">
-                      <a:solidFill>
-                        <a:srgbClr val="000000"/>
-                      </a:solidFill>
-                      <a:prstDash val="solid"/>
-                      <a:round/>
-                      <a:headEnd len="sm" w="sm" type="none"/>
-                      <a:tailEnd len="sm" w="sm" type="none"/>
+                  <a:tcPr marL="91425" marR="91425" marT="91425" marB="91425">
+                    <a:lnL w="19050" cap="flat" cmpd="sng">
+                      <a:solidFill>
+                        <a:srgbClr val="000000"/>
+                      </a:solidFill>
+                      <a:prstDash val="solid"/>
+                      <a:round/>
+                      <a:headEnd type="none" w="sm" len="sm"/>
+                      <a:tailEnd type="none" w="sm" len="sm"/>
                     </a:lnL>
-                    <a:lnR cap="flat" cmpd="sng" w="19050">
-                      <a:solidFill>
-                        <a:srgbClr val="000000"/>
-                      </a:solidFill>
-                      <a:prstDash val="solid"/>
-                      <a:round/>
-                      <a:headEnd len="sm" w="sm" type="none"/>
-                      <a:tailEnd len="sm" w="sm" type="none"/>
+                    <a:lnR w="19050" cap="flat" cmpd="sng">
+                      <a:solidFill>
+                        <a:srgbClr val="000000"/>
+                      </a:solidFill>
+                      <a:prstDash val="solid"/>
+                      <a:round/>
+                      <a:headEnd type="none" w="sm" len="sm"/>
+                      <a:tailEnd type="none" w="sm" len="sm"/>
                     </a:lnR>
-                    <a:lnT cap="flat" cmpd="sng" w="19050">
-                      <a:solidFill>
-                        <a:srgbClr val="000000"/>
-                      </a:solidFill>
-                      <a:prstDash val="solid"/>
-                      <a:round/>
-                      <a:headEnd len="sm" w="sm" type="none"/>
-                      <a:tailEnd len="sm" w="sm" type="none"/>
+                    <a:lnT w="19050" cap="flat" cmpd="sng">
+                      <a:solidFill>
+                        <a:srgbClr val="000000"/>
+                      </a:solidFill>
+                      <a:prstDash val="solid"/>
+                      <a:round/>
+                      <a:headEnd type="none" w="sm" len="sm"/>
+                      <a:tailEnd type="none" w="sm" len="sm"/>
                     </a:lnT>
-                    <a:lnB cap="flat" cmpd="sng" w="19050">
-                      <a:solidFill>
-                        <a:srgbClr val="000000"/>
-                      </a:solidFill>
-                      <a:prstDash val="solid"/>
-                      <a:round/>
-                      <a:headEnd len="sm" w="sm" type="none"/>
-                      <a:tailEnd len="sm" w="sm" type="none"/>
+                    <a:lnB w="19050" cap="flat" cmpd="sng">
+                      <a:solidFill>
+                        <a:srgbClr val="000000"/>
+                      </a:solidFill>
+                      <a:prstDash val="solid"/>
+                      <a:round/>
+                      <a:headEnd type="none" w="sm" len="sm"/>
+                      <a:tailEnd type="none" w="sm" len="sm"/>
                     </a:lnB>
                     <a:solidFill>
                       <a:srgbClr val="D9D9D9"/>
@@ -7978,7 +8760,7 @@
                     <a:bodyPr/>
                     <a:lstStyle/>
                     <a:p>
-                      <a:pPr indent="0" lvl="0" marL="0" rtl="0" algn="ctr">
+                      <a:pPr marL="0" lvl="0" indent="0" algn="ctr" rtl="0">
                         <a:lnSpc>
                           <a:spcPct val="100000"/>
                         </a:lnSpc>
@@ -7990,12 +8772,9 @@
                         </a:spcAft>
                         <a:buNone/>
                       </a:pPr>
-                      <a:r>
-                        <a:t/>
-                      </a:r>
-                      <a:endParaRPr sz="900">
+                      <a:endParaRPr sz="700">
                         <a:solidFill>
-                          <a:srgbClr val="404040"/>
+                          <a:schemeClr val="dk1"/>
                         </a:solidFill>
                         <a:latin typeface="Montserrat SemiBold"/>
                         <a:ea typeface="Montserrat SemiBold"/>
@@ -8004,48 +8783,53 @@
                       </a:endParaRPr>
                     </a:p>
                   </a:txBody>
-                  <a:tcPr marT="91425" marB="91425" marR="91425" marL="91425">
-                    <a:lnL cap="flat" cmpd="sng" w="19050">
-                      <a:solidFill>
-                        <a:srgbClr val="000000"/>
-                      </a:solidFill>
-                      <a:prstDash val="solid"/>
-                      <a:round/>
-                      <a:headEnd len="sm" w="sm" type="none"/>
-                      <a:tailEnd len="sm" w="sm" type="none"/>
+                  <a:tcPr marL="91425" marR="91425" marT="91425" marB="91425">
+                    <a:lnL w="19050" cap="flat" cmpd="sng">
+                      <a:solidFill>
+                        <a:srgbClr val="000000"/>
+                      </a:solidFill>
+                      <a:prstDash val="solid"/>
+                      <a:round/>
+                      <a:headEnd type="none" w="sm" len="sm"/>
+                      <a:tailEnd type="none" w="sm" len="sm"/>
                     </a:lnL>
-                    <a:lnR cap="flat" cmpd="sng" w="19050">
-                      <a:solidFill>
-                        <a:srgbClr val="000000"/>
-                      </a:solidFill>
-                      <a:prstDash val="solid"/>
-                      <a:round/>
-                      <a:headEnd len="sm" w="sm" type="none"/>
-                      <a:tailEnd len="sm" w="sm" type="none"/>
+                    <a:lnR w="19050" cap="flat" cmpd="sng">
+                      <a:solidFill>
+                        <a:srgbClr val="000000"/>
+                      </a:solidFill>
+                      <a:prstDash val="solid"/>
+                      <a:round/>
+                      <a:headEnd type="none" w="sm" len="sm"/>
+                      <a:tailEnd type="none" w="sm" len="sm"/>
                     </a:lnR>
-                    <a:lnT cap="flat" cmpd="sng" w="19050">
-                      <a:solidFill>
-                        <a:srgbClr val="000000"/>
-                      </a:solidFill>
-                      <a:prstDash val="solid"/>
-                      <a:round/>
-                      <a:headEnd len="sm" w="sm" type="none"/>
-                      <a:tailEnd len="sm" w="sm" type="none"/>
+                    <a:lnT w="19050" cap="flat" cmpd="sng">
+                      <a:solidFill>
+                        <a:srgbClr val="000000"/>
+                      </a:solidFill>
+                      <a:prstDash val="solid"/>
+                      <a:round/>
+                      <a:headEnd type="none" w="sm" len="sm"/>
+                      <a:tailEnd type="none" w="sm" len="sm"/>
                     </a:lnT>
-                    <a:lnB cap="flat" cmpd="sng" w="19050">
-                      <a:solidFill>
-                        <a:srgbClr val="000000"/>
-                      </a:solidFill>
-                      <a:prstDash val="solid"/>
-                      <a:round/>
-                      <a:headEnd len="sm" w="sm" type="none"/>
-                      <a:tailEnd len="sm" w="sm" type="none"/>
+                    <a:lnB w="19050" cap="flat" cmpd="sng">
+                      <a:solidFill>
+                        <a:srgbClr val="000000"/>
+                      </a:solidFill>
+                      <a:prstDash val="solid"/>
+                      <a:round/>
+                      <a:headEnd type="none" w="sm" len="sm"/>
+                      <a:tailEnd type="none" w="sm" len="sm"/>
                     </a:lnB>
                     <a:solidFill>
                       <a:srgbClr val="D9D9D9"/>
                     </a:solidFill>
                   </a:tcPr>
                 </a:tc>
+                <a:extLst>
+                  <a:ext uri="{0D108BD9-81ED-4DB2-BD59-A6C34878D82A}">
+                    <a16:rowId xmlns:a16="http://schemas.microsoft.com/office/drawing/2014/main" val="10009"/>
+                  </a:ext>
+                </a:extLst>
               </a:tr>
               <a:tr h="257175">
                 <a:tc>
@@ -8053,7 +8837,7 @@
                     <a:bodyPr/>
                     <a:lstStyle/>
                     <a:p>
-                      <a:pPr indent="0" lvl="0" marL="0" rtl="0" algn="l">
+                      <a:pPr marL="0" lvl="0" indent="0" algn="l" rtl="0">
                         <a:lnSpc>
                           <a:spcPct val="100000"/>
                         </a:lnSpc>
@@ -8066,7 +8850,7 @@
                         <a:buNone/>
                       </a:pPr>
                       <a:r>
-                        <a:rPr b="1" lang="es-419" sz="900">
+                        <a:rPr lang="es-419" sz="900" b="1">
                           <a:solidFill>
                             <a:schemeClr val="dk1"/>
                           </a:solidFill>
@@ -8075,9 +8859,9 @@
                           <a:cs typeface="Montserrat"/>
                           <a:sym typeface="Montserrat"/>
                         </a:rPr>
-                        <a:t>Racer</a:t>
+                        <a:t>Cargo</a:t>
                       </a:r>
-                      <a:endParaRPr b="1" sz="900">
+                      <a:endParaRPr sz="900" b="1">
                         <a:solidFill>
                           <a:schemeClr val="dk1"/>
                         </a:solidFill>
@@ -8088,42 +8872,42 @@
                       </a:endParaRPr>
                     </a:p>
                   </a:txBody>
-                  <a:tcPr marT="91425" marB="91425" marR="91425" marL="91425">
-                    <a:lnL cap="flat" cmpd="sng" w="19050">
-                      <a:solidFill>
-                        <a:srgbClr val="000000"/>
-                      </a:solidFill>
-                      <a:prstDash val="solid"/>
-                      <a:round/>
-                      <a:headEnd len="sm" w="sm" type="none"/>
-                      <a:tailEnd len="sm" w="sm" type="none"/>
+                  <a:tcPr marL="91425" marR="91425" marT="91425" marB="91425">
+                    <a:lnL w="19050" cap="flat" cmpd="sng">
+                      <a:solidFill>
+                        <a:srgbClr val="000000"/>
+                      </a:solidFill>
+                      <a:prstDash val="solid"/>
+                      <a:round/>
+                      <a:headEnd type="none" w="sm" len="sm"/>
+                      <a:tailEnd type="none" w="sm" len="sm"/>
                     </a:lnL>
-                    <a:lnR cap="flat" cmpd="sng" w="19050">
-                      <a:solidFill>
-                        <a:srgbClr val="000000"/>
-                      </a:solidFill>
-                      <a:prstDash val="solid"/>
-                      <a:round/>
-                      <a:headEnd len="sm" w="sm" type="none"/>
-                      <a:tailEnd len="sm" w="sm" type="none"/>
+                    <a:lnR w="19050" cap="flat" cmpd="sng">
+                      <a:solidFill>
+                        <a:srgbClr val="000000"/>
+                      </a:solidFill>
+                      <a:prstDash val="solid"/>
+                      <a:round/>
+                      <a:headEnd type="none" w="sm" len="sm"/>
+                      <a:tailEnd type="none" w="sm" len="sm"/>
                     </a:lnR>
-                    <a:lnT cap="flat" cmpd="sng" w="19050">
-                      <a:solidFill>
-                        <a:srgbClr val="000000"/>
-                      </a:solidFill>
-                      <a:prstDash val="solid"/>
-                      <a:round/>
-                      <a:headEnd len="sm" w="sm" type="none"/>
-                      <a:tailEnd len="sm" w="sm" type="none"/>
+                    <a:lnT w="19050" cap="flat" cmpd="sng">
+                      <a:solidFill>
+                        <a:srgbClr val="000000"/>
+                      </a:solidFill>
+                      <a:prstDash val="solid"/>
+                      <a:round/>
+                      <a:headEnd type="none" w="sm" len="sm"/>
+                      <a:tailEnd type="none" w="sm" len="sm"/>
                     </a:lnT>
-                    <a:lnB cap="flat" cmpd="sng" w="19050">
-                      <a:solidFill>
-                        <a:srgbClr val="000000"/>
-                      </a:solidFill>
-                      <a:prstDash val="solid"/>
-                      <a:round/>
-                      <a:headEnd len="sm" w="sm" type="none"/>
-                      <a:tailEnd len="sm" w="sm" type="none"/>
+                    <a:lnB w="19050" cap="flat" cmpd="sng">
+                      <a:solidFill>
+                        <a:srgbClr val="000000"/>
+                      </a:solidFill>
+                      <a:prstDash val="solid"/>
+                      <a:round/>
+                      <a:headEnd type="none" w="sm" len="sm"/>
+                      <a:tailEnd type="none" w="sm" len="sm"/>
                     </a:lnB>
                     <a:solidFill>
                       <a:schemeClr val="lt1"/>
@@ -8135,7 +8919,7 @@
                     <a:bodyPr/>
                     <a:lstStyle/>
                     <a:p>
-                      <a:pPr indent="0" lvl="0" marL="0" rtl="0" algn="ctr">
+                      <a:pPr marL="0" lvl="0" indent="0" algn="ctr" rtl="0">
                         <a:lnSpc>
                           <a:spcPct val="100000"/>
                         </a:lnSpc>
@@ -8147,12 +8931,9 @@
                         </a:spcAft>
                         <a:buNone/>
                       </a:pPr>
-                      <a:r>
-                        <a:t/>
-                      </a:r>
-                      <a:endParaRPr sz="900">
+                      <a:endParaRPr sz="700">
                         <a:solidFill>
-                          <a:srgbClr val="404040"/>
+                          <a:schemeClr val="dk1"/>
                         </a:solidFill>
                         <a:latin typeface="Montserrat SemiBold"/>
                         <a:ea typeface="Montserrat SemiBold"/>
@@ -8161,42 +8942,42 @@
                       </a:endParaRPr>
                     </a:p>
                   </a:txBody>
-                  <a:tcPr marT="91425" marB="91425" marR="91425" marL="91425">
-                    <a:lnL cap="flat" cmpd="sng" w="19050">
-                      <a:solidFill>
-                        <a:srgbClr val="000000"/>
-                      </a:solidFill>
-                      <a:prstDash val="solid"/>
-                      <a:round/>
-                      <a:headEnd len="sm" w="sm" type="none"/>
-                      <a:tailEnd len="sm" w="sm" type="none"/>
+                  <a:tcPr marL="91425" marR="91425" marT="91425" marB="91425">
+                    <a:lnL w="19050" cap="flat" cmpd="sng">
+                      <a:solidFill>
+                        <a:srgbClr val="000000"/>
+                      </a:solidFill>
+                      <a:prstDash val="solid"/>
+                      <a:round/>
+                      <a:headEnd type="none" w="sm" len="sm"/>
+                      <a:tailEnd type="none" w="sm" len="sm"/>
                     </a:lnL>
-                    <a:lnR cap="flat" cmpd="sng" w="19050">
-                      <a:solidFill>
-                        <a:srgbClr val="000000"/>
-                      </a:solidFill>
-                      <a:prstDash val="solid"/>
-                      <a:round/>
-                      <a:headEnd len="sm" w="sm" type="none"/>
-                      <a:tailEnd len="sm" w="sm" type="none"/>
+                    <a:lnR w="19050" cap="flat" cmpd="sng">
+                      <a:solidFill>
+                        <a:srgbClr val="000000"/>
+                      </a:solidFill>
+                      <a:prstDash val="solid"/>
+                      <a:round/>
+                      <a:headEnd type="none" w="sm" len="sm"/>
+                      <a:tailEnd type="none" w="sm" len="sm"/>
                     </a:lnR>
-                    <a:lnT cap="flat" cmpd="sng" w="19050">
-                      <a:solidFill>
-                        <a:srgbClr val="000000"/>
-                      </a:solidFill>
-                      <a:prstDash val="solid"/>
-                      <a:round/>
-                      <a:headEnd len="sm" w="sm" type="none"/>
-                      <a:tailEnd len="sm" w="sm" type="none"/>
+                    <a:lnT w="19050" cap="flat" cmpd="sng">
+                      <a:solidFill>
+                        <a:srgbClr val="000000"/>
+                      </a:solidFill>
+                      <a:prstDash val="solid"/>
+                      <a:round/>
+                      <a:headEnd type="none" w="sm" len="sm"/>
+                      <a:tailEnd type="none" w="sm" len="sm"/>
                     </a:lnT>
-                    <a:lnB cap="flat" cmpd="sng" w="19050">
-                      <a:solidFill>
-                        <a:srgbClr val="000000"/>
-                      </a:solidFill>
-                      <a:prstDash val="solid"/>
-                      <a:round/>
-                      <a:headEnd len="sm" w="sm" type="none"/>
-                      <a:tailEnd len="sm" w="sm" type="none"/>
+                    <a:lnB w="19050" cap="flat" cmpd="sng">
+                      <a:solidFill>
+                        <a:srgbClr val="000000"/>
+                      </a:solidFill>
+                      <a:prstDash val="solid"/>
+                      <a:round/>
+                      <a:headEnd type="none" w="sm" len="sm"/>
+                      <a:tailEnd type="none" w="sm" len="sm"/>
                     </a:lnB>
                     <a:solidFill>
                       <a:schemeClr val="lt1"/>
@@ -8208,7 +8989,7 @@
                     <a:bodyPr/>
                     <a:lstStyle/>
                     <a:p>
-                      <a:pPr indent="0" lvl="0" marL="0" rtl="0" algn="ctr">
+                      <a:pPr marL="0" lvl="0" indent="0" algn="ctr" rtl="0">
                         <a:lnSpc>
                           <a:spcPct val="100000"/>
                         </a:lnSpc>
@@ -8220,12 +9001,9 @@
                         </a:spcAft>
                         <a:buNone/>
                       </a:pPr>
-                      <a:r>
-                        <a:t/>
-                      </a:r>
-                      <a:endParaRPr sz="900">
+                      <a:endParaRPr sz="700">
                         <a:solidFill>
-                          <a:srgbClr val="404040"/>
+                          <a:schemeClr val="dk1"/>
                         </a:solidFill>
                         <a:latin typeface="Montserrat SemiBold"/>
                         <a:ea typeface="Montserrat SemiBold"/>
@@ -8234,42 +9012,42 @@
                       </a:endParaRPr>
                     </a:p>
                   </a:txBody>
-                  <a:tcPr marT="91425" marB="91425" marR="91425" marL="91425">
-                    <a:lnL cap="flat" cmpd="sng" w="19050">
-                      <a:solidFill>
-                        <a:srgbClr val="000000"/>
-                      </a:solidFill>
-                      <a:prstDash val="solid"/>
-                      <a:round/>
-                      <a:headEnd len="sm" w="sm" type="none"/>
-                      <a:tailEnd len="sm" w="sm" type="none"/>
+                  <a:tcPr marL="91425" marR="91425" marT="91425" marB="91425">
+                    <a:lnL w="19050" cap="flat" cmpd="sng">
+                      <a:solidFill>
+                        <a:srgbClr val="000000"/>
+                      </a:solidFill>
+                      <a:prstDash val="solid"/>
+                      <a:round/>
+                      <a:headEnd type="none" w="sm" len="sm"/>
+                      <a:tailEnd type="none" w="sm" len="sm"/>
                     </a:lnL>
-                    <a:lnR cap="flat" cmpd="sng" w="19050">
-                      <a:solidFill>
-                        <a:srgbClr val="000000"/>
-                      </a:solidFill>
-                      <a:prstDash val="solid"/>
-                      <a:round/>
-                      <a:headEnd len="sm" w="sm" type="none"/>
-                      <a:tailEnd len="sm" w="sm" type="none"/>
+                    <a:lnR w="19050" cap="flat" cmpd="sng">
+                      <a:solidFill>
+                        <a:srgbClr val="000000"/>
+                      </a:solidFill>
+                      <a:prstDash val="solid"/>
+                      <a:round/>
+                      <a:headEnd type="none" w="sm" len="sm"/>
+                      <a:tailEnd type="none" w="sm" len="sm"/>
                     </a:lnR>
-                    <a:lnT cap="flat" cmpd="sng" w="19050">
-                      <a:solidFill>
-                        <a:srgbClr val="000000"/>
-                      </a:solidFill>
-                      <a:prstDash val="solid"/>
-                      <a:round/>
-                      <a:headEnd len="sm" w="sm" type="none"/>
-                      <a:tailEnd len="sm" w="sm" type="none"/>
+                    <a:lnT w="19050" cap="flat" cmpd="sng">
+                      <a:solidFill>
+                        <a:srgbClr val="000000"/>
+                      </a:solidFill>
+                      <a:prstDash val="solid"/>
+                      <a:round/>
+                      <a:headEnd type="none" w="sm" len="sm"/>
+                      <a:tailEnd type="none" w="sm" len="sm"/>
                     </a:lnT>
-                    <a:lnB cap="flat" cmpd="sng" w="19050">
-                      <a:solidFill>
-                        <a:srgbClr val="000000"/>
-                      </a:solidFill>
-                      <a:prstDash val="solid"/>
-                      <a:round/>
-                      <a:headEnd len="sm" w="sm" type="none"/>
-                      <a:tailEnd len="sm" w="sm" type="none"/>
+                    <a:lnB w="19050" cap="flat" cmpd="sng">
+                      <a:solidFill>
+                        <a:srgbClr val="000000"/>
+                      </a:solidFill>
+                      <a:prstDash val="solid"/>
+                      <a:round/>
+                      <a:headEnd type="none" w="sm" len="sm"/>
+                      <a:tailEnd type="none" w="sm" len="sm"/>
                     </a:lnB>
                     <a:solidFill>
                       <a:schemeClr val="lt1"/>
@@ -8281,7 +9059,7 @@
                     <a:bodyPr/>
                     <a:lstStyle/>
                     <a:p>
-                      <a:pPr indent="0" lvl="0" marL="0" rtl="0" algn="ctr">
+                      <a:pPr marL="0" lvl="0" indent="0" algn="ctr" rtl="0">
                         <a:lnSpc>
                           <a:spcPct val="100000"/>
                         </a:lnSpc>
@@ -8293,12 +9071,9 @@
                         </a:spcAft>
                         <a:buNone/>
                       </a:pPr>
-                      <a:r>
-                        <a:t/>
-                      </a:r>
-                      <a:endParaRPr sz="900">
+                      <a:endParaRPr sz="700">
                         <a:solidFill>
-                          <a:srgbClr val="404040"/>
+                          <a:schemeClr val="dk1"/>
                         </a:solidFill>
                         <a:latin typeface="Montserrat SemiBold"/>
                         <a:ea typeface="Montserrat SemiBold"/>
@@ -8307,48 +9082,53 @@
                       </a:endParaRPr>
                     </a:p>
                   </a:txBody>
-                  <a:tcPr marT="91425" marB="91425" marR="91425" marL="91425">
-                    <a:lnL cap="flat" cmpd="sng" w="19050">
-                      <a:solidFill>
-                        <a:srgbClr val="000000"/>
-                      </a:solidFill>
-                      <a:prstDash val="solid"/>
-                      <a:round/>
-                      <a:headEnd len="sm" w="sm" type="none"/>
-                      <a:tailEnd len="sm" w="sm" type="none"/>
+                  <a:tcPr marL="91425" marR="91425" marT="91425" marB="91425">
+                    <a:lnL w="19050" cap="flat" cmpd="sng">
+                      <a:solidFill>
+                        <a:srgbClr val="000000"/>
+                      </a:solidFill>
+                      <a:prstDash val="solid"/>
+                      <a:round/>
+                      <a:headEnd type="none" w="sm" len="sm"/>
+                      <a:tailEnd type="none" w="sm" len="sm"/>
                     </a:lnL>
-                    <a:lnR cap="flat" cmpd="sng" w="19050">
-                      <a:solidFill>
-                        <a:srgbClr val="000000"/>
-                      </a:solidFill>
-                      <a:prstDash val="solid"/>
-                      <a:round/>
-                      <a:headEnd len="sm" w="sm" type="none"/>
-                      <a:tailEnd len="sm" w="sm" type="none"/>
+                    <a:lnR w="19050" cap="flat" cmpd="sng">
+                      <a:solidFill>
+                        <a:srgbClr val="000000"/>
+                      </a:solidFill>
+                      <a:prstDash val="solid"/>
+                      <a:round/>
+                      <a:headEnd type="none" w="sm" len="sm"/>
+                      <a:tailEnd type="none" w="sm" len="sm"/>
                     </a:lnR>
-                    <a:lnT cap="flat" cmpd="sng" w="19050">
-                      <a:solidFill>
-                        <a:srgbClr val="000000"/>
-                      </a:solidFill>
-                      <a:prstDash val="solid"/>
-                      <a:round/>
-                      <a:headEnd len="sm" w="sm" type="none"/>
-                      <a:tailEnd len="sm" w="sm" type="none"/>
+                    <a:lnT w="19050" cap="flat" cmpd="sng">
+                      <a:solidFill>
+                        <a:srgbClr val="000000"/>
+                      </a:solidFill>
+                      <a:prstDash val="solid"/>
+                      <a:round/>
+                      <a:headEnd type="none" w="sm" len="sm"/>
+                      <a:tailEnd type="none" w="sm" len="sm"/>
                     </a:lnT>
-                    <a:lnB cap="flat" cmpd="sng" w="19050">
-                      <a:solidFill>
-                        <a:srgbClr val="000000"/>
-                      </a:solidFill>
-                      <a:prstDash val="solid"/>
-                      <a:round/>
-                      <a:headEnd len="sm" w="sm" type="none"/>
-                      <a:tailEnd len="sm" w="sm" type="none"/>
+                    <a:lnB w="19050" cap="flat" cmpd="sng">
+                      <a:solidFill>
+                        <a:srgbClr val="000000"/>
+                      </a:solidFill>
+                      <a:prstDash val="solid"/>
+                      <a:round/>
+                      <a:headEnd type="none" w="sm" len="sm"/>
+                      <a:tailEnd type="none" w="sm" len="sm"/>
                     </a:lnB>
                     <a:solidFill>
                       <a:schemeClr val="lt1"/>
                     </a:solidFill>
                   </a:tcPr>
                 </a:tc>
+                <a:extLst>
+                  <a:ext uri="{0D108BD9-81ED-4DB2-BD59-A6C34878D82A}">
+                    <a16:rowId xmlns:a16="http://schemas.microsoft.com/office/drawing/2014/main" val="10010"/>
+                  </a:ext>
+                </a:extLst>
               </a:tr>
               <a:tr h="257175">
                 <a:tc>
@@ -8356,7 +9136,7 @@
                     <a:bodyPr/>
                     <a:lstStyle/>
                     <a:p>
-                      <a:pPr indent="0" lvl="0" marL="0" rtl="0" algn="l">
+                      <a:pPr marL="0" lvl="0" indent="0" algn="l" rtl="0">
                         <a:lnSpc>
                           <a:spcPct val="100000"/>
                         </a:lnSpc>
@@ -8369,7 +9149,7 @@
                         <a:buNone/>
                       </a:pPr>
                       <a:r>
-                        <a:rPr b="1" lang="es-419" sz="900">
+                        <a:rPr lang="es-419" sz="900" b="1">
                           <a:solidFill>
                             <a:schemeClr val="dk1"/>
                           </a:solidFill>
@@ -8378,9 +9158,9 @@
                           <a:cs typeface="Montserrat"/>
                           <a:sym typeface="Montserrat"/>
                         </a:rPr>
-                        <a:t>Ambulancia</a:t>
+                        <a:t>Aerobote</a:t>
                       </a:r>
-                      <a:endParaRPr b="1" sz="900">
+                      <a:endParaRPr sz="900" b="1">
                         <a:solidFill>
                           <a:schemeClr val="dk1"/>
                         </a:solidFill>
@@ -8391,42 +9171,42 @@
                       </a:endParaRPr>
                     </a:p>
                   </a:txBody>
-                  <a:tcPr marT="91425" marB="91425" marR="91425" marL="91425">
-                    <a:lnL cap="flat" cmpd="sng" w="19050">
-                      <a:solidFill>
-                        <a:srgbClr val="000000"/>
-                      </a:solidFill>
-                      <a:prstDash val="solid"/>
-                      <a:round/>
-                      <a:headEnd len="sm" w="sm" type="none"/>
-                      <a:tailEnd len="sm" w="sm" type="none"/>
+                  <a:tcPr marL="91425" marR="91425" marT="91425" marB="91425">
+                    <a:lnL w="19050" cap="flat" cmpd="sng">
+                      <a:solidFill>
+                        <a:srgbClr val="000000"/>
+                      </a:solidFill>
+                      <a:prstDash val="solid"/>
+                      <a:round/>
+                      <a:headEnd type="none" w="sm" len="sm"/>
+                      <a:tailEnd type="none" w="sm" len="sm"/>
                     </a:lnL>
-                    <a:lnR cap="flat" cmpd="sng" w="19050">
-                      <a:solidFill>
-                        <a:srgbClr val="000000"/>
-                      </a:solidFill>
-                      <a:prstDash val="solid"/>
-                      <a:round/>
-                      <a:headEnd len="sm" w="sm" type="none"/>
-                      <a:tailEnd len="sm" w="sm" type="none"/>
+                    <a:lnR w="19050" cap="flat" cmpd="sng">
+                      <a:solidFill>
+                        <a:srgbClr val="000000"/>
+                      </a:solidFill>
+                      <a:prstDash val="solid"/>
+                      <a:round/>
+                      <a:headEnd type="none" w="sm" len="sm"/>
+                      <a:tailEnd type="none" w="sm" len="sm"/>
                     </a:lnR>
-                    <a:lnT cap="flat" cmpd="sng" w="19050">
-                      <a:solidFill>
-                        <a:srgbClr val="000000"/>
-                      </a:solidFill>
-                      <a:prstDash val="solid"/>
-                      <a:round/>
-                      <a:headEnd len="sm" w="sm" type="none"/>
-                      <a:tailEnd len="sm" w="sm" type="none"/>
+                    <a:lnT w="19050" cap="flat" cmpd="sng">
+                      <a:solidFill>
+                        <a:srgbClr val="000000"/>
+                      </a:solidFill>
+                      <a:prstDash val="solid"/>
+                      <a:round/>
+                      <a:headEnd type="none" w="sm" len="sm"/>
+                      <a:tailEnd type="none" w="sm" len="sm"/>
                     </a:lnT>
-                    <a:lnB cap="flat" cmpd="sng" w="19050">
-                      <a:solidFill>
-                        <a:srgbClr val="000000"/>
-                      </a:solidFill>
-                      <a:prstDash val="solid"/>
-                      <a:round/>
-                      <a:headEnd len="sm" w="sm" type="none"/>
-                      <a:tailEnd len="sm" w="sm" type="none"/>
+                    <a:lnB w="19050" cap="flat" cmpd="sng">
+                      <a:solidFill>
+                        <a:srgbClr val="000000"/>
+                      </a:solidFill>
+                      <a:prstDash val="solid"/>
+                      <a:round/>
+                      <a:headEnd type="none" w="sm" len="sm"/>
+                      <a:tailEnd type="none" w="sm" len="sm"/>
                     </a:lnB>
                     <a:solidFill>
                       <a:srgbClr val="D9D9D9"/>
@@ -8438,7 +9218,7 @@
                     <a:bodyPr/>
                     <a:lstStyle/>
                     <a:p>
-                      <a:pPr indent="0" lvl="0" marL="0" rtl="0" algn="ctr">
+                      <a:pPr marL="0" lvl="0" indent="0" algn="ctr" rtl="0">
                         <a:lnSpc>
                           <a:spcPct val="100000"/>
                         </a:lnSpc>
@@ -8450,9 +9230,6 @@
                         </a:spcAft>
                         <a:buNone/>
                       </a:pPr>
-                      <a:r>
-                        <a:t/>
-                      </a:r>
                       <a:endParaRPr sz="700">
                         <a:solidFill>
                           <a:schemeClr val="dk1"/>
@@ -8464,42 +9241,42 @@
                       </a:endParaRPr>
                     </a:p>
                   </a:txBody>
-                  <a:tcPr marT="91425" marB="91425" marR="91425" marL="91425">
-                    <a:lnL cap="flat" cmpd="sng" w="19050">
-                      <a:solidFill>
-                        <a:srgbClr val="000000"/>
-                      </a:solidFill>
-                      <a:prstDash val="solid"/>
-                      <a:round/>
-                      <a:headEnd len="sm" w="sm" type="none"/>
-                      <a:tailEnd len="sm" w="sm" type="none"/>
+                  <a:tcPr marL="91425" marR="91425" marT="91425" marB="91425">
+                    <a:lnL w="19050" cap="flat" cmpd="sng">
+                      <a:solidFill>
+                        <a:srgbClr val="000000"/>
+                      </a:solidFill>
+                      <a:prstDash val="solid"/>
+                      <a:round/>
+                      <a:headEnd type="none" w="sm" len="sm"/>
+                      <a:tailEnd type="none" w="sm" len="sm"/>
                     </a:lnL>
-                    <a:lnR cap="flat" cmpd="sng" w="19050">
-                      <a:solidFill>
-                        <a:srgbClr val="000000"/>
-                      </a:solidFill>
-                      <a:prstDash val="solid"/>
-                      <a:round/>
-                      <a:headEnd len="sm" w="sm" type="none"/>
-                      <a:tailEnd len="sm" w="sm" type="none"/>
+                    <a:lnR w="19050" cap="flat" cmpd="sng">
+                      <a:solidFill>
+                        <a:srgbClr val="000000"/>
+                      </a:solidFill>
+                      <a:prstDash val="solid"/>
+                      <a:round/>
+                      <a:headEnd type="none" w="sm" len="sm"/>
+                      <a:tailEnd type="none" w="sm" len="sm"/>
                     </a:lnR>
-                    <a:lnT cap="flat" cmpd="sng" w="19050">
-                      <a:solidFill>
-                        <a:srgbClr val="000000"/>
-                      </a:solidFill>
-                      <a:prstDash val="solid"/>
-                      <a:round/>
-                      <a:headEnd len="sm" w="sm" type="none"/>
-                      <a:tailEnd len="sm" w="sm" type="none"/>
+                    <a:lnT w="19050" cap="flat" cmpd="sng">
+                      <a:solidFill>
+                        <a:srgbClr val="000000"/>
+                      </a:solidFill>
+                      <a:prstDash val="solid"/>
+                      <a:round/>
+                      <a:headEnd type="none" w="sm" len="sm"/>
+                      <a:tailEnd type="none" w="sm" len="sm"/>
                     </a:lnT>
-                    <a:lnB cap="flat" cmpd="sng" w="19050">
-                      <a:solidFill>
-                        <a:srgbClr val="000000"/>
-                      </a:solidFill>
-                      <a:prstDash val="solid"/>
-                      <a:round/>
-                      <a:headEnd len="sm" w="sm" type="none"/>
-                      <a:tailEnd len="sm" w="sm" type="none"/>
+                    <a:lnB w="19050" cap="flat" cmpd="sng">
+                      <a:solidFill>
+                        <a:srgbClr val="000000"/>
+                      </a:solidFill>
+                      <a:prstDash val="solid"/>
+                      <a:round/>
+                      <a:headEnd type="none" w="sm" len="sm"/>
+                      <a:tailEnd type="none" w="sm" len="sm"/>
                     </a:lnB>
                     <a:solidFill>
                       <a:srgbClr val="D9D9D9"/>
@@ -8511,7 +9288,7 @@
                     <a:bodyPr/>
                     <a:lstStyle/>
                     <a:p>
-                      <a:pPr indent="0" lvl="0" marL="0" rtl="0" algn="ctr">
+                      <a:pPr marL="0" lvl="0" indent="0" algn="ctr" rtl="0">
                         <a:lnSpc>
                           <a:spcPct val="100000"/>
                         </a:lnSpc>
@@ -8523,9 +9300,6 @@
                         </a:spcAft>
                         <a:buNone/>
                       </a:pPr>
-                      <a:r>
-                        <a:t/>
-                      </a:r>
                       <a:endParaRPr sz="700">
                         <a:solidFill>
                           <a:schemeClr val="dk1"/>
@@ -8537,42 +9311,42 @@
                       </a:endParaRPr>
                     </a:p>
                   </a:txBody>
-                  <a:tcPr marT="91425" marB="91425" marR="91425" marL="91425">
-                    <a:lnL cap="flat" cmpd="sng" w="19050">
-                      <a:solidFill>
-                        <a:srgbClr val="000000"/>
-                      </a:solidFill>
-                      <a:prstDash val="solid"/>
-                      <a:round/>
-                      <a:headEnd len="sm" w="sm" type="none"/>
-                      <a:tailEnd len="sm" w="sm" type="none"/>
+                  <a:tcPr marL="91425" marR="91425" marT="91425" marB="91425">
+                    <a:lnL w="19050" cap="flat" cmpd="sng">
+                      <a:solidFill>
+                        <a:srgbClr val="000000"/>
+                      </a:solidFill>
+                      <a:prstDash val="solid"/>
+                      <a:round/>
+                      <a:headEnd type="none" w="sm" len="sm"/>
+                      <a:tailEnd type="none" w="sm" len="sm"/>
                     </a:lnL>
-                    <a:lnR cap="flat" cmpd="sng" w="19050">
-                      <a:solidFill>
-                        <a:srgbClr val="000000"/>
-                      </a:solidFill>
-                      <a:prstDash val="solid"/>
-                      <a:round/>
-                      <a:headEnd len="sm" w="sm" type="none"/>
-                      <a:tailEnd len="sm" w="sm" type="none"/>
+                    <a:lnR w="19050" cap="flat" cmpd="sng">
+                      <a:solidFill>
+                        <a:srgbClr val="000000"/>
+                      </a:solidFill>
+                      <a:prstDash val="solid"/>
+                      <a:round/>
+                      <a:headEnd type="none" w="sm" len="sm"/>
+                      <a:tailEnd type="none" w="sm" len="sm"/>
                     </a:lnR>
-                    <a:lnT cap="flat" cmpd="sng" w="19050">
-                      <a:solidFill>
-                        <a:srgbClr val="000000"/>
-                      </a:solidFill>
-                      <a:prstDash val="solid"/>
-                      <a:round/>
-                      <a:headEnd len="sm" w="sm" type="none"/>
-                      <a:tailEnd len="sm" w="sm" type="none"/>
+                    <a:lnT w="19050" cap="flat" cmpd="sng">
+                      <a:solidFill>
+                        <a:srgbClr val="000000"/>
+                      </a:solidFill>
+                      <a:prstDash val="solid"/>
+                      <a:round/>
+                      <a:headEnd type="none" w="sm" len="sm"/>
+                      <a:tailEnd type="none" w="sm" len="sm"/>
                     </a:lnT>
-                    <a:lnB cap="flat" cmpd="sng" w="19050">
-                      <a:solidFill>
-                        <a:srgbClr val="000000"/>
-                      </a:solidFill>
-                      <a:prstDash val="solid"/>
-                      <a:round/>
-                      <a:headEnd len="sm" w="sm" type="none"/>
-                      <a:tailEnd len="sm" w="sm" type="none"/>
+                    <a:lnB w="19050" cap="flat" cmpd="sng">
+                      <a:solidFill>
+                        <a:srgbClr val="000000"/>
+                      </a:solidFill>
+                      <a:prstDash val="solid"/>
+                      <a:round/>
+                      <a:headEnd type="none" w="sm" len="sm"/>
+                      <a:tailEnd type="none" w="sm" len="sm"/>
                     </a:lnB>
                     <a:solidFill>
                       <a:srgbClr val="D9D9D9"/>
@@ -8584,7 +9358,7 @@
                     <a:bodyPr/>
                     <a:lstStyle/>
                     <a:p>
-                      <a:pPr indent="0" lvl="0" marL="0" rtl="0" algn="ctr">
+                      <a:pPr marL="0" lvl="0" indent="0" algn="ctr" rtl="0">
                         <a:lnSpc>
                           <a:spcPct val="100000"/>
                         </a:lnSpc>
@@ -8596,9 +9370,6 @@
                         </a:spcAft>
                         <a:buNone/>
                       </a:pPr>
-                      <a:r>
-                        <a:t/>
-                      </a:r>
                       <a:endParaRPr sz="700">
                         <a:solidFill>
                           <a:schemeClr val="dk1"/>
@@ -8610,48 +9381,53 @@
                       </a:endParaRPr>
                     </a:p>
                   </a:txBody>
-                  <a:tcPr marT="91425" marB="91425" marR="91425" marL="91425">
-                    <a:lnL cap="flat" cmpd="sng" w="19050">
-                      <a:solidFill>
-                        <a:srgbClr val="000000"/>
-                      </a:solidFill>
-                      <a:prstDash val="solid"/>
-                      <a:round/>
-                      <a:headEnd len="sm" w="sm" type="none"/>
-                      <a:tailEnd len="sm" w="sm" type="none"/>
+                  <a:tcPr marL="91425" marR="91425" marT="91425" marB="91425">
+                    <a:lnL w="19050" cap="flat" cmpd="sng">
+                      <a:solidFill>
+                        <a:srgbClr val="000000"/>
+                      </a:solidFill>
+                      <a:prstDash val="solid"/>
+                      <a:round/>
+                      <a:headEnd type="none" w="sm" len="sm"/>
+                      <a:tailEnd type="none" w="sm" len="sm"/>
                     </a:lnL>
-                    <a:lnR cap="flat" cmpd="sng" w="19050">
-                      <a:solidFill>
-                        <a:srgbClr val="000000"/>
-                      </a:solidFill>
-                      <a:prstDash val="solid"/>
-                      <a:round/>
-                      <a:headEnd len="sm" w="sm" type="none"/>
-                      <a:tailEnd len="sm" w="sm" type="none"/>
+                    <a:lnR w="19050" cap="flat" cmpd="sng">
+                      <a:solidFill>
+                        <a:srgbClr val="000000"/>
+                      </a:solidFill>
+                      <a:prstDash val="solid"/>
+                      <a:round/>
+                      <a:headEnd type="none" w="sm" len="sm"/>
+                      <a:tailEnd type="none" w="sm" len="sm"/>
                     </a:lnR>
-                    <a:lnT cap="flat" cmpd="sng" w="19050">
-                      <a:solidFill>
-                        <a:srgbClr val="000000"/>
-                      </a:solidFill>
-                      <a:prstDash val="solid"/>
-                      <a:round/>
-                      <a:headEnd len="sm" w="sm" type="none"/>
-                      <a:tailEnd len="sm" w="sm" type="none"/>
+                    <a:lnT w="19050" cap="flat" cmpd="sng">
+                      <a:solidFill>
+                        <a:srgbClr val="000000"/>
+                      </a:solidFill>
+                      <a:prstDash val="solid"/>
+                      <a:round/>
+                      <a:headEnd type="none" w="sm" len="sm"/>
+                      <a:tailEnd type="none" w="sm" len="sm"/>
                     </a:lnT>
-                    <a:lnB cap="flat" cmpd="sng" w="19050">
-                      <a:solidFill>
-                        <a:srgbClr val="000000"/>
-                      </a:solidFill>
-                      <a:prstDash val="solid"/>
-                      <a:round/>
-                      <a:headEnd len="sm" w="sm" type="none"/>
-                      <a:tailEnd len="sm" w="sm" type="none"/>
+                    <a:lnB w="19050" cap="flat" cmpd="sng">
+                      <a:solidFill>
+                        <a:srgbClr val="000000"/>
+                      </a:solidFill>
+                      <a:prstDash val="solid"/>
+                      <a:round/>
+                      <a:headEnd type="none" w="sm" len="sm"/>
+                      <a:tailEnd type="none" w="sm" len="sm"/>
                     </a:lnB>
                     <a:solidFill>
                       <a:srgbClr val="D9D9D9"/>
                     </a:solidFill>
                   </a:tcPr>
                 </a:tc>
+                <a:extLst>
+                  <a:ext uri="{0D108BD9-81ED-4DB2-BD59-A6C34878D82A}">
+                    <a16:rowId xmlns:a16="http://schemas.microsoft.com/office/drawing/2014/main" val="10011"/>
+                  </a:ext>
+                </a:extLst>
               </a:tr>
               <a:tr h="257175">
                 <a:tc>
@@ -8659,7 +9435,7 @@
                     <a:bodyPr/>
                     <a:lstStyle/>
                     <a:p>
-                      <a:pPr indent="0" lvl="0" marL="0" rtl="0" algn="l">
+                      <a:pPr marL="0" lvl="0" indent="0" algn="l" rtl="0">
                         <a:lnSpc>
                           <a:spcPct val="100000"/>
                         </a:lnSpc>
@@ -8672,7 +9448,7 @@
                         <a:buNone/>
                       </a:pPr>
                       <a:r>
-                        <a:rPr b="1" lang="es-419" sz="900">
+                        <a:rPr lang="es-419" sz="900" b="1">
                           <a:solidFill>
                             <a:schemeClr val="dk1"/>
                           </a:solidFill>
@@ -8681,9 +9457,9 @@
                           <a:cs typeface="Montserrat"/>
                           <a:sym typeface="Montserrat"/>
                         </a:rPr>
-                        <a:t>Cargo</a:t>
+                        <a:t>Microbus</a:t>
                       </a:r>
-                      <a:endParaRPr b="1" sz="900">
+                      <a:endParaRPr sz="900" b="1">
                         <a:solidFill>
                           <a:schemeClr val="dk1"/>
                         </a:solidFill>
@@ -8694,42 +9470,42 @@
                       </a:endParaRPr>
                     </a:p>
                   </a:txBody>
-                  <a:tcPr marT="91425" marB="91425" marR="91425" marL="91425">
-                    <a:lnL cap="flat" cmpd="sng" w="19050">
-                      <a:solidFill>
-                        <a:srgbClr val="000000"/>
-                      </a:solidFill>
-                      <a:prstDash val="solid"/>
-                      <a:round/>
-                      <a:headEnd len="sm" w="sm" type="none"/>
-                      <a:tailEnd len="sm" w="sm" type="none"/>
+                  <a:tcPr marL="91425" marR="91425" marT="91425" marB="91425">
+                    <a:lnL w="19050" cap="flat" cmpd="sng">
+                      <a:solidFill>
+                        <a:srgbClr val="000000"/>
+                      </a:solidFill>
+                      <a:prstDash val="solid"/>
+                      <a:round/>
+                      <a:headEnd type="none" w="sm" len="sm"/>
+                      <a:tailEnd type="none" w="sm" len="sm"/>
                     </a:lnL>
-                    <a:lnR cap="flat" cmpd="sng" w="19050">
-                      <a:solidFill>
-                        <a:srgbClr val="000000"/>
-                      </a:solidFill>
-                      <a:prstDash val="solid"/>
-                      <a:round/>
-                      <a:headEnd len="sm" w="sm" type="none"/>
-                      <a:tailEnd len="sm" w="sm" type="none"/>
+                    <a:lnR w="19050" cap="flat" cmpd="sng">
+                      <a:solidFill>
+                        <a:srgbClr val="000000"/>
+                      </a:solidFill>
+                      <a:prstDash val="solid"/>
+                      <a:round/>
+                      <a:headEnd type="none" w="sm" len="sm"/>
+                      <a:tailEnd type="none" w="sm" len="sm"/>
                     </a:lnR>
-                    <a:lnT cap="flat" cmpd="sng" w="19050">
-                      <a:solidFill>
-                        <a:srgbClr val="000000"/>
-                      </a:solidFill>
-                      <a:prstDash val="solid"/>
-                      <a:round/>
-                      <a:headEnd len="sm" w="sm" type="none"/>
-                      <a:tailEnd len="sm" w="sm" type="none"/>
+                    <a:lnT w="19050" cap="flat" cmpd="sng">
+                      <a:solidFill>
+                        <a:srgbClr val="000000"/>
+                      </a:solidFill>
+                      <a:prstDash val="solid"/>
+                      <a:round/>
+                      <a:headEnd type="none" w="sm" len="sm"/>
+                      <a:tailEnd type="none" w="sm" len="sm"/>
                     </a:lnT>
-                    <a:lnB cap="flat" cmpd="sng" w="19050">
-                      <a:solidFill>
-                        <a:srgbClr val="000000"/>
-                      </a:solidFill>
-                      <a:prstDash val="solid"/>
-                      <a:round/>
-                      <a:headEnd len="sm" w="sm" type="none"/>
-                      <a:tailEnd len="sm" w="sm" type="none"/>
+                    <a:lnB w="19050" cap="flat" cmpd="sng">
+                      <a:solidFill>
+                        <a:srgbClr val="000000"/>
+                      </a:solidFill>
+                      <a:prstDash val="solid"/>
+                      <a:round/>
+                      <a:headEnd type="none" w="sm" len="sm"/>
+                      <a:tailEnd type="none" w="sm" len="sm"/>
                     </a:lnB>
                     <a:solidFill>
                       <a:schemeClr val="lt1"/>
@@ -8741,7 +9517,7 @@
                     <a:bodyPr/>
                     <a:lstStyle/>
                     <a:p>
-                      <a:pPr indent="0" lvl="0" marL="0" rtl="0" algn="ctr">
+                      <a:pPr marL="0" lvl="0" indent="0" algn="ctr" rtl="0">
                         <a:lnSpc>
                           <a:spcPct val="100000"/>
                         </a:lnSpc>
@@ -8753,9 +9529,6 @@
                         </a:spcAft>
                         <a:buNone/>
                       </a:pPr>
-                      <a:r>
-                        <a:t/>
-                      </a:r>
                       <a:endParaRPr sz="700">
                         <a:solidFill>
                           <a:schemeClr val="dk1"/>
@@ -8767,42 +9540,42 @@
                       </a:endParaRPr>
                     </a:p>
                   </a:txBody>
-                  <a:tcPr marT="91425" marB="91425" marR="91425" marL="91425">
-                    <a:lnL cap="flat" cmpd="sng" w="19050">
-                      <a:solidFill>
-                        <a:srgbClr val="000000"/>
-                      </a:solidFill>
-                      <a:prstDash val="solid"/>
-                      <a:round/>
-                      <a:headEnd len="sm" w="sm" type="none"/>
-                      <a:tailEnd len="sm" w="sm" type="none"/>
+                  <a:tcPr marL="91425" marR="91425" marT="91425" marB="91425">
+                    <a:lnL w="19050" cap="flat" cmpd="sng">
+                      <a:solidFill>
+                        <a:srgbClr val="000000"/>
+                      </a:solidFill>
+                      <a:prstDash val="solid"/>
+                      <a:round/>
+                      <a:headEnd type="none" w="sm" len="sm"/>
+                      <a:tailEnd type="none" w="sm" len="sm"/>
                     </a:lnL>
-                    <a:lnR cap="flat" cmpd="sng" w="19050">
-                      <a:solidFill>
-                        <a:srgbClr val="000000"/>
-                      </a:solidFill>
-                      <a:prstDash val="solid"/>
-                      <a:round/>
-                      <a:headEnd len="sm" w="sm" type="none"/>
-                      <a:tailEnd len="sm" w="sm" type="none"/>
+                    <a:lnR w="19050" cap="flat" cmpd="sng">
+                      <a:solidFill>
+                        <a:srgbClr val="000000"/>
+                      </a:solidFill>
+                      <a:prstDash val="solid"/>
+                      <a:round/>
+                      <a:headEnd type="none" w="sm" len="sm"/>
+                      <a:tailEnd type="none" w="sm" len="sm"/>
                     </a:lnR>
-                    <a:lnT cap="flat" cmpd="sng" w="19050">
-                      <a:solidFill>
-                        <a:srgbClr val="000000"/>
-                      </a:solidFill>
-                      <a:prstDash val="solid"/>
-                      <a:round/>
-                      <a:headEnd len="sm" w="sm" type="none"/>
-                      <a:tailEnd len="sm" w="sm" type="none"/>
+                    <a:lnT w="19050" cap="flat" cmpd="sng">
+                      <a:solidFill>
+                        <a:srgbClr val="000000"/>
+                      </a:solidFill>
+                      <a:prstDash val="solid"/>
+                      <a:round/>
+                      <a:headEnd type="none" w="sm" len="sm"/>
+                      <a:tailEnd type="none" w="sm" len="sm"/>
                     </a:lnT>
-                    <a:lnB cap="flat" cmpd="sng" w="19050">
-                      <a:solidFill>
-                        <a:srgbClr val="000000"/>
-                      </a:solidFill>
-                      <a:prstDash val="solid"/>
-                      <a:round/>
-                      <a:headEnd len="sm" w="sm" type="none"/>
-                      <a:tailEnd len="sm" w="sm" type="none"/>
+                    <a:lnB w="19050" cap="flat" cmpd="sng">
+                      <a:solidFill>
+                        <a:srgbClr val="000000"/>
+                      </a:solidFill>
+                      <a:prstDash val="solid"/>
+                      <a:round/>
+                      <a:headEnd type="none" w="sm" len="sm"/>
+                      <a:tailEnd type="none" w="sm" len="sm"/>
                     </a:lnB>
                     <a:solidFill>
                       <a:schemeClr val="lt1"/>
@@ -8814,7 +9587,7 @@
                     <a:bodyPr/>
                     <a:lstStyle/>
                     <a:p>
-                      <a:pPr indent="0" lvl="0" marL="0" rtl="0" algn="ctr">
+                      <a:pPr marL="0" lvl="0" indent="0" algn="ctr" rtl="0">
                         <a:lnSpc>
                           <a:spcPct val="100000"/>
                         </a:lnSpc>
@@ -8826,9 +9599,6 @@
                         </a:spcAft>
                         <a:buNone/>
                       </a:pPr>
-                      <a:r>
-                        <a:t/>
-                      </a:r>
                       <a:endParaRPr sz="700">
                         <a:solidFill>
                           <a:schemeClr val="dk1"/>
@@ -8840,42 +9610,42 @@
                       </a:endParaRPr>
                     </a:p>
                   </a:txBody>
-                  <a:tcPr marT="91425" marB="91425" marR="91425" marL="91425">
-                    <a:lnL cap="flat" cmpd="sng" w="19050">
-                      <a:solidFill>
-                        <a:srgbClr val="000000"/>
-                      </a:solidFill>
-                      <a:prstDash val="solid"/>
-                      <a:round/>
-                      <a:headEnd len="sm" w="sm" type="none"/>
-                      <a:tailEnd len="sm" w="sm" type="none"/>
+                  <a:tcPr marL="91425" marR="91425" marT="91425" marB="91425">
+                    <a:lnL w="19050" cap="flat" cmpd="sng">
+                      <a:solidFill>
+                        <a:srgbClr val="000000"/>
+                      </a:solidFill>
+                      <a:prstDash val="solid"/>
+                      <a:round/>
+                      <a:headEnd type="none" w="sm" len="sm"/>
+                      <a:tailEnd type="none" w="sm" len="sm"/>
                     </a:lnL>
-                    <a:lnR cap="flat" cmpd="sng" w="19050">
-                      <a:solidFill>
-                        <a:srgbClr val="000000"/>
-                      </a:solidFill>
-                      <a:prstDash val="solid"/>
-                      <a:round/>
-                      <a:headEnd len="sm" w="sm" type="none"/>
-                      <a:tailEnd len="sm" w="sm" type="none"/>
+                    <a:lnR w="19050" cap="flat" cmpd="sng">
+                      <a:solidFill>
+                        <a:srgbClr val="000000"/>
+                      </a:solidFill>
+                      <a:prstDash val="solid"/>
+                      <a:round/>
+                      <a:headEnd type="none" w="sm" len="sm"/>
+                      <a:tailEnd type="none" w="sm" len="sm"/>
                     </a:lnR>
-                    <a:lnT cap="flat" cmpd="sng" w="19050">
-                      <a:solidFill>
-                        <a:srgbClr val="000000"/>
-                      </a:solidFill>
-                      <a:prstDash val="solid"/>
-                      <a:round/>
-                      <a:headEnd len="sm" w="sm" type="none"/>
-                      <a:tailEnd len="sm" w="sm" type="none"/>
+                    <a:lnT w="19050" cap="flat" cmpd="sng">
+                      <a:solidFill>
+                        <a:srgbClr val="000000"/>
+                      </a:solidFill>
+                      <a:prstDash val="solid"/>
+                      <a:round/>
+                      <a:headEnd type="none" w="sm" len="sm"/>
+                      <a:tailEnd type="none" w="sm" len="sm"/>
                     </a:lnT>
-                    <a:lnB cap="flat" cmpd="sng" w="19050">
-                      <a:solidFill>
-                        <a:srgbClr val="000000"/>
-                      </a:solidFill>
-                      <a:prstDash val="solid"/>
-                      <a:round/>
-                      <a:headEnd len="sm" w="sm" type="none"/>
-                      <a:tailEnd len="sm" w="sm" type="none"/>
+                    <a:lnB w="19050" cap="flat" cmpd="sng">
+                      <a:solidFill>
+                        <a:srgbClr val="000000"/>
+                      </a:solidFill>
+                      <a:prstDash val="solid"/>
+                      <a:round/>
+                      <a:headEnd type="none" w="sm" len="sm"/>
+                      <a:tailEnd type="none" w="sm" len="sm"/>
                     </a:lnB>
                     <a:solidFill>
                       <a:schemeClr val="lt1"/>
@@ -8887,7 +9657,7 @@
                     <a:bodyPr/>
                     <a:lstStyle/>
                     <a:p>
-                      <a:pPr indent="0" lvl="0" marL="0" rtl="0" algn="ctr">
+                      <a:pPr marL="0" lvl="0" indent="0" algn="ctr" rtl="0">
                         <a:lnSpc>
                           <a:spcPct val="100000"/>
                         </a:lnSpc>
@@ -8899,9 +9669,6 @@
                         </a:spcAft>
                         <a:buNone/>
                       </a:pPr>
-                      <a:r>
-                        <a:t/>
-                      </a:r>
                       <a:endParaRPr sz="700">
                         <a:solidFill>
                           <a:schemeClr val="dk1"/>
@@ -8913,48 +9680,53 @@
                       </a:endParaRPr>
                     </a:p>
                   </a:txBody>
-                  <a:tcPr marT="91425" marB="91425" marR="91425" marL="91425">
-                    <a:lnL cap="flat" cmpd="sng" w="19050">
-                      <a:solidFill>
-                        <a:srgbClr val="000000"/>
-                      </a:solidFill>
-                      <a:prstDash val="solid"/>
-                      <a:round/>
-                      <a:headEnd len="sm" w="sm" type="none"/>
-                      <a:tailEnd len="sm" w="sm" type="none"/>
+                  <a:tcPr marL="91425" marR="91425" marT="91425" marB="91425">
+                    <a:lnL w="19050" cap="flat" cmpd="sng">
+                      <a:solidFill>
+                        <a:srgbClr val="000000"/>
+                      </a:solidFill>
+                      <a:prstDash val="solid"/>
+                      <a:round/>
+                      <a:headEnd type="none" w="sm" len="sm"/>
+                      <a:tailEnd type="none" w="sm" len="sm"/>
                     </a:lnL>
-                    <a:lnR cap="flat" cmpd="sng" w="19050">
-                      <a:solidFill>
-                        <a:srgbClr val="000000"/>
-                      </a:solidFill>
-                      <a:prstDash val="solid"/>
-                      <a:round/>
-                      <a:headEnd len="sm" w="sm" type="none"/>
-                      <a:tailEnd len="sm" w="sm" type="none"/>
+                    <a:lnR w="19050" cap="flat" cmpd="sng">
+                      <a:solidFill>
+                        <a:srgbClr val="000000"/>
+                      </a:solidFill>
+                      <a:prstDash val="solid"/>
+                      <a:round/>
+                      <a:headEnd type="none" w="sm" len="sm"/>
+                      <a:tailEnd type="none" w="sm" len="sm"/>
                     </a:lnR>
-                    <a:lnT cap="flat" cmpd="sng" w="19050">
-                      <a:solidFill>
-                        <a:srgbClr val="000000"/>
-                      </a:solidFill>
-                      <a:prstDash val="solid"/>
-                      <a:round/>
-                      <a:headEnd len="sm" w="sm" type="none"/>
-                      <a:tailEnd len="sm" w="sm" type="none"/>
+                    <a:lnT w="19050" cap="flat" cmpd="sng">
+                      <a:solidFill>
+                        <a:srgbClr val="000000"/>
+                      </a:solidFill>
+                      <a:prstDash val="solid"/>
+                      <a:round/>
+                      <a:headEnd type="none" w="sm" len="sm"/>
+                      <a:tailEnd type="none" w="sm" len="sm"/>
                     </a:lnT>
-                    <a:lnB cap="flat" cmpd="sng" w="19050">
-                      <a:solidFill>
-                        <a:srgbClr val="000000"/>
-                      </a:solidFill>
-                      <a:prstDash val="solid"/>
-                      <a:round/>
-                      <a:headEnd len="sm" w="sm" type="none"/>
-                      <a:tailEnd len="sm" w="sm" type="none"/>
+                    <a:lnB w="19050" cap="flat" cmpd="sng">
+                      <a:solidFill>
+                        <a:srgbClr val="000000"/>
+                      </a:solidFill>
+                      <a:prstDash val="solid"/>
+                      <a:round/>
+                      <a:headEnd type="none" w="sm" len="sm"/>
+                      <a:tailEnd type="none" w="sm" len="sm"/>
                     </a:lnB>
                     <a:solidFill>
                       <a:schemeClr val="lt1"/>
                     </a:solidFill>
                   </a:tcPr>
                 </a:tc>
+                <a:extLst>
+                  <a:ext uri="{0D108BD9-81ED-4DB2-BD59-A6C34878D82A}">
+                    <a16:rowId xmlns:a16="http://schemas.microsoft.com/office/drawing/2014/main" val="10012"/>
+                  </a:ext>
+                </a:extLst>
               </a:tr>
               <a:tr h="257175">
                 <a:tc>
@@ -8962,7 +9734,7 @@
                     <a:bodyPr/>
                     <a:lstStyle/>
                     <a:p>
-                      <a:pPr indent="0" lvl="0" marL="0" rtl="0" algn="l">
+                      <a:pPr marL="0" lvl="0" indent="0" algn="l" rtl="0">
                         <a:lnSpc>
                           <a:spcPct val="100000"/>
                         </a:lnSpc>
@@ -8975,7 +9747,7 @@
                         <a:buNone/>
                       </a:pPr>
                       <a:r>
-                        <a:rPr b="1" lang="es-419" sz="900">
+                        <a:rPr lang="es-419" sz="900" b="1">
                           <a:solidFill>
                             <a:schemeClr val="dk1"/>
                           </a:solidFill>
@@ -8984,9 +9756,9 @@
                           <a:cs typeface="Montserrat"/>
                           <a:sym typeface="Montserrat"/>
                         </a:rPr>
-                        <a:t>Aerobote</a:t>
+                        <a:t>Torre</a:t>
                       </a:r>
-                      <a:endParaRPr b="1" sz="900">
+                      <a:endParaRPr sz="900" b="1">
                         <a:solidFill>
                           <a:schemeClr val="dk1"/>
                         </a:solidFill>
@@ -8997,42 +9769,42 @@
                       </a:endParaRPr>
                     </a:p>
                   </a:txBody>
-                  <a:tcPr marT="91425" marB="91425" marR="91425" marL="91425">
-                    <a:lnL cap="flat" cmpd="sng" w="19050">
-                      <a:solidFill>
-                        <a:srgbClr val="000000"/>
-                      </a:solidFill>
-                      <a:prstDash val="solid"/>
-                      <a:round/>
-                      <a:headEnd len="sm" w="sm" type="none"/>
-                      <a:tailEnd len="sm" w="sm" type="none"/>
+                  <a:tcPr marL="91425" marR="91425" marT="91425" marB="91425">
+                    <a:lnL w="19050" cap="flat" cmpd="sng">
+                      <a:solidFill>
+                        <a:srgbClr val="000000"/>
+                      </a:solidFill>
+                      <a:prstDash val="solid"/>
+                      <a:round/>
+                      <a:headEnd type="none" w="sm" len="sm"/>
+                      <a:tailEnd type="none" w="sm" len="sm"/>
                     </a:lnL>
-                    <a:lnR cap="flat" cmpd="sng" w="19050">
-                      <a:solidFill>
-                        <a:srgbClr val="000000"/>
-                      </a:solidFill>
-                      <a:prstDash val="solid"/>
-                      <a:round/>
-                      <a:headEnd len="sm" w="sm" type="none"/>
-                      <a:tailEnd len="sm" w="sm" type="none"/>
+                    <a:lnR w="19050" cap="flat" cmpd="sng">
+                      <a:solidFill>
+                        <a:srgbClr val="000000"/>
+                      </a:solidFill>
+                      <a:prstDash val="solid"/>
+                      <a:round/>
+                      <a:headEnd type="none" w="sm" len="sm"/>
+                      <a:tailEnd type="none" w="sm" len="sm"/>
                     </a:lnR>
-                    <a:lnT cap="flat" cmpd="sng" w="19050">
-                      <a:solidFill>
-                        <a:srgbClr val="000000"/>
-                      </a:solidFill>
-                      <a:prstDash val="solid"/>
-                      <a:round/>
-                      <a:headEnd len="sm" w="sm" type="none"/>
-                      <a:tailEnd len="sm" w="sm" type="none"/>
+                    <a:lnT w="19050" cap="flat" cmpd="sng">
+                      <a:solidFill>
+                        <a:srgbClr val="000000"/>
+                      </a:solidFill>
+                      <a:prstDash val="solid"/>
+                      <a:round/>
+                      <a:headEnd type="none" w="sm" len="sm"/>
+                      <a:tailEnd type="none" w="sm" len="sm"/>
                     </a:lnT>
-                    <a:lnB cap="flat" cmpd="sng" w="19050">
-                      <a:solidFill>
-                        <a:srgbClr val="000000"/>
-                      </a:solidFill>
-                      <a:prstDash val="solid"/>
-                      <a:round/>
-                      <a:headEnd len="sm" w="sm" type="none"/>
-                      <a:tailEnd len="sm" w="sm" type="none"/>
+                    <a:lnB w="19050" cap="flat" cmpd="sng">
+                      <a:solidFill>
+                        <a:srgbClr val="000000"/>
+                      </a:solidFill>
+                      <a:prstDash val="solid"/>
+                      <a:round/>
+                      <a:headEnd type="none" w="sm" len="sm"/>
+                      <a:tailEnd type="none" w="sm" len="sm"/>
                     </a:lnB>
                     <a:solidFill>
                       <a:srgbClr val="D9D9D9"/>
@@ -9044,7 +9816,7 @@
                     <a:bodyPr/>
                     <a:lstStyle/>
                     <a:p>
-                      <a:pPr indent="0" lvl="0" marL="0" rtl="0" algn="ctr">
+                      <a:pPr marL="0" lvl="0" indent="0" algn="ctr" rtl="0">
                         <a:lnSpc>
                           <a:spcPct val="100000"/>
                         </a:lnSpc>
@@ -9056,9 +9828,6 @@
                         </a:spcAft>
                         <a:buNone/>
                       </a:pPr>
-                      <a:r>
-                        <a:t/>
-                      </a:r>
                       <a:endParaRPr sz="700">
                         <a:solidFill>
                           <a:schemeClr val="dk1"/>
@@ -9070,42 +9839,42 @@
                       </a:endParaRPr>
                     </a:p>
                   </a:txBody>
-                  <a:tcPr marT="91425" marB="91425" marR="91425" marL="91425">
-                    <a:lnL cap="flat" cmpd="sng" w="19050">
-                      <a:solidFill>
-                        <a:srgbClr val="000000"/>
-                      </a:solidFill>
-                      <a:prstDash val="solid"/>
-                      <a:round/>
-                      <a:headEnd len="sm" w="sm" type="none"/>
-                      <a:tailEnd len="sm" w="sm" type="none"/>
+                  <a:tcPr marL="91425" marR="91425" marT="91425" marB="91425">
+                    <a:lnL w="19050" cap="flat" cmpd="sng">
+                      <a:solidFill>
+                        <a:srgbClr val="000000"/>
+                      </a:solidFill>
+                      <a:prstDash val="solid"/>
+                      <a:round/>
+                      <a:headEnd type="none" w="sm" len="sm"/>
+                      <a:tailEnd type="none" w="sm" len="sm"/>
                     </a:lnL>
-                    <a:lnR cap="flat" cmpd="sng" w="19050">
-                      <a:solidFill>
-                        <a:srgbClr val="000000"/>
-                      </a:solidFill>
-                      <a:prstDash val="solid"/>
-                      <a:round/>
-                      <a:headEnd len="sm" w="sm" type="none"/>
-                      <a:tailEnd len="sm" w="sm" type="none"/>
+                    <a:lnR w="19050" cap="flat" cmpd="sng">
+                      <a:solidFill>
+                        <a:srgbClr val="000000"/>
+                      </a:solidFill>
+                      <a:prstDash val="solid"/>
+                      <a:round/>
+                      <a:headEnd type="none" w="sm" len="sm"/>
+                      <a:tailEnd type="none" w="sm" len="sm"/>
                     </a:lnR>
-                    <a:lnT cap="flat" cmpd="sng" w="19050">
-                      <a:solidFill>
-                        <a:srgbClr val="000000"/>
-                      </a:solidFill>
-                      <a:prstDash val="solid"/>
-                      <a:round/>
-                      <a:headEnd len="sm" w="sm" type="none"/>
-                      <a:tailEnd len="sm" w="sm" type="none"/>
+                    <a:lnT w="19050" cap="flat" cmpd="sng">
+                      <a:solidFill>
+                        <a:srgbClr val="000000"/>
+                      </a:solidFill>
+                      <a:prstDash val="solid"/>
+                      <a:round/>
+                      <a:headEnd type="none" w="sm" len="sm"/>
+                      <a:tailEnd type="none" w="sm" len="sm"/>
                     </a:lnT>
-                    <a:lnB cap="flat" cmpd="sng" w="19050">
-                      <a:solidFill>
-                        <a:srgbClr val="000000"/>
-                      </a:solidFill>
-                      <a:prstDash val="solid"/>
-                      <a:round/>
-                      <a:headEnd len="sm" w="sm" type="none"/>
-                      <a:tailEnd len="sm" w="sm" type="none"/>
+                    <a:lnB w="19050" cap="flat" cmpd="sng">
+                      <a:solidFill>
+                        <a:srgbClr val="000000"/>
+                      </a:solidFill>
+                      <a:prstDash val="solid"/>
+                      <a:round/>
+                      <a:headEnd type="none" w="sm" len="sm"/>
+                      <a:tailEnd type="none" w="sm" len="sm"/>
                     </a:lnB>
                     <a:solidFill>
                       <a:srgbClr val="D9D9D9"/>
@@ -9117,7 +9886,7 @@
                     <a:bodyPr/>
                     <a:lstStyle/>
                     <a:p>
-                      <a:pPr indent="0" lvl="0" marL="0" rtl="0" algn="ctr">
+                      <a:pPr marL="0" lvl="0" indent="0" algn="ctr" rtl="0">
                         <a:lnSpc>
                           <a:spcPct val="100000"/>
                         </a:lnSpc>
@@ -9129,9 +9898,6 @@
                         </a:spcAft>
                         <a:buNone/>
                       </a:pPr>
-                      <a:r>
-                        <a:t/>
-                      </a:r>
                       <a:endParaRPr sz="700">
                         <a:solidFill>
                           <a:schemeClr val="dk1"/>
@@ -9143,42 +9909,42 @@
                       </a:endParaRPr>
                     </a:p>
                   </a:txBody>
-                  <a:tcPr marT="91425" marB="91425" marR="91425" marL="91425">
-                    <a:lnL cap="flat" cmpd="sng" w="19050">
-                      <a:solidFill>
-                        <a:srgbClr val="000000"/>
-                      </a:solidFill>
-                      <a:prstDash val="solid"/>
-                      <a:round/>
-                      <a:headEnd len="sm" w="sm" type="none"/>
-                      <a:tailEnd len="sm" w="sm" type="none"/>
+                  <a:tcPr marL="91425" marR="91425" marT="91425" marB="91425">
+                    <a:lnL w="19050" cap="flat" cmpd="sng">
+                      <a:solidFill>
+                        <a:srgbClr val="000000"/>
+                      </a:solidFill>
+                      <a:prstDash val="solid"/>
+                      <a:round/>
+                      <a:headEnd type="none" w="sm" len="sm"/>
+                      <a:tailEnd type="none" w="sm" len="sm"/>
                     </a:lnL>
-                    <a:lnR cap="flat" cmpd="sng" w="19050">
-                      <a:solidFill>
-                        <a:srgbClr val="000000"/>
-                      </a:solidFill>
-                      <a:prstDash val="solid"/>
-                      <a:round/>
-                      <a:headEnd len="sm" w="sm" type="none"/>
-                      <a:tailEnd len="sm" w="sm" type="none"/>
+                    <a:lnR w="19050" cap="flat" cmpd="sng">
+                      <a:solidFill>
+                        <a:srgbClr val="000000"/>
+                      </a:solidFill>
+                      <a:prstDash val="solid"/>
+                      <a:round/>
+                      <a:headEnd type="none" w="sm" len="sm"/>
+                      <a:tailEnd type="none" w="sm" len="sm"/>
                     </a:lnR>
-                    <a:lnT cap="flat" cmpd="sng" w="19050">
-                      <a:solidFill>
-                        <a:srgbClr val="000000"/>
-                      </a:solidFill>
-                      <a:prstDash val="solid"/>
-                      <a:round/>
-                      <a:headEnd len="sm" w="sm" type="none"/>
-                      <a:tailEnd len="sm" w="sm" type="none"/>
+                    <a:lnT w="19050" cap="flat" cmpd="sng">
+                      <a:solidFill>
+                        <a:srgbClr val="000000"/>
+                      </a:solidFill>
+                      <a:prstDash val="solid"/>
+                      <a:round/>
+                      <a:headEnd type="none" w="sm" len="sm"/>
+                      <a:tailEnd type="none" w="sm" len="sm"/>
                     </a:lnT>
-                    <a:lnB cap="flat" cmpd="sng" w="19050">
-                      <a:solidFill>
-                        <a:srgbClr val="000000"/>
-                      </a:solidFill>
-                      <a:prstDash val="solid"/>
-                      <a:round/>
-                      <a:headEnd len="sm" w="sm" type="none"/>
-                      <a:tailEnd len="sm" w="sm" type="none"/>
+                    <a:lnB w="19050" cap="flat" cmpd="sng">
+                      <a:solidFill>
+                        <a:srgbClr val="000000"/>
+                      </a:solidFill>
+                      <a:prstDash val="solid"/>
+                      <a:round/>
+                      <a:headEnd type="none" w="sm" len="sm"/>
+                      <a:tailEnd type="none" w="sm" len="sm"/>
                     </a:lnB>
                     <a:solidFill>
                       <a:srgbClr val="D9D9D9"/>
@@ -9190,7 +9956,7 @@
                     <a:bodyPr/>
                     <a:lstStyle/>
                     <a:p>
-                      <a:pPr indent="0" lvl="0" marL="0" rtl="0" algn="ctr">
+                      <a:pPr marL="0" lvl="0" indent="0" algn="ctr" rtl="0">
                         <a:lnSpc>
                           <a:spcPct val="100000"/>
                         </a:lnSpc>
@@ -9202,9 +9968,6 @@
                         </a:spcAft>
                         <a:buNone/>
                       </a:pPr>
-                      <a:r>
-                        <a:t/>
-                      </a:r>
                       <a:endParaRPr sz="700">
                         <a:solidFill>
                           <a:schemeClr val="dk1"/>
@@ -9216,48 +9979,53 @@
                       </a:endParaRPr>
                     </a:p>
                   </a:txBody>
-                  <a:tcPr marT="91425" marB="91425" marR="91425" marL="91425">
-                    <a:lnL cap="flat" cmpd="sng" w="19050">
-                      <a:solidFill>
-                        <a:srgbClr val="000000"/>
-                      </a:solidFill>
-                      <a:prstDash val="solid"/>
-                      <a:round/>
-                      <a:headEnd len="sm" w="sm" type="none"/>
-                      <a:tailEnd len="sm" w="sm" type="none"/>
+                  <a:tcPr marL="91425" marR="91425" marT="91425" marB="91425">
+                    <a:lnL w="19050" cap="flat" cmpd="sng">
+                      <a:solidFill>
+                        <a:srgbClr val="000000"/>
+                      </a:solidFill>
+                      <a:prstDash val="solid"/>
+                      <a:round/>
+                      <a:headEnd type="none" w="sm" len="sm"/>
+                      <a:tailEnd type="none" w="sm" len="sm"/>
                     </a:lnL>
-                    <a:lnR cap="flat" cmpd="sng" w="19050">
-                      <a:solidFill>
-                        <a:srgbClr val="000000"/>
-                      </a:solidFill>
-                      <a:prstDash val="solid"/>
-                      <a:round/>
-                      <a:headEnd len="sm" w="sm" type="none"/>
-                      <a:tailEnd len="sm" w="sm" type="none"/>
+                    <a:lnR w="19050" cap="flat" cmpd="sng">
+                      <a:solidFill>
+                        <a:srgbClr val="000000"/>
+                      </a:solidFill>
+                      <a:prstDash val="solid"/>
+                      <a:round/>
+                      <a:headEnd type="none" w="sm" len="sm"/>
+                      <a:tailEnd type="none" w="sm" len="sm"/>
                     </a:lnR>
-                    <a:lnT cap="flat" cmpd="sng" w="19050">
-                      <a:solidFill>
-                        <a:srgbClr val="000000"/>
-                      </a:solidFill>
-                      <a:prstDash val="solid"/>
-                      <a:round/>
-                      <a:headEnd len="sm" w="sm" type="none"/>
-                      <a:tailEnd len="sm" w="sm" type="none"/>
+                    <a:lnT w="19050" cap="flat" cmpd="sng">
+                      <a:solidFill>
+                        <a:srgbClr val="000000"/>
+                      </a:solidFill>
+                      <a:prstDash val="solid"/>
+                      <a:round/>
+                      <a:headEnd type="none" w="sm" len="sm"/>
+                      <a:tailEnd type="none" w="sm" len="sm"/>
                     </a:lnT>
-                    <a:lnB cap="flat" cmpd="sng" w="19050">
-                      <a:solidFill>
-                        <a:srgbClr val="000000"/>
-                      </a:solidFill>
-                      <a:prstDash val="solid"/>
-                      <a:round/>
-                      <a:headEnd len="sm" w="sm" type="none"/>
-                      <a:tailEnd len="sm" w="sm" type="none"/>
+                    <a:lnB w="19050" cap="flat" cmpd="sng">
+                      <a:solidFill>
+                        <a:srgbClr val="000000"/>
+                      </a:solidFill>
+                      <a:prstDash val="solid"/>
+                      <a:round/>
+                      <a:headEnd type="none" w="sm" len="sm"/>
+                      <a:tailEnd type="none" w="sm" len="sm"/>
                     </a:lnB>
                     <a:solidFill>
                       <a:srgbClr val="D9D9D9"/>
                     </a:solidFill>
                   </a:tcPr>
                 </a:tc>
+                <a:extLst>
+                  <a:ext uri="{0D108BD9-81ED-4DB2-BD59-A6C34878D82A}">
+                    <a16:rowId xmlns:a16="http://schemas.microsoft.com/office/drawing/2014/main" val="10013"/>
+                  </a:ext>
+                </a:extLst>
               </a:tr>
               <a:tr h="257175">
                 <a:tc>
@@ -9265,7 +10033,7 @@
                     <a:bodyPr/>
                     <a:lstStyle/>
                     <a:p>
-                      <a:pPr indent="0" lvl="0" marL="0" rtl="0" algn="l">
+                      <a:pPr marL="0" lvl="0" indent="0" algn="ctr" rtl="0">
                         <a:lnSpc>
                           <a:spcPct val="100000"/>
                         </a:lnSpc>
@@ -9278,613 +10046,7 @@
                         <a:buNone/>
                       </a:pPr>
                       <a:r>
-                        <a:rPr b="1" lang="es-419" sz="900">
-                          <a:solidFill>
-                            <a:schemeClr val="dk1"/>
-                          </a:solidFill>
-                          <a:latin typeface="Montserrat"/>
-                          <a:ea typeface="Montserrat"/>
-                          <a:cs typeface="Montserrat"/>
-                          <a:sym typeface="Montserrat"/>
-                        </a:rPr>
-                        <a:t>Microbus</a:t>
-                      </a:r>
-                      <a:endParaRPr b="1" sz="900">
-                        <a:solidFill>
-                          <a:schemeClr val="dk1"/>
-                        </a:solidFill>
-                        <a:latin typeface="Montserrat"/>
-                        <a:ea typeface="Montserrat"/>
-                        <a:cs typeface="Montserrat"/>
-                        <a:sym typeface="Montserrat"/>
-                      </a:endParaRPr>
-                    </a:p>
-                  </a:txBody>
-                  <a:tcPr marT="91425" marB="91425" marR="91425" marL="91425">
-                    <a:lnL cap="flat" cmpd="sng" w="19050">
-                      <a:solidFill>
-                        <a:srgbClr val="000000"/>
-                      </a:solidFill>
-                      <a:prstDash val="solid"/>
-                      <a:round/>
-                      <a:headEnd len="sm" w="sm" type="none"/>
-                      <a:tailEnd len="sm" w="sm" type="none"/>
-                    </a:lnL>
-                    <a:lnR cap="flat" cmpd="sng" w="19050">
-                      <a:solidFill>
-                        <a:srgbClr val="000000"/>
-                      </a:solidFill>
-                      <a:prstDash val="solid"/>
-                      <a:round/>
-                      <a:headEnd len="sm" w="sm" type="none"/>
-                      <a:tailEnd len="sm" w="sm" type="none"/>
-                    </a:lnR>
-                    <a:lnT cap="flat" cmpd="sng" w="19050">
-                      <a:solidFill>
-                        <a:srgbClr val="000000"/>
-                      </a:solidFill>
-                      <a:prstDash val="solid"/>
-                      <a:round/>
-                      <a:headEnd len="sm" w="sm" type="none"/>
-                      <a:tailEnd len="sm" w="sm" type="none"/>
-                    </a:lnT>
-                    <a:lnB cap="flat" cmpd="sng" w="19050">
-                      <a:solidFill>
-                        <a:srgbClr val="000000"/>
-                      </a:solidFill>
-                      <a:prstDash val="solid"/>
-                      <a:round/>
-                      <a:headEnd len="sm" w="sm" type="none"/>
-                      <a:tailEnd len="sm" w="sm" type="none"/>
-                    </a:lnB>
-                    <a:solidFill>
-                      <a:schemeClr val="lt1"/>
-                    </a:solidFill>
-                  </a:tcPr>
-                </a:tc>
-                <a:tc>
-                  <a:txBody>
-                    <a:bodyPr/>
-                    <a:lstStyle/>
-                    <a:p>
-                      <a:pPr indent="0" lvl="0" marL="0" rtl="0" algn="ctr">
-                        <a:lnSpc>
-                          <a:spcPct val="100000"/>
-                        </a:lnSpc>
-                        <a:spcBef>
-                          <a:spcPts val="0"/>
-                        </a:spcBef>
-                        <a:spcAft>
-                          <a:spcPts val="0"/>
-                        </a:spcAft>
-                        <a:buNone/>
-                      </a:pPr>
-                      <a:r>
-                        <a:t/>
-                      </a:r>
-                      <a:endParaRPr sz="700">
-                        <a:solidFill>
-                          <a:schemeClr val="dk1"/>
-                        </a:solidFill>
-                        <a:latin typeface="Montserrat SemiBold"/>
-                        <a:ea typeface="Montserrat SemiBold"/>
-                        <a:cs typeface="Montserrat SemiBold"/>
-                        <a:sym typeface="Montserrat SemiBold"/>
-                      </a:endParaRPr>
-                    </a:p>
-                  </a:txBody>
-                  <a:tcPr marT="91425" marB="91425" marR="91425" marL="91425">
-                    <a:lnL cap="flat" cmpd="sng" w="19050">
-                      <a:solidFill>
-                        <a:srgbClr val="000000"/>
-                      </a:solidFill>
-                      <a:prstDash val="solid"/>
-                      <a:round/>
-                      <a:headEnd len="sm" w="sm" type="none"/>
-                      <a:tailEnd len="sm" w="sm" type="none"/>
-                    </a:lnL>
-                    <a:lnR cap="flat" cmpd="sng" w="19050">
-                      <a:solidFill>
-                        <a:srgbClr val="000000"/>
-                      </a:solidFill>
-                      <a:prstDash val="solid"/>
-                      <a:round/>
-                      <a:headEnd len="sm" w="sm" type="none"/>
-                      <a:tailEnd len="sm" w="sm" type="none"/>
-                    </a:lnR>
-                    <a:lnT cap="flat" cmpd="sng" w="19050">
-                      <a:solidFill>
-                        <a:srgbClr val="000000"/>
-                      </a:solidFill>
-                      <a:prstDash val="solid"/>
-                      <a:round/>
-                      <a:headEnd len="sm" w="sm" type="none"/>
-                      <a:tailEnd len="sm" w="sm" type="none"/>
-                    </a:lnT>
-                    <a:lnB cap="flat" cmpd="sng" w="19050">
-                      <a:solidFill>
-                        <a:srgbClr val="000000"/>
-                      </a:solidFill>
-                      <a:prstDash val="solid"/>
-                      <a:round/>
-                      <a:headEnd len="sm" w="sm" type="none"/>
-                      <a:tailEnd len="sm" w="sm" type="none"/>
-                    </a:lnB>
-                    <a:solidFill>
-                      <a:schemeClr val="lt1"/>
-                    </a:solidFill>
-                  </a:tcPr>
-                </a:tc>
-                <a:tc>
-                  <a:txBody>
-                    <a:bodyPr/>
-                    <a:lstStyle/>
-                    <a:p>
-                      <a:pPr indent="0" lvl="0" marL="0" rtl="0" algn="ctr">
-                        <a:lnSpc>
-                          <a:spcPct val="100000"/>
-                        </a:lnSpc>
-                        <a:spcBef>
-                          <a:spcPts val="0"/>
-                        </a:spcBef>
-                        <a:spcAft>
-                          <a:spcPts val="0"/>
-                        </a:spcAft>
-                        <a:buNone/>
-                      </a:pPr>
-                      <a:r>
-                        <a:t/>
-                      </a:r>
-                      <a:endParaRPr sz="700">
-                        <a:solidFill>
-                          <a:schemeClr val="dk1"/>
-                        </a:solidFill>
-                        <a:latin typeface="Montserrat SemiBold"/>
-                        <a:ea typeface="Montserrat SemiBold"/>
-                        <a:cs typeface="Montserrat SemiBold"/>
-                        <a:sym typeface="Montserrat SemiBold"/>
-                      </a:endParaRPr>
-                    </a:p>
-                  </a:txBody>
-                  <a:tcPr marT="91425" marB="91425" marR="91425" marL="91425">
-                    <a:lnL cap="flat" cmpd="sng" w="19050">
-                      <a:solidFill>
-                        <a:srgbClr val="000000"/>
-                      </a:solidFill>
-                      <a:prstDash val="solid"/>
-                      <a:round/>
-                      <a:headEnd len="sm" w="sm" type="none"/>
-                      <a:tailEnd len="sm" w="sm" type="none"/>
-                    </a:lnL>
-                    <a:lnR cap="flat" cmpd="sng" w="19050">
-                      <a:solidFill>
-                        <a:srgbClr val="000000"/>
-                      </a:solidFill>
-                      <a:prstDash val="solid"/>
-                      <a:round/>
-                      <a:headEnd len="sm" w="sm" type="none"/>
-                      <a:tailEnd len="sm" w="sm" type="none"/>
-                    </a:lnR>
-                    <a:lnT cap="flat" cmpd="sng" w="19050">
-                      <a:solidFill>
-                        <a:srgbClr val="000000"/>
-                      </a:solidFill>
-                      <a:prstDash val="solid"/>
-                      <a:round/>
-                      <a:headEnd len="sm" w="sm" type="none"/>
-                      <a:tailEnd len="sm" w="sm" type="none"/>
-                    </a:lnT>
-                    <a:lnB cap="flat" cmpd="sng" w="19050">
-                      <a:solidFill>
-                        <a:srgbClr val="000000"/>
-                      </a:solidFill>
-                      <a:prstDash val="solid"/>
-                      <a:round/>
-                      <a:headEnd len="sm" w="sm" type="none"/>
-                      <a:tailEnd len="sm" w="sm" type="none"/>
-                    </a:lnB>
-                    <a:solidFill>
-                      <a:schemeClr val="lt1"/>
-                    </a:solidFill>
-                  </a:tcPr>
-                </a:tc>
-                <a:tc>
-                  <a:txBody>
-                    <a:bodyPr/>
-                    <a:lstStyle/>
-                    <a:p>
-                      <a:pPr indent="0" lvl="0" marL="0" rtl="0" algn="ctr">
-                        <a:lnSpc>
-                          <a:spcPct val="100000"/>
-                        </a:lnSpc>
-                        <a:spcBef>
-                          <a:spcPts val="0"/>
-                        </a:spcBef>
-                        <a:spcAft>
-                          <a:spcPts val="0"/>
-                        </a:spcAft>
-                        <a:buNone/>
-                      </a:pPr>
-                      <a:r>
-                        <a:t/>
-                      </a:r>
-                      <a:endParaRPr sz="700">
-                        <a:solidFill>
-                          <a:schemeClr val="dk1"/>
-                        </a:solidFill>
-                        <a:latin typeface="Montserrat SemiBold"/>
-                        <a:ea typeface="Montserrat SemiBold"/>
-                        <a:cs typeface="Montserrat SemiBold"/>
-                        <a:sym typeface="Montserrat SemiBold"/>
-                      </a:endParaRPr>
-                    </a:p>
-                  </a:txBody>
-                  <a:tcPr marT="91425" marB="91425" marR="91425" marL="91425">
-                    <a:lnL cap="flat" cmpd="sng" w="19050">
-                      <a:solidFill>
-                        <a:srgbClr val="000000"/>
-                      </a:solidFill>
-                      <a:prstDash val="solid"/>
-                      <a:round/>
-                      <a:headEnd len="sm" w="sm" type="none"/>
-                      <a:tailEnd len="sm" w="sm" type="none"/>
-                    </a:lnL>
-                    <a:lnR cap="flat" cmpd="sng" w="19050">
-                      <a:solidFill>
-                        <a:srgbClr val="000000"/>
-                      </a:solidFill>
-                      <a:prstDash val="solid"/>
-                      <a:round/>
-                      <a:headEnd len="sm" w="sm" type="none"/>
-                      <a:tailEnd len="sm" w="sm" type="none"/>
-                    </a:lnR>
-                    <a:lnT cap="flat" cmpd="sng" w="19050">
-                      <a:solidFill>
-                        <a:srgbClr val="000000"/>
-                      </a:solidFill>
-                      <a:prstDash val="solid"/>
-                      <a:round/>
-                      <a:headEnd len="sm" w="sm" type="none"/>
-                      <a:tailEnd len="sm" w="sm" type="none"/>
-                    </a:lnT>
-                    <a:lnB cap="flat" cmpd="sng" w="19050">
-                      <a:solidFill>
-                        <a:srgbClr val="000000"/>
-                      </a:solidFill>
-                      <a:prstDash val="solid"/>
-                      <a:round/>
-                      <a:headEnd len="sm" w="sm" type="none"/>
-                      <a:tailEnd len="sm" w="sm" type="none"/>
-                    </a:lnB>
-                    <a:solidFill>
-                      <a:schemeClr val="lt1"/>
-                    </a:solidFill>
-                  </a:tcPr>
-                </a:tc>
-              </a:tr>
-              <a:tr h="257175">
-                <a:tc>
-                  <a:txBody>
-                    <a:bodyPr/>
-                    <a:lstStyle/>
-                    <a:p>
-                      <a:pPr indent="0" lvl="0" marL="0" rtl="0" algn="l">
-                        <a:lnSpc>
-                          <a:spcPct val="100000"/>
-                        </a:lnSpc>
-                        <a:spcBef>
-                          <a:spcPts val="0"/>
-                        </a:spcBef>
-                        <a:spcAft>
-                          <a:spcPts val="0"/>
-                        </a:spcAft>
-                        <a:buNone/>
-                      </a:pPr>
-                      <a:r>
-                        <a:rPr b="1" lang="es-419" sz="900">
-                          <a:solidFill>
-                            <a:schemeClr val="dk1"/>
-                          </a:solidFill>
-                          <a:latin typeface="Montserrat"/>
-                          <a:ea typeface="Montserrat"/>
-                          <a:cs typeface="Montserrat"/>
-                          <a:sym typeface="Montserrat"/>
-                        </a:rPr>
-                        <a:t>Torre</a:t>
-                      </a:r>
-                      <a:endParaRPr b="1" sz="900">
-                        <a:solidFill>
-                          <a:schemeClr val="dk1"/>
-                        </a:solidFill>
-                        <a:latin typeface="Montserrat"/>
-                        <a:ea typeface="Montserrat"/>
-                        <a:cs typeface="Montserrat"/>
-                        <a:sym typeface="Montserrat"/>
-                      </a:endParaRPr>
-                    </a:p>
-                  </a:txBody>
-                  <a:tcPr marT="91425" marB="91425" marR="91425" marL="91425">
-                    <a:lnL cap="flat" cmpd="sng" w="19050">
-                      <a:solidFill>
-                        <a:srgbClr val="000000"/>
-                      </a:solidFill>
-                      <a:prstDash val="solid"/>
-                      <a:round/>
-                      <a:headEnd len="sm" w="sm" type="none"/>
-                      <a:tailEnd len="sm" w="sm" type="none"/>
-                    </a:lnL>
-                    <a:lnR cap="flat" cmpd="sng" w="19050">
-                      <a:solidFill>
-                        <a:srgbClr val="000000"/>
-                      </a:solidFill>
-                      <a:prstDash val="solid"/>
-                      <a:round/>
-                      <a:headEnd len="sm" w="sm" type="none"/>
-                      <a:tailEnd len="sm" w="sm" type="none"/>
-                    </a:lnR>
-                    <a:lnT cap="flat" cmpd="sng" w="19050">
-                      <a:solidFill>
-                        <a:srgbClr val="000000"/>
-                      </a:solidFill>
-                      <a:prstDash val="solid"/>
-                      <a:round/>
-                      <a:headEnd len="sm" w="sm" type="none"/>
-                      <a:tailEnd len="sm" w="sm" type="none"/>
-                    </a:lnT>
-                    <a:lnB cap="flat" cmpd="sng" w="19050">
-                      <a:solidFill>
-                        <a:srgbClr val="000000"/>
-                      </a:solidFill>
-                      <a:prstDash val="solid"/>
-                      <a:round/>
-                      <a:headEnd len="sm" w="sm" type="none"/>
-                      <a:tailEnd len="sm" w="sm" type="none"/>
-                    </a:lnB>
-                    <a:solidFill>
-                      <a:srgbClr val="D9D9D9"/>
-                    </a:solidFill>
-                  </a:tcPr>
-                </a:tc>
-                <a:tc>
-                  <a:txBody>
-                    <a:bodyPr/>
-                    <a:lstStyle/>
-                    <a:p>
-                      <a:pPr indent="0" lvl="0" marL="0" rtl="0" algn="ctr">
-                        <a:lnSpc>
-                          <a:spcPct val="100000"/>
-                        </a:lnSpc>
-                        <a:spcBef>
-                          <a:spcPts val="0"/>
-                        </a:spcBef>
-                        <a:spcAft>
-                          <a:spcPts val="0"/>
-                        </a:spcAft>
-                        <a:buNone/>
-                      </a:pPr>
-                      <a:r>
-                        <a:t/>
-                      </a:r>
-                      <a:endParaRPr sz="700">
-                        <a:solidFill>
-                          <a:schemeClr val="dk1"/>
-                        </a:solidFill>
-                        <a:latin typeface="Montserrat SemiBold"/>
-                        <a:ea typeface="Montserrat SemiBold"/>
-                        <a:cs typeface="Montserrat SemiBold"/>
-                        <a:sym typeface="Montserrat SemiBold"/>
-                      </a:endParaRPr>
-                    </a:p>
-                  </a:txBody>
-                  <a:tcPr marT="91425" marB="91425" marR="91425" marL="91425">
-                    <a:lnL cap="flat" cmpd="sng" w="19050">
-                      <a:solidFill>
-                        <a:srgbClr val="000000"/>
-                      </a:solidFill>
-                      <a:prstDash val="solid"/>
-                      <a:round/>
-                      <a:headEnd len="sm" w="sm" type="none"/>
-                      <a:tailEnd len="sm" w="sm" type="none"/>
-                    </a:lnL>
-                    <a:lnR cap="flat" cmpd="sng" w="19050">
-                      <a:solidFill>
-                        <a:srgbClr val="000000"/>
-                      </a:solidFill>
-                      <a:prstDash val="solid"/>
-                      <a:round/>
-                      <a:headEnd len="sm" w="sm" type="none"/>
-                      <a:tailEnd len="sm" w="sm" type="none"/>
-                    </a:lnR>
-                    <a:lnT cap="flat" cmpd="sng" w="19050">
-                      <a:solidFill>
-                        <a:srgbClr val="000000"/>
-                      </a:solidFill>
-                      <a:prstDash val="solid"/>
-                      <a:round/>
-                      <a:headEnd len="sm" w="sm" type="none"/>
-                      <a:tailEnd len="sm" w="sm" type="none"/>
-                    </a:lnT>
-                    <a:lnB cap="flat" cmpd="sng" w="19050">
-                      <a:solidFill>
-                        <a:srgbClr val="000000"/>
-                      </a:solidFill>
-                      <a:prstDash val="solid"/>
-                      <a:round/>
-                      <a:headEnd len="sm" w="sm" type="none"/>
-                      <a:tailEnd len="sm" w="sm" type="none"/>
-                    </a:lnB>
-                    <a:solidFill>
-                      <a:srgbClr val="D9D9D9"/>
-                    </a:solidFill>
-                  </a:tcPr>
-                </a:tc>
-                <a:tc>
-                  <a:txBody>
-                    <a:bodyPr/>
-                    <a:lstStyle/>
-                    <a:p>
-                      <a:pPr indent="0" lvl="0" marL="0" rtl="0" algn="ctr">
-                        <a:lnSpc>
-                          <a:spcPct val="100000"/>
-                        </a:lnSpc>
-                        <a:spcBef>
-                          <a:spcPts val="0"/>
-                        </a:spcBef>
-                        <a:spcAft>
-                          <a:spcPts val="0"/>
-                        </a:spcAft>
-                        <a:buNone/>
-                      </a:pPr>
-                      <a:r>
-                        <a:t/>
-                      </a:r>
-                      <a:endParaRPr sz="700">
-                        <a:solidFill>
-                          <a:schemeClr val="dk1"/>
-                        </a:solidFill>
-                        <a:latin typeface="Montserrat SemiBold"/>
-                        <a:ea typeface="Montserrat SemiBold"/>
-                        <a:cs typeface="Montserrat SemiBold"/>
-                        <a:sym typeface="Montserrat SemiBold"/>
-                      </a:endParaRPr>
-                    </a:p>
-                  </a:txBody>
-                  <a:tcPr marT="91425" marB="91425" marR="91425" marL="91425">
-                    <a:lnL cap="flat" cmpd="sng" w="19050">
-                      <a:solidFill>
-                        <a:srgbClr val="000000"/>
-                      </a:solidFill>
-                      <a:prstDash val="solid"/>
-                      <a:round/>
-                      <a:headEnd len="sm" w="sm" type="none"/>
-                      <a:tailEnd len="sm" w="sm" type="none"/>
-                    </a:lnL>
-                    <a:lnR cap="flat" cmpd="sng" w="19050">
-                      <a:solidFill>
-                        <a:srgbClr val="000000"/>
-                      </a:solidFill>
-                      <a:prstDash val="solid"/>
-                      <a:round/>
-                      <a:headEnd len="sm" w="sm" type="none"/>
-                      <a:tailEnd len="sm" w="sm" type="none"/>
-                    </a:lnR>
-                    <a:lnT cap="flat" cmpd="sng" w="19050">
-                      <a:solidFill>
-                        <a:srgbClr val="000000"/>
-                      </a:solidFill>
-                      <a:prstDash val="solid"/>
-                      <a:round/>
-                      <a:headEnd len="sm" w="sm" type="none"/>
-                      <a:tailEnd len="sm" w="sm" type="none"/>
-                    </a:lnT>
-                    <a:lnB cap="flat" cmpd="sng" w="19050">
-                      <a:solidFill>
-                        <a:srgbClr val="000000"/>
-                      </a:solidFill>
-                      <a:prstDash val="solid"/>
-                      <a:round/>
-                      <a:headEnd len="sm" w="sm" type="none"/>
-                      <a:tailEnd len="sm" w="sm" type="none"/>
-                    </a:lnB>
-                    <a:solidFill>
-                      <a:srgbClr val="D9D9D9"/>
-                    </a:solidFill>
-                  </a:tcPr>
-                </a:tc>
-                <a:tc>
-                  <a:txBody>
-                    <a:bodyPr/>
-                    <a:lstStyle/>
-                    <a:p>
-                      <a:pPr indent="0" lvl="0" marL="0" rtl="0" algn="ctr">
-                        <a:lnSpc>
-                          <a:spcPct val="100000"/>
-                        </a:lnSpc>
-                        <a:spcBef>
-                          <a:spcPts val="0"/>
-                        </a:spcBef>
-                        <a:spcAft>
-                          <a:spcPts val="0"/>
-                        </a:spcAft>
-                        <a:buNone/>
-                      </a:pPr>
-                      <a:r>
-                        <a:t/>
-                      </a:r>
-                      <a:endParaRPr sz="700">
-                        <a:solidFill>
-                          <a:schemeClr val="dk1"/>
-                        </a:solidFill>
-                        <a:latin typeface="Montserrat SemiBold"/>
-                        <a:ea typeface="Montserrat SemiBold"/>
-                        <a:cs typeface="Montserrat SemiBold"/>
-                        <a:sym typeface="Montserrat SemiBold"/>
-                      </a:endParaRPr>
-                    </a:p>
-                  </a:txBody>
-                  <a:tcPr marT="91425" marB="91425" marR="91425" marL="91425">
-                    <a:lnL cap="flat" cmpd="sng" w="19050">
-                      <a:solidFill>
-                        <a:srgbClr val="000000"/>
-                      </a:solidFill>
-                      <a:prstDash val="solid"/>
-                      <a:round/>
-                      <a:headEnd len="sm" w="sm" type="none"/>
-                      <a:tailEnd len="sm" w="sm" type="none"/>
-                    </a:lnL>
-                    <a:lnR cap="flat" cmpd="sng" w="19050">
-                      <a:solidFill>
-                        <a:srgbClr val="000000"/>
-                      </a:solidFill>
-                      <a:prstDash val="solid"/>
-                      <a:round/>
-                      <a:headEnd len="sm" w="sm" type="none"/>
-                      <a:tailEnd len="sm" w="sm" type="none"/>
-                    </a:lnR>
-                    <a:lnT cap="flat" cmpd="sng" w="19050">
-                      <a:solidFill>
-                        <a:srgbClr val="000000"/>
-                      </a:solidFill>
-                      <a:prstDash val="solid"/>
-                      <a:round/>
-                      <a:headEnd len="sm" w="sm" type="none"/>
-                      <a:tailEnd len="sm" w="sm" type="none"/>
-                    </a:lnT>
-                    <a:lnB cap="flat" cmpd="sng" w="19050">
-                      <a:solidFill>
-                        <a:srgbClr val="000000"/>
-                      </a:solidFill>
-                      <a:prstDash val="solid"/>
-                      <a:round/>
-                      <a:headEnd len="sm" w="sm" type="none"/>
-                      <a:tailEnd len="sm" w="sm" type="none"/>
-                    </a:lnB>
-                    <a:solidFill>
-                      <a:srgbClr val="D9D9D9"/>
-                    </a:solidFill>
-                  </a:tcPr>
-                </a:tc>
-              </a:tr>
-              <a:tr h="257175">
-                <a:tc>
-                  <a:txBody>
-                    <a:bodyPr/>
-                    <a:lstStyle/>
-                    <a:p>
-                      <a:pPr indent="0" lvl="0" marL="0" rtl="0" algn="ctr">
-                        <a:lnSpc>
-                          <a:spcPct val="100000"/>
-                        </a:lnSpc>
-                        <a:spcBef>
-                          <a:spcPts val="0"/>
-                        </a:spcBef>
-                        <a:spcAft>
-                          <a:spcPts val="0"/>
-                        </a:spcAft>
-                        <a:buNone/>
-                      </a:pPr>
-                      <a:r>
-                        <a:rPr b="1" lang="es-419" sz="800">
+                        <a:rPr lang="es-419" sz="800" b="1">
                           <a:solidFill>
                             <a:srgbClr val="FFFFFF"/>
                           </a:solidFill>
@@ -9895,7 +10057,7 @@
                         </a:rPr>
                         <a:t>Total</a:t>
                       </a:r>
-                      <a:endParaRPr b="1" sz="800">
+                      <a:endParaRPr sz="800" b="1">
                         <a:solidFill>
                           <a:srgbClr val="FFFFFF"/>
                         </a:solidFill>
@@ -9906,42 +10068,42 @@
                       </a:endParaRPr>
                     </a:p>
                   </a:txBody>
-                  <a:tcPr marT="91425" marB="91425" marR="91425" marL="91425">
-                    <a:lnL cap="flat" cmpd="sng" w="19050">
-                      <a:solidFill>
-                        <a:srgbClr val="000000"/>
-                      </a:solidFill>
-                      <a:prstDash val="solid"/>
-                      <a:round/>
-                      <a:headEnd len="sm" w="sm" type="none"/>
-                      <a:tailEnd len="sm" w="sm" type="none"/>
+                  <a:tcPr marL="91425" marR="91425" marT="91425" marB="91425">
+                    <a:lnL w="19050" cap="flat" cmpd="sng">
+                      <a:solidFill>
+                        <a:srgbClr val="000000"/>
+                      </a:solidFill>
+                      <a:prstDash val="solid"/>
+                      <a:round/>
+                      <a:headEnd type="none" w="sm" len="sm"/>
+                      <a:tailEnd type="none" w="sm" len="sm"/>
                     </a:lnL>
-                    <a:lnR cap="flat" cmpd="sng" w="19050">
-                      <a:solidFill>
-                        <a:srgbClr val="000000"/>
-                      </a:solidFill>
-                      <a:prstDash val="solid"/>
-                      <a:round/>
-                      <a:headEnd len="sm" w="sm" type="none"/>
-                      <a:tailEnd len="sm" w="sm" type="none"/>
+                    <a:lnR w="19050" cap="flat" cmpd="sng">
+                      <a:solidFill>
+                        <a:srgbClr val="000000"/>
+                      </a:solidFill>
+                      <a:prstDash val="solid"/>
+                      <a:round/>
+                      <a:headEnd type="none" w="sm" len="sm"/>
+                      <a:tailEnd type="none" w="sm" len="sm"/>
                     </a:lnR>
-                    <a:lnT cap="flat" cmpd="sng" w="19050">
-                      <a:solidFill>
-                        <a:srgbClr val="000000"/>
-                      </a:solidFill>
-                      <a:prstDash val="solid"/>
-                      <a:round/>
-                      <a:headEnd len="sm" w="sm" type="none"/>
-                      <a:tailEnd len="sm" w="sm" type="none"/>
+                    <a:lnT w="19050" cap="flat" cmpd="sng">
+                      <a:solidFill>
+                        <a:srgbClr val="000000"/>
+                      </a:solidFill>
+                      <a:prstDash val="solid"/>
+                      <a:round/>
+                      <a:headEnd type="none" w="sm" len="sm"/>
+                      <a:tailEnd type="none" w="sm" len="sm"/>
                     </a:lnT>
-                    <a:lnB cap="flat" cmpd="sng" w="19050">
-                      <a:solidFill>
-                        <a:srgbClr val="000000"/>
-                      </a:solidFill>
-                      <a:prstDash val="solid"/>
-                      <a:round/>
-                      <a:headEnd len="sm" w="sm" type="none"/>
-                      <a:tailEnd len="sm" w="sm" type="none"/>
+                    <a:lnB w="19050" cap="flat" cmpd="sng">
+                      <a:solidFill>
+                        <a:srgbClr val="000000"/>
+                      </a:solidFill>
+                      <a:prstDash val="solid"/>
+                      <a:round/>
+                      <a:headEnd type="none" w="sm" len="sm"/>
+                      <a:tailEnd type="none" w="sm" len="sm"/>
                     </a:lnB>
                     <a:solidFill>
                       <a:srgbClr val="434343"/>
@@ -9953,7 +10115,7 @@
                     <a:bodyPr/>
                     <a:lstStyle/>
                     <a:p>
-                      <a:pPr indent="0" lvl="0" marL="0" rtl="0" algn="ctr">
+                      <a:pPr marL="0" lvl="0" indent="0" algn="ctr" rtl="0">
                         <a:lnSpc>
                           <a:spcPct val="100000"/>
                         </a:lnSpc>
@@ -9966,7 +10128,7 @@
                         <a:buNone/>
                       </a:pPr>
                       <a:r>
-                        <a:rPr b="1" lang="es-419" sz="800">
+                        <a:rPr lang="es-419" sz="800" b="1">
                           <a:solidFill>
                             <a:srgbClr val="FFFFFF"/>
                           </a:solidFill>
@@ -9977,7 +10139,7 @@
                         </a:rPr>
                         <a:t>8</a:t>
                       </a:r>
-                      <a:endParaRPr b="1" sz="800">
+                      <a:endParaRPr sz="800" b="1">
                         <a:solidFill>
                           <a:srgbClr val="FFFFFF"/>
                         </a:solidFill>
@@ -9988,42 +10150,42 @@
                       </a:endParaRPr>
                     </a:p>
                   </a:txBody>
-                  <a:tcPr marT="91425" marB="91425" marR="91425" marL="91425">
-                    <a:lnL cap="flat" cmpd="sng" w="19050">
-                      <a:solidFill>
-                        <a:srgbClr val="000000"/>
-                      </a:solidFill>
-                      <a:prstDash val="solid"/>
-                      <a:round/>
-                      <a:headEnd len="sm" w="sm" type="none"/>
-                      <a:tailEnd len="sm" w="sm" type="none"/>
+                  <a:tcPr marL="91425" marR="91425" marT="91425" marB="91425">
+                    <a:lnL w="19050" cap="flat" cmpd="sng">
+                      <a:solidFill>
+                        <a:srgbClr val="000000"/>
+                      </a:solidFill>
+                      <a:prstDash val="solid"/>
+                      <a:round/>
+                      <a:headEnd type="none" w="sm" len="sm"/>
+                      <a:tailEnd type="none" w="sm" len="sm"/>
                     </a:lnL>
-                    <a:lnR cap="flat" cmpd="sng" w="19050">
-                      <a:solidFill>
-                        <a:srgbClr val="000000"/>
-                      </a:solidFill>
-                      <a:prstDash val="solid"/>
-                      <a:round/>
-                      <a:headEnd len="sm" w="sm" type="none"/>
-                      <a:tailEnd len="sm" w="sm" type="none"/>
+                    <a:lnR w="19050" cap="flat" cmpd="sng">
+                      <a:solidFill>
+                        <a:srgbClr val="000000"/>
+                      </a:solidFill>
+                      <a:prstDash val="solid"/>
+                      <a:round/>
+                      <a:headEnd type="none" w="sm" len="sm"/>
+                      <a:tailEnd type="none" w="sm" len="sm"/>
                     </a:lnR>
-                    <a:lnT cap="flat" cmpd="sng" w="19050">
-                      <a:solidFill>
-                        <a:srgbClr val="000000"/>
-                      </a:solidFill>
-                      <a:prstDash val="solid"/>
-                      <a:round/>
-                      <a:headEnd len="sm" w="sm" type="none"/>
-                      <a:tailEnd len="sm" w="sm" type="none"/>
+                    <a:lnT w="19050" cap="flat" cmpd="sng">
+                      <a:solidFill>
+                        <a:srgbClr val="000000"/>
+                      </a:solidFill>
+                      <a:prstDash val="solid"/>
+                      <a:round/>
+                      <a:headEnd type="none" w="sm" len="sm"/>
+                      <a:tailEnd type="none" w="sm" len="sm"/>
                     </a:lnT>
-                    <a:lnB cap="flat" cmpd="sng" w="19050">
-                      <a:solidFill>
-                        <a:srgbClr val="000000"/>
-                      </a:solidFill>
-                      <a:prstDash val="solid"/>
-                      <a:round/>
-                      <a:headEnd len="sm" w="sm" type="none"/>
-                      <a:tailEnd len="sm" w="sm" type="none"/>
+                    <a:lnB w="19050" cap="flat" cmpd="sng">
+                      <a:solidFill>
+                        <a:srgbClr val="000000"/>
+                      </a:solidFill>
+                      <a:prstDash val="solid"/>
+                      <a:round/>
+                      <a:headEnd type="none" w="sm" len="sm"/>
+                      <a:tailEnd type="none" w="sm" len="sm"/>
                     </a:lnB>
                     <a:solidFill>
                       <a:srgbClr val="434343"/>
@@ -10035,7 +10197,7 @@
                     <a:bodyPr/>
                     <a:lstStyle/>
                     <a:p>
-                      <a:pPr indent="0" lvl="0" marL="0" rtl="0" algn="ctr">
+                      <a:pPr marL="0" lvl="0" indent="0" algn="ctr" rtl="0">
                         <a:lnSpc>
                           <a:spcPct val="100000"/>
                         </a:lnSpc>
@@ -10048,7 +10210,7 @@
                         <a:buNone/>
                       </a:pPr>
                       <a:r>
-                        <a:rPr b="1" lang="es-419" sz="800">
+                        <a:rPr lang="es-419" sz="800" b="1">
                           <a:solidFill>
                             <a:srgbClr val="FFFFFF"/>
                           </a:solidFill>
@@ -10059,7 +10221,7 @@
                         </a:rPr>
                         <a:t>0</a:t>
                       </a:r>
-                      <a:endParaRPr b="1" sz="800">
+                      <a:endParaRPr sz="800" b="1">
                         <a:solidFill>
                           <a:srgbClr val="FFFFFF"/>
                         </a:solidFill>
@@ -10070,42 +10232,42 @@
                       </a:endParaRPr>
                     </a:p>
                   </a:txBody>
-                  <a:tcPr marT="91425" marB="91425" marR="91425" marL="91425">
-                    <a:lnL cap="flat" cmpd="sng" w="19050">
-                      <a:solidFill>
-                        <a:srgbClr val="000000"/>
-                      </a:solidFill>
-                      <a:prstDash val="solid"/>
-                      <a:round/>
-                      <a:headEnd len="sm" w="sm" type="none"/>
-                      <a:tailEnd len="sm" w="sm" type="none"/>
+                  <a:tcPr marL="91425" marR="91425" marT="91425" marB="91425">
+                    <a:lnL w="19050" cap="flat" cmpd="sng">
+                      <a:solidFill>
+                        <a:srgbClr val="000000"/>
+                      </a:solidFill>
+                      <a:prstDash val="solid"/>
+                      <a:round/>
+                      <a:headEnd type="none" w="sm" len="sm"/>
+                      <a:tailEnd type="none" w="sm" len="sm"/>
                     </a:lnL>
-                    <a:lnR cap="flat" cmpd="sng" w="19050">
-                      <a:solidFill>
-                        <a:srgbClr val="000000"/>
-                      </a:solidFill>
-                      <a:prstDash val="solid"/>
-                      <a:round/>
-                      <a:headEnd len="sm" w="sm" type="none"/>
-                      <a:tailEnd len="sm" w="sm" type="none"/>
+                    <a:lnR w="19050" cap="flat" cmpd="sng">
+                      <a:solidFill>
+                        <a:srgbClr val="000000"/>
+                      </a:solidFill>
+                      <a:prstDash val="solid"/>
+                      <a:round/>
+                      <a:headEnd type="none" w="sm" len="sm"/>
+                      <a:tailEnd type="none" w="sm" len="sm"/>
                     </a:lnR>
-                    <a:lnT cap="flat" cmpd="sng" w="19050">
-                      <a:solidFill>
-                        <a:srgbClr val="000000"/>
-                      </a:solidFill>
-                      <a:prstDash val="solid"/>
-                      <a:round/>
-                      <a:headEnd len="sm" w="sm" type="none"/>
-                      <a:tailEnd len="sm" w="sm" type="none"/>
+                    <a:lnT w="19050" cap="flat" cmpd="sng">
+                      <a:solidFill>
+                        <a:srgbClr val="000000"/>
+                      </a:solidFill>
+                      <a:prstDash val="solid"/>
+                      <a:round/>
+                      <a:headEnd type="none" w="sm" len="sm"/>
+                      <a:tailEnd type="none" w="sm" len="sm"/>
                     </a:lnT>
-                    <a:lnB cap="flat" cmpd="sng" w="19050">
-                      <a:solidFill>
-                        <a:srgbClr val="000000"/>
-                      </a:solidFill>
-                      <a:prstDash val="solid"/>
-                      <a:round/>
-                      <a:headEnd len="sm" w="sm" type="none"/>
-                      <a:tailEnd len="sm" w="sm" type="none"/>
+                    <a:lnB w="19050" cap="flat" cmpd="sng">
+                      <a:solidFill>
+                        <a:srgbClr val="000000"/>
+                      </a:solidFill>
+                      <a:prstDash val="solid"/>
+                      <a:round/>
+                      <a:headEnd type="none" w="sm" len="sm"/>
+                      <a:tailEnd type="none" w="sm" len="sm"/>
                     </a:lnB>
                     <a:solidFill>
                       <a:srgbClr val="434343"/>
@@ -10117,7 +10279,7 @@
                     <a:bodyPr/>
                     <a:lstStyle/>
                     <a:p>
-                      <a:pPr indent="0" lvl="0" marL="0" rtl="0" algn="ctr">
+                      <a:pPr marL="0" lvl="0" indent="0" algn="ctr" rtl="0">
                         <a:lnSpc>
                           <a:spcPct val="100000"/>
                         </a:lnSpc>
@@ -10130,7 +10292,7 @@
                         <a:buNone/>
                       </a:pPr>
                       <a:r>
-                        <a:rPr b="1" lang="es-419" sz="800">
+                        <a:rPr lang="es-419" sz="800" b="1" dirty="0">
                           <a:solidFill>
                             <a:srgbClr val="FFFFFF"/>
                           </a:solidFill>
@@ -10141,7 +10303,7 @@
                         </a:rPr>
                         <a:t>8</a:t>
                       </a:r>
-                      <a:endParaRPr b="1" sz="800">
+                      <a:endParaRPr sz="800" b="1" dirty="0">
                         <a:solidFill>
                           <a:srgbClr val="FFFFFF"/>
                         </a:solidFill>
@@ -10152,48 +10314,53 @@
                       </a:endParaRPr>
                     </a:p>
                   </a:txBody>
-                  <a:tcPr marT="91425" marB="91425" marR="91425" marL="91425">
-                    <a:lnL cap="flat" cmpd="sng" w="19050">
-                      <a:solidFill>
-                        <a:srgbClr val="000000"/>
-                      </a:solidFill>
-                      <a:prstDash val="solid"/>
-                      <a:round/>
-                      <a:headEnd len="sm" w="sm" type="none"/>
-                      <a:tailEnd len="sm" w="sm" type="none"/>
+                  <a:tcPr marL="91425" marR="91425" marT="91425" marB="91425">
+                    <a:lnL w="19050" cap="flat" cmpd="sng">
+                      <a:solidFill>
+                        <a:srgbClr val="000000"/>
+                      </a:solidFill>
+                      <a:prstDash val="solid"/>
+                      <a:round/>
+                      <a:headEnd type="none" w="sm" len="sm"/>
+                      <a:tailEnd type="none" w="sm" len="sm"/>
                     </a:lnL>
-                    <a:lnR cap="flat" cmpd="sng" w="19050">
-                      <a:solidFill>
-                        <a:srgbClr val="000000"/>
-                      </a:solidFill>
-                      <a:prstDash val="solid"/>
-                      <a:round/>
-                      <a:headEnd len="sm" w="sm" type="none"/>
-                      <a:tailEnd len="sm" w="sm" type="none"/>
+                    <a:lnR w="19050" cap="flat" cmpd="sng">
+                      <a:solidFill>
+                        <a:srgbClr val="000000"/>
+                      </a:solidFill>
+                      <a:prstDash val="solid"/>
+                      <a:round/>
+                      <a:headEnd type="none" w="sm" len="sm"/>
+                      <a:tailEnd type="none" w="sm" len="sm"/>
                     </a:lnR>
-                    <a:lnT cap="flat" cmpd="sng" w="19050">
-                      <a:solidFill>
-                        <a:srgbClr val="000000"/>
-                      </a:solidFill>
-                      <a:prstDash val="solid"/>
-                      <a:round/>
-                      <a:headEnd len="sm" w="sm" type="none"/>
-                      <a:tailEnd len="sm" w="sm" type="none"/>
+                    <a:lnT w="19050" cap="flat" cmpd="sng">
+                      <a:solidFill>
+                        <a:srgbClr val="000000"/>
+                      </a:solidFill>
+                      <a:prstDash val="solid"/>
+                      <a:round/>
+                      <a:headEnd type="none" w="sm" len="sm"/>
+                      <a:tailEnd type="none" w="sm" len="sm"/>
                     </a:lnT>
-                    <a:lnB cap="flat" cmpd="sng" w="19050">
-                      <a:solidFill>
-                        <a:srgbClr val="000000"/>
-                      </a:solidFill>
-                      <a:prstDash val="solid"/>
-                      <a:round/>
-                      <a:headEnd len="sm" w="sm" type="none"/>
-                      <a:tailEnd len="sm" w="sm" type="none"/>
+                    <a:lnB w="19050" cap="flat" cmpd="sng">
+                      <a:solidFill>
+                        <a:srgbClr val="000000"/>
+                      </a:solidFill>
+                      <a:prstDash val="solid"/>
+                      <a:round/>
+                      <a:headEnd type="none" w="sm" len="sm"/>
+                      <a:tailEnd type="none" w="sm" len="sm"/>
                     </a:lnB>
                     <a:solidFill>
                       <a:srgbClr val="434343"/>
                     </a:solidFill>
                   </a:tcPr>
                 </a:tc>
+                <a:extLst>
+                  <a:ext uri="{0D108BD9-81ED-4DB2-BD59-A6C34878D82A}">
+                    <a16:rowId xmlns:a16="http://schemas.microsoft.com/office/drawing/2014/main" val="10014"/>
+                  </a:ext>
+                </a:extLst>
               </a:tr>
             </a:tbl>
           </a:graphicData>
@@ -10219,12 +10386,12 @@
           </a:ln>
         </p:spPr>
         <p:txBody>
-          <a:bodyPr anchorCtr="0" anchor="t" bIns="91425" lIns="91425" spcFirstLastPara="1" rIns="91425" wrap="square" tIns="91425">
+          <a:bodyPr spcFirstLastPara="1" wrap="square" lIns="91425" tIns="91425" rIns="91425" bIns="91425" anchor="t" anchorCtr="0">
             <a:noAutofit/>
           </a:bodyPr>
           <a:lstStyle/>
           <a:p>
-            <a:pPr indent="0" lvl="0" marL="0" rtl="0" algn="l">
+            <a:pPr marL="0" lvl="0" indent="0" algn="l" rtl="0">
               <a:spcBef>
                 <a:spcPts val="0"/>
               </a:spcBef>
@@ -10234,7 +10401,7 @@
               <a:buNone/>
             </a:pPr>
             <a:r>
-              <a:rPr b="1" lang="es-419" sz="2500">
+              <a:rPr lang="es-419" sz="2500" b="1">
                 <a:solidFill>
                   <a:srgbClr val="691932"/>
                 </a:solidFill>
@@ -10243,21 +10410,9 @@
                 <a:cs typeface="Noto Sans"/>
                 <a:sym typeface="Noto Sans"/>
               </a:rPr>
-              <a:t>VEHÍCULOS</a:t>
+              <a:t>VEHÍCULOS DE</a:t>
             </a:r>
-            <a:r>
-              <a:rPr b="1" lang="es-419" sz="2500">
-                <a:solidFill>
-                  <a:srgbClr val="691932"/>
-                </a:solidFill>
-                <a:latin typeface="Noto Sans"/>
-                <a:ea typeface="Noto Sans"/>
-                <a:cs typeface="Noto Sans"/>
-                <a:sym typeface="Noto Sans"/>
-              </a:rPr>
-              <a:t> DE</a:t>
-            </a:r>
-            <a:endParaRPr b="1" sz="2500">
+            <a:endParaRPr sz="2500" b="1">
               <a:solidFill>
                 <a:srgbClr val="691932"/>
               </a:solidFill>
@@ -10268,7 +10423,7 @@
             </a:endParaRPr>
           </a:p>
           <a:p>
-            <a:pPr indent="0" lvl="0" marL="0" rtl="0" algn="l">
+            <a:pPr marL="0" lvl="0" indent="0" algn="l" rtl="0">
               <a:spcBef>
                 <a:spcPts val="0"/>
               </a:spcBef>
@@ -10278,7 +10433,7 @@
               <a:buNone/>
             </a:pPr>
             <a:r>
-              <a:rPr b="1" lang="es-419" sz="2500">
+              <a:rPr lang="es-419" sz="2500" b="1">
                 <a:solidFill>
                   <a:srgbClr val="691932"/>
                 </a:solidFill>
@@ -10289,7 +10444,7 @@
               </a:rPr>
               <a:t>AGUASCALIENTES</a:t>
             </a:r>
-            <a:endParaRPr b="1" sz="2500">
+            <a:endParaRPr sz="2500" b="1">
               <a:solidFill>
                 <a:srgbClr val="691932"/>
               </a:solidFill>
@@ -10338,7 +10493,288 @@
 </file>
 
 <file path=ppt/theme/theme1.xml><?xml version="1.0" encoding="utf-8"?>
-<a:theme xmlns:a="http://schemas.openxmlformats.org/drawingml/2006/main" xmlns:r="http://schemas.openxmlformats.org/officeDocument/2006/relationships">
+<a:theme xmlns:a="http://schemas.openxmlformats.org/drawingml/2006/main" name="Simple Light">
+  <a:themeElements>
+    <a:clrScheme name="Simple Light">
+      <a:dk1>
+        <a:srgbClr val="000000"/>
+      </a:dk1>
+      <a:lt1>
+        <a:srgbClr val="FFFFFF"/>
+      </a:lt1>
+      <a:dk2>
+        <a:srgbClr val="595959"/>
+      </a:dk2>
+      <a:lt2>
+        <a:srgbClr val="EEEEEE"/>
+      </a:lt2>
+      <a:accent1>
+        <a:srgbClr val="4285F4"/>
+      </a:accent1>
+      <a:accent2>
+        <a:srgbClr val="212121"/>
+      </a:accent2>
+      <a:accent3>
+        <a:srgbClr val="78909C"/>
+      </a:accent3>
+      <a:accent4>
+        <a:srgbClr val="FFAB40"/>
+      </a:accent4>
+      <a:accent5>
+        <a:srgbClr val="0097A7"/>
+      </a:accent5>
+      <a:accent6>
+        <a:srgbClr val="EEFF41"/>
+      </a:accent6>
+      <a:hlink>
+        <a:srgbClr val="0097A7"/>
+      </a:hlink>
+      <a:folHlink>
+        <a:srgbClr val="0097A7"/>
+      </a:folHlink>
+    </a:clrScheme>
+    <a:fontScheme name="Office">
+      <a:majorFont>
+        <a:latin typeface="Arial"/>
+        <a:ea typeface=""/>
+        <a:cs typeface=""/>
+        <a:font script="Jpan" typeface="ＭＳ Ｐゴシック"/>
+        <a:font script="Hang" typeface="맑은 고딕"/>
+        <a:font script="Hans" typeface="宋体"/>
+        <a:font script="Hant" typeface="新細明體"/>
+        <a:font script="Arab" typeface="Times New Roman"/>
+        <a:font script="Hebr" typeface="Times New Roman"/>
+        <a:font script="Thai" typeface="Angsana New"/>
+        <a:font script="Ethi" typeface="Nyala"/>
+        <a:font script="Beng" typeface="Vrinda"/>
+        <a:font script="Gujr" typeface="Shruti"/>
+        <a:font script="Khmr" typeface="MoolBoran"/>
+        <a:font script="Knda" typeface="Tunga"/>
+        <a:font script="Guru" typeface="Raavi"/>
+        <a:font script="Cans" typeface="Euphemia"/>
+        <a:font script="Cher" typeface="Plantagenet Cherokee"/>
+        <a:font script="Yiii" typeface="Microsoft Yi Baiti"/>
+        <a:font script="Tibt" typeface="Microsoft Himalaya"/>
+        <a:font script="Thaa" typeface="MV Boli"/>
+        <a:font script="Deva" typeface="Mangal"/>
+        <a:font script="Telu" typeface="Gautami"/>
+        <a:font script="Taml" typeface="Latha"/>
+        <a:font script="Syrc" typeface="Estrangelo Edessa"/>
+        <a:font script="Orya" typeface="Kalinga"/>
+        <a:font script="Mlym" typeface="Kartika"/>
+        <a:font script="Laoo" typeface="DokChampa"/>
+        <a:font script="Sinh" typeface="Iskoola Pota"/>
+        <a:font script="Mong" typeface="Mongolian Baiti"/>
+        <a:font script="Viet" typeface="Times New Roman"/>
+        <a:font script="Uigh" typeface="Microsoft Uighur"/>
+        <a:font script="Geor" typeface="Sylfaen"/>
+      </a:majorFont>
+      <a:minorFont>
+        <a:latin typeface="Arial"/>
+        <a:ea typeface=""/>
+        <a:cs typeface=""/>
+        <a:font script="Jpan" typeface="ＭＳ Ｐゴシック"/>
+        <a:font script="Hang" typeface="맑은 고딕"/>
+        <a:font script="Hans" typeface="宋体"/>
+        <a:font script="Hant" typeface="新細明體"/>
+        <a:font script="Arab" typeface="Arial"/>
+        <a:font script="Hebr" typeface="Arial"/>
+        <a:font script="Thai" typeface="Cordia New"/>
+        <a:font script="Ethi" typeface="Nyala"/>
+        <a:font script="Beng" typeface="Vrinda"/>
+        <a:font script="Gujr" typeface="Shruti"/>
+        <a:font script="Khmr" typeface="DaunPenh"/>
+        <a:font script="Knda" typeface="Tunga"/>
+        <a:font script="Guru" typeface="Raavi"/>
+        <a:font script="Cans" typeface="Euphemia"/>
+        <a:font script="Cher" typeface="Plantagenet Cherokee"/>
+        <a:font script="Yiii" typeface="Microsoft Yi Baiti"/>
+        <a:font script="Tibt" typeface="Microsoft Himalaya"/>
+        <a:font script="Thaa" typeface="MV Boli"/>
+        <a:font script="Deva" typeface="Mangal"/>
+        <a:font script="Telu" typeface="Gautami"/>
+        <a:font script="Taml" typeface="Latha"/>
+        <a:font script="Syrc" typeface="Estrangelo Edessa"/>
+        <a:font script="Orya" typeface="Kalinga"/>
+        <a:font script="Mlym" typeface="Kartika"/>
+        <a:font script="Laoo" typeface="DokChampa"/>
+        <a:font script="Sinh" typeface="Iskoola Pota"/>
+        <a:font script="Mong" typeface="Mongolian Baiti"/>
+        <a:font script="Viet" typeface="Arial"/>
+        <a:font script="Uigh" typeface="Microsoft Uighur"/>
+        <a:font script="Geor" typeface="Sylfaen"/>
+      </a:minorFont>
+    </a:fontScheme>
+    <a:fmtScheme name="Office">
+      <a:fillStyleLst>
+        <a:solidFill>
+          <a:schemeClr val="phClr"/>
+        </a:solidFill>
+        <a:gradFill rotWithShape="1">
+          <a:gsLst>
+            <a:gs pos="0">
+              <a:schemeClr val="phClr">
+                <a:tint val="50000"/>
+                <a:satMod val="300000"/>
+              </a:schemeClr>
+            </a:gs>
+            <a:gs pos="35000">
+              <a:schemeClr val="phClr">
+                <a:tint val="37000"/>
+                <a:satMod val="300000"/>
+              </a:schemeClr>
+            </a:gs>
+            <a:gs pos="100000">
+              <a:schemeClr val="phClr">
+                <a:tint val="15000"/>
+                <a:satMod val="350000"/>
+              </a:schemeClr>
+            </a:gs>
+          </a:gsLst>
+          <a:lin ang="16200000" scaled="1"/>
+        </a:gradFill>
+        <a:gradFill rotWithShape="1">
+          <a:gsLst>
+            <a:gs pos="0">
+              <a:schemeClr val="phClr">
+                <a:tint val="100000"/>
+                <a:shade val="100000"/>
+                <a:satMod val="130000"/>
+              </a:schemeClr>
+            </a:gs>
+            <a:gs pos="100000">
+              <a:schemeClr val="phClr">
+                <a:tint val="50000"/>
+                <a:shade val="100000"/>
+                <a:satMod val="350000"/>
+              </a:schemeClr>
+            </a:gs>
+          </a:gsLst>
+          <a:lin ang="16200000" scaled="0"/>
+        </a:gradFill>
+      </a:fillStyleLst>
+      <a:lnStyleLst>
+        <a:ln w="9525" cap="flat" cmpd="sng" algn="ctr">
+          <a:solidFill>
+            <a:schemeClr val="phClr">
+              <a:shade val="95000"/>
+              <a:satMod val="105000"/>
+            </a:schemeClr>
+          </a:solidFill>
+          <a:prstDash val="solid"/>
+        </a:ln>
+        <a:ln w="25400" cap="flat" cmpd="sng" algn="ctr">
+          <a:solidFill>
+            <a:schemeClr val="phClr"/>
+          </a:solidFill>
+          <a:prstDash val="solid"/>
+        </a:ln>
+        <a:ln w="38100" cap="flat" cmpd="sng" algn="ctr">
+          <a:solidFill>
+            <a:schemeClr val="phClr"/>
+          </a:solidFill>
+          <a:prstDash val="solid"/>
+        </a:ln>
+      </a:lnStyleLst>
+      <a:effectStyleLst>
+        <a:effectStyle>
+          <a:effectLst>
+            <a:outerShdw blurRad="40000" dist="20000" dir="5400000" rotWithShape="0">
+              <a:srgbClr val="000000">
+                <a:alpha val="38000"/>
+              </a:srgbClr>
+            </a:outerShdw>
+          </a:effectLst>
+        </a:effectStyle>
+        <a:effectStyle>
+          <a:effectLst>
+            <a:outerShdw blurRad="40000" dist="23000" dir="5400000" rotWithShape="0">
+              <a:srgbClr val="000000">
+                <a:alpha val="35000"/>
+              </a:srgbClr>
+            </a:outerShdw>
+          </a:effectLst>
+        </a:effectStyle>
+        <a:effectStyle>
+          <a:effectLst>
+            <a:outerShdw blurRad="40000" dist="23000" dir="5400000" rotWithShape="0">
+              <a:srgbClr val="000000">
+                <a:alpha val="35000"/>
+              </a:srgbClr>
+            </a:outerShdw>
+          </a:effectLst>
+          <a:scene3d>
+            <a:camera prst="orthographicFront">
+              <a:rot lat="0" lon="0" rev="0"/>
+            </a:camera>
+            <a:lightRig rig="threePt" dir="t">
+              <a:rot lat="0" lon="0" rev="1200000"/>
+            </a:lightRig>
+          </a:scene3d>
+          <a:sp3d>
+            <a:bevelT w="63500" h="25400"/>
+          </a:sp3d>
+        </a:effectStyle>
+      </a:effectStyleLst>
+      <a:bgFillStyleLst>
+        <a:solidFill>
+          <a:schemeClr val="phClr"/>
+        </a:solidFill>
+        <a:gradFill rotWithShape="1">
+          <a:gsLst>
+            <a:gs pos="0">
+              <a:schemeClr val="phClr">
+                <a:tint val="40000"/>
+                <a:satMod val="350000"/>
+              </a:schemeClr>
+            </a:gs>
+            <a:gs pos="40000">
+              <a:schemeClr val="phClr">
+                <a:tint val="45000"/>
+                <a:shade val="99000"/>
+                <a:satMod val="350000"/>
+              </a:schemeClr>
+            </a:gs>
+            <a:gs pos="100000">
+              <a:schemeClr val="phClr">
+                <a:shade val="20000"/>
+                <a:satMod val="255000"/>
+              </a:schemeClr>
+            </a:gs>
+          </a:gsLst>
+          <a:path path="circle">
+            <a:fillToRect l="50000" t="-80000" r="50000" b="180000"/>
+          </a:path>
+        </a:gradFill>
+        <a:gradFill rotWithShape="1">
+          <a:gsLst>
+            <a:gs pos="0">
+              <a:schemeClr val="phClr">
+                <a:tint val="80000"/>
+                <a:satMod val="300000"/>
+              </a:schemeClr>
+            </a:gs>
+            <a:gs pos="100000">
+              <a:schemeClr val="phClr">
+                <a:shade val="30000"/>
+                <a:satMod val="200000"/>
+              </a:schemeClr>
+            </a:gs>
+          </a:gsLst>
+          <a:path path="circle">
+            <a:fillToRect l="50000" t="50000" r="50000" b="50000"/>
+          </a:path>
+        </a:gradFill>
+      </a:bgFillStyleLst>
+    </a:fmtScheme>
+  </a:themeElements>
+  <a:objectDefaults/>
+  <a:extraClrSchemeLst/>
+</a:theme>
+</file>
+
+<file path=ppt/theme/theme2.xml><?xml version="1.0" encoding="utf-8"?>
+<a:theme xmlns:a="http://schemas.openxmlformats.org/drawingml/2006/main">
   <a:themeElements>
     <a:clrScheme name="Default">
       <a:dk1>
@@ -10613,284 +11049,7 @@
       </a:bgFillStyleLst>
     </a:fmtScheme>
   </a:themeElements>
-</a:theme>
-</file>
-
-<file path=ppt/theme/theme2.xml><?xml version="1.0" encoding="utf-8"?>
-<a:theme xmlns:a="http://schemas.openxmlformats.org/drawingml/2006/main" xmlns:r="http://schemas.openxmlformats.org/officeDocument/2006/relationships" name="Simple Light">
-  <a:themeElements>
-    <a:clrScheme name="Simple Light">
-      <a:dk1>
-        <a:srgbClr val="000000"/>
-      </a:dk1>
-      <a:lt1>
-        <a:srgbClr val="FFFFFF"/>
-      </a:lt1>
-      <a:dk2>
-        <a:srgbClr val="595959"/>
-      </a:dk2>
-      <a:lt2>
-        <a:srgbClr val="EEEEEE"/>
-      </a:lt2>
-      <a:accent1>
-        <a:srgbClr val="4285F4"/>
-      </a:accent1>
-      <a:accent2>
-        <a:srgbClr val="212121"/>
-      </a:accent2>
-      <a:accent3>
-        <a:srgbClr val="78909C"/>
-      </a:accent3>
-      <a:accent4>
-        <a:srgbClr val="FFAB40"/>
-      </a:accent4>
-      <a:accent5>
-        <a:srgbClr val="0097A7"/>
-      </a:accent5>
-      <a:accent6>
-        <a:srgbClr val="EEFF41"/>
-      </a:accent6>
-      <a:hlink>
-        <a:srgbClr val="0097A7"/>
-      </a:hlink>
-      <a:folHlink>
-        <a:srgbClr val="0097A7"/>
-      </a:folHlink>
-    </a:clrScheme>
-    <a:fontScheme name="Office">
-      <a:majorFont>
-        <a:latin typeface="Arial"/>
-        <a:ea typeface=""/>
-        <a:cs typeface=""/>
-        <a:font script="Jpan" typeface="ＭＳ Ｐゴシック"/>
-        <a:font script="Hang" typeface="맑은 고딕"/>
-        <a:font script="Hans" typeface="宋体"/>
-        <a:font script="Hant" typeface="新細明體"/>
-        <a:font script="Arab" typeface="Times New Roman"/>
-        <a:font script="Hebr" typeface="Times New Roman"/>
-        <a:font script="Thai" typeface="Angsana New"/>
-        <a:font script="Ethi" typeface="Nyala"/>
-        <a:font script="Beng" typeface="Vrinda"/>
-        <a:font script="Gujr" typeface="Shruti"/>
-        <a:font script="Khmr" typeface="MoolBoran"/>
-        <a:font script="Knda" typeface="Tunga"/>
-        <a:font script="Guru" typeface="Raavi"/>
-        <a:font script="Cans" typeface="Euphemia"/>
-        <a:font script="Cher" typeface="Plantagenet Cherokee"/>
-        <a:font script="Yiii" typeface="Microsoft Yi Baiti"/>
-        <a:font script="Tibt" typeface="Microsoft Himalaya"/>
-        <a:font script="Thaa" typeface="MV Boli"/>
-        <a:font script="Deva" typeface="Mangal"/>
-        <a:font script="Telu" typeface="Gautami"/>
-        <a:font script="Taml" typeface="Latha"/>
-        <a:font script="Syrc" typeface="Estrangelo Edessa"/>
-        <a:font script="Orya" typeface="Kalinga"/>
-        <a:font script="Mlym" typeface="Kartika"/>
-        <a:font script="Laoo" typeface="DokChampa"/>
-        <a:font script="Sinh" typeface="Iskoola Pota"/>
-        <a:font script="Mong" typeface="Mongolian Baiti"/>
-        <a:font script="Viet" typeface="Times New Roman"/>
-        <a:font script="Uigh" typeface="Microsoft Uighur"/>
-        <a:font script="Geor" typeface="Sylfaen"/>
-      </a:majorFont>
-      <a:minorFont>
-        <a:latin typeface="Arial"/>
-        <a:ea typeface=""/>
-        <a:cs typeface=""/>
-        <a:font script="Jpan" typeface="ＭＳ Ｐゴシック"/>
-        <a:font script="Hang" typeface="맑은 고딕"/>
-        <a:font script="Hans" typeface="宋体"/>
-        <a:font script="Hant" typeface="新細明體"/>
-        <a:font script="Arab" typeface="Arial"/>
-        <a:font script="Hebr" typeface="Arial"/>
-        <a:font script="Thai" typeface="Cordia New"/>
-        <a:font script="Ethi" typeface="Nyala"/>
-        <a:font script="Beng" typeface="Vrinda"/>
-        <a:font script="Gujr" typeface="Shruti"/>
-        <a:font script="Khmr" typeface="DaunPenh"/>
-        <a:font script="Knda" typeface="Tunga"/>
-        <a:font script="Guru" typeface="Raavi"/>
-        <a:font script="Cans" typeface="Euphemia"/>
-        <a:font script="Cher" typeface="Plantagenet Cherokee"/>
-        <a:font script="Yiii" typeface="Microsoft Yi Baiti"/>
-        <a:font script="Tibt" typeface="Microsoft Himalaya"/>
-        <a:font script="Thaa" typeface="MV Boli"/>
-        <a:font script="Deva" typeface="Mangal"/>
-        <a:font script="Telu" typeface="Gautami"/>
-        <a:font script="Taml" typeface="Latha"/>
-        <a:font script="Syrc" typeface="Estrangelo Edessa"/>
-        <a:font script="Orya" typeface="Kalinga"/>
-        <a:font script="Mlym" typeface="Kartika"/>
-        <a:font script="Laoo" typeface="DokChampa"/>
-        <a:font script="Sinh" typeface="Iskoola Pota"/>
-        <a:font script="Mong" typeface="Mongolian Baiti"/>
-        <a:font script="Viet" typeface="Arial"/>
-        <a:font script="Uigh" typeface="Microsoft Uighur"/>
-        <a:font script="Geor" typeface="Sylfaen"/>
-      </a:minorFont>
-    </a:fontScheme>
-    <a:fmtScheme name="Office">
-      <a:fillStyleLst>
-        <a:solidFill>
-          <a:schemeClr val="phClr"/>
-        </a:solidFill>
-        <a:gradFill rotWithShape="1">
-          <a:gsLst>
-            <a:gs pos="0">
-              <a:schemeClr val="phClr">
-                <a:tint val="50000"/>
-                <a:satMod val="300000"/>
-              </a:schemeClr>
-            </a:gs>
-            <a:gs pos="35000">
-              <a:schemeClr val="phClr">
-                <a:tint val="37000"/>
-                <a:satMod val="300000"/>
-              </a:schemeClr>
-            </a:gs>
-            <a:gs pos="100000">
-              <a:schemeClr val="phClr">
-                <a:tint val="15000"/>
-                <a:satMod val="350000"/>
-              </a:schemeClr>
-            </a:gs>
-          </a:gsLst>
-          <a:lin ang="16200000" scaled="1"/>
-        </a:gradFill>
-        <a:gradFill rotWithShape="1">
-          <a:gsLst>
-            <a:gs pos="0">
-              <a:schemeClr val="phClr">
-                <a:tint val="100000"/>
-                <a:shade val="100000"/>
-                <a:satMod val="130000"/>
-              </a:schemeClr>
-            </a:gs>
-            <a:gs pos="100000">
-              <a:schemeClr val="phClr">
-                <a:tint val="50000"/>
-                <a:shade val="100000"/>
-                <a:satMod val="350000"/>
-              </a:schemeClr>
-            </a:gs>
-          </a:gsLst>
-          <a:lin ang="16200000" scaled="0"/>
-        </a:gradFill>
-      </a:fillStyleLst>
-      <a:lnStyleLst>
-        <a:ln w="9525" cap="flat" cmpd="sng" algn="ctr">
-          <a:solidFill>
-            <a:schemeClr val="phClr">
-              <a:shade val="95000"/>
-              <a:satMod val="105000"/>
-            </a:schemeClr>
-          </a:solidFill>
-          <a:prstDash val="solid"/>
-        </a:ln>
-        <a:ln w="25400" cap="flat" cmpd="sng" algn="ctr">
-          <a:solidFill>
-            <a:schemeClr val="phClr"/>
-          </a:solidFill>
-          <a:prstDash val="solid"/>
-        </a:ln>
-        <a:ln w="38100" cap="flat" cmpd="sng" algn="ctr">
-          <a:solidFill>
-            <a:schemeClr val="phClr"/>
-          </a:solidFill>
-          <a:prstDash val="solid"/>
-        </a:ln>
-      </a:lnStyleLst>
-      <a:effectStyleLst>
-        <a:effectStyle>
-          <a:effectLst>
-            <a:outerShdw blurRad="40000" dist="20000" dir="5400000" rotWithShape="0">
-              <a:srgbClr val="000000">
-                <a:alpha val="38000"/>
-              </a:srgbClr>
-            </a:outerShdw>
-          </a:effectLst>
-        </a:effectStyle>
-        <a:effectStyle>
-          <a:effectLst>
-            <a:outerShdw blurRad="40000" dist="23000" dir="5400000" rotWithShape="0">
-              <a:srgbClr val="000000">
-                <a:alpha val="35000"/>
-              </a:srgbClr>
-            </a:outerShdw>
-          </a:effectLst>
-        </a:effectStyle>
-        <a:effectStyle>
-          <a:effectLst>
-            <a:outerShdw blurRad="40000" dist="23000" dir="5400000" rotWithShape="0">
-              <a:srgbClr val="000000">
-                <a:alpha val="35000"/>
-              </a:srgbClr>
-            </a:outerShdw>
-          </a:effectLst>
-          <a:scene3d>
-            <a:camera prst="orthographicFront">
-              <a:rot lat="0" lon="0" rev="0"/>
-            </a:camera>
-            <a:lightRig rig="threePt" dir="t">
-              <a:rot lat="0" lon="0" rev="1200000"/>
-            </a:lightRig>
-          </a:scene3d>
-          <a:sp3d>
-            <a:bevelT w="63500" h="25400"/>
-          </a:sp3d>
-        </a:effectStyle>
-      </a:effectStyleLst>
-      <a:bgFillStyleLst>
-        <a:solidFill>
-          <a:schemeClr val="phClr"/>
-        </a:solidFill>
-        <a:gradFill rotWithShape="1">
-          <a:gsLst>
-            <a:gs pos="0">
-              <a:schemeClr val="phClr">
-                <a:tint val="40000"/>
-                <a:satMod val="350000"/>
-              </a:schemeClr>
-            </a:gs>
-            <a:gs pos="40000">
-              <a:schemeClr val="phClr">
-                <a:tint val="45000"/>
-                <a:shade val="99000"/>
-                <a:satMod val="350000"/>
-              </a:schemeClr>
-            </a:gs>
-            <a:gs pos="100000">
-              <a:schemeClr val="phClr">
-                <a:shade val="20000"/>
-                <a:satMod val="255000"/>
-              </a:schemeClr>
-            </a:gs>
-          </a:gsLst>
-          <a:path path="circle">
-            <a:fillToRect l="50000" t="-80000" r="50000" b="180000"/>
-          </a:path>
-        </a:gradFill>
-        <a:gradFill rotWithShape="1">
-          <a:gsLst>
-            <a:gs pos="0">
-              <a:schemeClr val="phClr">
-                <a:tint val="80000"/>
-                <a:satMod val="300000"/>
-              </a:schemeClr>
-            </a:gs>
-            <a:gs pos="100000">
-              <a:schemeClr val="phClr">
-                <a:shade val="30000"/>
-                <a:satMod val="200000"/>
-              </a:schemeClr>
-            </a:gs>
-          </a:gsLst>
-          <a:path path="circle">
-            <a:fillToRect l="50000" t="50000" r="50000" b="50000"/>
-          </a:path>
-        </a:gradFill>
-      </a:bgFillStyleLst>
-    </a:fmtScheme>
-  </a:themeElements>
+  <a:objectDefaults/>
+  <a:extraClrSchemeLst/>
 </a:theme>
 </file>